--- a/GIT.pptx
+++ b/GIT.pptx
@@ -5,7 +5,7 @@
     <p:sldMasterId id="2147483657" r:id="rId1"/>
   </p:sldMasterIdLst>
   <p:notesMasterIdLst>
-    <p:notesMasterId r:id="rId75"/>
+    <p:notesMasterId r:id="rId79"/>
   </p:notesMasterIdLst>
   <p:sldIdLst>
     <p:sldId id="358" r:id="rId2"/>
@@ -80,21 +80,18 @@
     <p:sldId id="364" r:id="rId71"/>
     <p:sldId id="366" r:id="rId72"/>
     <p:sldId id="367" r:id="rId73"/>
-    <p:sldId id="405" r:id="rId74"/>
+    <p:sldId id="406" r:id="rId74"/>
+    <p:sldId id="407" r:id="rId75"/>
+    <p:sldId id="408" r:id="rId76"/>
+    <p:sldId id="409" r:id="rId77"/>
+    <p:sldId id="405" r:id="rId78"/>
   </p:sldIdLst>
   <p:sldSz cx="9144000" cy="5143500" type="screen16x9"/>
   <p:notesSz cx="6858000" cy="9144000"/>
   <p:embeddedFontLst>
     <p:embeddedFont>
       <p:font typeface="Lucida Console" pitchFamily="49" charset="0"/>
-      <p:regular r:id="rId76"/>
-    </p:embeddedFont>
-    <p:embeddedFont>
-      <p:font typeface="Roboto Condensed Light" charset="0"/>
-      <p:regular r:id="rId77"/>
-      <p:bold r:id="rId78"/>
-      <p:italic r:id="rId79"/>
-      <p:boldItalic r:id="rId80"/>
+      <p:regular r:id="rId80"/>
     </p:embeddedFont>
     <p:embeddedFont>
       <p:font typeface="Roboto Condensed" charset="0"/>
@@ -104,11 +101,18 @@
       <p:boldItalic r:id="rId84"/>
     </p:embeddedFont>
     <p:embeddedFont>
-      <p:font typeface="Arvo" charset="0"/>
+      <p:font typeface="Roboto Condensed Light" charset="0"/>
       <p:regular r:id="rId85"/>
       <p:bold r:id="rId86"/>
       <p:italic r:id="rId87"/>
       <p:boldItalic r:id="rId88"/>
+    </p:embeddedFont>
+    <p:embeddedFont>
+      <p:font typeface="Arvo" charset="0"/>
+      <p:regular r:id="rId89"/>
+      <p:bold r:id="rId90"/>
+      <p:italic r:id="rId91"/>
+      <p:boldItalic r:id="rId92"/>
     </p:embeddedFont>
   </p:embeddedFontLst>
   <p:defaultTextStyle>
@@ -315,7 +319,7 @@
   </p:defaultTextStyle>
   <p:extLst>
     <p:ext uri="{EFAFB233-063F-42B5-8137-9DF3F51BA10A}">
-      <p15:sldGuideLst xmlns:p15="http://schemas.microsoft.com/office/powerpoint/2012/main" xmlns="">
+      <p15:sldGuideLst xmlns="" xmlns:p15="http://schemas.microsoft.com/office/powerpoint/2012/main">
         <p15:guide id="1" orient="horz" pos="1620">
           <p15:clr>
             <a:srgbClr val="A4A3A4"/>
@@ -5347,7 +5351,7 @@
           <p:cNvPr id="6" name="Text Placeholder 2">
             <a:extLst>
               <a:ext uri="{FF2B5EF4-FFF2-40B4-BE49-F238E27FC236}">
-                <a16:creationId xmlns:a16="http://schemas.microsoft.com/office/drawing/2014/main" xmlns="" id="{BCC204B9-DFA1-4491-83BA-272E5E5E14B8}"/>
+                <a16:creationId xmlns="" xmlns:a16="http://schemas.microsoft.com/office/drawing/2014/main" id="{BCC204B9-DFA1-4491-83BA-272E5E5E14B8}"/>
               </a:ext>
             </a:extLst>
           </p:cNvPr>
@@ -5961,7 +5965,7 @@
           <p:cNvPr id="2" name="Title 1">
             <a:extLst>
               <a:ext uri="{FF2B5EF4-FFF2-40B4-BE49-F238E27FC236}">
-                <a16:creationId xmlns:a16="http://schemas.microsoft.com/office/drawing/2014/main" xmlns="" id="{88C65E14-305F-4095-8D5C-F10F56B67D05}"/>
+                <a16:creationId xmlns="" xmlns:a16="http://schemas.microsoft.com/office/drawing/2014/main" id="{88C65E14-305F-4095-8D5C-F10F56B67D05}"/>
               </a:ext>
             </a:extLst>
           </p:cNvPr>
@@ -5989,7 +5993,7 @@
           <p:cNvPr id="3" name="Text Placeholder 2">
             <a:extLst>
               <a:ext uri="{FF2B5EF4-FFF2-40B4-BE49-F238E27FC236}">
-                <a16:creationId xmlns:a16="http://schemas.microsoft.com/office/drawing/2014/main" xmlns="" id="{7A20E822-6F1F-4EB9-9E50-D4AD9F4F389A}"/>
+                <a16:creationId xmlns="" xmlns:a16="http://schemas.microsoft.com/office/drawing/2014/main" id="{7A20E822-6F1F-4EB9-9E50-D4AD9F4F389A}"/>
               </a:ext>
             </a:extLst>
           </p:cNvPr>
@@ -6075,7 +6079,7 @@
           <p:cNvPr id="5" name="Slide Number Placeholder 4">
             <a:extLst>
               <a:ext uri="{FF2B5EF4-FFF2-40B4-BE49-F238E27FC236}">
-                <a16:creationId xmlns:a16="http://schemas.microsoft.com/office/drawing/2014/main" xmlns="" id="{123C1F68-864B-457C-A95A-268267D7A10E}"/>
+                <a16:creationId xmlns="" xmlns:a16="http://schemas.microsoft.com/office/drawing/2014/main" id="{123C1F68-864B-457C-A95A-268267D7A10E}"/>
               </a:ext>
             </a:extLst>
           </p:cNvPr>
@@ -6268,7 +6272,7 @@
           <p:cNvPr id="2" name="Title 1">
             <a:extLst>
               <a:ext uri="{FF2B5EF4-FFF2-40B4-BE49-F238E27FC236}">
-                <a16:creationId xmlns:a16="http://schemas.microsoft.com/office/drawing/2014/main" xmlns="" id="{88C65E14-305F-4095-8D5C-F10F56B67D05}"/>
+                <a16:creationId xmlns="" xmlns:a16="http://schemas.microsoft.com/office/drawing/2014/main" id="{88C65E14-305F-4095-8D5C-F10F56B67D05}"/>
               </a:ext>
             </a:extLst>
           </p:cNvPr>
@@ -6296,7 +6300,7 @@
           <p:cNvPr id="5" name="Slide Number Placeholder 4">
             <a:extLst>
               <a:ext uri="{FF2B5EF4-FFF2-40B4-BE49-F238E27FC236}">
-                <a16:creationId xmlns:a16="http://schemas.microsoft.com/office/drawing/2014/main" xmlns="" id="{123C1F68-864B-457C-A95A-268267D7A10E}"/>
+                <a16:creationId xmlns="" xmlns:a16="http://schemas.microsoft.com/office/drawing/2014/main" id="{123C1F68-864B-457C-A95A-268267D7A10E}"/>
               </a:ext>
             </a:extLst>
           </p:cNvPr>
@@ -6398,7 +6402,7 @@
           <p:cNvPr id="2" name="Title 1">
             <a:extLst>
               <a:ext uri="{FF2B5EF4-FFF2-40B4-BE49-F238E27FC236}">
-                <a16:creationId xmlns:a16="http://schemas.microsoft.com/office/drawing/2014/main" xmlns="" id="{88C65E14-305F-4095-8D5C-F10F56B67D05}"/>
+                <a16:creationId xmlns="" xmlns:a16="http://schemas.microsoft.com/office/drawing/2014/main" id="{88C65E14-305F-4095-8D5C-F10F56B67D05}"/>
               </a:ext>
             </a:extLst>
           </p:cNvPr>
@@ -6426,7 +6430,7 @@
           <p:cNvPr id="5" name="Slide Number Placeholder 4">
             <a:extLst>
               <a:ext uri="{FF2B5EF4-FFF2-40B4-BE49-F238E27FC236}">
-                <a16:creationId xmlns:a16="http://schemas.microsoft.com/office/drawing/2014/main" xmlns="" id="{123C1F68-864B-457C-A95A-268267D7A10E}"/>
+                <a16:creationId xmlns="" xmlns:a16="http://schemas.microsoft.com/office/drawing/2014/main" id="{123C1F68-864B-457C-A95A-268267D7A10E}"/>
               </a:ext>
             </a:extLst>
           </p:cNvPr>
@@ -6528,7 +6532,7 @@
           <p:cNvPr id="2" name="Title 1">
             <a:extLst>
               <a:ext uri="{FF2B5EF4-FFF2-40B4-BE49-F238E27FC236}">
-                <a16:creationId xmlns:a16="http://schemas.microsoft.com/office/drawing/2014/main" xmlns="" id="{88C65E14-305F-4095-8D5C-F10F56B67D05}"/>
+                <a16:creationId xmlns="" xmlns:a16="http://schemas.microsoft.com/office/drawing/2014/main" id="{88C65E14-305F-4095-8D5C-F10F56B67D05}"/>
               </a:ext>
             </a:extLst>
           </p:cNvPr>
@@ -6556,7 +6560,7 @@
           <p:cNvPr id="5" name="Slide Number Placeholder 4">
             <a:extLst>
               <a:ext uri="{FF2B5EF4-FFF2-40B4-BE49-F238E27FC236}">
-                <a16:creationId xmlns:a16="http://schemas.microsoft.com/office/drawing/2014/main" xmlns="" id="{123C1F68-864B-457C-A95A-268267D7A10E}"/>
+                <a16:creationId xmlns="" xmlns:a16="http://schemas.microsoft.com/office/drawing/2014/main" id="{123C1F68-864B-457C-A95A-268267D7A10E}"/>
               </a:ext>
             </a:extLst>
           </p:cNvPr>
@@ -8950,7 +8954,7 @@
           <p:cNvPr id="5" name="Text Placeholder 2">
             <a:extLst>
               <a:ext uri="{FF2B5EF4-FFF2-40B4-BE49-F238E27FC236}">
-                <a16:creationId xmlns:a16="http://schemas.microsoft.com/office/drawing/2014/main" xmlns="" id="{BCC204B9-DFA1-4491-83BA-272E5E5E14B8}"/>
+                <a16:creationId xmlns="" xmlns:a16="http://schemas.microsoft.com/office/drawing/2014/main" id="{BCC204B9-DFA1-4491-83BA-272E5E5E14B8}"/>
               </a:ext>
             </a:extLst>
           </p:cNvPr>
@@ -9529,7 +9533,7 @@
           <p:cNvPr id="5" name="Text Placeholder 2">
             <a:extLst>
               <a:ext uri="{FF2B5EF4-FFF2-40B4-BE49-F238E27FC236}">
-                <a16:creationId xmlns:a16="http://schemas.microsoft.com/office/drawing/2014/main" xmlns="" id="{BCC204B9-DFA1-4491-83BA-272E5E5E14B8}"/>
+                <a16:creationId xmlns="" xmlns:a16="http://schemas.microsoft.com/office/drawing/2014/main" id="{BCC204B9-DFA1-4491-83BA-272E5E5E14B8}"/>
               </a:ext>
             </a:extLst>
           </p:cNvPr>
@@ -10123,7 +10127,7 @@
           <p:cNvPr id="5" name="Text Placeholder 2">
             <a:extLst>
               <a:ext uri="{FF2B5EF4-FFF2-40B4-BE49-F238E27FC236}">
-                <a16:creationId xmlns:a16="http://schemas.microsoft.com/office/drawing/2014/main" xmlns="" id="{BCC204B9-DFA1-4491-83BA-272E5E5E14B8}"/>
+                <a16:creationId xmlns="" xmlns:a16="http://schemas.microsoft.com/office/drawing/2014/main" id="{BCC204B9-DFA1-4491-83BA-272E5E5E14B8}"/>
               </a:ext>
             </a:extLst>
           </p:cNvPr>
@@ -10746,7 +10750,7 @@
           <p:cNvPr id="5" name="Text Placeholder 2">
             <a:extLst>
               <a:ext uri="{FF2B5EF4-FFF2-40B4-BE49-F238E27FC236}">
-                <a16:creationId xmlns:a16="http://schemas.microsoft.com/office/drawing/2014/main" xmlns="" id="{BCC204B9-DFA1-4491-83BA-272E5E5E14B8}"/>
+                <a16:creationId xmlns="" xmlns:a16="http://schemas.microsoft.com/office/drawing/2014/main" id="{BCC204B9-DFA1-4491-83BA-272E5E5E14B8}"/>
               </a:ext>
             </a:extLst>
           </p:cNvPr>
@@ -11360,7 +11364,7 @@
           <p:cNvPr id="5" name="Text Placeholder 2">
             <a:extLst>
               <a:ext uri="{FF2B5EF4-FFF2-40B4-BE49-F238E27FC236}">
-                <a16:creationId xmlns:a16="http://schemas.microsoft.com/office/drawing/2014/main" xmlns="" id="{BCC204B9-DFA1-4491-83BA-272E5E5E14B8}"/>
+                <a16:creationId xmlns="" xmlns:a16="http://schemas.microsoft.com/office/drawing/2014/main" id="{BCC204B9-DFA1-4491-83BA-272E5E5E14B8}"/>
               </a:ext>
             </a:extLst>
           </p:cNvPr>
@@ -14072,7 +14076,7 @@
           <p:cNvPr id="25" name="Straight Connector 24">
             <a:extLst>
               <a:ext uri="{FF2B5EF4-FFF2-40B4-BE49-F238E27FC236}">
-                <a16:creationId xmlns:a16="http://schemas.microsoft.com/office/drawing/2014/main" xmlns="" id="{C0BDAA07-FDFF-42E6-BCDB-0AC58BC399F3}"/>
+                <a16:creationId xmlns="" xmlns:a16="http://schemas.microsoft.com/office/drawing/2014/main" id="{C0BDAA07-FDFF-42E6-BCDB-0AC58BC399F3}"/>
               </a:ext>
             </a:extLst>
           </p:cNvPr>
@@ -14316,7 +14320,7 @@
           <p:cNvPr id="5" name="Text Placeholder 2">
             <a:extLst>
               <a:ext uri="{FF2B5EF4-FFF2-40B4-BE49-F238E27FC236}">
-                <a16:creationId xmlns:a16="http://schemas.microsoft.com/office/drawing/2014/main" xmlns="" id="{BCC204B9-DFA1-4491-83BA-272E5E5E14B8}"/>
+                <a16:creationId xmlns="" xmlns:a16="http://schemas.microsoft.com/office/drawing/2014/main" id="{BCC204B9-DFA1-4491-83BA-272E5E5E14B8}"/>
               </a:ext>
             </a:extLst>
           </p:cNvPr>
@@ -14980,7 +14984,7 @@
           <p:cNvPr id="5" name="Text Placeholder 2">
             <a:extLst>
               <a:ext uri="{FF2B5EF4-FFF2-40B4-BE49-F238E27FC236}">
-                <a16:creationId xmlns:a16="http://schemas.microsoft.com/office/drawing/2014/main" xmlns="" id="{BCC204B9-DFA1-4491-83BA-272E5E5E14B8}"/>
+                <a16:creationId xmlns="" xmlns:a16="http://schemas.microsoft.com/office/drawing/2014/main" id="{BCC204B9-DFA1-4491-83BA-272E5E5E14B8}"/>
               </a:ext>
             </a:extLst>
           </p:cNvPr>
@@ -20600,7 +20604,7 @@
           <p:cNvPr id="5" name="Text Placeholder 2">
             <a:extLst>
               <a:ext uri="{FF2B5EF4-FFF2-40B4-BE49-F238E27FC236}">
-                <a16:creationId xmlns:a16="http://schemas.microsoft.com/office/drawing/2014/main" xmlns="" id="{BCC204B9-DFA1-4491-83BA-272E5E5E14B8}"/>
+                <a16:creationId xmlns="" xmlns:a16="http://schemas.microsoft.com/office/drawing/2014/main" id="{BCC204B9-DFA1-4491-83BA-272E5E5E14B8}"/>
               </a:ext>
             </a:extLst>
           </p:cNvPr>
@@ -21297,7 +21301,7 @@
           <p:cNvPr id="5" name="Text Placeholder 2">
             <a:extLst>
               <a:ext uri="{FF2B5EF4-FFF2-40B4-BE49-F238E27FC236}">
-                <a16:creationId xmlns:a16="http://schemas.microsoft.com/office/drawing/2014/main" xmlns="" id="{BCC204B9-DFA1-4491-83BA-272E5E5E14B8}"/>
+                <a16:creationId xmlns="" xmlns:a16="http://schemas.microsoft.com/office/drawing/2014/main" id="{BCC204B9-DFA1-4491-83BA-272E5E5E14B8}"/>
               </a:ext>
             </a:extLst>
           </p:cNvPr>
@@ -25592,7 +25596,7 @@
           <p:cNvPr id="5" name="Text Placeholder 2">
             <a:extLst>
               <a:ext uri="{FF2B5EF4-FFF2-40B4-BE49-F238E27FC236}">
-                <a16:creationId xmlns:a16="http://schemas.microsoft.com/office/drawing/2014/main" xmlns="" id="{BCC204B9-DFA1-4491-83BA-272E5E5E14B8}"/>
+                <a16:creationId xmlns="" xmlns:a16="http://schemas.microsoft.com/office/drawing/2014/main" id="{BCC204B9-DFA1-4491-83BA-272E5E5E14B8}"/>
               </a:ext>
             </a:extLst>
           </p:cNvPr>
@@ -26920,7 +26924,7 @@
           <p:cNvPr id="6" name="Text Placeholder 2">
             <a:extLst>
               <a:ext uri="{FF2B5EF4-FFF2-40B4-BE49-F238E27FC236}">
-                <a16:creationId xmlns:a16="http://schemas.microsoft.com/office/drawing/2014/main" xmlns="" id="{BCC204B9-DFA1-4491-83BA-272E5E5E14B8}"/>
+                <a16:creationId xmlns="" xmlns:a16="http://schemas.microsoft.com/office/drawing/2014/main" id="{BCC204B9-DFA1-4491-83BA-272E5E5E14B8}"/>
               </a:ext>
             </a:extLst>
           </p:cNvPr>
@@ -28087,7 +28091,7 @@
           <p:cNvPr id="5" name="Text Placeholder 2">
             <a:extLst>
               <a:ext uri="{FF2B5EF4-FFF2-40B4-BE49-F238E27FC236}">
-                <a16:creationId xmlns:a16="http://schemas.microsoft.com/office/drawing/2014/main" xmlns="" id="{BCC204B9-DFA1-4491-83BA-272E5E5E14B8}"/>
+                <a16:creationId xmlns="" xmlns:a16="http://schemas.microsoft.com/office/drawing/2014/main" id="{BCC204B9-DFA1-4491-83BA-272E5E5E14B8}"/>
               </a:ext>
             </a:extLst>
           </p:cNvPr>
@@ -28642,7 +28646,7 @@
           <p:cNvPr id="5" name="Text Placeholder 2">
             <a:extLst>
               <a:ext uri="{FF2B5EF4-FFF2-40B4-BE49-F238E27FC236}">
-                <a16:creationId xmlns:a16="http://schemas.microsoft.com/office/drawing/2014/main" xmlns="" id="{BCC204B9-DFA1-4491-83BA-272E5E5E14B8}"/>
+                <a16:creationId xmlns="" xmlns:a16="http://schemas.microsoft.com/office/drawing/2014/main" id="{BCC204B9-DFA1-4491-83BA-272E5E5E14B8}"/>
               </a:ext>
             </a:extLst>
           </p:cNvPr>
@@ -29346,7 +29350,14 @@
           <a:bodyPr/>
           <a:lstStyle/>
           <a:p>
-            <a:endParaRPr lang="en-US"/>
+            <a:r>
+              <a:rPr lang="vi-VN" dirty="0"/>
+              <a:t>1. Vừa chỉnh code xong, chưa add</a:t>
+            </a:r>
+            <a:br>
+              <a:rPr lang="vi-VN" dirty="0"/>
+            </a:br>
+            <a:endParaRPr lang="en-US" dirty="0"/>
           </a:p>
         </p:txBody>
       </p:sp>
@@ -29360,112 +29371,24 @@
             <p:ph type="body" idx="1"/>
           </p:nvPr>
         </p:nvSpPr>
-        <p:spPr>
-          <a:xfrm>
-            <a:off x="990600" y="1276350"/>
-            <a:ext cx="6132600" cy="3145500"/>
-          </a:xfrm>
-        </p:spPr>
+        <p:spPr/>
         <p:txBody>
           <a:bodyPr/>
           <a:lstStyle/>
           <a:p>
             <a:r>
+              <a:rPr lang="vi-VN" dirty="0" smtClean="0"/>
+              <a:t>$ </a:t>
+            </a:r>
+            <a:r>
               <a:rPr lang="vi-VN" dirty="0"/>
-              <a:t>1. </a:t>
-            </a:r>
-            <a:r>
-              <a:rPr lang="vi-VN" b="1" dirty="0"/>
-              <a:t>Vừa chỉnh code xong, chưa add</a:t>
-            </a:r>
-          </a:p>
-          <a:p>
-            <a:r>
-              <a:rPr lang="vi-VN" dirty="0"/>
-              <a:t>$ git clean -df</a:t>
+              <a:t>git clean -df</a:t>
             </a:r>
           </a:p>
           <a:p>
             <a:r>
               <a:rPr lang="vi-VN" dirty="0"/>
               <a:t>$ git checkout --  .</a:t>
-            </a:r>
-          </a:p>
-          <a:p>
-            <a:r>
-              <a:rPr lang="vi-VN" dirty="0"/>
-              <a:t>2</a:t>
-            </a:r>
-            <a:r>
-              <a:rPr lang="vi-VN" b="1" dirty="0"/>
-              <a:t>. Lỡ tay add nhưng chưa commit</a:t>
-            </a:r>
-          </a:p>
-          <a:p>
-            <a:r>
-              <a:rPr lang="vi-VN" dirty="0"/>
-              <a:t>$ git reset HEAD </a:t>
-            </a:r>
-          </a:p>
-          <a:p>
-            <a:r>
-              <a:rPr lang="vi-VN" dirty="0"/>
-              <a:t>$ git clean -df </a:t>
-            </a:r>
-          </a:p>
-          <a:p>
-            <a:r>
-              <a:rPr lang="vi-VN" dirty="0"/>
-              <a:t>$ git checkout --  .</a:t>
-            </a:r>
-          </a:p>
-          <a:p>
-            <a:endParaRPr lang="vi-VN" dirty="0"/>
-          </a:p>
-          <a:p>
-            <a:r>
-              <a:rPr lang="vi-VN" dirty="0"/>
-              <a:t>3. Commit rồi, mà hên chưa push</a:t>
-            </a:r>
-          </a:p>
-          <a:p>
-            <a:r>
-              <a:rPr lang="vi-VN" dirty="0"/>
-              <a:t>$ git reset HEAD~1 --hard</a:t>
-            </a:r>
-          </a:p>
-          <a:p>
-            <a:r>
-              <a:rPr lang="vi-VN" dirty="0"/>
-              <a:t>4. </a:t>
-            </a:r>
-            <a:r>
-              <a:rPr lang="vi-VN" b="1" dirty="0"/>
-              <a:t>Commit rồi, lỡ tay push luôn</a:t>
-            </a:r>
-          </a:p>
-          <a:p>
-            <a:r>
-              <a:rPr lang="vi-VN" dirty="0"/>
-              <a:t>Push lên rồi, có nghĩa là có thể đã có người fetch về sử dụng rồi, mà người ta đã lấy rồi thì không có chuyện giựt lại. Trong trường hợp này bạn cần đính chính lại: "À, nãy tao nhầm, lấy cái này nè".</a:t>
-            </a:r>
-          </a:p>
-          <a:p>
-            <a:endParaRPr lang="vi-VN" dirty="0"/>
-          </a:p>
-          <a:p>
-            <a:r>
-              <a:rPr lang="vi-VN" dirty="0"/>
-              <a:t>Vì thế, ta push 1 commit khác, nội dung là ngược lại cái vừa push để đính chính.</a:t>
-            </a:r>
-          </a:p>
-          <a:p>
-            <a:endParaRPr lang="vi-VN" dirty="0"/>
-          </a:p>
-          <a:p>
-            <a:r>
-              <a:rPr lang="vi-VN" dirty="0"/>
-              <a:t>$ git revert HEAD~1..HEAD</a:t>
             </a:r>
           </a:p>
           <a:p>
@@ -29497,6 +29420,489 @@
             <a:fld id="{00000000-1234-1234-1234-123412341234}" type="slidenum">
               <a:rPr lang="en" smtClean="0"/>
               <a:t>73</a:t>
+            </a:fld>
+            <a:endParaRPr lang="en"/>
+          </a:p>
+        </p:txBody>
+      </p:sp>
+    </p:spTree>
+    <p:extLst>
+      <p:ext uri="{BB962C8B-B14F-4D97-AF65-F5344CB8AC3E}">
+        <p14:creationId xmlns:p14="http://schemas.microsoft.com/office/powerpoint/2010/main" val="3607592912"/>
+      </p:ext>
+    </p:extLst>
+  </p:cSld>
+  <p:clrMapOvr>
+    <a:masterClrMapping/>
+  </p:clrMapOvr>
+</p:sld>
+</file>
+
+<file path=ppt/slides/slide74.xml><?xml version="1.0" encoding="utf-8"?>
+<p:sld xmlns:a="http://schemas.openxmlformats.org/drawingml/2006/main" xmlns:r="http://schemas.openxmlformats.org/officeDocument/2006/relationships" xmlns:p="http://schemas.openxmlformats.org/presentationml/2006/main">
+  <p:cSld>
+    <p:spTree>
+      <p:nvGrpSpPr>
+        <p:cNvPr id="1" name=""/>
+        <p:cNvGrpSpPr/>
+        <p:nvPr/>
+      </p:nvGrpSpPr>
+      <p:grpSpPr>
+        <a:xfrm>
+          <a:off x="0" y="0"/>
+          <a:ext cx="0" cy="0"/>
+          <a:chOff x="0" y="0"/>
+          <a:chExt cx="0" cy="0"/>
+        </a:xfrm>
+      </p:grpSpPr>
+      <p:sp>
+        <p:nvSpPr>
+          <p:cNvPr id="2" name="Title 1"/>
+          <p:cNvSpPr>
+            <a:spLocks noGrp="1"/>
+          </p:cNvSpPr>
+          <p:nvPr>
+            <p:ph type="title"/>
+          </p:nvPr>
+        </p:nvSpPr>
+        <p:spPr/>
+        <p:txBody>
+          <a:bodyPr/>
+          <a:lstStyle/>
+          <a:p>
+            <a:r>
+              <a:rPr lang="vi-VN" dirty="0"/>
+              <a:t>2. Lỡ tay add nhưng chưa commit</a:t>
+            </a:r>
+            <a:br>
+              <a:rPr lang="vi-VN" dirty="0"/>
+            </a:br>
+            <a:endParaRPr lang="en-US" dirty="0"/>
+          </a:p>
+        </p:txBody>
+      </p:sp>
+      <p:sp>
+        <p:nvSpPr>
+          <p:cNvPr id="3" name="Text Placeholder 2"/>
+          <p:cNvSpPr>
+            <a:spLocks noGrp="1"/>
+          </p:cNvSpPr>
+          <p:nvPr>
+            <p:ph type="body" idx="1"/>
+          </p:nvPr>
+        </p:nvSpPr>
+        <p:spPr/>
+        <p:txBody>
+          <a:bodyPr/>
+          <a:lstStyle/>
+          <a:p>
+            <a:r>
+              <a:rPr lang="vi-VN" dirty="0" smtClean="0"/>
+              <a:t>$ </a:t>
+            </a:r>
+            <a:r>
+              <a:rPr lang="vi-VN" dirty="0"/>
+              <a:t>git reset HEAD </a:t>
+            </a:r>
+          </a:p>
+          <a:p>
+            <a:r>
+              <a:rPr lang="vi-VN" dirty="0"/>
+              <a:t>$ git clean -df </a:t>
+            </a:r>
+          </a:p>
+          <a:p>
+            <a:r>
+              <a:rPr lang="vi-VN" dirty="0"/>
+              <a:t>$ git checkout --  .</a:t>
+            </a:r>
+          </a:p>
+          <a:p>
+            <a:endParaRPr lang="en-US" dirty="0"/>
+          </a:p>
+        </p:txBody>
+      </p:sp>
+      <p:sp>
+        <p:nvSpPr>
+          <p:cNvPr id="4" name="Slide Number Placeholder 3"/>
+          <p:cNvSpPr>
+            <a:spLocks noGrp="1"/>
+          </p:cNvSpPr>
+          <p:nvPr>
+            <p:ph type="sldNum" idx="12"/>
+          </p:nvPr>
+        </p:nvSpPr>
+        <p:spPr/>
+        <p:txBody>
+          <a:bodyPr/>
+          <a:lstStyle/>
+          <a:p>
+            <a:pPr lvl="0">
+              <a:spcBef>
+                <a:spcPts val="0"/>
+              </a:spcBef>
+              <a:buNone/>
+            </a:pPr>
+            <a:fld id="{00000000-1234-1234-1234-123412341234}" type="slidenum">
+              <a:rPr lang="en" smtClean="0"/>
+              <a:t>74</a:t>
+            </a:fld>
+            <a:endParaRPr lang="en"/>
+          </a:p>
+        </p:txBody>
+      </p:sp>
+    </p:spTree>
+    <p:extLst>
+      <p:ext uri="{BB962C8B-B14F-4D97-AF65-F5344CB8AC3E}">
+        <p14:creationId xmlns:p14="http://schemas.microsoft.com/office/powerpoint/2010/main" val="2809899944"/>
+      </p:ext>
+    </p:extLst>
+  </p:cSld>
+  <p:clrMapOvr>
+    <a:masterClrMapping/>
+  </p:clrMapOvr>
+</p:sld>
+</file>
+
+<file path=ppt/slides/slide75.xml><?xml version="1.0" encoding="utf-8"?>
+<p:sld xmlns:a="http://schemas.openxmlformats.org/drawingml/2006/main" xmlns:r="http://schemas.openxmlformats.org/officeDocument/2006/relationships" xmlns:p="http://schemas.openxmlformats.org/presentationml/2006/main">
+  <p:cSld>
+    <p:spTree>
+      <p:nvGrpSpPr>
+        <p:cNvPr id="1" name=""/>
+        <p:cNvGrpSpPr/>
+        <p:nvPr/>
+      </p:nvGrpSpPr>
+      <p:grpSpPr>
+        <a:xfrm>
+          <a:off x="0" y="0"/>
+          <a:ext cx="0" cy="0"/>
+          <a:chOff x="0" y="0"/>
+          <a:chExt cx="0" cy="0"/>
+        </a:xfrm>
+      </p:grpSpPr>
+      <p:sp>
+        <p:nvSpPr>
+          <p:cNvPr id="2" name="Title 1"/>
+          <p:cNvSpPr>
+            <a:spLocks noGrp="1"/>
+          </p:cNvSpPr>
+          <p:nvPr>
+            <p:ph type="title"/>
+          </p:nvPr>
+        </p:nvSpPr>
+        <p:spPr/>
+        <p:txBody>
+          <a:bodyPr/>
+          <a:lstStyle/>
+          <a:p>
+            <a:r>
+              <a:rPr lang="vi-VN" dirty="0"/>
+              <a:t>3. Commit rồi, mà hên chưa push</a:t>
+            </a:r>
+            <a:br>
+              <a:rPr lang="vi-VN" dirty="0"/>
+            </a:br>
+            <a:endParaRPr lang="en-US" dirty="0"/>
+          </a:p>
+        </p:txBody>
+      </p:sp>
+      <p:sp>
+        <p:nvSpPr>
+          <p:cNvPr id="3" name="Text Placeholder 2"/>
+          <p:cNvSpPr>
+            <a:spLocks noGrp="1"/>
+          </p:cNvSpPr>
+          <p:nvPr>
+            <p:ph type="body" idx="1"/>
+          </p:nvPr>
+        </p:nvSpPr>
+        <p:spPr/>
+        <p:txBody>
+          <a:bodyPr/>
+          <a:lstStyle/>
+          <a:p>
+            <a:r>
+              <a:rPr lang="vi-VN" dirty="0" smtClean="0"/>
+              <a:t>$ </a:t>
+            </a:r>
+            <a:r>
+              <a:rPr lang="vi-VN" dirty="0"/>
+              <a:t>git reset HEAD~1 --hard</a:t>
+            </a:r>
+          </a:p>
+          <a:p>
+            <a:endParaRPr lang="en-US" dirty="0"/>
+          </a:p>
+        </p:txBody>
+      </p:sp>
+      <p:sp>
+        <p:nvSpPr>
+          <p:cNvPr id="4" name="Slide Number Placeholder 3"/>
+          <p:cNvSpPr>
+            <a:spLocks noGrp="1"/>
+          </p:cNvSpPr>
+          <p:nvPr>
+            <p:ph type="sldNum" idx="12"/>
+          </p:nvPr>
+        </p:nvSpPr>
+        <p:spPr/>
+        <p:txBody>
+          <a:bodyPr/>
+          <a:lstStyle/>
+          <a:p>
+            <a:pPr lvl="0">
+              <a:spcBef>
+                <a:spcPts val="0"/>
+              </a:spcBef>
+              <a:buNone/>
+            </a:pPr>
+            <a:fld id="{00000000-1234-1234-1234-123412341234}" type="slidenum">
+              <a:rPr lang="en" smtClean="0"/>
+              <a:t>75</a:t>
+            </a:fld>
+            <a:endParaRPr lang="en"/>
+          </a:p>
+        </p:txBody>
+      </p:sp>
+    </p:spTree>
+    <p:extLst>
+      <p:ext uri="{BB962C8B-B14F-4D97-AF65-F5344CB8AC3E}">
+        <p14:creationId xmlns:p14="http://schemas.microsoft.com/office/powerpoint/2010/main" val="3596945404"/>
+      </p:ext>
+    </p:extLst>
+  </p:cSld>
+  <p:clrMapOvr>
+    <a:masterClrMapping/>
+  </p:clrMapOvr>
+</p:sld>
+</file>
+
+<file path=ppt/slides/slide76.xml><?xml version="1.0" encoding="utf-8"?>
+<p:sld xmlns:a="http://schemas.openxmlformats.org/drawingml/2006/main" xmlns:r="http://schemas.openxmlformats.org/officeDocument/2006/relationships" xmlns:p="http://schemas.openxmlformats.org/presentationml/2006/main">
+  <p:cSld>
+    <p:spTree>
+      <p:nvGrpSpPr>
+        <p:cNvPr id="1" name=""/>
+        <p:cNvGrpSpPr/>
+        <p:nvPr/>
+      </p:nvGrpSpPr>
+      <p:grpSpPr>
+        <a:xfrm>
+          <a:off x="0" y="0"/>
+          <a:ext cx="0" cy="0"/>
+          <a:chOff x="0" y="0"/>
+          <a:chExt cx="0" cy="0"/>
+        </a:xfrm>
+      </p:grpSpPr>
+      <p:sp>
+        <p:nvSpPr>
+          <p:cNvPr id="2" name="Title 1"/>
+          <p:cNvSpPr>
+            <a:spLocks noGrp="1"/>
+          </p:cNvSpPr>
+          <p:nvPr>
+            <p:ph type="title"/>
+          </p:nvPr>
+        </p:nvSpPr>
+        <p:spPr/>
+        <p:txBody>
+          <a:bodyPr/>
+          <a:lstStyle/>
+          <a:p>
+            <a:r>
+              <a:rPr lang="vi-VN" dirty="0"/>
+              <a:t>4. Commit rồi, lỡ tay push luôn</a:t>
+            </a:r>
+            <a:br>
+              <a:rPr lang="vi-VN" dirty="0"/>
+            </a:br>
+            <a:endParaRPr lang="en-US" dirty="0"/>
+          </a:p>
+        </p:txBody>
+      </p:sp>
+      <p:sp>
+        <p:nvSpPr>
+          <p:cNvPr id="3" name="Text Placeholder 2"/>
+          <p:cNvSpPr>
+            <a:spLocks noGrp="1"/>
+          </p:cNvSpPr>
+          <p:nvPr>
+            <p:ph type="body" idx="1"/>
+          </p:nvPr>
+        </p:nvSpPr>
+        <p:spPr>
+          <a:xfrm>
+            <a:off x="762000" y="1581150"/>
+            <a:ext cx="6132600" cy="3145500"/>
+          </a:xfrm>
+        </p:spPr>
+        <p:txBody>
+          <a:bodyPr/>
+          <a:lstStyle/>
+          <a:p>
+            <a:r>
+              <a:rPr lang="vi-VN" dirty="0" smtClean="0"/>
+              <a:t>Push </a:t>
+            </a:r>
+            <a:r>
+              <a:rPr lang="vi-VN" dirty="0"/>
+              <a:t>lên rồi, có nghĩa là có thể đã có người fetch về sử dụng rồi, mà người ta đã lấy rồi thì không có chuyện giựt lại. Trong trường hợp này bạn cần đính chính lại: "À, nãy tao nhầm, lấy cái này nè</a:t>
+            </a:r>
+            <a:r>
+              <a:rPr lang="vi-VN" dirty="0" smtClean="0"/>
+              <a:t>".</a:t>
+            </a:r>
+            <a:endParaRPr lang="vi-VN" dirty="0"/>
+          </a:p>
+          <a:p>
+            <a:r>
+              <a:rPr lang="vi-VN" dirty="0"/>
+              <a:t>Vì thế, ta push 1 commit khác, nội dung là ngược lại cái vừa push để đính chính</a:t>
+            </a:r>
+            <a:r>
+              <a:rPr lang="vi-VN" dirty="0" smtClean="0"/>
+              <a:t>.</a:t>
+            </a:r>
+            <a:endParaRPr lang="en-US" dirty="0" smtClean="0"/>
+          </a:p>
+          <a:p>
+            <a:r>
+              <a:rPr lang="vi-VN" dirty="0"/>
+              <a:t>$ git revert HEAD~1..HEAD</a:t>
+            </a:r>
+          </a:p>
+          <a:p>
+            <a:endParaRPr lang="en-US" dirty="0"/>
+          </a:p>
+        </p:txBody>
+      </p:sp>
+      <p:sp>
+        <p:nvSpPr>
+          <p:cNvPr id="4" name="Slide Number Placeholder 3"/>
+          <p:cNvSpPr>
+            <a:spLocks noGrp="1"/>
+          </p:cNvSpPr>
+          <p:nvPr>
+            <p:ph type="sldNum" idx="12"/>
+          </p:nvPr>
+        </p:nvSpPr>
+        <p:spPr/>
+        <p:txBody>
+          <a:bodyPr/>
+          <a:lstStyle/>
+          <a:p>
+            <a:pPr lvl="0">
+              <a:spcBef>
+                <a:spcPts val="0"/>
+              </a:spcBef>
+              <a:buNone/>
+            </a:pPr>
+            <a:fld id="{00000000-1234-1234-1234-123412341234}" type="slidenum">
+              <a:rPr lang="en" smtClean="0"/>
+              <a:t>76</a:t>
+            </a:fld>
+            <a:endParaRPr lang="en"/>
+          </a:p>
+        </p:txBody>
+      </p:sp>
+    </p:spTree>
+    <p:extLst>
+      <p:ext uri="{BB962C8B-B14F-4D97-AF65-F5344CB8AC3E}">
+        <p14:creationId xmlns:p14="http://schemas.microsoft.com/office/powerpoint/2010/main" val="4194538802"/>
+      </p:ext>
+    </p:extLst>
+  </p:cSld>
+  <p:clrMapOvr>
+    <a:masterClrMapping/>
+  </p:clrMapOvr>
+</p:sld>
+</file>
+
+<file path=ppt/slides/slide77.xml><?xml version="1.0" encoding="utf-8"?>
+<p:sld xmlns:a="http://schemas.openxmlformats.org/drawingml/2006/main" xmlns:r="http://schemas.openxmlformats.org/officeDocument/2006/relationships" xmlns:p="http://schemas.openxmlformats.org/presentationml/2006/main">
+  <p:cSld>
+    <p:spTree>
+      <p:nvGrpSpPr>
+        <p:cNvPr id="1" name=""/>
+        <p:cNvGrpSpPr/>
+        <p:nvPr/>
+      </p:nvGrpSpPr>
+      <p:grpSpPr>
+        <a:xfrm>
+          <a:off x="0" y="0"/>
+          <a:ext cx="0" cy="0"/>
+          <a:chOff x="0" y="0"/>
+          <a:chExt cx="0" cy="0"/>
+        </a:xfrm>
+      </p:grpSpPr>
+      <p:sp>
+        <p:nvSpPr>
+          <p:cNvPr id="2" name="Title 1"/>
+          <p:cNvSpPr>
+            <a:spLocks noGrp="1"/>
+          </p:cNvSpPr>
+          <p:nvPr>
+            <p:ph type="title"/>
+          </p:nvPr>
+        </p:nvSpPr>
+        <p:spPr/>
+        <p:txBody>
+          <a:bodyPr/>
+          <a:lstStyle/>
+          <a:p>
+            <a:endParaRPr lang="en-US"/>
+          </a:p>
+        </p:txBody>
+      </p:sp>
+      <p:sp>
+        <p:nvSpPr>
+          <p:cNvPr id="3" name="Text Placeholder 2"/>
+          <p:cNvSpPr>
+            <a:spLocks noGrp="1"/>
+          </p:cNvSpPr>
+          <p:nvPr>
+            <p:ph type="body" idx="1"/>
+          </p:nvPr>
+        </p:nvSpPr>
+        <p:spPr>
+          <a:xfrm>
+            <a:off x="914400" y="1504950"/>
+            <a:ext cx="6132600" cy="3145500"/>
+          </a:xfrm>
+        </p:spPr>
+        <p:txBody>
+          <a:bodyPr/>
+          <a:lstStyle/>
+          <a:p>
+            <a:endParaRPr lang="en-US" dirty="0"/>
+          </a:p>
+        </p:txBody>
+      </p:sp>
+      <p:sp>
+        <p:nvSpPr>
+          <p:cNvPr id="4" name="Slide Number Placeholder 3"/>
+          <p:cNvSpPr>
+            <a:spLocks noGrp="1"/>
+          </p:cNvSpPr>
+          <p:nvPr>
+            <p:ph type="sldNum" idx="12"/>
+          </p:nvPr>
+        </p:nvSpPr>
+        <p:spPr/>
+        <p:txBody>
+          <a:bodyPr/>
+          <a:lstStyle/>
+          <a:p>
+            <a:pPr lvl="0">
+              <a:spcBef>
+                <a:spcPts val="0"/>
+              </a:spcBef>
+              <a:buNone/>
+            </a:pPr>
+            <a:fld id="{00000000-1234-1234-1234-123412341234}" type="slidenum">
+              <a:rPr lang="en" smtClean="0"/>
+              <a:t>77</a:t>
             </a:fld>
             <a:endParaRPr lang="en"/>
           </a:p>
@@ -29593,7 +29999,7 @@
           <p:cNvPr id="6" name="Text Placeholder 2">
             <a:extLst>
               <a:ext uri="{FF2B5EF4-FFF2-40B4-BE49-F238E27FC236}">
-                <a16:creationId xmlns:a16="http://schemas.microsoft.com/office/drawing/2014/main" xmlns="" id="{BCC204B9-DFA1-4491-83BA-272E5E5E14B8}"/>
+                <a16:creationId xmlns="" xmlns:a16="http://schemas.microsoft.com/office/drawing/2014/main" id="{BCC204B9-DFA1-4491-83BA-272E5E5E14B8}"/>
               </a:ext>
             </a:extLst>
           </p:cNvPr>
@@ -29984,7 +30390,7 @@
           <p:cNvPr id="6" name="Text Placeholder 2">
             <a:extLst>
               <a:ext uri="{FF2B5EF4-FFF2-40B4-BE49-F238E27FC236}">
-                <a16:creationId xmlns:a16="http://schemas.microsoft.com/office/drawing/2014/main" xmlns="" id="{BCC204B9-DFA1-4491-83BA-272E5E5E14B8}"/>
+                <a16:creationId xmlns="" xmlns:a16="http://schemas.microsoft.com/office/drawing/2014/main" id="{BCC204B9-DFA1-4491-83BA-272E5E5E14B8}"/>
               </a:ext>
             </a:extLst>
           </p:cNvPr>

--- a/GIT.pptx
+++ b/GIT.pptx
@@ -5,7 +5,7 @@
     <p:sldMasterId id="2147483657" r:id="rId1"/>
   </p:sldMasterIdLst>
   <p:notesMasterIdLst>
-    <p:notesMasterId r:id="rId79"/>
+    <p:notesMasterId r:id="rId104"/>
   </p:notesMasterIdLst>
   <p:sldIdLst>
     <p:sldId id="358" r:id="rId2"/>
@@ -79,40 +79,72 @@
     <p:sldId id="365" r:id="rId70"/>
     <p:sldId id="364" r:id="rId71"/>
     <p:sldId id="366" r:id="rId72"/>
-    <p:sldId id="367" r:id="rId73"/>
-    <p:sldId id="406" r:id="rId74"/>
-    <p:sldId id="407" r:id="rId75"/>
-    <p:sldId id="408" r:id="rId76"/>
-    <p:sldId id="409" r:id="rId77"/>
-    <p:sldId id="405" r:id="rId78"/>
+    <p:sldId id="411" r:id="rId73"/>
+    <p:sldId id="410" r:id="rId74"/>
+    <p:sldId id="412" r:id="rId75"/>
+    <p:sldId id="413" r:id="rId76"/>
+    <p:sldId id="414" r:id="rId77"/>
+    <p:sldId id="415" r:id="rId78"/>
+    <p:sldId id="416" r:id="rId79"/>
+    <p:sldId id="417" r:id="rId80"/>
+    <p:sldId id="418" r:id="rId81"/>
+    <p:sldId id="419" r:id="rId82"/>
+    <p:sldId id="420" r:id="rId83"/>
+    <p:sldId id="421" r:id="rId84"/>
+    <p:sldId id="422" r:id="rId85"/>
+    <p:sldId id="423" r:id="rId86"/>
+    <p:sldId id="424" r:id="rId87"/>
+    <p:sldId id="425" r:id="rId88"/>
+    <p:sldId id="426" r:id="rId89"/>
+    <p:sldId id="427" r:id="rId90"/>
+    <p:sldId id="428" r:id="rId91"/>
+    <p:sldId id="430" r:id="rId92"/>
+    <p:sldId id="431" r:id="rId93"/>
+    <p:sldId id="432" r:id="rId94"/>
+    <p:sldId id="433" r:id="rId95"/>
+    <p:sldId id="434" r:id="rId96"/>
+    <p:sldId id="429" r:id="rId97"/>
+    <p:sldId id="367" r:id="rId98"/>
+    <p:sldId id="406" r:id="rId99"/>
+    <p:sldId id="407" r:id="rId100"/>
+    <p:sldId id="408" r:id="rId101"/>
+    <p:sldId id="409" r:id="rId102"/>
+    <p:sldId id="405" r:id="rId103"/>
   </p:sldIdLst>
   <p:sldSz cx="9144000" cy="5143500" type="screen16x9"/>
   <p:notesSz cx="6858000" cy="9144000"/>
   <p:embeddedFontLst>
     <p:embeddedFont>
+      <p:font typeface="Roboto Condensed Light" charset="0"/>
+      <p:regular r:id="rId105"/>
+      <p:bold r:id="rId106"/>
+      <p:italic r:id="rId107"/>
+      <p:boldItalic r:id="rId108"/>
+    </p:embeddedFont>
+    <p:embeddedFont>
       <p:font typeface="Lucida Console" pitchFamily="49" charset="0"/>
-      <p:regular r:id="rId80"/>
+      <p:regular r:id="rId109"/>
     </p:embeddedFont>
     <p:embeddedFont>
       <p:font typeface="Roboto Condensed" charset="0"/>
-      <p:regular r:id="rId81"/>
-      <p:bold r:id="rId82"/>
-      <p:italic r:id="rId83"/>
-      <p:boldItalic r:id="rId84"/>
+      <p:regular r:id="rId110"/>
+      <p:bold r:id="rId111"/>
+      <p:italic r:id="rId112"/>
+      <p:boldItalic r:id="rId113"/>
     </p:embeddedFont>
     <p:embeddedFont>
-      <p:font typeface="Roboto Condensed Light" charset="0"/>
-      <p:regular r:id="rId85"/>
-      <p:bold r:id="rId86"/>
-      <p:italic r:id="rId87"/>
-      <p:boldItalic r:id="rId88"/>
+      <p:font typeface="Georgia" pitchFamily="18" charset="0"/>
+      <p:regular r:id="rId114"/>
+      <p:bold r:id="rId115"/>
+      <p:italic r:id="rId116"/>
+      <p:boldItalic r:id="rId117"/>
     </p:embeddedFont>
     <p:embeddedFont>
       <p:font typeface="Arvo" charset="0"/>
-      <p:regular r:id="rId89"/>
-      <p:bold r:id="rId90"/>
-      <p:italic r:id="rId91"/>
-      <p:boldItalic r:id="rId92"/>
+      <p:regular r:id="rId118"/>
+      <p:bold r:id="rId119"/>
+      <p:italic r:id="rId120"/>
+      <p:boldItalic r:id="rId121"/>
     </p:embeddedFont>
   </p:embeddedFontLst>
   <p:defaultTextStyle>
@@ -319,7 +351,7 @@
   </p:defaultTextStyle>
   <p:extLst>
     <p:ext uri="{EFAFB233-063F-42B5-8137-9DF3F51BA10A}">
-      <p15:sldGuideLst xmlns="" xmlns:p15="http://schemas.microsoft.com/office/powerpoint/2012/main">
+      <p15:sldGuideLst xmlns:p15="http://schemas.microsoft.com/office/powerpoint/2012/main" xmlns="">
         <p15:guide id="1" orient="horz" pos="1620">
           <p15:clr>
             <a:srgbClr val="A4A3A4"/>
@@ -5351,7 +5383,7 @@
           <p:cNvPr id="6" name="Text Placeholder 2">
             <a:extLst>
               <a:ext uri="{FF2B5EF4-FFF2-40B4-BE49-F238E27FC236}">
-                <a16:creationId xmlns="" xmlns:a16="http://schemas.microsoft.com/office/drawing/2014/main" id="{BCC204B9-DFA1-4491-83BA-272E5E5E14B8}"/>
+                <a16:creationId xmlns:a16="http://schemas.microsoft.com/office/drawing/2014/main" xmlns="" id="{BCC204B9-DFA1-4491-83BA-272E5E5E14B8}"/>
               </a:ext>
             </a:extLst>
           </p:cNvPr>
@@ -5943,6 +5975,363 @@
 </p:sld>
 </file>
 
+<file path=ppt/slides/slide100.xml><?xml version="1.0" encoding="utf-8"?>
+<p:sld xmlns:a="http://schemas.openxmlformats.org/drawingml/2006/main" xmlns:r="http://schemas.openxmlformats.org/officeDocument/2006/relationships" xmlns:p="http://schemas.openxmlformats.org/presentationml/2006/main">
+  <p:cSld>
+    <p:spTree>
+      <p:nvGrpSpPr>
+        <p:cNvPr id="1" name=""/>
+        <p:cNvGrpSpPr/>
+        <p:nvPr/>
+      </p:nvGrpSpPr>
+      <p:grpSpPr>
+        <a:xfrm>
+          <a:off x="0" y="0"/>
+          <a:ext cx="0" cy="0"/>
+          <a:chOff x="0" y="0"/>
+          <a:chExt cx="0" cy="0"/>
+        </a:xfrm>
+      </p:grpSpPr>
+      <p:sp>
+        <p:nvSpPr>
+          <p:cNvPr id="2" name="Title 1"/>
+          <p:cNvSpPr>
+            <a:spLocks noGrp="1"/>
+          </p:cNvSpPr>
+          <p:nvPr>
+            <p:ph type="title"/>
+          </p:nvPr>
+        </p:nvSpPr>
+        <p:spPr/>
+        <p:txBody>
+          <a:bodyPr/>
+          <a:lstStyle/>
+          <a:p>
+            <a:r>
+              <a:rPr lang="vi-VN" dirty="0"/>
+              <a:t>3. Commit rồi, mà hên chưa push</a:t>
+            </a:r>
+            <a:br>
+              <a:rPr lang="vi-VN" dirty="0"/>
+            </a:br>
+            <a:endParaRPr lang="en-US" dirty="0"/>
+          </a:p>
+        </p:txBody>
+      </p:sp>
+      <p:sp>
+        <p:nvSpPr>
+          <p:cNvPr id="3" name="Text Placeholder 2"/>
+          <p:cNvSpPr>
+            <a:spLocks noGrp="1"/>
+          </p:cNvSpPr>
+          <p:nvPr>
+            <p:ph type="body" idx="1"/>
+          </p:nvPr>
+        </p:nvSpPr>
+        <p:spPr/>
+        <p:txBody>
+          <a:bodyPr/>
+          <a:lstStyle/>
+          <a:p>
+            <a:r>
+              <a:rPr lang="vi-VN" dirty="0" smtClean="0"/>
+              <a:t>$ </a:t>
+            </a:r>
+            <a:r>
+              <a:rPr lang="vi-VN" dirty="0"/>
+              <a:t>git reset HEAD~1 --hard</a:t>
+            </a:r>
+          </a:p>
+          <a:p>
+            <a:endParaRPr lang="en-US" dirty="0"/>
+          </a:p>
+        </p:txBody>
+      </p:sp>
+      <p:sp>
+        <p:nvSpPr>
+          <p:cNvPr id="4" name="Slide Number Placeholder 3"/>
+          <p:cNvSpPr>
+            <a:spLocks noGrp="1"/>
+          </p:cNvSpPr>
+          <p:nvPr>
+            <p:ph type="sldNum" idx="12"/>
+          </p:nvPr>
+        </p:nvSpPr>
+        <p:spPr/>
+        <p:txBody>
+          <a:bodyPr/>
+          <a:lstStyle/>
+          <a:p>
+            <a:pPr lvl="0">
+              <a:spcBef>
+                <a:spcPts val="0"/>
+              </a:spcBef>
+              <a:buNone/>
+            </a:pPr>
+            <a:fld id="{00000000-1234-1234-1234-123412341234}" type="slidenum">
+              <a:rPr lang="en" smtClean="0"/>
+              <a:t>100</a:t>
+            </a:fld>
+            <a:endParaRPr lang="en"/>
+          </a:p>
+        </p:txBody>
+      </p:sp>
+    </p:spTree>
+    <p:extLst>
+      <p:ext uri="{BB962C8B-B14F-4D97-AF65-F5344CB8AC3E}">
+        <p14:creationId xmlns:p14="http://schemas.microsoft.com/office/powerpoint/2010/main" val="3596945404"/>
+      </p:ext>
+    </p:extLst>
+  </p:cSld>
+  <p:clrMapOvr>
+    <a:masterClrMapping/>
+  </p:clrMapOvr>
+</p:sld>
+</file>
+
+<file path=ppt/slides/slide101.xml><?xml version="1.0" encoding="utf-8"?>
+<p:sld xmlns:a="http://schemas.openxmlformats.org/drawingml/2006/main" xmlns:r="http://schemas.openxmlformats.org/officeDocument/2006/relationships" xmlns:p="http://schemas.openxmlformats.org/presentationml/2006/main">
+  <p:cSld>
+    <p:spTree>
+      <p:nvGrpSpPr>
+        <p:cNvPr id="1" name=""/>
+        <p:cNvGrpSpPr/>
+        <p:nvPr/>
+      </p:nvGrpSpPr>
+      <p:grpSpPr>
+        <a:xfrm>
+          <a:off x="0" y="0"/>
+          <a:ext cx="0" cy="0"/>
+          <a:chOff x="0" y="0"/>
+          <a:chExt cx="0" cy="0"/>
+        </a:xfrm>
+      </p:grpSpPr>
+      <p:sp>
+        <p:nvSpPr>
+          <p:cNvPr id="2" name="Title 1"/>
+          <p:cNvSpPr>
+            <a:spLocks noGrp="1"/>
+          </p:cNvSpPr>
+          <p:nvPr>
+            <p:ph type="title"/>
+          </p:nvPr>
+        </p:nvSpPr>
+        <p:spPr/>
+        <p:txBody>
+          <a:bodyPr/>
+          <a:lstStyle/>
+          <a:p>
+            <a:r>
+              <a:rPr lang="vi-VN" dirty="0"/>
+              <a:t>4. Commit rồi, lỡ tay push luôn</a:t>
+            </a:r>
+            <a:br>
+              <a:rPr lang="vi-VN" dirty="0"/>
+            </a:br>
+            <a:endParaRPr lang="en-US" dirty="0"/>
+          </a:p>
+        </p:txBody>
+      </p:sp>
+      <p:sp>
+        <p:nvSpPr>
+          <p:cNvPr id="3" name="Text Placeholder 2"/>
+          <p:cNvSpPr>
+            <a:spLocks noGrp="1"/>
+          </p:cNvSpPr>
+          <p:nvPr>
+            <p:ph type="body" idx="1"/>
+          </p:nvPr>
+        </p:nvSpPr>
+        <p:spPr>
+          <a:xfrm>
+            <a:off x="762000" y="1581150"/>
+            <a:ext cx="6132600" cy="3145500"/>
+          </a:xfrm>
+        </p:spPr>
+        <p:txBody>
+          <a:bodyPr/>
+          <a:lstStyle/>
+          <a:p>
+            <a:r>
+              <a:rPr lang="vi-VN" dirty="0" smtClean="0"/>
+              <a:t>Push </a:t>
+            </a:r>
+            <a:r>
+              <a:rPr lang="vi-VN" dirty="0"/>
+              <a:t>lên rồi, có nghĩa là có thể đã có người fetch về sử dụng rồi, mà người ta đã lấy rồi thì không có chuyện giựt lại. Trong trường hợp này bạn cần đính chính lại: "À, nãy tao nhầm, lấy cái này nè</a:t>
+            </a:r>
+            <a:r>
+              <a:rPr lang="vi-VN" dirty="0" smtClean="0"/>
+              <a:t>".</a:t>
+            </a:r>
+            <a:endParaRPr lang="vi-VN" dirty="0"/>
+          </a:p>
+          <a:p>
+            <a:r>
+              <a:rPr lang="vi-VN" dirty="0"/>
+              <a:t>Vì thế, ta push 1 commit khác, nội dung là ngược lại cái vừa push để đính chính</a:t>
+            </a:r>
+            <a:r>
+              <a:rPr lang="vi-VN" dirty="0" smtClean="0"/>
+              <a:t>.</a:t>
+            </a:r>
+            <a:endParaRPr lang="en-US" dirty="0" smtClean="0"/>
+          </a:p>
+          <a:p>
+            <a:r>
+              <a:rPr lang="vi-VN" dirty="0"/>
+              <a:t>$ git revert HEAD~1..HEAD</a:t>
+            </a:r>
+          </a:p>
+          <a:p>
+            <a:endParaRPr lang="en-US" dirty="0"/>
+          </a:p>
+        </p:txBody>
+      </p:sp>
+      <p:sp>
+        <p:nvSpPr>
+          <p:cNvPr id="4" name="Slide Number Placeholder 3"/>
+          <p:cNvSpPr>
+            <a:spLocks noGrp="1"/>
+          </p:cNvSpPr>
+          <p:nvPr>
+            <p:ph type="sldNum" idx="12"/>
+          </p:nvPr>
+        </p:nvSpPr>
+        <p:spPr/>
+        <p:txBody>
+          <a:bodyPr/>
+          <a:lstStyle/>
+          <a:p>
+            <a:pPr lvl="0">
+              <a:spcBef>
+                <a:spcPts val="0"/>
+              </a:spcBef>
+              <a:buNone/>
+            </a:pPr>
+            <a:fld id="{00000000-1234-1234-1234-123412341234}" type="slidenum">
+              <a:rPr lang="en" smtClean="0"/>
+              <a:t>101</a:t>
+            </a:fld>
+            <a:endParaRPr lang="en"/>
+          </a:p>
+        </p:txBody>
+      </p:sp>
+    </p:spTree>
+    <p:extLst>
+      <p:ext uri="{BB962C8B-B14F-4D97-AF65-F5344CB8AC3E}">
+        <p14:creationId xmlns:p14="http://schemas.microsoft.com/office/powerpoint/2010/main" val="4194538802"/>
+      </p:ext>
+    </p:extLst>
+  </p:cSld>
+  <p:clrMapOvr>
+    <a:masterClrMapping/>
+  </p:clrMapOvr>
+</p:sld>
+</file>
+
+<file path=ppt/slides/slide102.xml><?xml version="1.0" encoding="utf-8"?>
+<p:sld xmlns:a="http://schemas.openxmlformats.org/drawingml/2006/main" xmlns:r="http://schemas.openxmlformats.org/officeDocument/2006/relationships" xmlns:p="http://schemas.openxmlformats.org/presentationml/2006/main">
+  <p:cSld>
+    <p:spTree>
+      <p:nvGrpSpPr>
+        <p:cNvPr id="1" name=""/>
+        <p:cNvGrpSpPr/>
+        <p:nvPr/>
+      </p:nvGrpSpPr>
+      <p:grpSpPr>
+        <a:xfrm>
+          <a:off x="0" y="0"/>
+          <a:ext cx="0" cy="0"/>
+          <a:chOff x="0" y="0"/>
+          <a:chExt cx="0" cy="0"/>
+        </a:xfrm>
+      </p:grpSpPr>
+      <p:sp>
+        <p:nvSpPr>
+          <p:cNvPr id="2" name="Title 1"/>
+          <p:cNvSpPr>
+            <a:spLocks noGrp="1"/>
+          </p:cNvSpPr>
+          <p:nvPr>
+            <p:ph type="title"/>
+          </p:nvPr>
+        </p:nvSpPr>
+        <p:spPr/>
+        <p:txBody>
+          <a:bodyPr/>
+          <a:lstStyle/>
+          <a:p>
+            <a:endParaRPr lang="en-US"/>
+          </a:p>
+        </p:txBody>
+      </p:sp>
+      <p:sp>
+        <p:nvSpPr>
+          <p:cNvPr id="3" name="Text Placeholder 2"/>
+          <p:cNvSpPr>
+            <a:spLocks noGrp="1"/>
+          </p:cNvSpPr>
+          <p:nvPr>
+            <p:ph type="body" idx="1"/>
+          </p:nvPr>
+        </p:nvSpPr>
+        <p:spPr>
+          <a:xfrm>
+            <a:off x="914400" y="1504950"/>
+            <a:ext cx="6132600" cy="3145500"/>
+          </a:xfrm>
+        </p:spPr>
+        <p:txBody>
+          <a:bodyPr/>
+          <a:lstStyle/>
+          <a:p>
+            <a:endParaRPr lang="en-US" dirty="0"/>
+          </a:p>
+        </p:txBody>
+      </p:sp>
+      <p:sp>
+        <p:nvSpPr>
+          <p:cNvPr id="4" name="Slide Number Placeholder 3"/>
+          <p:cNvSpPr>
+            <a:spLocks noGrp="1"/>
+          </p:cNvSpPr>
+          <p:nvPr>
+            <p:ph type="sldNum" idx="12"/>
+          </p:nvPr>
+        </p:nvSpPr>
+        <p:spPr/>
+        <p:txBody>
+          <a:bodyPr/>
+          <a:lstStyle/>
+          <a:p>
+            <a:pPr lvl="0">
+              <a:spcBef>
+                <a:spcPts val="0"/>
+              </a:spcBef>
+              <a:buNone/>
+            </a:pPr>
+            <a:fld id="{00000000-1234-1234-1234-123412341234}" type="slidenum">
+              <a:rPr lang="en" smtClean="0"/>
+              <a:t>102</a:t>
+            </a:fld>
+            <a:endParaRPr lang="en"/>
+          </a:p>
+        </p:txBody>
+      </p:sp>
+    </p:spTree>
+    <p:extLst>
+      <p:ext uri="{BB962C8B-B14F-4D97-AF65-F5344CB8AC3E}">
+        <p14:creationId xmlns:p14="http://schemas.microsoft.com/office/powerpoint/2010/main" val="1500676048"/>
+      </p:ext>
+    </p:extLst>
+  </p:cSld>
+  <p:clrMapOvr>
+    <a:masterClrMapping/>
+  </p:clrMapOvr>
+</p:sld>
+</file>
+
 <file path=ppt/slides/slide11.xml><?xml version="1.0" encoding="utf-8"?>
 <p:sld xmlns:a="http://schemas.openxmlformats.org/drawingml/2006/main" xmlns:r="http://schemas.openxmlformats.org/officeDocument/2006/relationships" xmlns:p="http://schemas.openxmlformats.org/presentationml/2006/main">
   <p:cSld>
@@ -5965,7 +6354,7 @@
           <p:cNvPr id="2" name="Title 1">
             <a:extLst>
               <a:ext uri="{FF2B5EF4-FFF2-40B4-BE49-F238E27FC236}">
-                <a16:creationId xmlns="" xmlns:a16="http://schemas.microsoft.com/office/drawing/2014/main" id="{88C65E14-305F-4095-8D5C-F10F56B67D05}"/>
+                <a16:creationId xmlns:a16="http://schemas.microsoft.com/office/drawing/2014/main" xmlns="" id="{88C65E14-305F-4095-8D5C-F10F56B67D05}"/>
               </a:ext>
             </a:extLst>
           </p:cNvPr>
@@ -5993,7 +6382,7 @@
           <p:cNvPr id="3" name="Text Placeholder 2">
             <a:extLst>
               <a:ext uri="{FF2B5EF4-FFF2-40B4-BE49-F238E27FC236}">
-                <a16:creationId xmlns="" xmlns:a16="http://schemas.microsoft.com/office/drawing/2014/main" id="{7A20E822-6F1F-4EB9-9E50-D4AD9F4F389A}"/>
+                <a16:creationId xmlns:a16="http://schemas.microsoft.com/office/drawing/2014/main" xmlns="" id="{7A20E822-6F1F-4EB9-9E50-D4AD9F4F389A}"/>
               </a:ext>
             </a:extLst>
           </p:cNvPr>
@@ -6079,7 +6468,7 @@
           <p:cNvPr id="5" name="Slide Number Placeholder 4">
             <a:extLst>
               <a:ext uri="{FF2B5EF4-FFF2-40B4-BE49-F238E27FC236}">
-                <a16:creationId xmlns="" xmlns:a16="http://schemas.microsoft.com/office/drawing/2014/main" id="{123C1F68-864B-457C-A95A-268267D7A10E}"/>
+                <a16:creationId xmlns:a16="http://schemas.microsoft.com/office/drawing/2014/main" xmlns="" id="{123C1F68-864B-457C-A95A-268267D7A10E}"/>
               </a:ext>
             </a:extLst>
           </p:cNvPr>
@@ -6272,7 +6661,7 @@
           <p:cNvPr id="2" name="Title 1">
             <a:extLst>
               <a:ext uri="{FF2B5EF4-FFF2-40B4-BE49-F238E27FC236}">
-                <a16:creationId xmlns="" xmlns:a16="http://schemas.microsoft.com/office/drawing/2014/main" id="{88C65E14-305F-4095-8D5C-F10F56B67D05}"/>
+                <a16:creationId xmlns:a16="http://schemas.microsoft.com/office/drawing/2014/main" xmlns="" id="{88C65E14-305F-4095-8D5C-F10F56B67D05}"/>
               </a:ext>
             </a:extLst>
           </p:cNvPr>
@@ -6300,7 +6689,7 @@
           <p:cNvPr id="5" name="Slide Number Placeholder 4">
             <a:extLst>
               <a:ext uri="{FF2B5EF4-FFF2-40B4-BE49-F238E27FC236}">
-                <a16:creationId xmlns="" xmlns:a16="http://schemas.microsoft.com/office/drawing/2014/main" id="{123C1F68-864B-457C-A95A-268267D7A10E}"/>
+                <a16:creationId xmlns:a16="http://schemas.microsoft.com/office/drawing/2014/main" xmlns="" id="{123C1F68-864B-457C-A95A-268267D7A10E}"/>
               </a:ext>
             </a:extLst>
           </p:cNvPr>
@@ -6402,7 +6791,7 @@
           <p:cNvPr id="2" name="Title 1">
             <a:extLst>
               <a:ext uri="{FF2B5EF4-FFF2-40B4-BE49-F238E27FC236}">
-                <a16:creationId xmlns="" xmlns:a16="http://schemas.microsoft.com/office/drawing/2014/main" id="{88C65E14-305F-4095-8D5C-F10F56B67D05}"/>
+                <a16:creationId xmlns:a16="http://schemas.microsoft.com/office/drawing/2014/main" xmlns="" id="{88C65E14-305F-4095-8D5C-F10F56B67D05}"/>
               </a:ext>
             </a:extLst>
           </p:cNvPr>
@@ -6430,7 +6819,7 @@
           <p:cNvPr id="5" name="Slide Number Placeholder 4">
             <a:extLst>
               <a:ext uri="{FF2B5EF4-FFF2-40B4-BE49-F238E27FC236}">
-                <a16:creationId xmlns="" xmlns:a16="http://schemas.microsoft.com/office/drawing/2014/main" id="{123C1F68-864B-457C-A95A-268267D7A10E}"/>
+                <a16:creationId xmlns:a16="http://schemas.microsoft.com/office/drawing/2014/main" xmlns="" id="{123C1F68-864B-457C-A95A-268267D7A10E}"/>
               </a:ext>
             </a:extLst>
           </p:cNvPr>
@@ -6532,7 +6921,7 @@
           <p:cNvPr id="2" name="Title 1">
             <a:extLst>
               <a:ext uri="{FF2B5EF4-FFF2-40B4-BE49-F238E27FC236}">
-                <a16:creationId xmlns="" xmlns:a16="http://schemas.microsoft.com/office/drawing/2014/main" id="{88C65E14-305F-4095-8D5C-F10F56B67D05}"/>
+                <a16:creationId xmlns:a16="http://schemas.microsoft.com/office/drawing/2014/main" xmlns="" id="{88C65E14-305F-4095-8D5C-F10F56B67D05}"/>
               </a:ext>
             </a:extLst>
           </p:cNvPr>
@@ -6560,7 +6949,7 @@
           <p:cNvPr id="5" name="Slide Number Placeholder 4">
             <a:extLst>
               <a:ext uri="{FF2B5EF4-FFF2-40B4-BE49-F238E27FC236}">
-                <a16:creationId xmlns="" xmlns:a16="http://schemas.microsoft.com/office/drawing/2014/main" id="{123C1F68-864B-457C-A95A-268267D7A10E}"/>
+                <a16:creationId xmlns:a16="http://schemas.microsoft.com/office/drawing/2014/main" xmlns="" id="{123C1F68-864B-457C-A95A-268267D7A10E}"/>
               </a:ext>
             </a:extLst>
           </p:cNvPr>
@@ -8954,7 +9343,7 @@
           <p:cNvPr id="5" name="Text Placeholder 2">
             <a:extLst>
               <a:ext uri="{FF2B5EF4-FFF2-40B4-BE49-F238E27FC236}">
-                <a16:creationId xmlns="" xmlns:a16="http://schemas.microsoft.com/office/drawing/2014/main" id="{BCC204B9-DFA1-4491-83BA-272E5E5E14B8}"/>
+                <a16:creationId xmlns:a16="http://schemas.microsoft.com/office/drawing/2014/main" xmlns="" id="{BCC204B9-DFA1-4491-83BA-272E5E5E14B8}"/>
               </a:ext>
             </a:extLst>
           </p:cNvPr>
@@ -9533,7 +9922,7 @@
           <p:cNvPr id="5" name="Text Placeholder 2">
             <a:extLst>
               <a:ext uri="{FF2B5EF4-FFF2-40B4-BE49-F238E27FC236}">
-                <a16:creationId xmlns="" xmlns:a16="http://schemas.microsoft.com/office/drawing/2014/main" id="{BCC204B9-DFA1-4491-83BA-272E5E5E14B8}"/>
+                <a16:creationId xmlns:a16="http://schemas.microsoft.com/office/drawing/2014/main" xmlns="" id="{BCC204B9-DFA1-4491-83BA-272E5E5E14B8}"/>
               </a:ext>
             </a:extLst>
           </p:cNvPr>
@@ -10127,7 +10516,7 @@
           <p:cNvPr id="5" name="Text Placeholder 2">
             <a:extLst>
               <a:ext uri="{FF2B5EF4-FFF2-40B4-BE49-F238E27FC236}">
-                <a16:creationId xmlns="" xmlns:a16="http://schemas.microsoft.com/office/drawing/2014/main" id="{BCC204B9-DFA1-4491-83BA-272E5E5E14B8}"/>
+                <a16:creationId xmlns:a16="http://schemas.microsoft.com/office/drawing/2014/main" xmlns="" id="{BCC204B9-DFA1-4491-83BA-272E5E5E14B8}"/>
               </a:ext>
             </a:extLst>
           </p:cNvPr>
@@ -10750,7 +11139,7 @@
           <p:cNvPr id="5" name="Text Placeholder 2">
             <a:extLst>
               <a:ext uri="{FF2B5EF4-FFF2-40B4-BE49-F238E27FC236}">
-                <a16:creationId xmlns="" xmlns:a16="http://schemas.microsoft.com/office/drawing/2014/main" id="{BCC204B9-DFA1-4491-83BA-272E5E5E14B8}"/>
+                <a16:creationId xmlns:a16="http://schemas.microsoft.com/office/drawing/2014/main" xmlns="" id="{BCC204B9-DFA1-4491-83BA-272E5E5E14B8}"/>
               </a:ext>
             </a:extLst>
           </p:cNvPr>
@@ -11364,7 +11753,7 @@
           <p:cNvPr id="5" name="Text Placeholder 2">
             <a:extLst>
               <a:ext uri="{FF2B5EF4-FFF2-40B4-BE49-F238E27FC236}">
-                <a16:creationId xmlns="" xmlns:a16="http://schemas.microsoft.com/office/drawing/2014/main" id="{BCC204B9-DFA1-4491-83BA-272E5E5E14B8}"/>
+                <a16:creationId xmlns:a16="http://schemas.microsoft.com/office/drawing/2014/main" xmlns="" id="{BCC204B9-DFA1-4491-83BA-272E5E5E14B8}"/>
               </a:ext>
             </a:extLst>
           </p:cNvPr>
@@ -14076,7 +14465,7 @@
           <p:cNvPr id="25" name="Straight Connector 24">
             <a:extLst>
               <a:ext uri="{FF2B5EF4-FFF2-40B4-BE49-F238E27FC236}">
-                <a16:creationId xmlns="" xmlns:a16="http://schemas.microsoft.com/office/drawing/2014/main" id="{C0BDAA07-FDFF-42E6-BCDB-0AC58BC399F3}"/>
+                <a16:creationId xmlns:a16="http://schemas.microsoft.com/office/drawing/2014/main" xmlns="" id="{C0BDAA07-FDFF-42E6-BCDB-0AC58BC399F3}"/>
               </a:ext>
             </a:extLst>
           </p:cNvPr>
@@ -14320,7 +14709,7 @@
           <p:cNvPr id="5" name="Text Placeholder 2">
             <a:extLst>
               <a:ext uri="{FF2B5EF4-FFF2-40B4-BE49-F238E27FC236}">
-                <a16:creationId xmlns="" xmlns:a16="http://schemas.microsoft.com/office/drawing/2014/main" id="{BCC204B9-DFA1-4491-83BA-272E5E5E14B8}"/>
+                <a16:creationId xmlns:a16="http://schemas.microsoft.com/office/drawing/2014/main" xmlns="" id="{BCC204B9-DFA1-4491-83BA-272E5E5E14B8}"/>
               </a:ext>
             </a:extLst>
           </p:cNvPr>
@@ -14984,7 +15373,7 @@
           <p:cNvPr id="5" name="Text Placeholder 2">
             <a:extLst>
               <a:ext uri="{FF2B5EF4-FFF2-40B4-BE49-F238E27FC236}">
-                <a16:creationId xmlns="" xmlns:a16="http://schemas.microsoft.com/office/drawing/2014/main" id="{BCC204B9-DFA1-4491-83BA-272E5E5E14B8}"/>
+                <a16:creationId xmlns:a16="http://schemas.microsoft.com/office/drawing/2014/main" xmlns="" id="{BCC204B9-DFA1-4491-83BA-272E5E5E14B8}"/>
               </a:ext>
             </a:extLst>
           </p:cNvPr>
@@ -20604,7 +20993,7 @@
           <p:cNvPr id="5" name="Text Placeholder 2">
             <a:extLst>
               <a:ext uri="{FF2B5EF4-FFF2-40B4-BE49-F238E27FC236}">
-                <a16:creationId xmlns="" xmlns:a16="http://schemas.microsoft.com/office/drawing/2014/main" id="{BCC204B9-DFA1-4491-83BA-272E5E5E14B8}"/>
+                <a16:creationId xmlns:a16="http://schemas.microsoft.com/office/drawing/2014/main" xmlns="" id="{BCC204B9-DFA1-4491-83BA-272E5E5E14B8}"/>
               </a:ext>
             </a:extLst>
           </p:cNvPr>
@@ -21301,7 +21690,7 @@
           <p:cNvPr id="5" name="Text Placeholder 2">
             <a:extLst>
               <a:ext uri="{FF2B5EF4-FFF2-40B4-BE49-F238E27FC236}">
-                <a16:creationId xmlns="" xmlns:a16="http://schemas.microsoft.com/office/drawing/2014/main" id="{BCC204B9-DFA1-4491-83BA-272E5E5E14B8}"/>
+                <a16:creationId xmlns:a16="http://schemas.microsoft.com/office/drawing/2014/main" xmlns="" id="{BCC204B9-DFA1-4491-83BA-272E5E5E14B8}"/>
               </a:ext>
             </a:extLst>
           </p:cNvPr>
@@ -25596,7 +25985,7 @@
           <p:cNvPr id="5" name="Text Placeholder 2">
             <a:extLst>
               <a:ext uri="{FF2B5EF4-FFF2-40B4-BE49-F238E27FC236}">
-                <a16:creationId xmlns="" xmlns:a16="http://schemas.microsoft.com/office/drawing/2014/main" id="{BCC204B9-DFA1-4491-83BA-272E5E5E14B8}"/>
+                <a16:creationId xmlns:a16="http://schemas.microsoft.com/office/drawing/2014/main" xmlns="" id="{BCC204B9-DFA1-4491-83BA-272E5E5E14B8}"/>
               </a:ext>
             </a:extLst>
           </p:cNvPr>
@@ -26924,7 +27313,7 @@
           <p:cNvPr id="6" name="Text Placeholder 2">
             <a:extLst>
               <a:ext uri="{FF2B5EF4-FFF2-40B4-BE49-F238E27FC236}">
-                <a16:creationId xmlns="" xmlns:a16="http://schemas.microsoft.com/office/drawing/2014/main" id="{BCC204B9-DFA1-4491-83BA-272E5E5E14B8}"/>
+                <a16:creationId xmlns:a16="http://schemas.microsoft.com/office/drawing/2014/main" xmlns="" id="{BCC204B9-DFA1-4491-83BA-272E5E5E14B8}"/>
               </a:ext>
             </a:extLst>
           </p:cNvPr>
@@ -28091,7 +28480,7 @@
           <p:cNvPr id="5" name="Text Placeholder 2">
             <a:extLst>
               <a:ext uri="{FF2B5EF4-FFF2-40B4-BE49-F238E27FC236}">
-                <a16:creationId xmlns="" xmlns:a16="http://schemas.microsoft.com/office/drawing/2014/main" id="{BCC204B9-DFA1-4491-83BA-272E5E5E14B8}"/>
+                <a16:creationId xmlns:a16="http://schemas.microsoft.com/office/drawing/2014/main" xmlns="" id="{BCC204B9-DFA1-4491-83BA-272E5E5E14B8}"/>
               </a:ext>
             </a:extLst>
           </p:cNvPr>
@@ -28606,7 +28995,7 @@
           <a:p>
             <a:r>
               <a:rPr lang="en-US" dirty="0" smtClean="0"/>
-              <a:t>SOME COMMANDS</a:t>
+              <a:t>GIT BRANCHING</a:t>
             </a:r>
             <a:endParaRPr lang="en-US" dirty="0"/>
           </a:p>
@@ -28646,7 +29035,6454 @@
           <p:cNvPr id="5" name="Text Placeholder 2">
             <a:extLst>
               <a:ext uri="{FF2B5EF4-FFF2-40B4-BE49-F238E27FC236}">
-                <a16:creationId xmlns="" xmlns:a16="http://schemas.microsoft.com/office/drawing/2014/main" id="{BCC204B9-DFA1-4491-83BA-272E5E5E14B8}"/>
+                <a16:creationId xmlns:a16="http://schemas.microsoft.com/office/drawing/2014/main" xmlns="" id="{BCC204B9-DFA1-4491-83BA-272E5E5E14B8}"/>
+              </a:ext>
+            </a:extLst>
+          </p:cNvPr>
+          <p:cNvSpPr txBox="1">
+            <a:spLocks/>
+          </p:cNvSpPr>
+          <p:nvPr/>
+        </p:nvSpPr>
+        <p:spPr>
+          <a:xfrm>
+            <a:off x="228600" y="1581150"/>
+            <a:ext cx="8839200" cy="2724300"/>
+          </a:xfrm>
+          <a:prstGeom prst="rect">
+            <a:avLst/>
+          </a:prstGeom>
+          <a:noFill/>
+          <a:ln>
+            <a:noFill/>
+          </a:ln>
+        </p:spPr>
+        <p:txBody>
+          <a:bodyPr wrap="square" lIns="91425" tIns="91425" rIns="91425" bIns="91425" anchor="t" anchorCtr="0"/>
+          <a:lstStyle>
+            <a:defPPr marR="0" lvl="0" algn="l" rtl="0">
+              <a:lnSpc>
+                <a:spcPct val="100000"/>
+              </a:lnSpc>
+              <a:spcBef>
+                <a:spcPts val="0"/>
+              </a:spcBef>
+              <a:spcAft>
+                <a:spcPts val="0"/>
+              </a:spcAft>
+            </a:defPPr>
+            <a:lvl1pPr marR="0" lvl="0" algn="l" rtl="0">
+              <a:lnSpc>
+                <a:spcPct val="100000"/>
+              </a:lnSpc>
+              <a:spcBef>
+                <a:spcPts val="0"/>
+              </a:spcBef>
+              <a:spcAft>
+                <a:spcPts val="1000"/>
+              </a:spcAft>
+              <a:buClr>
+                <a:srgbClr val="C7D3E6"/>
+              </a:buClr>
+              <a:buSzPct val="100000"/>
+              <a:buFont typeface="Roboto Condensed Light"/>
+              <a:buChar char="▰"/>
+              <a:defRPr sz="2000" b="0" i="0" u="none" strike="noStrike" cap="none">
+                <a:solidFill>
+                  <a:srgbClr val="263248"/>
+                </a:solidFill>
+                <a:latin typeface="Roboto Condensed Light"/>
+                <a:ea typeface="Roboto Condensed Light"/>
+                <a:cs typeface="Roboto Condensed Light"/>
+                <a:sym typeface="Roboto Condensed Light"/>
+              </a:defRPr>
+            </a:lvl1pPr>
+            <a:lvl2pPr marR="0" lvl="1" algn="l" rtl="0">
+              <a:lnSpc>
+                <a:spcPct val="100000"/>
+              </a:lnSpc>
+              <a:spcBef>
+                <a:spcPts val="0"/>
+              </a:spcBef>
+              <a:spcAft>
+                <a:spcPts val="1000"/>
+              </a:spcAft>
+              <a:buClr>
+                <a:srgbClr val="C7D3E6"/>
+              </a:buClr>
+              <a:buSzPct val="100000"/>
+              <a:buFont typeface="Roboto Condensed Light"/>
+              <a:buChar char="▻"/>
+              <a:defRPr sz="2000" b="0" i="0" u="none" strike="noStrike" cap="none">
+                <a:solidFill>
+                  <a:srgbClr val="263248"/>
+                </a:solidFill>
+                <a:latin typeface="Roboto Condensed Light"/>
+                <a:ea typeface="Roboto Condensed Light"/>
+                <a:cs typeface="Roboto Condensed Light"/>
+                <a:sym typeface="Roboto Condensed Light"/>
+              </a:defRPr>
+            </a:lvl2pPr>
+            <a:lvl3pPr marR="0" lvl="2" algn="l" rtl="0">
+              <a:lnSpc>
+                <a:spcPct val="100000"/>
+              </a:lnSpc>
+              <a:spcBef>
+                <a:spcPts val="0"/>
+              </a:spcBef>
+              <a:spcAft>
+                <a:spcPts val="1000"/>
+              </a:spcAft>
+              <a:buClr>
+                <a:srgbClr val="C7D3E6"/>
+              </a:buClr>
+              <a:buSzPct val="100000"/>
+              <a:buFont typeface="Roboto Condensed Light"/>
+              <a:buChar char="▻"/>
+              <a:defRPr sz="2000" b="0" i="0" u="none" strike="noStrike" cap="none">
+                <a:solidFill>
+                  <a:srgbClr val="263248"/>
+                </a:solidFill>
+                <a:latin typeface="Roboto Condensed Light"/>
+                <a:ea typeface="Roboto Condensed Light"/>
+                <a:cs typeface="Roboto Condensed Light"/>
+                <a:sym typeface="Roboto Condensed Light"/>
+              </a:defRPr>
+            </a:lvl3pPr>
+            <a:lvl4pPr marR="0" lvl="3" algn="l" rtl="0">
+              <a:lnSpc>
+                <a:spcPct val="100000"/>
+              </a:lnSpc>
+              <a:spcBef>
+                <a:spcPts val="0"/>
+              </a:spcBef>
+              <a:spcAft>
+                <a:spcPts val="1000"/>
+              </a:spcAft>
+              <a:buClr>
+                <a:srgbClr val="C7D3E6"/>
+              </a:buClr>
+              <a:buSzPct val="100000"/>
+              <a:buFont typeface="Roboto Condensed Light"/>
+              <a:buChar char="▻"/>
+              <a:defRPr sz="2000" b="0" i="0" u="none" strike="noStrike" cap="none">
+                <a:solidFill>
+                  <a:srgbClr val="263248"/>
+                </a:solidFill>
+                <a:latin typeface="Roboto Condensed Light"/>
+                <a:ea typeface="Roboto Condensed Light"/>
+                <a:cs typeface="Roboto Condensed Light"/>
+                <a:sym typeface="Roboto Condensed Light"/>
+              </a:defRPr>
+            </a:lvl4pPr>
+            <a:lvl5pPr marR="0" lvl="4" algn="l" rtl="0">
+              <a:lnSpc>
+                <a:spcPct val="100000"/>
+              </a:lnSpc>
+              <a:spcBef>
+                <a:spcPts val="0"/>
+              </a:spcBef>
+              <a:spcAft>
+                <a:spcPts val="1000"/>
+              </a:spcAft>
+              <a:buClr>
+                <a:srgbClr val="C7D3E6"/>
+              </a:buClr>
+              <a:buSzPct val="100000"/>
+              <a:buFont typeface="Roboto Condensed Light"/>
+              <a:buChar char="▻"/>
+              <a:defRPr sz="2000" b="0" i="0" u="none" strike="noStrike" cap="none">
+                <a:solidFill>
+                  <a:srgbClr val="263248"/>
+                </a:solidFill>
+                <a:latin typeface="Roboto Condensed Light"/>
+                <a:ea typeface="Roboto Condensed Light"/>
+                <a:cs typeface="Roboto Condensed Light"/>
+                <a:sym typeface="Roboto Condensed Light"/>
+              </a:defRPr>
+            </a:lvl5pPr>
+            <a:lvl6pPr marR="0" lvl="5" algn="l" rtl="0">
+              <a:lnSpc>
+                <a:spcPct val="100000"/>
+              </a:lnSpc>
+              <a:spcBef>
+                <a:spcPts val="0"/>
+              </a:spcBef>
+              <a:spcAft>
+                <a:spcPts val="1000"/>
+              </a:spcAft>
+              <a:buClr>
+                <a:srgbClr val="C7D3E6"/>
+              </a:buClr>
+              <a:buSzPct val="100000"/>
+              <a:buFont typeface="Roboto Condensed Light"/>
+              <a:buChar char="▻"/>
+              <a:defRPr sz="2000" b="0" i="0" u="none" strike="noStrike" cap="none">
+                <a:solidFill>
+                  <a:srgbClr val="263248"/>
+                </a:solidFill>
+                <a:latin typeface="Roboto Condensed Light"/>
+                <a:ea typeface="Roboto Condensed Light"/>
+                <a:cs typeface="Roboto Condensed Light"/>
+                <a:sym typeface="Roboto Condensed Light"/>
+              </a:defRPr>
+            </a:lvl6pPr>
+            <a:lvl7pPr marR="0" lvl="6" algn="l" rtl="0">
+              <a:lnSpc>
+                <a:spcPct val="100000"/>
+              </a:lnSpc>
+              <a:spcBef>
+                <a:spcPts val="0"/>
+              </a:spcBef>
+              <a:spcAft>
+                <a:spcPts val="1000"/>
+              </a:spcAft>
+              <a:buClr>
+                <a:srgbClr val="C7D3E6"/>
+              </a:buClr>
+              <a:buSzPct val="100000"/>
+              <a:buFont typeface="Roboto Condensed Light"/>
+              <a:buChar char="▻"/>
+              <a:defRPr sz="2000" b="0" i="0" u="none" strike="noStrike" cap="none">
+                <a:solidFill>
+                  <a:srgbClr val="263248"/>
+                </a:solidFill>
+                <a:latin typeface="Roboto Condensed Light"/>
+                <a:ea typeface="Roboto Condensed Light"/>
+                <a:cs typeface="Roboto Condensed Light"/>
+                <a:sym typeface="Roboto Condensed Light"/>
+              </a:defRPr>
+            </a:lvl7pPr>
+            <a:lvl8pPr marR="0" lvl="7" algn="l" rtl="0">
+              <a:lnSpc>
+                <a:spcPct val="100000"/>
+              </a:lnSpc>
+              <a:spcBef>
+                <a:spcPts val="0"/>
+              </a:spcBef>
+              <a:spcAft>
+                <a:spcPts val="1000"/>
+              </a:spcAft>
+              <a:buClr>
+                <a:srgbClr val="C7D3E6"/>
+              </a:buClr>
+              <a:buSzPct val="100000"/>
+              <a:buFont typeface="Roboto Condensed Light"/>
+              <a:buChar char="▻"/>
+              <a:defRPr sz="2000" b="0" i="0" u="none" strike="noStrike" cap="none">
+                <a:solidFill>
+                  <a:srgbClr val="263248"/>
+                </a:solidFill>
+                <a:latin typeface="Roboto Condensed Light"/>
+                <a:ea typeface="Roboto Condensed Light"/>
+                <a:cs typeface="Roboto Condensed Light"/>
+                <a:sym typeface="Roboto Condensed Light"/>
+              </a:defRPr>
+            </a:lvl8pPr>
+            <a:lvl9pPr marR="0" lvl="8" algn="l" rtl="0">
+              <a:lnSpc>
+                <a:spcPct val="100000"/>
+              </a:lnSpc>
+              <a:spcBef>
+                <a:spcPts val="0"/>
+              </a:spcBef>
+              <a:spcAft>
+                <a:spcPts val="1000"/>
+              </a:spcAft>
+              <a:buClr>
+                <a:srgbClr val="C7D3E6"/>
+              </a:buClr>
+              <a:buSzPct val="100000"/>
+              <a:buFont typeface="Roboto Condensed Light"/>
+              <a:buChar char="▻"/>
+              <a:defRPr sz="2000" b="0" i="0" u="none" strike="noStrike" cap="none">
+                <a:solidFill>
+                  <a:srgbClr val="263248"/>
+                </a:solidFill>
+                <a:latin typeface="Roboto Condensed Light"/>
+                <a:ea typeface="Roboto Condensed Light"/>
+                <a:cs typeface="Roboto Condensed Light"/>
+                <a:sym typeface="Roboto Condensed Light"/>
+              </a:defRPr>
+            </a:lvl9pPr>
+          </a:lstStyle>
+          <a:p>
+            <a:r>
+              <a:rPr lang="en-US" dirty="0" smtClean="0"/>
+              <a:t> BRANCHING means you diverge from the main line of development and continue to do work without messing with that main line.</a:t>
+            </a:r>
+          </a:p>
+          <a:p>
+            <a:r>
+              <a:rPr lang="en-US" dirty="0" smtClean="0"/>
+              <a:t> Nearly every VCS has some form of branching support.</a:t>
+            </a:r>
+          </a:p>
+          <a:p>
+            <a:r>
+              <a:rPr lang="en-US" dirty="0" smtClean="0"/>
+              <a:t> Understanding and mastering this feature gives you a powerful and unique tool and can entirely change the way that you develop.</a:t>
+            </a:r>
+          </a:p>
+        </p:txBody>
+      </p:sp>
+    </p:spTree>
+    <p:extLst>
+      <p:ext uri="{BB962C8B-B14F-4D97-AF65-F5344CB8AC3E}">
+        <p14:creationId xmlns:p14="http://schemas.microsoft.com/office/powerpoint/2010/main" val="2743681352"/>
+      </p:ext>
+    </p:extLst>
+  </p:cSld>
+  <p:clrMapOvr>
+    <a:masterClrMapping/>
+  </p:clrMapOvr>
+  <p:timing>
+    <p:tnLst>
+      <p:par>
+        <p:cTn id="1" dur="indefinite" restart="never" nodeType="tmRoot">
+          <p:childTnLst>
+            <p:seq concurrent="1" nextAc="seek">
+              <p:cTn id="2" dur="indefinite" nodeType="mainSeq">
+                <p:childTnLst>
+                  <p:par>
+                    <p:cTn id="3" fill="hold">
+                      <p:stCondLst>
+                        <p:cond delay="indefinite"/>
+                      </p:stCondLst>
+                      <p:childTnLst>
+                        <p:par>
+                          <p:cTn id="4" fill="hold">
+                            <p:stCondLst>
+                              <p:cond delay="0"/>
+                            </p:stCondLst>
+                            <p:childTnLst>
+                              <p:par>
+                                <p:cTn id="5" presetID="1" presetClass="entr" presetSubtype="0" fill="hold" nodeType="clickEffect">
+                                  <p:stCondLst>
+                                    <p:cond delay="0"/>
+                                  </p:stCondLst>
+                                  <p:childTnLst>
+                                    <p:set>
+                                      <p:cBhvr>
+                                        <p:cTn id="6" dur="1" fill="hold">
+                                          <p:stCondLst>
+                                            <p:cond delay="0"/>
+                                          </p:stCondLst>
+                                        </p:cTn>
+                                        <p:tgtEl>
+                                          <p:spTgt spid="5">
+                                            <p:txEl>
+                                              <p:pRg st="0" end="0"/>
+                                            </p:txEl>
+                                          </p:spTgt>
+                                        </p:tgtEl>
+                                        <p:attrNameLst>
+                                          <p:attrName>style.visibility</p:attrName>
+                                        </p:attrNameLst>
+                                      </p:cBhvr>
+                                      <p:to>
+                                        <p:strVal val="visible"/>
+                                      </p:to>
+                                    </p:set>
+                                  </p:childTnLst>
+                                </p:cTn>
+                              </p:par>
+                            </p:childTnLst>
+                          </p:cTn>
+                        </p:par>
+                      </p:childTnLst>
+                    </p:cTn>
+                  </p:par>
+                  <p:par>
+                    <p:cTn id="7" fill="hold">
+                      <p:stCondLst>
+                        <p:cond delay="indefinite"/>
+                      </p:stCondLst>
+                      <p:childTnLst>
+                        <p:par>
+                          <p:cTn id="8" fill="hold">
+                            <p:stCondLst>
+                              <p:cond delay="0"/>
+                            </p:stCondLst>
+                            <p:childTnLst>
+                              <p:par>
+                                <p:cTn id="9" presetID="1" presetClass="entr" presetSubtype="0" fill="hold" nodeType="clickEffect">
+                                  <p:stCondLst>
+                                    <p:cond delay="0"/>
+                                  </p:stCondLst>
+                                  <p:childTnLst>
+                                    <p:set>
+                                      <p:cBhvr>
+                                        <p:cTn id="10" dur="1" fill="hold">
+                                          <p:stCondLst>
+                                            <p:cond delay="0"/>
+                                          </p:stCondLst>
+                                        </p:cTn>
+                                        <p:tgtEl>
+                                          <p:spTgt spid="5">
+                                            <p:txEl>
+                                              <p:pRg st="1" end="1"/>
+                                            </p:txEl>
+                                          </p:spTgt>
+                                        </p:tgtEl>
+                                        <p:attrNameLst>
+                                          <p:attrName>style.visibility</p:attrName>
+                                        </p:attrNameLst>
+                                      </p:cBhvr>
+                                      <p:to>
+                                        <p:strVal val="visible"/>
+                                      </p:to>
+                                    </p:set>
+                                  </p:childTnLst>
+                                </p:cTn>
+                              </p:par>
+                            </p:childTnLst>
+                          </p:cTn>
+                        </p:par>
+                      </p:childTnLst>
+                    </p:cTn>
+                  </p:par>
+                  <p:par>
+                    <p:cTn id="11" fill="hold">
+                      <p:stCondLst>
+                        <p:cond delay="indefinite"/>
+                      </p:stCondLst>
+                      <p:childTnLst>
+                        <p:par>
+                          <p:cTn id="12" fill="hold">
+                            <p:stCondLst>
+                              <p:cond delay="0"/>
+                            </p:stCondLst>
+                            <p:childTnLst>
+                              <p:par>
+                                <p:cTn id="13" presetID="1" presetClass="entr" presetSubtype="0" fill="hold" nodeType="clickEffect">
+                                  <p:stCondLst>
+                                    <p:cond delay="0"/>
+                                  </p:stCondLst>
+                                  <p:childTnLst>
+                                    <p:set>
+                                      <p:cBhvr>
+                                        <p:cTn id="14" dur="1" fill="hold">
+                                          <p:stCondLst>
+                                            <p:cond delay="0"/>
+                                          </p:stCondLst>
+                                        </p:cTn>
+                                        <p:tgtEl>
+                                          <p:spTgt spid="5">
+                                            <p:txEl>
+                                              <p:pRg st="2" end="2"/>
+                                            </p:txEl>
+                                          </p:spTgt>
+                                        </p:tgtEl>
+                                        <p:attrNameLst>
+                                          <p:attrName>style.visibility</p:attrName>
+                                        </p:attrNameLst>
+                                      </p:cBhvr>
+                                      <p:to>
+                                        <p:strVal val="visible"/>
+                                      </p:to>
+                                    </p:set>
+                                  </p:childTnLst>
+                                </p:cTn>
+                              </p:par>
+                            </p:childTnLst>
+                          </p:cTn>
+                        </p:par>
+                      </p:childTnLst>
+                    </p:cTn>
+                  </p:par>
+                </p:childTnLst>
+              </p:cTn>
+              <p:prevCondLst>
+                <p:cond evt="onPrev" delay="0">
+                  <p:tgtEl>
+                    <p:sldTgt/>
+                  </p:tgtEl>
+                </p:cond>
+              </p:prevCondLst>
+              <p:nextCondLst>
+                <p:cond evt="onNext" delay="0">
+                  <p:tgtEl>
+                    <p:sldTgt/>
+                  </p:tgtEl>
+                </p:cond>
+              </p:nextCondLst>
+            </p:seq>
+          </p:childTnLst>
+        </p:cTn>
+      </p:par>
+    </p:tnLst>
+  </p:timing>
+</p:sld>
+</file>
+
+<file path=ppt/slides/slide73.xml><?xml version="1.0" encoding="utf-8"?>
+<p:sld xmlns:a="http://schemas.openxmlformats.org/drawingml/2006/main" xmlns:r="http://schemas.openxmlformats.org/officeDocument/2006/relationships" xmlns:p="http://schemas.openxmlformats.org/presentationml/2006/main">
+  <p:cSld>
+    <p:spTree>
+      <p:nvGrpSpPr>
+        <p:cNvPr id="1" name=""/>
+        <p:cNvGrpSpPr/>
+        <p:nvPr/>
+      </p:nvGrpSpPr>
+      <p:grpSpPr>
+        <a:xfrm>
+          <a:off x="0" y="0"/>
+          <a:ext cx="0" cy="0"/>
+          <a:chOff x="0" y="0"/>
+          <a:chExt cx="0" cy="0"/>
+        </a:xfrm>
+      </p:grpSpPr>
+      <p:sp>
+        <p:nvSpPr>
+          <p:cNvPr id="2" name="Title 1"/>
+          <p:cNvSpPr>
+            <a:spLocks noGrp="1"/>
+          </p:cNvSpPr>
+          <p:nvPr>
+            <p:ph type="title"/>
+          </p:nvPr>
+        </p:nvSpPr>
+        <p:spPr/>
+        <p:txBody>
+          <a:bodyPr/>
+          <a:lstStyle/>
+          <a:p>
+            <a:r>
+              <a:rPr lang="en-US" dirty="0"/>
+              <a:t>GIT BRANCHING</a:t>
+            </a:r>
+          </a:p>
+        </p:txBody>
+      </p:sp>
+      <p:sp>
+        <p:nvSpPr>
+          <p:cNvPr id="4" name="Slide Number Placeholder 3"/>
+          <p:cNvSpPr>
+            <a:spLocks noGrp="1"/>
+          </p:cNvSpPr>
+          <p:nvPr>
+            <p:ph type="sldNum" idx="12"/>
+          </p:nvPr>
+        </p:nvSpPr>
+        <p:spPr/>
+        <p:txBody>
+          <a:bodyPr/>
+          <a:lstStyle/>
+          <a:p>
+            <a:pPr lvl="0">
+              <a:spcBef>
+                <a:spcPts val="0"/>
+              </a:spcBef>
+              <a:buNone/>
+            </a:pPr>
+            <a:fld id="{00000000-1234-1234-1234-123412341234}" type="slidenum">
+              <a:rPr lang="en" smtClean="0"/>
+              <a:t>73</a:t>
+            </a:fld>
+            <a:endParaRPr lang="en"/>
+          </a:p>
+        </p:txBody>
+      </p:sp>
+      <p:pic>
+        <p:nvPicPr>
+          <p:cNvPr id="1026" name="Picture 2" descr="A branch and its commit history."/>
+          <p:cNvPicPr>
+            <a:picLocks noChangeAspect="1" noChangeArrowheads="1"/>
+          </p:cNvPicPr>
+          <p:nvPr/>
+        </p:nvPicPr>
+        <p:blipFill>
+          <a:blip r:embed="rId2">
+            <a:extLst>
+              <a:ext uri="{28A0092B-C50C-407E-A947-70E740481C1C}">
+                <a14:useLocalDpi xmlns:a14="http://schemas.microsoft.com/office/drawing/2010/main" val="0"/>
+              </a:ext>
+            </a:extLst>
+          </a:blip>
+          <a:srcRect/>
+          <a:stretch>
+            <a:fillRect/>
+          </a:stretch>
+        </p:blipFill>
+        <p:spPr bwMode="auto">
+          <a:xfrm>
+            <a:off x="914400" y="1428750"/>
+            <a:ext cx="5715000" cy="3071813"/>
+          </a:xfrm>
+          <a:prstGeom prst="rect">
+            <a:avLst/>
+          </a:prstGeom>
+          <a:noFill/>
+          <a:extLst>
+            <a:ext uri="{909E8E84-426E-40DD-AFC4-6F175D3DCCD1}">
+              <a14:hiddenFill xmlns:a14="http://schemas.microsoft.com/office/drawing/2010/main">
+                <a:solidFill>
+                  <a:srgbClr val="FFFFFF"/>
+                </a:solidFill>
+              </a14:hiddenFill>
+            </a:ext>
+          </a:extLst>
+        </p:spPr>
+      </p:pic>
+    </p:spTree>
+    <p:extLst>
+      <p:ext uri="{BB962C8B-B14F-4D97-AF65-F5344CB8AC3E}">
+        <p14:creationId xmlns:p14="http://schemas.microsoft.com/office/powerpoint/2010/main" val="3258769869"/>
+      </p:ext>
+    </p:extLst>
+  </p:cSld>
+  <p:clrMapOvr>
+    <a:masterClrMapping/>
+  </p:clrMapOvr>
+</p:sld>
+</file>
+
+<file path=ppt/slides/slide74.xml><?xml version="1.0" encoding="utf-8"?>
+<p:sld xmlns:a="http://schemas.openxmlformats.org/drawingml/2006/main" xmlns:r="http://schemas.openxmlformats.org/officeDocument/2006/relationships" xmlns:p="http://schemas.openxmlformats.org/presentationml/2006/main">
+  <p:cSld>
+    <p:spTree>
+      <p:nvGrpSpPr>
+        <p:cNvPr id="1" name=""/>
+        <p:cNvGrpSpPr/>
+        <p:nvPr/>
+      </p:nvGrpSpPr>
+      <p:grpSpPr>
+        <a:xfrm>
+          <a:off x="0" y="0"/>
+          <a:ext cx="0" cy="0"/>
+          <a:chOff x="0" y="0"/>
+          <a:chExt cx="0" cy="0"/>
+        </a:xfrm>
+      </p:grpSpPr>
+      <p:sp>
+        <p:nvSpPr>
+          <p:cNvPr id="2" name="Title 1"/>
+          <p:cNvSpPr>
+            <a:spLocks noGrp="1"/>
+          </p:cNvSpPr>
+          <p:nvPr>
+            <p:ph type="title"/>
+          </p:nvPr>
+        </p:nvSpPr>
+        <p:spPr/>
+        <p:txBody>
+          <a:bodyPr/>
+          <a:lstStyle/>
+          <a:p>
+            <a:r>
+              <a:rPr lang="en-US" dirty="0" smtClean="0"/>
+              <a:t>CREATING A NEW BRANCH</a:t>
+            </a:r>
+            <a:endParaRPr lang="en-US" dirty="0"/>
+          </a:p>
+        </p:txBody>
+      </p:sp>
+      <p:sp>
+        <p:nvSpPr>
+          <p:cNvPr id="4" name="Slide Number Placeholder 3"/>
+          <p:cNvSpPr>
+            <a:spLocks noGrp="1"/>
+          </p:cNvSpPr>
+          <p:nvPr>
+            <p:ph type="sldNum" idx="12"/>
+          </p:nvPr>
+        </p:nvSpPr>
+        <p:spPr/>
+        <p:txBody>
+          <a:bodyPr/>
+          <a:lstStyle/>
+          <a:p>
+            <a:pPr lvl="0">
+              <a:spcBef>
+                <a:spcPts val="0"/>
+              </a:spcBef>
+              <a:buNone/>
+            </a:pPr>
+            <a:fld id="{00000000-1234-1234-1234-123412341234}" type="slidenum">
+              <a:rPr lang="en" smtClean="0"/>
+              <a:t>74</a:t>
+            </a:fld>
+            <a:endParaRPr lang="en"/>
+          </a:p>
+        </p:txBody>
+      </p:sp>
+      <p:pic>
+        <p:nvPicPr>
+          <p:cNvPr id="2050" name="Picture 2" descr="Two branches pointing into the same series of commits."/>
+          <p:cNvPicPr>
+            <a:picLocks noChangeAspect="1" noChangeArrowheads="1"/>
+          </p:cNvPicPr>
+          <p:nvPr/>
+        </p:nvPicPr>
+        <p:blipFill>
+          <a:blip r:embed="rId2">
+            <a:extLst>
+              <a:ext uri="{28A0092B-C50C-407E-A947-70E740481C1C}">
+                <a14:useLocalDpi xmlns:a14="http://schemas.microsoft.com/office/drawing/2010/main" val="0"/>
+              </a:ext>
+            </a:extLst>
+          </a:blip>
+          <a:srcRect/>
+          <a:stretch>
+            <a:fillRect/>
+          </a:stretch>
+        </p:blipFill>
+        <p:spPr bwMode="auto">
+          <a:xfrm>
+            <a:off x="495300" y="1352551"/>
+            <a:ext cx="7239000" cy="2995136"/>
+          </a:xfrm>
+          <a:prstGeom prst="rect">
+            <a:avLst/>
+          </a:prstGeom>
+          <a:noFill/>
+          <a:extLst>
+            <a:ext uri="{909E8E84-426E-40DD-AFC4-6F175D3DCCD1}">
+              <a14:hiddenFill xmlns:a14="http://schemas.microsoft.com/office/drawing/2010/main">
+                <a:solidFill>
+                  <a:srgbClr val="FFFFFF"/>
+                </a:solidFill>
+              </a14:hiddenFill>
+            </a:ext>
+          </a:extLst>
+        </p:spPr>
+      </p:pic>
+      <p:sp>
+        <p:nvSpPr>
+          <p:cNvPr id="3" name="Rectangle 3"/>
+          <p:cNvSpPr>
+            <a:spLocks noChangeArrowheads="1"/>
+          </p:cNvSpPr>
+          <p:nvPr/>
+        </p:nvSpPr>
+        <p:spPr bwMode="auto">
+          <a:xfrm>
+            <a:off x="457200" y="3562350"/>
+            <a:ext cx="3657600" cy="1027774"/>
+          </a:xfrm>
+          <a:prstGeom prst="rect">
+            <a:avLst/>
+          </a:prstGeom>
+          <a:solidFill>
+            <a:srgbClr val="EEEEEE"/>
+          </a:solidFill>
+          <a:ln>
+            <a:noFill/>
+          </a:ln>
+          <a:effectLst/>
+          <a:extLst>
+            <a:ext uri="{91240B29-F687-4F45-9708-019B960494DF}">
+              <a14:hiddenLine xmlns:a14="http://schemas.microsoft.com/office/drawing/2010/main" w="9525">
+                <a:solidFill>
+                  <a:schemeClr val="tx1"/>
+                </a:solidFill>
+                <a:miter lim="800000"/>
+                <a:headEnd/>
+                <a:tailEnd/>
+              </a14:hiddenLine>
+            </a:ext>
+            <a:ext uri="{AF507438-7753-43E0-B8FC-AC1667EBCBE1}">
+              <a14:hiddenEffects xmlns:a14="http://schemas.microsoft.com/office/drawing/2010/main">
+                <a:effectLst>
+                  <a:outerShdw dist="35921" dir="2700000" algn="ctr" rotWithShape="0">
+                    <a:schemeClr val="bg2"/>
+                  </a:outerShdw>
+                </a:effectLst>
+              </a14:hiddenEffects>
+            </a:ext>
+          </a:extLst>
+        </p:spPr>
+        <p:txBody>
+          <a:bodyPr vert="horz" wrap="square" lIns="0" tIns="66654" rIns="0" bIns="158700" numCol="1" anchor="ctr" anchorCtr="0" compatLnSpc="1">
+            <a:prstTxWarp prst="textNoShape">
+              <a:avLst/>
+            </a:prstTxWarp>
+            <a:spAutoFit/>
+          </a:bodyPr>
+          <a:lstStyle/>
+          <a:p>
+            <a:pPr marL="0" marR="0" lvl="0" indent="0" algn="l" defTabSz="914400" rtl="0" eaLnBrk="1" fontAlgn="base" latinLnBrk="0" hangingPunct="1">
+              <a:lnSpc>
+                <a:spcPct val="100000"/>
+              </a:lnSpc>
+              <a:spcBef>
+                <a:spcPct val="0"/>
+              </a:spcBef>
+              <a:spcAft>
+                <a:spcPct val="0"/>
+              </a:spcAft>
+              <a:buClrTx/>
+              <a:buSzTx/>
+              <a:buFontTx/>
+              <a:buNone/>
+              <a:tabLst/>
+            </a:pPr>
+            <a:r>
+              <a:rPr kumimoji="0" lang="en-US" sz="2400" b="0" i="0" u="none" strike="noStrike" cap="none" normalizeH="0" baseline="0" dirty="0" smtClean="0">
+                <a:ln>
+                  <a:noFill/>
+                </a:ln>
+                <a:solidFill>
+                  <a:srgbClr val="333333"/>
+                </a:solidFill>
+                <a:effectLst/>
+                <a:latin typeface="Courier New" pitchFamily="49" charset="0"/>
+                <a:cs typeface="Courier New" pitchFamily="49" charset="0"/>
+              </a:rPr>
+              <a:t>$ </a:t>
+            </a:r>
+            <a:r>
+              <a:rPr kumimoji="0" lang="en-US" sz="2400" b="0" i="0" u="none" strike="noStrike" cap="none" normalizeH="0" baseline="0" dirty="0" err="1" smtClean="0">
+                <a:ln>
+                  <a:noFill/>
+                </a:ln>
+                <a:solidFill>
+                  <a:srgbClr val="333333"/>
+                </a:solidFill>
+                <a:effectLst/>
+                <a:latin typeface="Courier New" pitchFamily="49" charset="0"/>
+                <a:cs typeface="Courier New" pitchFamily="49" charset="0"/>
+              </a:rPr>
+              <a:t>git</a:t>
+            </a:r>
+            <a:r>
+              <a:rPr kumimoji="0" lang="en-US" sz="2400" b="0" i="0" u="none" strike="noStrike" cap="none" normalizeH="0" baseline="0" dirty="0" smtClean="0">
+                <a:ln>
+                  <a:noFill/>
+                </a:ln>
+                <a:solidFill>
+                  <a:srgbClr val="333333"/>
+                </a:solidFill>
+                <a:effectLst/>
+                <a:latin typeface="Courier New" pitchFamily="49" charset="0"/>
+                <a:cs typeface="Courier New" pitchFamily="49" charset="0"/>
+              </a:rPr>
+              <a:t> </a:t>
+            </a:r>
+            <a:r>
+              <a:rPr kumimoji="0" lang="en-US" sz="2400" b="0" i="0" u="none" strike="noStrike" cap="none" normalizeH="0" baseline="0" dirty="0" err="1" smtClean="0">
+                <a:ln>
+                  <a:noFill/>
+                </a:ln>
+                <a:solidFill>
+                  <a:srgbClr val="333333"/>
+                </a:solidFill>
+                <a:effectLst/>
+                <a:latin typeface="Courier New" pitchFamily="49" charset="0"/>
+                <a:cs typeface="Courier New" pitchFamily="49" charset="0"/>
+              </a:rPr>
+              <a:t>brach</a:t>
+            </a:r>
+            <a:r>
+              <a:rPr kumimoji="0" lang="en-US" sz="2400" b="0" i="0" u="none" strike="noStrike" cap="none" normalizeH="0" baseline="0" dirty="0" smtClean="0">
+                <a:ln>
+                  <a:noFill/>
+                </a:ln>
+                <a:solidFill>
+                  <a:srgbClr val="333333"/>
+                </a:solidFill>
+                <a:effectLst/>
+                <a:latin typeface="Courier New" pitchFamily="49" charset="0"/>
+                <a:cs typeface="Courier New" pitchFamily="49" charset="0"/>
+              </a:rPr>
+              <a:t> testing</a:t>
+            </a:r>
+            <a:endParaRPr kumimoji="0" lang="en-US" sz="1800" b="0" i="0" u="none" strike="noStrike" cap="none" normalizeH="0" baseline="0" dirty="0" smtClean="0">
+              <a:ln>
+                <a:noFill/>
+              </a:ln>
+              <a:solidFill>
+                <a:schemeClr val="tx1"/>
+              </a:solidFill>
+              <a:effectLst/>
+              <a:latin typeface="Arial" pitchFamily="34" charset="0"/>
+              <a:cs typeface="Arial" pitchFamily="34" charset="0"/>
+            </a:endParaRPr>
+          </a:p>
+          <a:p>
+            <a:pPr marL="0" marR="0" lvl="0" indent="0" algn="l" defTabSz="914400" rtl="0" eaLnBrk="0" fontAlgn="base" latinLnBrk="0" hangingPunct="0">
+              <a:lnSpc>
+                <a:spcPct val="100000"/>
+              </a:lnSpc>
+              <a:spcBef>
+                <a:spcPct val="0"/>
+              </a:spcBef>
+              <a:spcAft>
+                <a:spcPct val="0"/>
+              </a:spcAft>
+              <a:buClrTx/>
+              <a:buSzTx/>
+              <a:buFontTx/>
+              <a:buNone/>
+              <a:tabLst/>
+            </a:pPr>
+            <a:r>
+              <a:rPr kumimoji="0" lang="en-US" sz="1000" b="0" i="0" u="none" strike="noStrike" cap="none" normalizeH="0" baseline="0" dirty="0" smtClean="0">
+                <a:ln>
+                  <a:noFill/>
+                </a:ln>
+                <a:solidFill>
+                  <a:srgbClr val="4E443C"/>
+                </a:solidFill>
+                <a:effectLst/>
+                <a:latin typeface="Georgia" pitchFamily="18" charset="0"/>
+                <a:cs typeface="Arial" pitchFamily="34" charset="0"/>
+              </a:rPr>
+              <a:t/>
+            </a:r>
+            <a:br>
+              <a:rPr kumimoji="0" lang="en-US" sz="1000" b="0" i="0" u="none" strike="noStrike" cap="none" normalizeH="0" baseline="0" dirty="0" smtClean="0">
+                <a:ln>
+                  <a:noFill/>
+                </a:ln>
+                <a:solidFill>
+                  <a:srgbClr val="4E443C"/>
+                </a:solidFill>
+                <a:effectLst/>
+                <a:latin typeface="Georgia" pitchFamily="18" charset="0"/>
+                <a:cs typeface="Arial" pitchFamily="34" charset="0"/>
+              </a:rPr>
+            </a:br>
+            <a:endParaRPr kumimoji="0" lang="en-US" sz="1800" b="0" i="0" u="none" strike="noStrike" cap="none" normalizeH="0" baseline="0" dirty="0" smtClean="0">
+              <a:ln>
+                <a:noFill/>
+              </a:ln>
+              <a:solidFill>
+                <a:schemeClr val="tx1"/>
+              </a:solidFill>
+              <a:effectLst/>
+              <a:latin typeface="Arial" pitchFamily="34" charset="0"/>
+              <a:cs typeface="Arial" pitchFamily="34" charset="0"/>
+            </a:endParaRPr>
+          </a:p>
+        </p:txBody>
+      </p:sp>
+    </p:spTree>
+    <p:extLst>
+      <p:ext uri="{BB962C8B-B14F-4D97-AF65-F5344CB8AC3E}">
+        <p14:creationId xmlns:p14="http://schemas.microsoft.com/office/powerpoint/2010/main" val="4023313820"/>
+      </p:ext>
+    </p:extLst>
+  </p:cSld>
+  <p:clrMapOvr>
+    <a:masterClrMapping/>
+  </p:clrMapOvr>
+</p:sld>
+</file>
+
+<file path=ppt/slides/slide75.xml><?xml version="1.0" encoding="utf-8"?>
+<p:sld xmlns:a="http://schemas.openxmlformats.org/drawingml/2006/main" xmlns:r="http://schemas.openxmlformats.org/officeDocument/2006/relationships" xmlns:p="http://schemas.openxmlformats.org/presentationml/2006/main">
+  <p:cSld>
+    <p:spTree>
+      <p:nvGrpSpPr>
+        <p:cNvPr id="1" name=""/>
+        <p:cNvGrpSpPr/>
+        <p:nvPr/>
+      </p:nvGrpSpPr>
+      <p:grpSpPr>
+        <a:xfrm>
+          <a:off x="0" y="0"/>
+          <a:ext cx="0" cy="0"/>
+          <a:chOff x="0" y="0"/>
+          <a:chExt cx="0" cy="0"/>
+        </a:xfrm>
+      </p:grpSpPr>
+      <p:sp>
+        <p:nvSpPr>
+          <p:cNvPr id="2" name="Title 1"/>
+          <p:cNvSpPr>
+            <a:spLocks noGrp="1"/>
+          </p:cNvSpPr>
+          <p:nvPr>
+            <p:ph type="title"/>
+          </p:nvPr>
+        </p:nvSpPr>
+        <p:spPr/>
+        <p:txBody>
+          <a:bodyPr/>
+          <a:lstStyle/>
+          <a:p>
+            <a:r>
+              <a:rPr lang="en-US" dirty="0" smtClean="0"/>
+              <a:t>CREATING A NEW BRANCH</a:t>
+            </a:r>
+            <a:endParaRPr lang="en-US" dirty="0"/>
+          </a:p>
+        </p:txBody>
+      </p:sp>
+      <p:sp>
+        <p:nvSpPr>
+          <p:cNvPr id="4" name="Slide Number Placeholder 3"/>
+          <p:cNvSpPr>
+            <a:spLocks noGrp="1"/>
+          </p:cNvSpPr>
+          <p:nvPr>
+            <p:ph type="sldNum" idx="12"/>
+          </p:nvPr>
+        </p:nvSpPr>
+        <p:spPr/>
+        <p:txBody>
+          <a:bodyPr/>
+          <a:lstStyle/>
+          <a:p>
+            <a:pPr lvl="0">
+              <a:spcBef>
+                <a:spcPts val="0"/>
+              </a:spcBef>
+              <a:buNone/>
+            </a:pPr>
+            <a:fld id="{00000000-1234-1234-1234-123412341234}" type="slidenum">
+              <a:rPr lang="en" smtClean="0"/>
+              <a:t>75</a:t>
+            </a:fld>
+            <a:endParaRPr lang="en"/>
+          </a:p>
+        </p:txBody>
+      </p:sp>
+      <p:pic>
+        <p:nvPicPr>
+          <p:cNvPr id="3074" name="Picture 2" descr="HEAD pointing to a branch."/>
+          <p:cNvPicPr>
+            <a:picLocks noChangeAspect="1" noChangeArrowheads="1"/>
+          </p:cNvPicPr>
+          <p:nvPr/>
+        </p:nvPicPr>
+        <p:blipFill>
+          <a:blip r:embed="rId2">
+            <a:extLst>
+              <a:ext uri="{28A0092B-C50C-407E-A947-70E740481C1C}">
+                <a14:useLocalDpi xmlns:a14="http://schemas.microsoft.com/office/drawing/2010/main" val="0"/>
+              </a:ext>
+            </a:extLst>
+          </a:blip>
+          <a:srcRect/>
+          <a:stretch>
+            <a:fillRect/>
+          </a:stretch>
+        </p:blipFill>
+        <p:spPr bwMode="auto">
+          <a:xfrm>
+            <a:off x="1447800" y="1273240"/>
+            <a:ext cx="5715000" cy="3336131"/>
+          </a:xfrm>
+          <a:prstGeom prst="rect">
+            <a:avLst/>
+          </a:prstGeom>
+          <a:noFill/>
+          <a:extLst>
+            <a:ext uri="{909E8E84-426E-40DD-AFC4-6F175D3DCCD1}">
+              <a14:hiddenFill xmlns:a14="http://schemas.microsoft.com/office/drawing/2010/main">
+                <a:solidFill>
+                  <a:srgbClr val="FFFFFF"/>
+                </a:solidFill>
+              </a14:hiddenFill>
+            </a:ext>
+          </a:extLst>
+        </p:spPr>
+      </p:pic>
+      <p:sp>
+        <p:nvSpPr>
+          <p:cNvPr id="5" name="Rectangle 3"/>
+          <p:cNvSpPr>
+            <a:spLocks noChangeArrowheads="1"/>
+          </p:cNvSpPr>
+          <p:nvPr/>
+        </p:nvSpPr>
+        <p:spPr bwMode="auto">
+          <a:xfrm>
+            <a:off x="4823" y="4004217"/>
+            <a:ext cx="5029200" cy="1120107"/>
+          </a:xfrm>
+          <a:prstGeom prst="rect">
+            <a:avLst/>
+          </a:prstGeom>
+          <a:solidFill>
+            <a:srgbClr val="EEEEEE"/>
+          </a:solidFill>
+          <a:ln>
+            <a:noFill/>
+          </a:ln>
+          <a:effectLst/>
+          <a:extLst>
+            <a:ext uri="{91240B29-F687-4F45-9708-019B960494DF}">
+              <a14:hiddenLine xmlns:a14="http://schemas.microsoft.com/office/drawing/2010/main" w="9525">
+                <a:solidFill>
+                  <a:schemeClr val="tx1"/>
+                </a:solidFill>
+                <a:miter lim="800000"/>
+                <a:headEnd/>
+                <a:tailEnd/>
+              </a14:hiddenLine>
+            </a:ext>
+            <a:ext uri="{AF507438-7753-43E0-B8FC-AC1667EBCBE1}">
+              <a14:hiddenEffects xmlns:a14="http://schemas.microsoft.com/office/drawing/2010/main">
+                <a:effectLst>
+                  <a:outerShdw dist="35921" dir="2700000" algn="ctr" rotWithShape="0">
+                    <a:schemeClr val="bg2"/>
+                  </a:outerShdw>
+                </a:effectLst>
+              </a14:hiddenEffects>
+            </a:ext>
+          </a:extLst>
+        </p:spPr>
+        <p:txBody>
+          <a:bodyPr vert="horz" wrap="square" lIns="0" tIns="66654" rIns="0" bIns="158700" numCol="1" anchor="ctr" anchorCtr="0" compatLnSpc="1">
+            <a:prstTxWarp prst="textNoShape">
+              <a:avLst/>
+            </a:prstTxWarp>
+            <a:spAutoFit/>
+          </a:bodyPr>
+          <a:lstStyle/>
+          <a:p>
+            <a:pPr marL="0" marR="0" lvl="0" indent="0" algn="l" defTabSz="914400" rtl="0" eaLnBrk="1" fontAlgn="base" latinLnBrk="0" hangingPunct="1">
+              <a:lnSpc>
+                <a:spcPct val="100000"/>
+              </a:lnSpc>
+              <a:spcBef>
+                <a:spcPct val="0"/>
+              </a:spcBef>
+              <a:spcAft>
+                <a:spcPct val="0"/>
+              </a:spcAft>
+              <a:buClrTx/>
+              <a:buSzTx/>
+              <a:buFontTx/>
+              <a:buNone/>
+              <a:tabLst/>
+            </a:pPr>
+            <a:r>
+              <a:rPr kumimoji="0" lang="en-US" sz="1800" b="0" i="0" u="none" strike="noStrike" cap="none" normalizeH="0" baseline="0" dirty="0" smtClean="0">
+                <a:ln>
+                  <a:noFill/>
+                </a:ln>
+                <a:solidFill>
+                  <a:srgbClr val="333333"/>
+                </a:solidFill>
+                <a:effectLst/>
+                <a:latin typeface="Courier New" pitchFamily="49" charset="0"/>
+                <a:cs typeface="Courier New" pitchFamily="49" charset="0"/>
+              </a:rPr>
+              <a:t>$ </a:t>
+            </a:r>
+            <a:r>
+              <a:rPr kumimoji="0" lang="en-US" sz="1800" b="0" i="0" u="none" strike="noStrike" cap="none" normalizeH="0" baseline="0" dirty="0" err="1" smtClean="0">
+                <a:ln>
+                  <a:noFill/>
+                </a:ln>
+                <a:solidFill>
+                  <a:srgbClr val="333333"/>
+                </a:solidFill>
+                <a:effectLst/>
+                <a:latin typeface="Courier New" pitchFamily="49" charset="0"/>
+                <a:cs typeface="Courier New" pitchFamily="49" charset="0"/>
+              </a:rPr>
+              <a:t>git</a:t>
+            </a:r>
+            <a:r>
+              <a:rPr kumimoji="0" lang="en-US" sz="1800" b="0" i="0" u="none" strike="noStrike" cap="none" normalizeH="0" baseline="0" dirty="0" smtClean="0">
+                <a:ln>
+                  <a:noFill/>
+                </a:ln>
+                <a:solidFill>
+                  <a:srgbClr val="333333"/>
+                </a:solidFill>
+                <a:effectLst/>
+                <a:latin typeface="Courier New" pitchFamily="49" charset="0"/>
+                <a:cs typeface="Courier New" pitchFamily="49" charset="0"/>
+              </a:rPr>
+              <a:t> log --</a:t>
+            </a:r>
+            <a:r>
+              <a:rPr kumimoji="0" lang="en-US" sz="1800" b="0" i="0" u="none" strike="noStrike" cap="none" normalizeH="0" baseline="0" dirty="0" err="1" smtClean="0">
+                <a:ln>
+                  <a:noFill/>
+                </a:ln>
+                <a:solidFill>
+                  <a:srgbClr val="333333"/>
+                </a:solidFill>
+                <a:effectLst/>
+                <a:latin typeface="Courier New" pitchFamily="49" charset="0"/>
+                <a:cs typeface="Courier New" pitchFamily="49" charset="0"/>
+              </a:rPr>
+              <a:t>oneline</a:t>
+            </a:r>
+            <a:r>
+              <a:rPr kumimoji="0" lang="en-US" sz="1800" b="0" i="0" u="none" strike="noStrike" cap="none" normalizeH="0" baseline="0" dirty="0" smtClean="0">
+                <a:ln>
+                  <a:noFill/>
+                </a:ln>
+                <a:solidFill>
+                  <a:srgbClr val="333333"/>
+                </a:solidFill>
+                <a:effectLst/>
+                <a:latin typeface="Courier New" pitchFamily="49" charset="0"/>
+                <a:cs typeface="Courier New" pitchFamily="49" charset="0"/>
+              </a:rPr>
+              <a:t> --decorate </a:t>
+            </a:r>
+            <a:r>
+              <a:rPr kumimoji="0" lang="en-US" b="0" i="0" u="none" strike="noStrike" cap="none" normalizeH="0" baseline="0" dirty="0" smtClean="0">
+                <a:ln>
+                  <a:noFill/>
+                </a:ln>
+                <a:solidFill>
+                  <a:schemeClr val="tx1"/>
+                </a:solidFill>
+                <a:effectLst/>
+                <a:latin typeface="Arial" pitchFamily="34" charset="0"/>
+                <a:cs typeface="Arial" pitchFamily="34" charset="0"/>
+              </a:rPr>
+              <a:t/>
+            </a:r>
+            <a:br>
+              <a:rPr kumimoji="0" lang="en-US" b="0" i="0" u="none" strike="noStrike" cap="none" normalizeH="0" baseline="0" dirty="0" smtClean="0">
+                <a:ln>
+                  <a:noFill/>
+                </a:ln>
+                <a:solidFill>
+                  <a:schemeClr val="tx1"/>
+                </a:solidFill>
+                <a:effectLst/>
+                <a:latin typeface="Arial" pitchFamily="34" charset="0"/>
+                <a:cs typeface="Arial" pitchFamily="34" charset="0"/>
+              </a:rPr>
+            </a:br>
+            <a:endParaRPr kumimoji="0" lang="en-US" sz="4000" b="0" i="0" u="none" strike="noStrike" cap="none" normalizeH="0" baseline="0" dirty="0" smtClean="0">
+              <a:ln>
+                <a:noFill/>
+              </a:ln>
+              <a:solidFill>
+                <a:schemeClr val="tx1"/>
+              </a:solidFill>
+              <a:effectLst/>
+              <a:latin typeface="Arial" pitchFamily="34" charset="0"/>
+              <a:cs typeface="Arial" pitchFamily="34" charset="0"/>
+            </a:endParaRPr>
+          </a:p>
+        </p:txBody>
+      </p:sp>
+    </p:spTree>
+    <p:extLst>
+      <p:ext uri="{BB962C8B-B14F-4D97-AF65-F5344CB8AC3E}">
+        <p14:creationId xmlns:p14="http://schemas.microsoft.com/office/powerpoint/2010/main" val="1331454639"/>
+      </p:ext>
+    </p:extLst>
+  </p:cSld>
+  <p:clrMapOvr>
+    <a:masterClrMapping/>
+  </p:clrMapOvr>
+</p:sld>
+</file>
+
+<file path=ppt/slides/slide76.xml><?xml version="1.0" encoding="utf-8"?>
+<p:sld xmlns:a="http://schemas.openxmlformats.org/drawingml/2006/main" xmlns:r="http://schemas.openxmlformats.org/officeDocument/2006/relationships" xmlns:p="http://schemas.openxmlformats.org/presentationml/2006/main">
+  <p:cSld>
+    <p:spTree>
+      <p:nvGrpSpPr>
+        <p:cNvPr id="1" name=""/>
+        <p:cNvGrpSpPr/>
+        <p:nvPr/>
+      </p:nvGrpSpPr>
+      <p:grpSpPr>
+        <a:xfrm>
+          <a:off x="0" y="0"/>
+          <a:ext cx="0" cy="0"/>
+          <a:chOff x="0" y="0"/>
+          <a:chExt cx="0" cy="0"/>
+        </a:xfrm>
+      </p:grpSpPr>
+      <p:sp>
+        <p:nvSpPr>
+          <p:cNvPr id="2" name="Title 1"/>
+          <p:cNvSpPr>
+            <a:spLocks noGrp="1"/>
+          </p:cNvSpPr>
+          <p:nvPr>
+            <p:ph type="title"/>
+          </p:nvPr>
+        </p:nvSpPr>
+        <p:spPr>
+          <a:xfrm>
+            <a:off x="228600" y="438150"/>
+            <a:ext cx="6881925" cy="766200"/>
+          </a:xfrm>
+        </p:spPr>
+        <p:txBody>
+          <a:bodyPr/>
+          <a:lstStyle/>
+          <a:p>
+            <a:r>
+              <a:rPr lang="en-US" dirty="0" smtClean="0"/>
+              <a:t>BASIC BRANCHING AND MERGING</a:t>
+            </a:r>
+            <a:endParaRPr lang="en-US" dirty="0"/>
+          </a:p>
+        </p:txBody>
+      </p:sp>
+      <p:sp>
+        <p:nvSpPr>
+          <p:cNvPr id="4" name="Slide Number Placeholder 3"/>
+          <p:cNvSpPr>
+            <a:spLocks noGrp="1"/>
+          </p:cNvSpPr>
+          <p:nvPr>
+            <p:ph type="sldNum" idx="12"/>
+          </p:nvPr>
+        </p:nvSpPr>
+        <p:spPr/>
+        <p:txBody>
+          <a:bodyPr/>
+          <a:lstStyle/>
+          <a:p>
+            <a:pPr lvl="0">
+              <a:spcBef>
+                <a:spcPts val="0"/>
+              </a:spcBef>
+              <a:buNone/>
+            </a:pPr>
+            <a:fld id="{00000000-1234-1234-1234-123412341234}" type="slidenum">
+              <a:rPr lang="en" smtClean="0"/>
+              <a:t>76</a:t>
+            </a:fld>
+            <a:endParaRPr lang="en"/>
+          </a:p>
+        </p:txBody>
+      </p:sp>
+      <p:sp>
+        <p:nvSpPr>
+          <p:cNvPr id="6" name="Text Placeholder 2">
+            <a:extLst>
+              <a:ext uri="{FF2B5EF4-FFF2-40B4-BE49-F238E27FC236}">
+                <a16:creationId xmlns:a16="http://schemas.microsoft.com/office/drawing/2014/main" xmlns="" id="{BCC204B9-DFA1-4491-83BA-272E5E5E14B8}"/>
+              </a:ext>
+            </a:extLst>
+          </p:cNvPr>
+          <p:cNvSpPr txBox="1">
+            <a:spLocks/>
+          </p:cNvSpPr>
+          <p:nvPr/>
+        </p:nvSpPr>
+        <p:spPr>
+          <a:xfrm>
+            <a:off x="228600" y="1581150"/>
+            <a:ext cx="8839200" cy="2724300"/>
+          </a:xfrm>
+          <a:prstGeom prst="rect">
+            <a:avLst/>
+          </a:prstGeom>
+          <a:noFill/>
+          <a:ln>
+            <a:noFill/>
+          </a:ln>
+        </p:spPr>
+        <p:txBody>
+          <a:bodyPr wrap="square" lIns="91425" tIns="91425" rIns="91425" bIns="91425" anchor="t" anchorCtr="0"/>
+          <a:lstStyle>
+            <a:defPPr marR="0" lvl="0" algn="l" rtl="0">
+              <a:lnSpc>
+                <a:spcPct val="100000"/>
+              </a:lnSpc>
+              <a:spcBef>
+                <a:spcPts val="0"/>
+              </a:spcBef>
+              <a:spcAft>
+                <a:spcPts val="0"/>
+              </a:spcAft>
+            </a:defPPr>
+            <a:lvl1pPr marR="0" lvl="0" algn="l" rtl="0">
+              <a:lnSpc>
+                <a:spcPct val="100000"/>
+              </a:lnSpc>
+              <a:spcBef>
+                <a:spcPts val="0"/>
+              </a:spcBef>
+              <a:spcAft>
+                <a:spcPts val="1000"/>
+              </a:spcAft>
+              <a:buClr>
+                <a:srgbClr val="C7D3E6"/>
+              </a:buClr>
+              <a:buSzPct val="100000"/>
+              <a:buFont typeface="Roboto Condensed Light"/>
+              <a:buChar char="▰"/>
+              <a:defRPr sz="2000" b="0" i="0" u="none" strike="noStrike" cap="none">
+                <a:solidFill>
+                  <a:srgbClr val="263248"/>
+                </a:solidFill>
+                <a:latin typeface="Roboto Condensed Light"/>
+                <a:ea typeface="Roboto Condensed Light"/>
+                <a:cs typeface="Roboto Condensed Light"/>
+                <a:sym typeface="Roboto Condensed Light"/>
+              </a:defRPr>
+            </a:lvl1pPr>
+            <a:lvl2pPr marR="0" lvl="1" algn="l" rtl="0">
+              <a:lnSpc>
+                <a:spcPct val="100000"/>
+              </a:lnSpc>
+              <a:spcBef>
+                <a:spcPts val="0"/>
+              </a:spcBef>
+              <a:spcAft>
+                <a:spcPts val="1000"/>
+              </a:spcAft>
+              <a:buClr>
+                <a:srgbClr val="C7D3E6"/>
+              </a:buClr>
+              <a:buSzPct val="100000"/>
+              <a:buFont typeface="Roboto Condensed Light"/>
+              <a:buChar char="▻"/>
+              <a:defRPr sz="2000" b="0" i="0" u="none" strike="noStrike" cap="none">
+                <a:solidFill>
+                  <a:srgbClr val="263248"/>
+                </a:solidFill>
+                <a:latin typeface="Roboto Condensed Light"/>
+                <a:ea typeface="Roboto Condensed Light"/>
+                <a:cs typeface="Roboto Condensed Light"/>
+                <a:sym typeface="Roboto Condensed Light"/>
+              </a:defRPr>
+            </a:lvl2pPr>
+            <a:lvl3pPr marR="0" lvl="2" algn="l" rtl="0">
+              <a:lnSpc>
+                <a:spcPct val="100000"/>
+              </a:lnSpc>
+              <a:spcBef>
+                <a:spcPts val="0"/>
+              </a:spcBef>
+              <a:spcAft>
+                <a:spcPts val="1000"/>
+              </a:spcAft>
+              <a:buClr>
+                <a:srgbClr val="C7D3E6"/>
+              </a:buClr>
+              <a:buSzPct val="100000"/>
+              <a:buFont typeface="Roboto Condensed Light"/>
+              <a:buChar char="▻"/>
+              <a:defRPr sz="2000" b="0" i="0" u="none" strike="noStrike" cap="none">
+                <a:solidFill>
+                  <a:srgbClr val="263248"/>
+                </a:solidFill>
+                <a:latin typeface="Roboto Condensed Light"/>
+                <a:ea typeface="Roboto Condensed Light"/>
+                <a:cs typeface="Roboto Condensed Light"/>
+                <a:sym typeface="Roboto Condensed Light"/>
+              </a:defRPr>
+            </a:lvl3pPr>
+            <a:lvl4pPr marR="0" lvl="3" algn="l" rtl="0">
+              <a:lnSpc>
+                <a:spcPct val="100000"/>
+              </a:lnSpc>
+              <a:spcBef>
+                <a:spcPts val="0"/>
+              </a:spcBef>
+              <a:spcAft>
+                <a:spcPts val="1000"/>
+              </a:spcAft>
+              <a:buClr>
+                <a:srgbClr val="C7D3E6"/>
+              </a:buClr>
+              <a:buSzPct val="100000"/>
+              <a:buFont typeface="Roboto Condensed Light"/>
+              <a:buChar char="▻"/>
+              <a:defRPr sz="2000" b="0" i="0" u="none" strike="noStrike" cap="none">
+                <a:solidFill>
+                  <a:srgbClr val="263248"/>
+                </a:solidFill>
+                <a:latin typeface="Roboto Condensed Light"/>
+                <a:ea typeface="Roboto Condensed Light"/>
+                <a:cs typeface="Roboto Condensed Light"/>
+                <a:sym typeface="Roboto Condensed Light"/>
+              </a:defRPr>
+            </a:lvl4pPr>
+            <a:lvl5pPr marR="0" lvl="4" algn="l" rtl="0">
+              <a:lnSpc>
+                <a:spcPct val="100000"/>
+              </a:lnSpc>
+              <a:spcBef>
+                <a:spcPts val="0"/>
+              </a:spcBef>
+              <a:spcAft>
+                <a:spcPts val="1000"/>
+              </a:spcAft>
+              <a:buClr>
+                <a:srgbClr val="C7D3E6"/>
+              </a:buClr>
+              <a:buSzPct val="100000"/>
+              <a:buFont typeface="Roboto Condensed Light"/>
+              <a:buChar char="▻"/>
+              <a:defRPr sz="2000" b="0" i="0" u="none" strike="noStrike" cap="none">
+                <a:solidFill>
+                  <a:srgbClr val="263248"/>
+                </a:solidFill>
+                <a:latin typeface="Roboto Condensed Light"/>
+                <a:ea typeface="Roboto Condensed Light"/>
+                <a:cs typeface="Roboto Condensed Light"/>
+                <a:sym typeface="Roboto Condensed Light"/>
+              </a:defRPr>
+            </a:lvl5pPr>
+            <a:lvl6pPr marR="0" lvl="5" algn="l" rtl="0">
+              <a:lnSpc>
+                <a:spcPct val="100000"/>
+              </a:lnSpc>
+              <a:spcBef>
+                <a:spcPts val="0"/>
+              </a:spcBef>
+              <a:spcAft>
+                <a:spcPts val="1000"/>
+              </a:spcAft>
+              <a:buClr>
+                <a:srgbClr val="C7D3E6"/>
+              </a:buClr>
+              <a:buSzPct val="100000"/>
+              <a:buFont typeface="Roboto Condensed Light"/>
+              <a:buChar char="▻"/>
+              <a:defRPr sz="2000" b="0" i="0" u="none" strike="noStrike" cap="none">
+                <a:solidFill>
+                  <a:srgbClr val="263248"/>
+                </a:solidFill>
+                <a:latin typeface="Roboto Condensed Light"/>
+                <a:ea typeface="Roboto Condensed Light"/>
+                <a:cs typeface="Roboto Condensed Light"/>
+                <a:sym typeface="Roboto Condensed Light"/>
+              </a:defRPr>
+            </a:lvl6pPr>
+            <a:lvl7pPr marR="0" lvl="6" algn="l" rtl="0">
+              <a:lnSpc>
+                <a:spcPct val="100000"/>
+              </a:lnSpc>
+              <a:spcBef>
+                <a:spcPts val="0"/>
+              </a:spcBef>
+              <a:spcAft>
+                <a:spcPts val="1000"/>
+              </a:spcAft>
+              <a:buClr>
+                <a:srgbClr val="C7D3E6"/>
+              </a:buClr>
+              <a:buSzPct val="100000"/>
+              <a:buFont typeface="Roboto Condensed Light"/>
+              <a:buChar char="▻"/>
+              <a:defRPr sz="2000" b="0" i="0" u="none" strike="noStrike" cap="none">
+                <a:solidFill>
+                  <a:srgbClr val="263248"/>
+                </a:solidFill>
+                <a:latin typeface="Roboto Condensed Light"/>
+                <a:ea typeface="Roboto Condensed Light"/>
+                <a:cs typeface="Roboto Condensed Light"/>
+                <a:sym typeface="Roboto Condensed Light"/>
+              </a:defRPr>
+            </a:lvl7pPr>
+            <a:lvl8pPr marR="0" lvl="7" algn="l" rtl="0">
+              <a:lnSpc>
+                <a:spcPct val="100000"/>
+              </a:lnSpc>
+              <a:spcBef>
+                <a:spcPts val="0"/>
+              </a:spcBef>
+              <a:spcAft>
+                <a:spcPts val="1000"/>
+              </a:spcAft>
+              <a:buClr>
+                <a:srgbClr val="C7D3E6"/>
+              </a:buClr>
+              <a:buSzPct val="100000"/>
+              <a:buFont typeface="Roboto Condensed Light"/>
+              <a:buChar char="▻"/>
+              <a:defRPr sz="2000" b="0" i="0" u="none" strike="noStrike" cap="none">
+                <a:solidFill>
+                  <a:srgbClr val="263248"/>
+                </a:solidFill>
+                <a:latin typeface="Roboto Condensed Light"/>
+                <a:ea typeface="Roboto Condensed Light"/>
+                <a:cs typeface="Roboto Condensed Light"/>
+                <a:sym typeface="Roboto Condensed Light"/>
+              </a:defRPr>
+            </a:lvl8pPr>
+            <a:lvl9pPr marR="0" lvl="8" algn="l" rtl="0">
+              <a:lnSpc>
+                <a:spcPct val="100000"/>
+              </a:lnSpc>
+              <a:spcBef>
+                <a:spcPts val="0"/>
+              </a:spcBef>
+              <a:spcAft>
+                <a:spcPts val="1000"/>
+              </a:spcAft>
+              <a:buClr>
+                <a:srgbClr val="C7D3E6"/>
+              </a:buClr>
+              <a:buSzPct val="100000"/>
+              <a:buFont typeface="Roboto Condensed Light"/>
+              <a:buChar char="▻"/>
+              <a:defRPr sz="2000" b="0" i="0" u="none" strike="noStrike" cap="none">
+                <a:solidFill>
+                  <a:srgbClr val="263248"/>
+                </a:solidFill>
+                <a:latin typeface="Roboto Condensed Light"/>
+                <a:ea typeface="Roboto Condensed Light"/>
+                <a:cs typeface="Roboto Condensed Light"/>
+                <a:sym typeface="Roboto Condensed Light"/>
+              </a:defRPr>
+            </a:lvl9pPr>
+          </a:lstStyle>
+          <a:p>
+            <a:pPr>
+              <a:buNone/>
+            </a:pPr>
+            <a:r>
+              <a:rPr lang="en-US" dirty="0" smtClean="0"/>
+              <a:t>Let’s </a:t>
+            </a:r>
+            <a:r>
+              <a:rPr lang="en-US" dirty="0"/>
+              <a:t>go through a simple example of branching and merging with a workflow that you might use in the real world. You’ll follow these steps:</a:t>
+            </a:r>
+          </a:p>
+          <a:p>
+            <a:r>
+              <a:rPr lang="en-US" dirty="0"/>
+              <a:t>Do some work on a website.</a:t>
+            </a:r>
+          </a:p>
+          <a:p>
+            <a:r>
+              <a:rPr lang="en-US" dirty="0"/>
+              <a:t>Create a branch for a new story you’re working on.</a:t>
+            </a:r>
+          </a:p>
+          <a:p>
+            <a:r>
+              <a:rPr lang="en-US" dirty="0"/>
+              <a:t>Do some work in that branch.</a:t>
+            </a:r>
+          </a:p>
+        </p:txBody>
+      </p:sp>
+    </p:spTree>
+    <p:extLst>
+      <p:ext uri="{BB962C8B-B14F-4D97-AF65-F5344CB8AC3E}">
+        <p14:creationId xmlns:p14="http://schemas.microsoft.com/office/powerpoint/2010/main" val="3893172862"/>
+      </p:ext>
+    </p:extLst>
+  </p:cSld>
+  <p:clrMapOvr>
+    <a:masterClrMapping/>
+  </p:clrMapOvr>
+  <p:timing>
+    <p:tnLst>
+      <p:par>
+        <p:cTn id="1" dur="indefinite" restart="never" nodeType="tmRoot">
+          <p:childTnLst>
+            <p:seq concurrent="1" nextAc="seek">
+              <p:cTn id="2" dur="indefinite" nodeType="mainSeq">
+                <p:childTnLst>
+                  <p:par>
+                    <p:cTn id="3" fill="hold">
+                      <p:stCondLst>
+                        <p:cond delay="indefinite"/>
+                      </p:stCondLst>
+                      <p:childTnLst>
+                        <p:par>
+                          <p:cTn id="4" fill="hold">
+                            <p:stCondLst>
+                              <p:cond delay="0"/>
+                            </p:stCondLst>
+                            <p:childTnLst>
+                              <p:par>
+                                <p:cTn id="5" presetID="1" presetClass="entr" presetSubtype="0" fill="hold" nodeType="clickEffect">
+                                  <p:stCondLst>
+                                    <p:cond delay="0"/>
+                                  </p:stCondLst>
+                                  <p:childTnLst>
+                                    <p:set>
+                                      <p:cBhvr>
+                                        <p:cTn id="6" dur="1" fill="hold">
+                                          <p:stCondLst>
+                                            <p:cond delay="0"/>
+                                          </p:stCondLst>
+                                        </p:cTn>
+                                        <p:tgtEl>
+                                          <p:spTgt spid="6">
+                                            <p:txEl>
+                                              <p:pRg st="0" end="0"/>
+                                            </p:txEl>
+                                          </p:spTgt>
+                                        </p:tgtEl>
+                                        <p:attrNameLst>
+                                          <p:attrName>style.visibility</p:attrName>
+                                        </p:attrNameLst>
+                                      </p:cBhvr>
+                                      <p:to>
+                                        <p:strVal val="visible"/>
+                                      </p:to>
+                                    </p:set>
+                                  </p:childTnLst>
+                                </p:cTn>
+                              </p:par>
+                            </p:childTnLst>
+                          </p:cTn>
+                        </p:par>
+                      </p:childTnLst>
+                    </p:cTn>
+                  </p:par>
+                  <p:par>
+                    <p:cTn id="7" fill="hold">
+                      <p:stCondLst>
+                        <p:cond delay="indefinite"/>
+                      </p:stCondLst>
+                      <p:childTnLst>
+                        <p:par>
+                          <p:cTn id="8" fill="hold">
+                            <p:stCondLst>
+                              <p:cond delay="0"/>
+                            </p:stCondLst>
+                            <p:childTnLst>
+                              <p:par>
+                                <p:cTn id="9" presetID="1" presetClass="entr" presetSubtype="0" fill="hold" nodeType="clickEffect">
+                                  <p:stCondLst>
+                                    <p:cond delay="0"/>
+                                  </p:stCondLst>
+                                  <p:childTnLst>
+                                    <p:set>
+                                      <p:cBhvr>
+                                        <p:cTn id="10" dur="1" fill="hold">
+                                          <p:stCondLst>
+                                            <p:cond delay="0"/>
+                                          </p:stCondLst>
+                                        </p:cTn>
+                                        <p:tgtEl>
+                                          <p:spTgt spid="6">
+                                            <p:txEl>
+                                              <p:pRg st="1" end="1"/>
+                                            </p:txEl>
+                                          </p:spTgt>
+                                        </p:tgtEl>
+                                        <p:attrNameLst>
+                                          <p:attrName>style.visibility</p:attrName>
+                                        </p:attrNameLst>
+                                      </p:cBhvr>
+                                      <p:to>
+                                        <p:strVal val="visible"/>
+                                      </p:to>
+                                    </p:set>
+                                  </p:childTnLst>
+                                </p:cTn>
+                              </p:par>
+                            </p:childTnLst>
+                          </p:cTn>
+                        </p:par>
+                      </p:childTnLst>
+                    </p:cTn>
+                  </p:par>
+                  <p:par>
+                    <p:cTn id="11" fill="hold">
+                      <p:stCondLst>
+                        <p:cond delay="indefinite"/>
+                      </p:stCondLst>
+                      <p:childTnLst>
+                        <p:par>
+                          <p:cTn id="12" fill="hold">
+                            <p:stCondLst>
+                              <p:cond delay="0"/>
+                            </p:stCondLst>
+                            <p:childTnLst>
+                              <p:par>
+                                <p:cTn id="13" presetID="1" presetClass="entr" presetSubtype="0" fill="hold" nodeType="clickEffect">
+                                  <p:stCondLst>
+                                    <p:cond delay="0"/>
+                                  </p:stCondLst>
+                                  <p:childTnLst>
+                                    <p:set>
+                                      <p:cBhvr>
+                                        <p:cTn id="14" dur="1" fill="hold">
+                                          <p:stCondLst>
+                                            <p:cond delay="0"/>
+                                          </p:stCondLst>
+                                        </p:cTn>
+                                        <p:tgtEl>
+                                          <p:spTgt spid="6">
+                                            <p:txEl>
+                                              <p:pRg st="2" end="2"/>
+                                            </p:txEl>
+                                          </p:spTgt>
+                                        </p:tgtEl>
+                                        <p:attrNameLst>
+                                          <p:attrName>style.visibility</p:attrName>
+                                        </p:attrNameLst>
+                                      </p:cBhvr>
+                                      <p:to>
+                                        <p:strVal val="visible"/>
+                                      </p:to>
+                                    </p:set>
+                                  </p:childTnLst>
+                                </p:cTn>
+                              </p:par>
+                            </p:childTnLst>
+                          </p:cTn>
+                        </p:par>
+                      </p:childTnLst>
+                    </p:cTn>
+                  </p:par>
+                  <p:par>
+                    <p:cTn id="15" fill="hold">
+                      <p:stCondLst>
+                        <p:cond delay="indefinite"/>
+                      </p:stCondLst>
+                      <p:childTnLst>
+                        <p:par>
+                          <p:cTn id="16" fill="hold">
+                            <p:stCondLst>
+                              <p:cond delay="0"/>
+                            </p:stCondLst>
+                            <p:childTnLst>
+                              <p:par>
+                                <p:cTn id="17" presetID="1" presetClass="entr" presetSubtype="0" fill="hold" nodeType="clickEffect">
+                                  <p:stCondLst>
+                                    <p:cond delay="0"/>
+                                  </p:stCondLst>
+                                  <p:childTnLst>
+                                    <p:set>
+                                      <p:cBhvr>
+                                        <p:cTn id="18" dur="1" fill="hold">
+                                          <p:stCondLst>
+                                            <p:cond delay="0"/>
+                                          </p:stCondLst>
+                                        </p:cTn>
+                                        <p:tgtEl>
+                                          <p:spTgt spid="6">
+                                            <p:txEl>
+                                              <p:pRg st="3" end="3"/>
+                                            </p:txEl>
+                                          </p:spTgt>
+                                        </p:tgtEl>
+                                        <p:attrNameLst>
+                                          <p:attrName>style.visibility</p:attrName>
+                                        </p:attrNameLst>
+                                      </p:cBhvr>
+                                      <p:to>
+                                        <p:strVal val="visible"/>
+                                      </p:to>
+                                    </p:set>
+                                  </p:childTnLst>
+                                </p:cTn>
+                              </p:par>
+                            </p:childTnLst>
+                          </p:cTn>
+                        </p:par>
+                      </p:childTnLst>
+                    </p:cTn>
+                  </p:par>
+                </p:childTnLst>
+              </p:cTn>
+              <p:prevCondLst>
+                <p:cond evt="onPrev" delay="0">
+                  <p:tgtEl>
+                    <p:sldTgt/>
+                  </p:tgtEl>
+                </p:cond>
+              </p:prevCondLst>
+              <p:nextCondLst>
+                <p:cond evt="onNext" delay="0">
+                  <p:tgtEl>
+                    <p:sldTgt/>
+                  </p:tgtEl>
+                </p:cond>
+              </p:nextCondLst>
+            </p:seq>
+          </p:childTnLst>
+        </p:cTn>
+      </p:par>
+    </p:tnLst>
+  </p:timing>
+</p:sld>
+</file>
+
+<file path=ppt/slides/slide77.xml><?xml version="1.0" encoding="utf-8"?>
+<p:sld xmlns:a="http://schemas.openxmlformats.org/drawingml/2006/main" xmlns:r="http://schemas.openxmlformats.org/officeDocument/2006/relationships" xmlns:p="http://schemas.openxmlformats.org/presentationml/2006/main">
+  <p:cSld>
+    <p:spTree>
+      <p:nvGrpSpPr>
+        <p:cNvPr id="1" name=""/>
+        <p:cNvGrpSpPr/>
+        <p:nvPr/>
+      </p:nvGrpSpPr>
+      <p:grpSpPr>
+        <a:xfrm>
+          <a:off x="0" y="0"/>
+          <a:ext cx="0" cy="0"/>
+          <a:chOff x="0" y="0"/>
+          <a:chExt cx="0" cy="0"/>
+        </a:xfrm>
+      </p:grpSpPr>
+      <p:sp>
+        <p:nvSpPr>
+          <p:cNvPr id="2" name="Title 1"/>
+          <p:cNvSpPr>
+            <a:spLocks noGrp="1"/>
+          </p:cNvSpPr>
+          <p:nvPr>
+            <p:ph type="title"/>
+          </p:nvPr>
+        </p:nvSpPr>
+        <p:spPr>
+          <a:xfrm>
+            <a:off x="228600" y="438150"/>
+            <a:ext cx="6881925" cy="766200"/>
+          </a:xfrm>
+        </p:spPr>
+        <p:txBody>
+          <a:bodyPr/>
+          <a:lstStyle/>
+          <a:p>
+            <a:r>
+              <a:rPr lang="en-US" dirty="0" smtClean="0"/>
+              <a:t>BASIC BRANCHING AND MERGING</a:t>
+            </a:r>
+            <a:endParaRPr lang="en-US" dirty="0"/>
+          </a:p>
+        </p:txBody>
+      </p:sp>
+      <p:sp>
+        <p:nvSpPr>
+          <p:cNvPr id="4" name="Slide Number Placeholder 3"/>
+          <p:cNvSpPr>
+            <a:spLocks noGrp="1"/>
+          </p:cNvSpPr>
+          <p:nvPr>
+            <p:ph type="sldNum" idx="12"/>
+          </p:nvPr>
+        </p:nvSpPr>
+        <p:spPr/>
+        <p:txBody>
+          <a:bodyPr/>
+          <a:lstStyle/>
+          <a:p>
+            <a:pPr lvl="0">
+              <a:spcBef>
+                <a:spcPts val="0"/>
+              </a:spcBef>
+              <a:buNone/>
+            </a:pPr>
+            <a:fld id="{00000000-1234-1234-1234-123412341234}" type="slidenum">
+              <a:rPr lang="en" smtClean="0"/>
+              <a:t>77</a:t>
+            </a:fld>
+            <a:endParaRPr lang="en"/>
+          </a:p>
+        </p:txBody>
+      </p:sp>
+      <p:sp>
+        <p:nvSpPr>
+          <p:cNvPr id="6" name="Text Placeholder 2">
+            <a:extLst>
+              <a:ext uri="{FF2B5EF4-FFF2-40B4-BE49-F238E27FC236}">
+                <a16:creationId xmlns:a16="http://schemas.microsoft.com/office/drawing/2014/main" xmlns="" id="{BCC204B9-DFA1-4491-83BA-272E5E5E14B8}"/>
+              </a:ext>
+            </a:extLst>
+          </p:cNvPr>
+          <p:cNvSpPr txBox="1">
+            <a:spLocks/>
+          </p:cNvSpPr>
+          <p:nvPr/>
+        </p:nvSpPr>
+        <p:spPr>
+          <a:xfrm>
+            <a:off x="228600" y="1581150"/>
+            <a:ext cx="8839200" cy="2724300"/>
+          </a:xfrm>
+          <a:prstGeom prst="rect">
+            <a:avLst/>
+          </a:prstGeom>
+          <a:noFill/>
+          <a:ln>
+            <a:noFill/>
+          </a:ln>
+        </p:spPr>
+        <p:txBody>
+          <a:bodyPr wrap="square" lIns="91425" tIns="91425" rIns="91425" bIns="91425" anchor="t" anchorCtr="0"/>
+          <a:lstStyle>
+            <a:defPPr marR="0" lvl="0" algn="l" rtl="0">
+              <a:lnSpc>
+                <a:spcPct val="100000"/>
+              </a:lnSpc>
+              <a:spcBef>
+                <a:spcPts val="0"/>
+              </a:spcBef>
+              <a:spcAft>
+                <a:spcPts val="0"/>
+              </a:spcAft>
+            </a:defPPr>
+            <a:lvl1pPr marR="0" lvl="0" algn="l" rtl="0">
+              <a:lnSpc>
+                <a:spcPct val="100000"/>
+              </a:lnSpc>
+              <a:spcBef>
+                <a:spcPts val="0"/>
+              </a:spcBef>
+              <a:spcAft>
+                <a:spcPts val="1000"/>
+              </a:spcAft>
+              <a:buClr>
+                <a:srgbClr val="C7D3E6"/>
+              </a:buClr>
+              <a:buSzPct val="100000"/>
+              <a:buFont typeface="Roboto Condensed Light"/>
+              <a:buChar char="▰"/>
+              <a:defRPr sz="2000" b="0" i="0" u="none" strike="noStrike" cap="none">
+                <a:solidFill>
+                  <a:srgbClr val="263248"/>
+                </a:solidFill>
+                <a:latin typeface="Roboto Condensed Light"/>
+                <a:ea typeface="Roboto Condensed Light"/>
+                <a:cs typeface="Roboto Condensed Light"/>
+                <a:sym typeface="Roboto Condensed Light"/>
+              </a:defRPr>
+            </a:lvl1pPr>
+            <a:lvl2pPr marR="0" lvl="1" algn="l" rtl="0">
+              <a:lnSpc>
+                <a:spcPct val="100000"/>
+              </a:lnSpc>
+              <a:spcBef>
+                <a:spcPts val="0"/>
+              </a:spcBef>
+              <a:spcAft>
+                <a:spcPts val="1000"/>
+              </a:spcAft>
+              <a:buClr>
+                <a:srgbClr val="C7D3E6"/>
+              </a:buClr>
+              <a:buSzPct val="100000"/>
+              <a:buFont typeface="Roboto Condensed Light"/>
+              <a:buChar char="▻"/>
+              <a:defRPr sz="2000" b="0" i="0" u="none" strike="noStrike" cap="none">
+                <a:solidFill>
+                  <a:srgbClr val="263248"/>
+                </a:solidFill>
+                <a:latin typeface="Roboto Condensed Light"/>
+                <a:ea typeface="Roboto Condensed Light"/>
+                <a:cs typeface="Roboto Condensed Light"/>
+                <a:sym typeface="Roboto Condensed Light"/>
+              </a:defRPr>
+            </a:lvl2pPr>
+            <a:lvl3pPr marR="0" lvl="2" algn="l" rtl="0">
+              <a:lnSpc>
+                <a:spcPct val="100000"/>
+              </a:lnSpc>
+              <a:spcBef>
+                <a:spcPts val="0"/>
+              </a:spcBef>
+              <a:spcAft>
+                <a:spcPts val="1000"/>
+              </a:spcAft>
+              <a:buClr>
+                <a:srgbClr val="C7D3E6"/>
+              </a:buClr>
+              <a:buSzPct val="100000"/>
+              <a:buFont typeface="Roboto Condensed Light"/>
+              <a:buChar char="▻"/>
+              <a:defRPr sz="2000" b="0" i="0" u="none" strike="noStrike" cap="none">
+                <a:solidFill>
+                  <a:srgbClr val="263248"/>
+                </a:solidFill>
+                <a:latin typeface="Roboto Condensed Light"/>
+                <a:ea typeface="Roboto Condensed Light"/>
+                <a:cs typeface="Roboto Condensed Light"/>
+                <a:sym typeface="Roboto Condensed Light"/>
+              </a:defRPr>
+            </a:lvl3pPr>
+            <a:lvl4pPr marR="0" lvl="3" algn="l" rtl="0">
+              <a:lnSpc>
+                <a:spcPct val="100000"/>
+              </a:lnSpc>
+              <a:spcBef>
+                <a:spcPts val="0"/>
+              </a:spcBef>
+              <a:spcAft>
+                <a:spcPts val="1000"/>
+              </a:spcAft>
+              <a:buClr>
+                <a:srgbClr val="C7D3E6"/>
+              </a:buClr>
+              <a:buSzPct val="100000"/>
+              <a:buFont typeface="Roboto Condensed Light"/>
+              <a:buChar char="▻"/>
+              <a:defRPr sz="2000" b="0" i="0" u="none" strike="noStrike" cap="none">
+                <a:solidFill>
+                  <a:srgbClr val="263248"/>
+                </a:solidFill>
+                <a:latin typeface="Roboto Condensed Light"/>
+                <a:ea typeface="Roboto Condensed Light"/>
+                <a:cs typeface="Roboto Condensed Light"/>
+                <a:sym typeface="Roboto Condensed Light"/>
+              </a:defRPr>
+            </a:lvl4pPr>
+            <a:lvl5pPr marR="0" lvl="4" algn="l" rtl="0">
+              <a:lnSpc>
+                <a:spcPct val="100000"/>
+              </a:lnSpc>
+              <a:spcBef>
+                <a:spcPts val="0"/>
+              </a:spcBef>
+              <a:spcAft>
+                <a:spcPts val="1000"/>
+              </a:spcAft>
+              <a:buClr>
+                <a:srgbClr val="C7D3E6"/>
+              </a:buClr>
+              <a:buSzPct val="100000"/>
+              <a:buFont typeface="Roboto Condensed Light"/>
+              <a:buChar char="▻"/>
+              <a:defRPr sz="2000" b="0" i="0" u="none" strike="noStrike" cap="none">
+                <a:solidFill>
+                  <a:srgbClr val="263248"/>
+                </a:solidFill>
+                <a:latin typeface="Roboto Condensed Light"/>
+                <a:ea typeface="Roboto Condensed Light"/>
+                <a:cs typeface="Roboto Condensed Light"/>
+                <a:sym typeface="Roboto Condensed Light"/>
+              </a:defRPr>
+            </a:lvl5pPr>
+            <a:lvl6pPr marR="0" lvl="5" algn="l" rtl="0">
+              <a:lnSpc>
+                <a:spcPct val="100000"/>
+              </a:lnSpc>
+              <a:spcBef>
+                <a:spcPts val="0"/>
+              </a:spcBef>
+              <a:spcAft>
+                <a:spcPts val="1000"/>
+              </a:spcAft>
+              <a:buClr>
+                <a:srgbClr val="C7D3E6"/>
+              </a:buClr>
+              <a:buSzPct val="100000"/>
+              <a:buFont typeface="Roboto Condensed Light"/>
+              <a:buChar char="▻"/>
+              <a:defRPr sz="2000" b="0" i="0" u="none" strike="noStrike" cap="none">
+                <a:solidFill>
+                  <a:srgbClr val="263248"/>
+                </a:solidFill>
+                <a:latin typeface="Roboto Condensed Light"/>
+                <a:ea typeface="Roboto Condensed Light"/>
+                <a:cs typeface="Roboto Condensed Light"/>
+                <a:sym typeface="Roboto Condensed Light"/>
+              </a:defRPr>
+            </a:lvl6pPr>
+            <a:lvl7pPr marR="0" lvl="6" algn="l" rtl="0">
+              <a:lnSpc>
+                <a:spcPct val="100000"/>
+              </a:lnSpc>
+              <a:spcBef>
+                <a:spcPts val="0"/>
+              </a:spcBef>
+              <a:spcAft>
+                <a:spcPts val="1000"/>
+              </a:spcAft>
+              <a:buClr>
+                <a:srgbClr val="C7D3E6"/>
+              </a:buClr>
+              <a:buSzPct val="100000"/>
+              <a:buFont typeface="Roboto Condensed Light"/>
+              <a:buChar char="▻"/>
+              <a:defRPr sz="2000" b="0" i="0" u="none" strike="noStrike" cap="none">
+                <a:solidFill>
+                  <a:srgbClr val="263248"/>
+                </a:solidFill>
+                <a:latin typeface="Roboto Condensed Light"/>
+                <a:ea typeface="Roboto Condensed Light"/>
+                <a:cs typeface="Roboto Condensed Light"/>
+                <a:sym typeface="Roboto Condensed Light"/>
+              </a:defRPr>
+            </a:lvl7pPr>
+            <a:lvl8pPr marR="0" lvl="7" algn="l" rtl="0">
+              <a:lnSpc>
+                <a:spcPct val="100000"/>
+              </a:lnSpc>
+              <a:spcBef>
+                <a:spcPts val="0"/>
+              </a:spcBef>
+              <a:spcAft>
+                <a:spcPts val="1000"/>
+              </a:spcAft>
+              <a:buClr>
+                <a:srgbClr val="C7D3E6"/>
+              </a:buClr>
+              <a:buSzPct val="100000"/>
+              <a:buFont typeface="Roboto Condensed Light"/>
+              <a:buChar char="▻"/>
+              <a:defRPr sz="2000" b="0" i="0" u="none" strike="noStrike" cap="none">
+                <a:solidFill>
+                  <a:srgbClr val="263248"/>
+                </a:solidFill>
+                <a:latin typeface="Roboto Condensed Light"/>
+                <a:ea typeface="Roboto Condensed Light"/>
+                <a:cs typeface="Roboto Condensed Light"/>
+                <a:sym typeface="Roboto Condensed Light"/>
+              </a:defRPr>
+            </a:lvl8pPr>
+            <a:lvl9pPr marR="0" lvl="8" algn="l" rtl="0">
+              <a:lnSpc>
+                <a:spcPct val="100000"/>
+              </a:lnSpc>
+              <a:spcBef>
+                <a:spcPts val="0"/>
+              </a:spcBef>
+              <a:spcAft>
+                <a:spcPts val="1000"/>
+              </a:spcAft>
+              <a:buClr>
+                <a:srgbClr val="C7D3E6"/>
+              </a:buClr>
+              <a:buSzPct val="100000"/>
+              <a:buFont typeface="Roboto Condensed Light"/>
+              <a:buChar char="▻"/>
+              <a:defRPr sz="2000" b="0" i="0" u="none" strike="noStrike" cap="none">
+                <a:solidFill>
+                  <a:srgbClr val="263248"/>
+                </a:solidFill>
+                <a:latin typeface="Roboto Condensed Light"/>
+                <a:ea typeface="Roboto Condensed Light"/>
+                <a:cs typeface="Roboto Condensed Light"/>
+                <a:sym typeface="Roboto Condensed Light"/>
+              </a:defRPr>
+            </a:lvl9pPr>
+          </a:lstStyle>
+          <a:p>
+            <a:pPr algn="just"/>
+            <a:r>
+              <a:rPr lang="en-US" dirty="0"/>
+              <a:t>At this stage, you’ll receive a call that another issue is critical and you need a hotfix. You’ll do the following:</a:t>
+            </a:r>
+          </a:p>
+          <a:p>
+            <a:r>
+              <a:rPr lang="en-US" dirty="0"/>
+              <a:t>Switch to your production branch.</a:t>
+            </a:r>
+          </a:p>
+          <a:p>
+            <a:r>
+              <a:rPr lang="en-US" dirty="0"/>
+              <a:t>Create a branch to add the hotfix.</a:t>
+            </a:r>
+          </a:p>
+          <a:p>
+            <a:r>
+              <a:rPr lang="en-US" dirty="0"/>
+              <a:t>After it’s tested, merge the hotfix branch, and push to production.</a:t>
+            </a:r>
+          </a:p>
+          <a:p>
+            <a:r>
+              <a:rPr lang="en-US" dirty="0"/>
+              <a:t>Switch back to your original story and continue working.</a:t>
+            </a:r>
+          </a:p>
+        </p:txBody>
+      </p:sp>
+    </p:spTree>
+    <p:extLst>
+      <p:ext uri="{BB962C8B-B14F-4D97-AF65-F5344CB8AC3E}">
+        <p14:creationId xmlns:p14="http://schemas.microsoft.com/office/powerpoint/2010/main" val="2640467099"/>
+      </p:ext>
+    </p:extLst>
+  </p:cSld>
+  <p:clrMapOvr>
+    <a:masterClrMapping/>
+  </p:clrMapOvr>
+  <p:timing>
+    <p:tnLst>
+      <p:par>
+        <p:cTn id="1" dur="indefinite" restart="never" nodeType="tmRoot">
+          <p:childTnLst>
+            <p:seq concurrent="1" nextAc="seek">
+              <p:cTn id="2" dur="indefinite" nodeType="mainSeq">
+                <p:childTnLst>
+                  <p:par>
+                    <p:cTn id="3" fill="hold">
+                      <p:stCondLst>
+                        <p:cond delay="indefinite"/>
+                      </p:stCondLst>
+                      <p:childTnLst>
+                        <p:par>
+                          <p:cTn id="4" fill="hold">
+                            <p:stCondLst>
+                              <p:cond delay="0"/>
+                            </p:stCondLst>
+                            <p:childTnLst>
+                              <p:par>
+                                <p:cTn id="5" presetID="1" presetClass="entr" presetSubtype="0" fill="hold" nodeType="clickEffect">
+                                  <p:stCondLst>
+                                    <p:cond delay="0"/>
+                                  </p:stCondLst>
+                                  <p:childTnLst>
+                                    <p:set>
+                                      <p:cBhvr>
+                                        <p:cTn id="6" dur="1" fill="hold">
+                                          <p:stCondLst>
+                                            <p:cond delay="0"/>
+                                          </p:stCondLst>
+                                        </p:cTn>
+                                        <p:tgtEl>
+                                          <p:spTgt spid="6">
+                                            <p:txEl>
+                                              <p:pRg st="0" end="0"/>
+                                            </p:txEl>
+                                          </p:spTgt>
+                                        </p:tgtEl>
+                                        <p:attrNameLst>
+                                          <p:attrName>style.visibility</p:attrName>
+                                        </p:attrNameLst>
+                                      </p:cBhvr>
+                                      <p:to>
+                                        <p:strVal val="visible"/>
+                                      </p:to>
+                                    </p:set>
+                                  </p:childTnLst>
+                                </p:cTn>
+                              </p:par>
+                            </p:childTnLst>
+                          </p:cTn>
+                        </p:par>
+                      </p:childTnLst>
+                    </p:cTn>
+                  </p:par>
+                  <p:par>
+                    <p:cTn id="7" fill="hold">
+                      <p:stCondLst>
+                        <p:cond delay="indefinite"/>
+                      </p:stCondLst>
+                      <p:childTnLst>
+                        <p:par>
+                          <p:cTn id="8" fill="hold">
+                            <p:stCondLst>
+                              <p:cond delay="0"/>
+                            </p:stCondLst>
+                            <p:childTnLst>
+                              <p:par>
+                                <p:cTn id="9" presetID="1" presetClass="entr" presetSubtype="0" fill="hold" nodeType="clickEffect">
+                                  <p:stCondLst>
+                                    <p:cond delay="0"/>
+                                  </p:stCondLst>
+                                  <p:childTnLst>
+                                    <p:set>
+                                      <p:cBhvr>
+                                        <p:cTn id="10" dur="1" fill="hold">
+                                          <p:stCondLst>
+                                            <p:cond delay="0"/>
+                                          </p:stCondLst>
+                                        </p:cTn>
+                                        <p:tgtEl>
+                                          <p:spTgt spid="6">
+                                            <p:txEl>
+                                              <p:pRg st="1" end="1"/>
+                                            </p:txEl>
+                                          </p:spTgt>
+                                        </p:tgtEl>
+                                        <p:attrNameLst>
+                                          <p:attrName>style.visibility</p:attrName>
+                                        </p:attrNameLst>
+                                      </p:cBhvr>
+                                      <p:to>
+                                        <p:strVal val="visible"/>
+                                      </p:to>
+                                    </p:set>
+                                  </p:childTnLst>
+                                </p:cTn>
+                              </p:par>
+                            </p:childTnLst>
+                          </p:cTn>
+                        </p:par>
+                      </p:childTnLst>
+                    </p:cTn>
+                  </p:par>
+                  <p:par>
+                    <p:cTn id="11" fill="hold">
+                      <p:stCondLst>
+                        <p:cond delay="indefinite"/>
+                      </p:stCondLst>
+                      <p:childTnLst>
+                        <p:par>
+                          <p:cTn id="12" fill="hold">
+                            <p:stCondLst>
+                              <p:cond delay="0"/>
+                            </p:stCondLst>
+                            <p:childTnLst>
+                              <p:par>
+                                <p:cTn id="13" presetID="1" presetClass="entr" presetSubtype="0" fill="hold" nodeType="clickEffect">
+                                  <p:stCondLst>
+                                    <p:cond delay="0"/>
+                                  </p:stCondLst>
+                                  <p:childTnLst>
+                                    <p:set>
+                                      <p:cBhvr>
+                                        <p:cTn id="14" dur="1" fill="hold">
+                                          <p:stCondLst>
+                                            <p:cond delay="0"/>
+                                          </p:stCondLst>
+                                        </p:cTn>
+                                        <p:tgtEl>
+                                          <p:spTgt spid="6">
+                                            <p:txEl>
+                                              <p:pRg st="2" end="2"/>
+                                            </p:txEl>
+                                          </p:spTgt>
+                                        </p:tgtEl>
+                                        <p:attrNameLst>
+                                          <p:attrName>style.visibility</p:attrName>
+                                        </p:attrNameLst>
+                                      </p:cBhvr>
+                                      <p:to>
+                                        <p:strVal val="visible"/>
+                                      </p:to>
+                                    </p:set>
+                                  </p:childTnLst>
+                                </p:cTn>
+                              </p:par>
+                            </p:childTnLst>
+                          </p:cTn>
+                        </p:par>
+                      </p:childTnLst>
+                    </p:cTn>
+                  </p:par>
+                  <p:par>
+                    <p:cTn id="15" fill="hold">
+                      <p:stCondLst>
+                        <p:cond delay="indefinite"/>
+                      </p:stCondLst>
+                      <p:childTnLst>
+                        <p:par>
+                          <p:cTn id="16" fill="hold">
+                            <p:stCondLst>
+                              <p:cond delay="0"/>
+                            </p:stCondLst>
+                            <p:childTnLst>
+                              <p:par>
+                                <p:cTn id="17" presetID="1" presetClass="entr" presetSubtype="0" fill="hold" nodeType="clickEffect">
+                                  <p:stCondLst>
+                                    <p:cond delay="0"/>
+                                  </p:stCondLst>
+                                  <p:childTnLst>
+                                    <p:set>
+                                      <p:cBhvr>
+                                        <p:cTn id="18" dur="1" fill="hold">
+                                          <p:stCondLst>
+                                            <p:cond delay="0"/>
+                                          </p:stCondLst>
+                                        </p:cTn>
+                                        <p:tgtEl>
+                                          <p:spTgt spid="6">
+                                            <p:txEl>
+                                              <p:pRg st="3" end="3"/>
+                                            </p:txEl>
+                                          </p:spTgt>
+                                        </p:tgtEl>
+                                        <p:attrNameLst>
+                                          <p:attrName>style.visibility</p:attrName>
+                                        </p:attrNameLst>
+                                      </p:cBhvr>
+                                      <p:to>
+                                        <p:strVal val="visible"/>
+                                      </p:to>
+                                    </p:set>
+                                  </p:childTnLst>
+                                </p:cTn>
+                              </p:par>
+                            </p:childTnLst>
+                          </p:cTn>
+                        </p:par>
+                      </p:childTnLst>
+                    </p:cTn>
+                  </p:par>
+                  <p:par>
+                    <p:cTn id="19" fill="hold">
+                      <p:stCondLst>
+                        <p:cond delay="indefinite"/>
+                      </p:stCondLst>
+                      <p:childTnLst>
+                        <p:par>
+                          <p:cTn id="20" fill="hold">
+                            <p:stCondLst>
+                              <p:cond delay="0"/>
+                            </p:stCondLst>
+                            <p:childTnLst>
+                              <p:par>
+                                <p:cTn id="21" presetID="1" presetClass="entr" presetSubtype="0" fill="hold" nodeType="clickEffect">
+                                  <p:stCondLst>
+                                    <p:cond delay="0"/>
+                                  </p:stCondLst>
+                                  <p:childTnLst>
+                                    <p:set>
+                                      <p:cBhvr>
+                                        <p:cTn id="22" dur="1" fill="hold">
+                                          <p:stCondLst>
+                                            <p:cond delay="0"/>
+                                          </p:stCondLst>
+                                        </p:cTn>
+                                        <p:tgtEl>
+                                          <p:spTgt spid="6">
+                                            <p:txEl>
+                                              <p:pRg st="4" end="4"/>
+                                            </p:txEl>
+                                          </p:spTgt>
+                                        </p:tgtEl>
+                                        <p:attrNameLst>
+                                          <p:attrName>style.visibility</p:attrName>
+                                        </p:attrNameLst>
+                                      </p:cBhvr>
+                                      <p:to>
+                                        <p:strVal val="visible"/>
+                                      </p:to>
+                                    </p:set>
+                                  </p:childTnLst>
+                                </p:cTn>
+                              </p:par>
+                            </p:childTnLst>
+                          </p:cTn>
+                        </p:par>
+                      </p:childTnLst>
+                    </p:cTn>
+                  </p:par>
+                </p:childTnLst>
+              </p:cTn>
+              <p:prevCondLst>
+                <p:cond evt="onPrev" delay="0">
+                  <p:tgtEl>
+                    <p:sldTgt/>
+                  </p:tgtEl>
+                </p:cond>
+              </p:prevCondLst>
+              <p:nextCondLst>
+                <p:cond evt="onNext" delay="0">
+                  <p:tgtEl>
+                    <p:sldTgt/>
+                  </p:tgtEl>
+                </p:cond>
+              </p:nextCondLst>
+            </p:seq>
+          </p:childTnLst>
+        </p:cTn>
+      </p:par>
+    </p:tnLst>
+  </p:timing>
+</p:sld>
+</file>
+
+<file path=ppt/slides/slide78.xml><?xml version="1.0" encoding="utf-8"?>
+<p:sld xmlns:a="http://schemas.openxmlformats.org/drawingml/2006/main" xmlns:r="http://schemas.openxmlformats.org/officeDocument/2006/relationships" xmlns:p="http://schemas.openxmlformats.org/presentationml/2006/main">
+  <p:cSld>
+    <p:spTree>
+      <p:nvGrpSpPr>
+        <p:cNvPr id="1" name=""/>
+        <p:cNvGrpSpPr/>
+        <p:nvPr/>
+      </p:nvGrpSpPr>
+      <p:grpSpPr>
+        <a:xfrm>
+          <a:off x="0" y="0"/>
+          <a:ext cx="0" cy="0"/>
+          <a:chOff x="0" y="0"/>
+          <a:chExt cx="0" cy="0"/>
+        </a:xfrm>
+      </p:grpSpPr>
+      <p:sp>
+        <p:nvSpPr>
+          <p:cNvPr id="2" name="Title 1"/>
+          <p:cNvSpPr>
+            <a:spLocks noGrp="1"/>
+          </p:cNvSpPr>
+          <p:nvPr>
+            <p:ph type="title"/>
+          </p:nvPr>
+        </p:nvSpPr>
+        <p:spPr>
+          <a:xfrm>
+            <a:off x="228600" y="438150"/>
+            <a:ext cx="6881925" cy="766200"/>
+          </a:xfrm>
+        </p:spPr>
+        <p:txBody>
+          <a:bodyPr/>
+          <a:lstStyle/>
+          <a:p>
+            <a:r>
+              <a:rPr lang="en-US" dirty="0" smtClean="0"/>
+              <a:t>BASIC BRANCHING</a:t>
+            </a:r>
+            <a:endParaRPr lang="en-US" dirty="0"/>
+          </a:p>
+        </p:txBody>
+      </p:sp>
+      <p:sp>
+        <p:nvSpPr>
+          <p:cNvPr id="4" name="Slide Number Placeholder 3"/>
+          <p:cNvSpPr>
+            <a:spLocks noGrp="1"/>
+          </p:cNvSpPr>
+          <p:nvPr>
+            <p:ph type="sldNum" idx="12"/>
+          </p:nvPr>
+        </p:nvSpPr>
+        <p:spPr/>
+        <p:txBody>
+          <a:bodyPr/>
+          <a:lstStyle/>
+          <a:p>
+            <a:pPr lvl="0">
+              <a:spcBef>
+                <a:spcPts val="0"/>
+              </a:spcBef>
+              <a:buNone/>
+            </a:pPr>
+            <a:fld id="{00000000-1234-1234-1234-123412341234}" type="slidenum">
+              <a:rPr lang="en" smtClean="0"/>
+              <a:t>78</a:t>
+            </a:fld>
+            <a:endParaRPr lang="en"/>
+          </a:p>
+        </p:txBody>
+      </p:sp>
+      <p:sp>
+        <p:nvSpPr>
+          <p:cNvPr id="6" name="Text Placeholder 2">
+            <a:extLst>
+              <a:ext uri="{FF2B5EF4-FFF2-40B4-BE49-F238E27FC236}">
+                <a16:creationId xmlns:a16="http://schemas.microsoft.com/office/drawing/2014/main" xmlns="" id="{BCC204B9-DFA1-4491-83BA-272E5E5E14B8}"/>
+              </a:ext>
+            </a:extLst>
+          </p:cNvPr>
+          <p:cNvSpPr txBox="1">
+            <a:spLocks/>
+          </p:cNvSpPr>
+          <p:nvPr/>
+        </p:nvSpPr>
+        <p:spPr>
+          <a:xfrm>
+            <a:off x="228600" y="1581150"/>
+            <a:ext cx="8839200" cy="914400"/>
+          </a:xfrm>
+          <a:prstGeom prst="rect">
+            <a:avLst/>
+          </a:prstGeom>
+          <a:noFill/>
+          <a:ln>
+            <a:noFill/>
+          </a:ln>
+        </p:spPr>
+        <p:txBody>
+          <a:bodyPr wrap="square" lIns="91425" tIns="91425" rIns="91425" bIns="91425" anchor="t" anchorCtr="0"/>
+          <a:lstStyle>
+            <a:defPPr marR="0" lvl="0" algn="l" rtl="0">
+              <a:lnSpc>
+                <a:spcPct val="100000"/>
+              </a:lnSpc>
+              <a:spcBef>
+                <a:spcPts val="0"/>
+              </a:spcBef>
+              <a:spcAft>
+                <a:spcPts val="0"/>
+              </a:spcAft>
+            </a:defPPr>
+            <a:lvl1pPr marR="0" lvl="0" algn="l" rtl="0">
+              <a:lnSpc>
+                <a:spcPct val="100000"/>
+              </a:lnSpc>
+              <a:spcBef>
+                <a:spcPts val="0"/>
+              </a:spcBef>
+              <a:spcAft>
+                <a:spcPts val="1000"/>
+              </a:spcAft>
+              <a:buClr>
+                <a:srgbClr val="C7D3E6"/>
+              </a:buClr>
+              <a:buSzPct val="100000"/>
+              <a:buFont typeface="Roboto Condensed Light"/>
+              <a:buChar char="▰"/>
+              <a:defRPr sz="2000" b="0" i="0" u="none" strike="noStrike" cap="none">
+                <a:solidFill>
+                  <a:srgbClr val="263248"/>
+                </a:solidFill>
+                <a:latin typeface="Roboto Condensed Light"/>
+                <a:ea typeface="Roboto Condensed Light"/>
+                <a:cs typeface="Roboto Condensed Light"/>
+                <a:sym typeface="Roboto Condensed Light"/>
+              </a:defRPr>
+            </a:lvl1pPr>
+            <a:lvl2pPr marR="0" lvl="1" algn="l" rtl="0">
+              <a:lnSpc>
+                <a:spcPct val="100000"/>
+              </a:lnSpc>
+              <a:spcBef>
+                <a:spcPts val="0"/>
+              </a:spcBef>
+              <a:spcAft>
+                <a:spcPts val="1000"/>
+              </a:spcAft>
+              <a:buClr>
+                <a:srgbClr val="C7D3E6"/>
+              </a:buClr>
+              <a:buSzPct val="100000"/>
+              <a:buFont typeface="Roboto Condensed Light"/>
+              <a:buChar char="▻"/>
+              <a:defRPr sz="2000" b="0" i="0" u="none" strike="noStrike" cap="none">
+                <a:solidFill>
+                  <a:srgbClr val="263248"/>
+                </a:solidFill>
+                <a:latin typeface="Roboto Condensed Light"/>
+                <a:ea typeface="Roboto Condensed Light"/>
+                <a:cs typeface="Roboto Condensed Light"/>
+                <a:sym typeface="Roboto Condensed Light"/>
+              </a:defRPr>
+            </a:lvl2pPr>
+            <a:lvl3pPr marR="0" lvl="2" algn="l" rtl="0">
+              <a:lnSpc>
+                <a:spcPct val="100000"/>
+              </a:lnSpc>
+              <a:spcBef>
+                <a:spcPts val="0"/>
+              </a:spcBef>
+              <a:spcAft>
+                <a:spcPts val="1000"/>
+              </a:spcAft>
+              <a:buClr>
+                <a:srgbClr val="C7D3E6"/>
+              </a:buClr>
+              <a:buSzPct val="100000"/>
+              <a:buFont typeface="Roboto Condensed Light"/>
+              <a:buChar char="▻"/>
+              <a:defRPr sz="2000" b="0" i="0" u="none" strike="noStrike" cap="none">
+                <a:solidFill>
+                  <a:srgbClr val="263248"/>
+                </a:solidFill>
+                <a:latin typeface="Roboto Condensed Light"/>
+                <a:ea typeface="Roboto Condensed Light"/>
+                <a:cs typeface="Roboto Condensed Light"/>
+                <a:sym typeface="Roboto Condensed Light"/>
+              </a:defRPr>
+            </a:lvl3pPr>
+            <a:lvl4pPr marR="0" lvl="3" algn="l" rtl="0">
+              <a:lnSpc>
+                <a:spcPct val="100000"/>
+              </a:lnSpc>
+              <a:spcBef>
+                <a:spcPts val="0"/>
+              </a:spcBef>
+              <a:spcAft>
+                <a:spcPts val="1000"/>
+              </a:spcAft>
+              <a:buClr>
+                <a:srgbClr val="C7D3E6"/>
+              </a:buClr>
+              <a:buSzPct val="100000"/>
+              <a:buFont typeface="Roboto Condensed Light"/>
+              <a:buChar char="▻"/>
+              <a:defRPr sz="2000" b="0" i="0" u="none" strike="noStrike" cap="none">
+                <a:solidFill>
+                  <a:srgbClr val="263248"/>
+                </a:solidFill>
+                <a:latin typeface="Roboto Condensed Light"/>
+                <a:ea typeface="Roboto Condensed Light"/>
+                <a:cs typeface="Roboto Condensed Light"/>
+                <a:sym typeface="Roboto Condensed Light"/>
+              </a:defRPr>
+            </a:lvl4pPr>
+            <a:lvl5pPr marR="0" lvl="4" algn="l" rtl="0">
+              <a:lnSpc>
+                <a:spcPct val="100000"/>
+              </a:lnSpc>
+              <a:spcBef>
+                <a:spcPts val="0"/>
+              </a:spcBef>
+              <a:spcAft>
+                <a:spcPts val="1000"/>
+              </a:spcAft>
+              <a:buClr>
+                <a:srgbClr val="C7D3E6"/>
+              </a:buClr>
+              <a:buSzPct val="100000"/>
+              <a:buFont typeface="Roboto Condensed Light"/>
+              <a:buChar char="▻"/>
+              <a:defRPr sz="2000" b="0" i="0" u="none" strike="noStrike" cap="none">
+                <a:solidFill>
+                  <a:srgbClr val="263248"/>
+                </a:solidFill>
+                <a:latin typeface="Roboto Condensed Light"/>
+                <a:ea typeface="Roboto Condensed Light"/>
+                <a:cs typeface="Roboto Condensed Light"/>
+                <a:sym typeface="Roboto Condensed Light"/>
+              </a:defRPr>
+            </a:lvl5pPr>
+            <a:lvl6pPr marR="0" lvl="5" algn="l" rtl="0">
+              <a:lnSpc>
+                <a:spcPct val="100000"/>
+              </a:lnSpc>
+              <a:spcBef>
+                <a:spcPts val="0"/>
+              </a:spcBef>
+              <a:spcAft>
+                <a:spcPts val="1000"/>
+              </a:spcAft>
+              <a:buClr>
+                <a:srgbClr val="C7D3E6"/>
+              </a:buClr>
+              <a:buSzPct val="100000"/>
+              <a:buFont typeface="Roboto Condensed Light"/>
+              <a:buChar char="▻"/>
+              <a:defRPr sz="2000" b="0" i="0" u="none" strike="noStrike" cap="none">
+                <a:solidFill>
+                  <a:srgbClr val="263248"/>
+                </a:solidFill>
+                <a:latin typeface="Roboto Condensed Light"/>
+                <a:ea typeface="Roboto Condensed Light"/>
+                <a:cs typeface="Roboto Condensed Light"/>
+                <a:sym typeface="Roboto Condensed Light"/>
+              </a:defRPr>
+            </a:lvl6pPr>
+            <a:lvl7pPr marR="0" lvl="6" algn="l" rtl="0">
+              <a:lnSpc>
+                <a:spcPct val="100000"/>
+              </a:lnSpc>
+              <a:spcBef>
+                <a:spcPts val="0"/>
+              </a:spcBef>
+              <a:spcAft>
+                <a:spcPts val="1000"/>
+              </a:spcAft>
+              <a:buClr>
+                <a:srgbClr val="C7D3E6"/>
+              </a:buClr>
+              <a:buSzPct val="100000"/>
+              <a:buFont typeface="Roboto Condensed Light"/>
+              <a:buChar char="▻"/>
+              <a:defRPr sz="2000" b="0" i="0" u="none" strike="noStrike" cap="none">
+                <a:solidFill>
+                  <a:srgbClr val="263248"/>
+                </a:solidFill>
+                <a:latin typeface="Roboto Condensed Light"/>
+                <a:ea typeface="Roboto Condensed Light"/>
+                <a:cs typeface="Roboto Condensed Light"/>
+                <a:sym typeface="Roboto Condensed Light"/>
+              </a:defRPr>
+            </a:lvl7pPr>
+            <a:lvl8pPr marR="0" lvl="7" algn="l" rtl="0">
+              <a:lnSpc>
+                <a:spcPct val="100000"/>
+              </a:lnSpc>
+              <a:spcBef>
+                <a:spcPts val="0"/>
+              </a:spcBef>
+              <a:spcAft>
+                <a:spcPts val="1000"/>
+              </a:spcAft>
+              <a:buClr>
+                <a:srgbClr val="C7D3E6"/>
+              </a:buClr>
+              <a:buSzPct val="100000"/>
+              <a:buFont typeface="Roboto Condensed Light"/>
+              <a:buChar char="▻"/>
+              <a:defRPr sz="2000" b="0" i="0" u="none" strike="noStrike" cap="none">
+                <a:solidFill>
+                  <a:srgbClr val="263248"/>
+                </a:solidFill>
+                <a:latin typeface="Roboto Condensed Light"/>
+                <a:ea typeface="Roboto Condensed Light"/>
+                <a:cs typeface="Roboto Condensed Light"/>
+                <a:sym typeface="Roboto Condensed Light"/>
+              </a:defRPr>
+            </a:lvl8pPr>
+            <a:lvl9pPr marR="0" lvl="8" algn="l" rtl="0">
+              <a:lnSpc>
+                <a:spcPct val="100000"/>
+              </a:lnSpc>
+              <a:spcBef>
+                <a:spcPts val="0"/>
+              </a:spcBef>
+              <a:spcAft>
+                <a:spcPts val="1000"/>
+              </a:spcAft>
+              <a:buClr>
+                <a:srgbClr val="C7D3E6"/>
+              </a:buClr>
+              <a:buSzPct val="100000"/>
+              <a:buFont typeface="Roboto Condensed Light"/>
+              <a:buChar char="▻"/>
+              <a:defRPr sz="2000" b="0" i="0" u="none" strike="noStrike" cap="none">
+                <a:solidFill>
+                  <a:srgbClr val="263248"/>
+                </a:solidFill>
+                <a:latin typeface="Roboto Condensed Light"/>
+                <a:ea typeface="Roboto Condensed Light"/>
+                <a:cs typeface="Roboto Condensed Light"/>
+                <a:sym typeface="Roboto Condensed Light"/>
+              </a:defRPr>
+            </a:lvl9pPr>
+          </a:lstStyle>
+          <a:p>
+            <a:r>
+              <a:rPr lang="en-US" dirty="0"/>
+              <a:t>First, let’s say you’re working on your project and have a couple of commits already on the </a:t>
+            </a:r>
+            <a:r>
+              <a:rPr lang="en-US" dirty="0" err="1"/>
+              <a:t>masterbranch</a:t>
+            </a:r>
+            <a:r>
+              <a:rPr lang="en-US" dirty="0" smtClean="0"/>
+              <a:t>.</a:t>
+            </a:r>
+            <a:endParaRPr lang="en-US" dirty="0"/>
+          </a:p>
+        </p:txBody>
+      </p:sp>
+      <p:pic>
+        <p:nvPicPr>
+          <p:cNvPr id="4098" name="Picture 2" descr="A simple commit history."/>
+          <p:cNvPicPr>
+            <a:picLocks noChangeAspect="1" noChangeArrowheads="1"/>
+          </p:cNvPicPr>
+          <p:nvPr/>
+        </p:nvPicPr>
+        <p:blipFill>
+          <a:blip r:embed="rId2">
+            <a:extLst>
+              <a:ext uri="{28A0092B-C50C-407E-A947-70E740481C1C}">
+                <a14:useLocalDpi xmlns:a14="http://schemas.microsoft.com/office/drawing/2010/main" val="0"/>
+              </a:ext>
+            </a:extLst>
+          </a:blip>
+          <a:srcRect/>
+          <a:stretch>
+            <a:fillRect/>
+          </a:stretch>
+        </p:blipFill>
+        <p:spPr bwMode="auto">
+          <a:xfrm>
+            <a:off x="381000" y="2618290"/>
+            <a:ext cx="6781800" cy="1966723"/>
+          </a:xfrm>
+          <a:prstGeom prst="rect">
+            <a:avLst/>
+          </a:prstGeom>
+          <a:noFill/>
+          <a:extLst>
+            <a:ext uri="{909E8E84-426E-40DD-AFC4-6F175D3DCCD1}">
+              <a14:hiddenFill xmlns:a14="http://schemas.microsoft.com/office/drawing/2010/main">
+                <a:solidFill>
+                  <a:srgbClr val="FFFFFF"/>
+                </a:solidFill>
+              </a14:hiddenFill>
+            </a:ext>
+          </a:extLst>
+        </p:spPr>
+      </p:pic>
+    </p:spTree>
+    <p:extLst>
+      <p:ext uri="{BB962C8B-B14F-4D97-AF65-F5344CB8AC3E}">
+        <p14:creationId xmlns:p14="http://schemas.microsoft.com/office/powerpoint/2010/main" val="2967996369"/>
+      </p:ext>
+    </p:extLst>
+  </p:cSld>
+  <p:clrMapOvr>
+    <a:masterClrMapping/>
+  </p:clrMapOvr>
+  <p:timing>
+    <p:tnLst>
+      <p:par>
+        <p:cTn id="1" dur="indefinite" restart="never" nodeType="tmRoot">
+          <p:childTnLst>
+            <p:seq concurrent="1" nextAc="seek">
+              <p:cTn id="2" dur="indefinite" nodeType="mainSeq">
+                <p:childTnLst>
+                  <p:par>
+                    <p:cTn id="3" fill="hold">
+                      <p:stCondLst>
+                        <p:cond delay="indefinite"/>
+                      </p:stCondLst>
+                      <p:childTnLst>
+                        <p:par>
+                          <p:cTn id="4" fill="hold">
+                            <p:stCondLst>
+                              <p:cond delay="0"/>
+                            </p:stCondLst>
+                            <p:childTnLst>
+                              <p:par>
+                                <p:cTn id="5" presetID="1" presetClass="entr" presetSubtype="0" fill="hold" nodeType="clickEffect">
+                                  <p:stCondLst>
+                                    <p:cond delay="0"/>
+                                  </p:stCondLst>
+                                  <p:childTnLst>
+                                    <p:set>
+                                      <p:cBhvr>
+                                        <p:cTn id="6" dur="1" fill="hold">
+                                          <p:stCondLst>
+                                            <p:cond delay="0"/>
+                                          </p:stCondLst>
+                                        </p:cTn>
+                                        <p:tgtEl>
+                                          <p:spTgt spid="6">
+                                            <p:txEl>
+                                              <p:pRg st="0" end="0"/>
+                                            </p:txEl>
+                                          </p:spTgt>
+                                        </p:tgtEl>
+                                        <p:attrNameLst>
+                                          <p:attrName>style.visibility</p:attrName>
+                                        </p:attrNameLst>
+                                      </p:cBhvr>
+                                      <p:to>
+                                        <p:strVal val="visible"/>
+                                      </p:to>
+                                    </p:set>
+                                  </p:childTnLst>
+                                </p:cTn>
+                              </p:par>
+                            </p:childTnLst>
+                          </p:cTn>
+                        </p:par>
+                      </p:childTnLst>
+                    </p:cTn>
+                  </p:par>
+                </p:childTnLst>
+              </p:cTn>
+              <p:prevCondLst>
+                <p:cond evt="onPrev" delay="0">
+                  <p:tgtEl>
+                    <p:sldTgt/>
+                  </p:tgtEl>
+                </p:cond>
+              </p:prevCondLst>
+              <p:nextCondLst>
+                <p:cond evt="onNext" delay="0">
+                  <p:tgtEl>
+                    <p:sldTgt/>
+                  </p:tgtEl>
+                </p:cond>
+              </p:nextCondLst>
+            </p:seq>
+          </p:childTnLst>
+        </p:cTn>
+      </p:par>
+    </p:tnLst>
+  </p:timing>
+</p:sld>
+</file>
+
+<file path=ppt/slides/slide79.xml><?xml version="1.0" encoding="utf-8"?>
+<p:sld xmlns:a="http://schemas.openxmlformats.org/drawingml/2006/main" xmlns:r="http://schemas.openxmlformats.org/officeDocument/2006/relationships" xmlns:p="http://schemas.openxmlformats.org/presentationml/2006/main">
+  <p:cSld>
+    <p:spTree>
+      <p:nvGrpSpPr>
+        <p:cNvPr id="1" name=""/>
+        <p:cNvGrpSpPr/>
+        <p:nvPr/>
+      </p:nvGrpSpPr>
+      <p:grpSpPr>
+        <a:xfrm>
+          <a:off x="0" y="0"/>
+          <a:ext cx="0" cy="0"/>
+          <a:chOff x="0" y="0"/>
+          <a:chExt cx="0" cy="0"/>
+        </a:xfrm>
+      </p:grpSpPr>
+      <p:sp>
+        <p:nvSpPr>
+          <p:cNvPr id="2" name="Title 1"/>
+          <p:cNvSpPr>
+            <a:spLocks noGrp="1"/>
+          </p:cNvSpPr>
+          <p:nvPr>
+            <p:ph type="title"/>
+          </p:nvPr>
+        </p:nvSpPr>
+        <p:spPr/>
+        <p:txBody>
+          <a:bodyPr/>
+          <a:lstStyle/>
+          <a:p>
+            <a:r>
+              <a:rPr lang="en-US" dirty="0" smtClean="0"/>
+              <a:t>BASIC BRANCHING</a:t>
+            </a:r>
+            <a:endParaRPr lang="en-US" dirty="0"/>
+          </a:p>
+        </p:txBody>
+      </p:sp>
+      <p:sp>
+        <p:nvSpPr>
+          <p:cNvPr id="3" name="Text Placeholder 2"/>
+          <p:cNvSpPr>
+            <a:spLocks noGrp="1"/>
+          </p:cNvSpPr>
+          <p:nvPr>
+            <p:ph type="body" idx="1"/>
+          </p:nvPr>
+        </p:nvSpPr>
+        <p:spPr>
+          <a:xfrm>
+            <a:off x="762000" y="1504950"/>
+            <a:ext cx="7262925" cy="3454200"/>
+          </a:xfrm>
+        </p:spPr>
+        <p:txBody>
+          <a:bodyPr/>
+          <a:lstStyle/>
+          <a:p>
+            <a:r>
+              <a:rPr lang="en-US" dirty="0"/>
+              <a:t>You’ve decided that you’re going to work on issue #53 in whatever issue-tracking system your company uses. To create a new branch and switch to it at the same time, you can run the </a:t>
+            </a:r>
+            <a:r>
+              <a:rPr lang="en-US" dirty="0" err="1"/>
+              <a:t>git</a:t>
+            </a:r>
+            <a:r>
+              <a:rPr lang="en-US" dirty="0"/>
+              <a:t> checkout command with the -b switch:</a:t>
+            </a:r>
+          </a:p>
+          <a:p>
+            <a:r>
+              <a:rPr lang="en-US" dirty="0"/>
+              <a:t>$ </a:t>
+            </a:r>
+            <a:r>
+              <a:rPr lang="en-US" dirty="0" err="1"/>
+              <a:t>git</a:t>
+            </a:r>
+            <a:r>
+              <a:rPr lang="en-US" dirty="0"/>
+              <a:t> checkout -b iss53 </a:t>
+            </a:r>
+            <a:br>
+              <a:rPr lang="en-US" dirty="0"/>
+            </a:br>
+            <a:r>
+              <a:rPr lang="en-US" dirty="0"/>
+              <a:t>Switched to a new branch "</a:t>
+            </a:r>
+            <a:r>
+              <a:rPr lang="en-US" dirty="0" smtClean="0"/>
+              <a:t>iss53”</a:t>
+            </a:r>
+          </a:p>
+          <a:p>
+            <a:pPr>
+              <a:buNone/>
+            </a:pPr>
+            <a:r>
+              <a:rPr lang="en-US" i="1" dirty="0"/>
+              <a:t>This is shorthand for</a:t>
+            </a:r>
+            <a:r>
+              <a:rPr lang="en-US" i="1" dirty="0" smtClean="0"/>
+              <a:t>:</a:t>
+            </a:r>
+          </a:p>
+          <a:p>
+            <a:pPr marL="342900" indent="-342900"/>
+            <a:r>
+              <a:rPr lang="en-US" dirty="0" smtClean="0"/>
+              <a:t>$ </a:t>
+            </a:r>
+            <a:r>
+              <a:rPr lang="en-US" dirty="0" err="1"/>
+              <a:t>git</a:t>
+            </a:r>
+            <a:r>
+              <a:rPr lang="en-US" dirty="0"/>
+              <a:t> branch iss53 </a:t>
+            </a:r>
+          </a:p>
+          <a:p>
+            <a:r>
+              <a:rPr lang="en-US" dirty="0" smtClean="0"/>
+              <a:t>$ </a:t>
+            </a:r>
+            <a:r>
+              <a:rPr lang="en-US" dirty="0" err="1"/>
+              <a:t>git</a:t>
+            </a:r>
+            <a:r>
+              <a:rPr lang="en-US" dirty="0"/>
+              <a:t> checkout iss53</a:t>
+            </a:r>
+            <a:r>
+              <a:rPr lang="en-US" dirty="0"/>
+              <a:t/>
+            </a:r>
+            <a:br>
+              <a:rPr lang="en-US" dirty="0"/>
+            </a:br>
+            <a:endParaRPr lang="en-US" dirty="0"/>
+          </a:p>
+        </p:txBody>
+      </p:sp>
+      <p:sp>
+        <p:nvSpPr>
+          <p:cNvPr id="4" name="Slide Number Placeholder 3"/>
+          <p:cNvSpPr>
+            <a:spLocks noGrp="1"/>
+          </p:cNvSpPr>
+          <p:nvPr>
+            <p:ph type="sldNum" idx="12"/>
+          </p:nvPr>
+        </p:nvSpPr>
+        <p:spPr/>
+        <p:txBody>
+          <a:bodyPr/>
+          <a:lstStyle/>
+          <a:p>
+            <a:pPr lvl="0">
+              <a:spcBef>
+                <a:spcPts val="0"/>
+              </a:spcBef>
+              <a:buNone/>
+            </a:pPr>
+            <a:fld id="{00000000-1234-1234-1234-123412341234}" type="slidenum">
+              <a:rPr lang="en" smtClean="0"/>
+              <a:t>79</a:t>
+            </a:fld>
+            <a:endParaRPr lang="en"/>
+          </a:p>
+        </p:txBody>
+      </p:sp>
+    </p:spTree>
+    <p:extLst>
+      <p:ext uri="{BB962C8B-B14F-4D97-AF65-F5344CB8AC3E}">
+        <p14:creationId xmlns:p14="http://schemas.microsoft.com/office/powerpoint/2010/main" val="2834969248"/>
+      </p:ext>
+    </p:extLst>
+  </p:cSld>
+  <p:clrMapOvr>
+    <a:masterClrMapping/>
+  </p:clrMapOvr>
+</p:sld>
+</file>
+
+<file path=ppt/slides/slide8.xml><?xml version="1.0" encoding="utf-8"?>
+<p:sld xmlns:a="http://schemas.openxmlformats.org/drawingml/2006/main" xmlns:r="http://schemas.openxmlformats.org/officeDocument/2006/relationships" xmlns:p="http://schemas.openxmlformats.org/presentationml/2006/main">
+  <p:cSld>
+    <p:spTree>
+      <p:nvGrpSpPr>
+        <p:cNvPr id="1" name=""/>
+        <p:cNvGrpSpPr/>
+        <p:nvPr/>
+      </p:nvGrpSpPr>
+      <p:grpSpPr>
+        <a:xfrm>
+          <a:off x="0" y="0"/>
+          <a:ext cx="0" cy="0"/>
+          <a:chOff x="0" y="0"/>
+          <a:chExt cx="0" cy="0"/>
+        </a:xfrm>
+      </p:grpSpPr>
+      <p:sp>
+        <p:nvSpPr>
+          <p:cNvPr id="2" name="Title 1"/>
+          <p:cNvSpPr>
+            <a:spLocks noGrp="1"/>
+          </p:cNvSpPr>
+          <p:nvPr>
+            <p:ph type="title"/>
+          </p:nvPr>
+        </p:nvSpPr>
+        <p:spPr/>
+        <p:txBody>
+          <a:bodyPr/>
+          <a:lstStyle/>
+          <a:p>
+            <a:r>
+              <a:rPr lang="en-US" sz="2400" dirty="0"/>
+              <a:t>A Short History of </a:t>
+            </a:r>
+            <a:r>
+              <a:rPr lang="en-US" sz="2400" dirty="0" err="1" smtClean="0"/>
+              <a:t>Git</a:t>
+            </a:r>
+            <a:endParaRPr lang="en-US" sz="2400" dirty="0"/>
+          </a:p>
+        </p:txBody>
+      </p:sp>
+      <p:sp>
+        <p:nvSpPr>
+          <p:cNvPr id="5" name="Slide Number Placeholder 4"/>
+          <p:cNvSpPr>
+            <a:spLocks noGrp="1"/>
+          </p:cNvSpPr>
+          <p:nvPr>
+            <p:ph type="sldNum" idx="12"/>
+          </p:nvPr>
+        </p:nvSpPr>
+        <p:spPr/>
+        <p:txBody>
+          <a:bodyPr/>
+          <a:lstStyle/>
+          <a:p>
+            <a:pPr lvl="0">
+              <a:spcBef>
+                <a:spcPts val="0"/>
+              </a:spcBef>
+              <a:buNone/>
+            </a:pPr>
+            <a:fld id="{00000000-1234-1234-1234-123412341234}" type="slidenum">
+              <a:rPr lang="en" smtClean="0"/>
+              <a:t>8</a:t>
+            </a:fld>
+            <a:endParaRPr lang="en"/>
+          </a:p>
+        </p:txBody>
+      </p:sp>
+      <p:sp>
+        <p:nvSpPr>
+          <p:cNvPr id="6" name="Text Placeholder 2">
+            <a:extLst>
+              <a:ext uri="{FF2B5EF4-FFF2-40B4-BE49-F238E27FC236}">
+                <a16:creationId xmlns:a16="http://schemas.microsoft.com/office/drawing/2014/main" xmlns="" id="{BCC204B9-DFA1-4491-83BA-272E5E5E14B8}"/>
+              </a:ext>
+            </a:extLst>
+          </p:cNvPr>
+          <p:cNvSpPr txBox="1">
+            <a:spLocks/>
+          </p:cNvSpPr>
+          <p:nvPr/>
+        </p:nvSpPr>
+        <p:spPr>
+          <a:xfrm>
+            <a:off x="228600" y="1581150"/>
+            <a:ext cx="8839200" cy="2724300"/>
+          </a:xfrm>
+          <a:prstGeom prst="rect">
+            <a:avLst/>
+          </a:prstGeom>
+          <a:noFill/>
+          <a:ln>
+            <a:noFill/>
+          </a:ln>
+        </p:spPr>
+        <p:txBody>
+          <a:bodyPr wrap="square" lIns="91425" tIns="91425" rIns="91425" bIns="91425" anchor="t" anchorCtr="0"/>
+          <a:lstStyle>
+            <a:defPPr marR="0" lvl="0" algn="l" rtl="0">
+              <a:lnSpc>
+                <a:spcPct val="100000"/>
+              </a:lnSpc>
+              <a:spcBef>
+                <a:spcPts val="0"/>
+              </a:spcBef>
+              <a:spcAft>
+                <a:spcPts val="0"/>
+              </a:spcAft>
+            </a:defPPr>
+            <a:lvl1pPr marR="0" lvl="0" algn="l" rtl="0">
+              <a:lnSpc>
+                <a:spcPct val="100000"/>
+              </a:lnSpc>
+              <a:spcBef>
+                <a:spcPts val="0"/>
+              </a:spcBef>
+              <a:spcAft>
+                <a:spcPts val="1000"/>
+              </a:spcAft>
+              <a:buClr>
+                <a:srgbClr val="C7D3E6"/>
+              </a:buClr>
+              <a:buSzPct val="100000"/>
+              <a:buFont typeface="Roboto Condensed Light"/>
+              <a:buChar char="▰"/>
+              <a:defRPr sz="2000" b="0" i="0" u="none" strike="noStrike" cap="none">
+                <a:solidFill>
+                  <a:srgbClr val="263248"/>
+                </a:solidFill>
+                <a:latin typeface="Roboto Condensed Light"/>
+                <a:ea typeface="Roboto Condensed Light"/>
+                <a:cs typeface="Roboto Condensed Light"/>
+                <a:sym typeface="Roboto Condensed Light"/>
+              </a:defRPr>
+            </a:lvl1pPr>
+            <a:lvl2pPr marR="0" lvl="1" algn="l" rtl="0">
+              <a:lnSpc>
+                <a:spcPct val="100000"/>
+              </a:lnSpc>
+              <a:spcBef>
+                <a:spcPts val="0"/>
+              </a:spcBef>
+              <a:spcAft>
+                <a:spcPts val="1000"/>
+              </a:spcAft>
+              <a:buClr>
+                <a:srgbClr val="C7D3E6"/>
+              </a:buClr>
+              <a:buSzPct val="100000"/>
+              <a:buFont typeface="Roboto Condensed Light"/>
+              <a:buChar char="▻"/>
+              <a:defRPr sz="2000" b="0" i="0" u="none" strike="noStrike" cap="none">
+                <a:solidFill>
+                  <a:srgbClr val="263248"/>
+                </a:solidFill>
+                <a:latin typeface="Roboto Condensed Light"/>
+                <a:ea typeface="Roboto Condensed Light"/>
+                <a:cs typeface="Roboto Condensed Light"/>
+                <a:sym typeface="Roboto Condensed Light"/>
+              </a:defRPr>
+            </a:lvl2pPr>
+            <a:lvl3pPr marR="0" lvl="2" algn="l" rtl="0">
+              <a:lnSpc>
+                <a:spcPct val="100000"/>
+              </a:lnSpc>
+              <a:spcBef>
+                <a:spcPts val="0"/>
+              </a:spcBef>
+              <a:spcAft>
+                <a:spcPts val="1000"/>
+              </a:spcAft>
+              <a:buClr>
+                <a:srgbClr val="C7D3E6"/>
+              </a:buClr>
+              <a:buSzPct val="100000"/>
+              <a:buFont typeface="Roboto Condensed Light"/>
+              <a:buChar char="▻"/>
+              <a:defRPr sz="2000" b="0" i="0" u="none" strike="noStrike" cap="none">
+                <a:solidFill>
+                  <a:srgbClr val="263248"/>
+                </a:solidFill>
+                <a:latin typeface="Roboto Condensed Light"/>
+                <a:ea typeface="Roboto Condensed Light"/>
+                <a:cs typeface="Roboto Condensed Light"/>
+                <a:sym typeface="Roboto Condensed Light"/>
+              </a:defRPr>
+            </a:lvl3pPr>
+            <a:lvl4pPr marR="0" lvl="3" algn="l" rtl="0">
+              <a:lnSpc>
+                <a:spcPct val="100000"/>
+              </a:lnSpc>
+              <a:spcBef>
+                <a:spcPts val="0"/>
+              </a:spcBef>
+              <a:spcAft>
+                <a:spcPts val="1000"/>
+              </a:spcAft>
+              <a:buClr>
+                <a:srgbClr val="C7D3E6"/>
+              </a:buClr>
+              <a:buSzPct val="100000"/>
+              <a:buFont typeface="Roboto Condensed Light"/>
+              <a:buChar char="▻"/>
+              <a:defRPr sz="2000" b="0" i="0" u="none" strike="noStrike" cap="none">
+                <a:solidFill>
+                  <a:srgbClr val="263248"/>
+                </a:solidFill>
+                <a:latin typeface="Roboto Condensed Light"/>
+                <a:ea typeface="Roboto Condensed Light"/>
+                <a:cs typeface="Roboto Condensed Light"/>
+                <a:sym typeface="Roboto Condensed Light"/>
+              </a:defRPr>
+            </a:lvl4pPr>
+            <a:lvl5pPr marR="0" lvl="4" algn="l" rtl="0">
+              <a:lnSpc>
+                <a:spcPct val="100000"/>
+              </a:lnSpc>
+              <a:spcBef>
+                <a:spcPts val="0"/>
+              </a:spcBef>
+              <a:spcAft>
+                <a:spcPts val="1000"/>
+              </a:spcAft>
+              <a:buClr>
+                <a:srgbClr val="C7D3E6"/>
+              </a:buClr>
+              <a:buSzPct val="100000"/>
+              <a:buFont typeface="Roboto Condensed Light"/>
+              <a:buChar char="▻"/>
+              <a:defRPr sz="2000" b="0" i="0" u="none" strike="noStrike" cap="none">
+                <a:solidFill>
+                  <a:srgbClr val="263248"/>
+                </a:solidFill>
+                <a:latin typeface="Roboto Condensed Light"/>
+                <a:ea typeface="Roboto Condensed Light"/>
+                <a:cs typeface="Roboto Condensed Light"/>
+                <a:sym typeface="Roboto Condensed Light"/>
+              </a:defRPr>
+            </a:lvl5pPr>
+            <a:lvl6pPr marR="0" lvl="5" algn="l" rtl="0">
+              <a:lnSpc>
+                <a:spcPct val="100000"/>
+              </a:lnSpc>
+              <a:spcBef>
+                <a:spcPts val="0"/>
+              </a:spcBef>
+              <a:spcAft>
+                <a:spcPts val="1000"/>
+              </a:spcAft>
+              <a:buClr>
+                <a:srgbClr val="C7D3E6"/>
+              </a:buClr>
+              <a:buSzPct val="100000"/>
+              <a:buFont typeface="Roboto Condensed Light"/>
+              <a:buChar char="▻"/>
+              <a:defRPr sz="2000" b="0" i="0" u="none" strike="noStrike" cap="none">
+                <a:solidFill>
+                  <a:srgbClr val="263248"/>
+                </a:solidFill>
+                <a:latin typeface="Roboto Condensed Light"/>
+                <a:ea typeface="Roboto Condensed Light"/>
+                <a:cs typeface="Roboto Condensed Light"/>
+                <a:sym typeface="Roboto Condensed Light"/>
+              </a:defRPr>
+            </a:lvl6pPr>
+            <a:lvl7pPr marR="0" lvl="6" algn="l" rtl="0">
+              <a:lnSpc>
+                <a:spcPct val="100000"/>
+              </a:lnSpc>
+              <a:spcBef>
+                <a:spcPts val="0"/>
+              </a:spcBef>
+              <a:spcAft>
+                <a:spcPts val="1000"/>
+              </a:spcAft>
+              <a:buClr>
+                <a:srgbClr val="C7D3E6"/>
+              </a:buClr>
+              <a:buSzPct val="100000"/>
+              <a:buFont typeface="Roboto Condensed Light"/>
+              <a:buChar char="▻"/>
+              <a:defRPr sz="2000" b="0" i="0" u="none" strike="noStrike" cap="none">
+                <a:solidFill>
+                  <a:srgbClr val="263248"/>
+                </a:solidFill>
+                <a:latin typeface="Roboto Condensed Light"/>
+                <a:ea typeface="Roboto Condensed Light"/>
+                <a:cs typeface="Roboto Condensed Light"/>
+                <a:sym typeface="Roboto Condensed Light"/>
+              </a:defRPr>
+            </a:lvl7pPr>
+            <a:lvl8pPr marR="0" lvl="7" algn="l" rtl="0">
+              <a:lnSpc>
+                <a:spcPct val="100000"/>
+              </a:lnSpc>
+              <a:spcBef>
+                <a:spcPts val="0"/>
+              </a:spcBef>
+              <a:spcAft>
+                <a:spcPts val="1000"/>
+              </a:spcAft>
+              <a:buClr>
+                <a:srgbClr val="C7D3E6"/>
+              </a:buClr>
+              <a:buSzPct val="100000"/>
+              <a:buFont typeface="Roboto Condensed Light"/>
+              <a:buChar char="▻"/>
+              <a:defRPr sz="2000" b="0" i="0" u="none" strike="noStrike" cap="none">
+                <a:solidFill>
+                  <a:srgbClr val="263248"/>
+                </a:solidFill>
+                <a:latin typeface="Roboto Condensed Light"/>
+                <a:ea typeface="Roboto Condensed Light"/>
+                <a:cs typeface="Roboto Condensed Light"/>
+                <a:sym typeface="Roboto Condensed Light"/>
+              </a:defRPr>
+            </a:lvl8pPr>
+            <a:lvl9pPr marR="0" lvl="8" algn="l" rtl="0">
+              <a:lnSpc>
+                <a:spcPct val="100000"/>
+              </a:lnSpc>
+              <a:spcBef>
+                <a:spcPts val="0"/>
+              </a:spcBef>
+              <a:spcAft>
+                <a:spcPts val="1000"/>
+              </a:spcAft>
+              <a:buClr>
+                <a:srgbClr val="C7D3E6"/>
+              </a:buClr>
+              <a:buSzPct val="100000"/>
+              <a:buFont typeface="Roboto Condensed Light"/>
+              <a:buChar char="▻"/>
+              <a:defRPr sz="2000" b="0" i="0" u="none" strike="noStrike" cap="none">
+                <a:solidFill>
+                  <a:srgbClr val="263248"/>
+                </a:solidFill>
+                <a:latin typeface="Roboto Condensed Light"/>
+                <a:ea typeface="Roboto Condensed Light"/>
+                <a:cs typeface="Roboto Condensed Light"/>
+                <a:sym typeface="Roboto Condensed Light"/>
+              </a:defRPr>
+            </a:lvl9pPr>
+          </a:lstStyle>
+          <a:p>
+            <a:pPr algn="just"/>
+            <a:r>
+              <a:rPr lang="en-US" dirty="0"/>
+              <a:t>Since its birth in 2005, </a:t>
+            </a:r>
+            <a:r>
+              <a:rPr lang="en-US" dirty="0" err="1"/>
+              <a:t>Git</a:t>
+            </a:r>
+            <a:r>
+              <a:rPr lang="en-US" dirty="0"/>
+              <a:t> has evolved and matured to be easy to use and yet retain these initial qualities. It’s amazingly fast, it’s very efficient with large projects, and it has an incredible branching system for non-linear </a:t>
+            </a:r>
+            <a:r>
+              <a:rPr lang="en-US" dirty="0" smtClean="0"/>
+              <a:t>development.</a:t>
+            </a:r>
+            <a:endParaRPr lang="en-US" dirty="0"/>
+          </a:p>
+        </p:txBody>
+      </p:sp>
+    </p:spTree>
+    <p:extLst>
+      <p:ext uri="{BB962C8B-B14F-4D97-AF65-F5344CB8AC3E}">
+        <p14:creationId xmlns:p14="http://schemas.microsoft.com/office/powerpoint/2010/main" val="3524790405"/>
+      </p:ext>
+    </p:extLst>
+  </p:cSld>
+  <p:clrMapOvr>
+    <a:masterClrMapping/>
+  </p:clrMapOvr>
+  <p:timing>
+    <p:tnLst>
+      <p:par>
+        <p:cTn id="1" dur="indefinite" restart="never" nodeType="tmRoot"/>
+      </p:par>
+    </p:tnLst>
+  </p:timing>
+</p:sld>
+</file>
+
+<file path=ppt/slides/slide80.xml><?xml version="1.0" encoding="utf-8"?>
+<p:sld xmlns:a="http://schemas.openxmlformats.org/drawingml/2006/main" xmlns:r="http://schemas.openxmlformats.org/officeDocument/2006/relationships" xmlns:p="http://schemas.openxmlformats.org/presentationml/2006/main">
+  <p:cSld>
+    <p:spTree>
+      <p:nvGrpSpPr>
+        <p:cNvPr id="1" name=""/>
+        <p:cNvGrpSpPr/>
+        <p:nvPr/>
+      </p:nvGrpSpPr>
+      <p:grpSpPr>
+        <a:xfrm>
+          <a:off x="0" y="0"/>
+          <a:ext cx="0" cy="0"/>
+          <a:chOff x="0" y="0"/>
+          <a:chExt cx="0" cy="0"/>
+        </a:xfrm>
+      </p:grpSpPr>
+      <p:sp>
+        <p:nvSpPr>
+          <p:cNvPr id="2" name="Title 1"/>
+          <p:cNvSpPr>
+            <a:spLocks noGrp="1"/>
+          </p:cNvSpPr>
+          <p:nvPr>
+            <p:ph type="title"/>
+          </p:nvPr>
+        </p:nvSpPr>
+        <p:spPr/>
+        <p:txBody>
+          <a:bodyPr/>
+          <a:lstStyle/>
+          <a:p>
+            <a:r>
+              <a:rPr lang="en-US" dirty="0"/>
+              <a:t>BASIC BRANCHING</a:t>
+            </a:r>
+          </a:p>
+        </p:txBody>
+      </p:sp>
+      <p:sp>
+        <p:nvSpPr>
+          <p:cNvPr id="4" name="Slide Number Placeholder 3"/>
+          <p:cNvSpPr>
+            <a:spLocks noGrp="1"/>
+          </p:cNvSpPr>
+          <p:nvPr>
+            <p:ph type="sldNum" idx="12"/>
+          </p:nvPr>
+        </p:nvSpPr>
+        <p:spPr/>
+        <p:txBody>
+          <a:bodyPr/>
+          <a:lstStyle/>
+          <a:p>
+            <a:pPr lvl="0">
+              <a:spcBef>
+                <a:spcPts val="0"/>
+              </a:spcBef>
+              <a:buNone/>
+            </a:pPr>
+            <a:fld id="{00000000-1234-1234-1234-123412341234}" type="slidenum">
+              <a:rPr lang="en" smtClean="0"/>
+              <a:t>80</a:t>
+            </a:fld>
+            <a:endParaRPr lang="en"/>
+          </a:p>
+        </p:txBody>
+      </p:sp>
+      <p:pic>
+        <p:nvPicPr>
+          <p:cNvPr id="7170" name="Picture 2" descr="Creating a new branch pointer."/>
+          <p:cNvPicPr>
+            <a:picLocks noChangeAspect="1" noChangeArrowheads="1"/>
+          </p:cNvPicPr>
+          <p:nvPr/>
+        </p:nvPicPr>
+        <p:blipFill>
+          <a:blip r:embed="rId2">
+            <a:extLst>
+              <a:ext uri="{28A0092B-C50C-407E-A947-70E740481C1C}">
+                <a14:useLocalDpi xmlns:a14="http://schemas.microsoft.com/office/drawing/2010/main" val="0"/>
+              </a:ext>
+            </a:extLst>
+          </a:blip>
+          <a:srcRect/>
+          <a:stretch>
+            <a:fillRect/>
+          </a:stretch>
+        </p:blipFill>
+        <p:spPr bwMode="auto">
+          <a:xfrm>
+            <a:off x="152400" y="1504950"/>
+            <a:ext cx="6934200" cy="3380423"/>
+          </a:xfrm>
+          <a:prstGeom prst="rect">
+            <a:avLst/>
+          </a:prstGeom>
+          <a:noFill/>
+          <a:extLst>
+            <a:ext uri="{909E8E84-426E-40DD-AFC4-6F175D3DCCD1}">
+              <a14:hiddenFill xmlns:a14="http://schemas.microsoft.com/office/drawing/2010/main">
+                <a:solidFill>
+                  <a:srgbClr val="FFFFFF"/>
+                </a:solidFill>
+              </a14:hiddenFill>
+            </a:ext>
+          </a:extLst>
+        </p:spPr>
+      </p:pic>
+    </p:spTree>
+    <p:extLst>
+      <p:ext uri="{BB962C8B-B14F-4D97-AF65-F5344CB8AC3E}">
+        <p14:creationId xmlns:p14="http://schemas.microsoft.com/office/powerpoint/2010/main" val="2106684317"/>
+      </p:ext>
+    </p:extLst>
+  </p:cSld>
+  <p:clrMapOvr>
+    <a:masterClrMapping/>
+  </p:clrMapOvr>
+</p:sld>
+</file>
+
+<file path=ppt/slides/slide81.xml><?xml version="1.0" encoding="utf-8"?>
+<p:sld xmlns:a="http://schemas.openxmlformats.org/drawingml/2006/main" xmlns:r="http://schemas.openxmlformats.org/officeDocument/2006/relationships" xmlns:p="http://schemas.openxmlformats.org/presentationml/2006/main">
+  <p:cSld>
+    <p:spTree>
+      <p:nvGrpSpPr>
+        <p:cNvPr id="1" name=""/>
+        <p:cNvGrpSpPr/>
+        <p:nvPr/>
+      </p:nvGrpSpPr>
+      <p:grpSpPr>
+        <a:xfrm>
+          <a:off x="0" y="0"/>
+          <a:ext cx="0" cy="0"/>
+          <a:chOff x="0" y="0"/>
+          <a:chExt cx="0" cy="0"/>
+        </a:xfrm>
+      </p:grpSpPr>
+      <p:sp>
+        <p:nvSpPr>
+          <p:cNvPr id="2" name="Title 1"/>
+          <p:cNvSpPr>
+            <a:spLocks noGrp="1"/>
+          </p:cNvSpPr>
+          <p:nvPr>
+            <p:ph type="title"/>
+          </p:nvPr>
+        </p:nvSpPr>
+        <p:spPr/>
+        <p:txBody>
+          <a:bodyPr/>
+          <a:lstStyle/>
+          <a:p>
+            <a:r>
+              <a:rPr lang="en-US" dirty="0"/>
+              <a:t>BASIC BRANCHING</a:t>
+            </a:r>
+          </a:p>
+        </p:txBody>
+      </p:sp>
+      <p:sp>
+        <p:nvSpPr>
+          <p:cNvPr id="4" name="Slide Number Placeholder 3"/>
+          <p:cNvSpPr>
+            <a:spLocks noGrp="1"/>
+          </p:cNvSpPr>
+          <p:nvPr>
+            <p:ph type="sldNum" idx="12"/>
+          </p:nvPr>
+        </p:nvSpPr>
+        <p:spPr/>
+        <p:txBody>
+          <a:bodyPr/>
+          <a:lstStyle/>
+          <a:p>
+            <a:pPr lvl="0">
+              <a:spcBef>
+                <a:spcPts val="0"/>
+              </a:spcBef>
+              <a:buNone/>
+            </a:pPr>
+            <a:fld id="{00000000-1234-1234-1234-123412341234}" type="slidenum">
+              <a:rPr lang="en" smtClean="0"/>
+              <a:t>81</a:t>
+            </a:fld>
+            <a:endParaRPr lang="en"/>
+          </a:p>
+        </p:txBody>
+      </p:sp>
+      <p:pic>
+        <p:nvPicPr>
+          <p:cNvPr id="7170" name="Picture 2" descr="Creating a new branch pointer."/>
+          <p:cNvPicPr>
+            <a:picLocks noChangeAspect="1" noChangeArrowheads="1"/>
+          </p:cNvPicPr>
+          <p:nvPr/>
+        </p:nvPicPr>
+        <p:blipFill>
+          <a:blip r:embed="rId2">
+            <a:extLst>
+              <a:ext uri="{28A0092B-C50C-407E-A947-70E740481C1C}">
+                <a14:useLocalDpi xmlns:a14="http://schemas.microsoft.com/office/drawing/2010/main" val="0"/>
+              </a:ext>
+            </a:extLst>
+          </a:blip>
+          <a:srcRect/>
+          <a:stretch>
+            <a:fillRect/>
+          </a:stretch>
+        </p:blipFill>
+        <p:spPr bwMode="auto">
+          <a:xfrm>
+            <a:off x="152400" y="1504950"/>
+            <a:ext cx="6934200" cy="3380423"/>
+          </a:xfrm>
+          <a:prstGeom prst="rect">
+            <a:avLst/>
+          </a:prstGeom>
+          <a:noFill/>
+          <a:extLst>
+            <a:ext uri="{909E8E84-426E-40DD-AFC4-6F175D3DCCD1}">
+              <a14:hiddenFill xmlns:a14="http://schemas.microsoft.com/office/drawing/2010/main">
+                <a:solidFill>
+                  <a:srgbClr val="FFFFFF"/>
+                </a:solidFill>
+              </a14:hiddenFill>
+            </a:ext>
+          </a:extLst>
+        </p:spPr>
+      </p:pic>
+    </p:spTree>
+    <p:extLst>
+      <p:ext uri="{BB962C8B-B14F-4D97-AF65-F5344CB8AC3E}">
+        <p14:creationId xmlns:p14="http://schemas.microsoft.com/office/powerpoint/2010/main" val="1760162588"/>
+      </p:ext>
+    </p:extLst>
+  </p:cSld>
+  <p:clrMapOvr>
+    <a:masterClrMapping/>
+  </p:clrMapOvr>
+</p:sld>
+</file>
+
+<file path=ppt/slides/slide82.xml><?xml version="1.0" encoding="utf-8"?>
+<p:sld xmlns:a="http://schemas.openxmlformats.org/drawingml/2006/main" xmlns:r="http://schemas.openxmlformats.org/officeDocument/2006/relationships" xmlns:p="http://schemas.openxmlformats.org/presentationml/2006/main">
+  <p:cSld>
+    <p:spTree>
+      <p:nvGrpSpPr>
+        <p:cNvPr id="1" name=""/>
+        <p:cNvGrpSpPr/>
+        <p:nvPr/>
+      </p:nvGrpSpPr>
+      <p:grpSpPr>
+        <a:xfrm>
+          <a:off x="0" y="0"/>
+          <a:ext cx="0" cy="0"/>
+          <a:chOff x="0" y="0"/>
+          <a:chExt cx="0" cy="0"/>
+        </a:xfrm>
+      </p:grpSpPr>
+      <p:sp>
+        <p:nvSpPr>
+          <p:cNvPr id="2" name="Title 1"/>
+          <p:cNvSpPr>
+            <a:spLocks noGrp="1"/>
+          </p:cNvSpPr>
+          <p:nvPr>
+            <p:ph type="title"/>
+          </p:nvPr>
+        </p:nvSpPr>
+        <p:spPr/>
+        <p:txBody>
+          <a:bodyPr/>
+          <a:lstStyle/>
+          <a:p>
+            <a:r>
+              <a:rPr lang="en-US" dirty="0"/>
+              <a:t>BASIC BRANCHING</a:t>
+            </a:r>
+          </a:p>
+        </p:txBody>
+      </p:sp>
+      <p:sp>
+        <p:nvSpPr>
+          <p:cNvPr id="3" name="Text Placeholder 2"/>
+          <p:cNvSpPr>
+            <a:spLocks noGrp="1"/>
+          </p:cNvSpPr>
+          <p:nvPr>
+            <p:ph type="body" idx="1"/>
+          </p:nvPr>
+        </p:nvSpPr>
+        <p:spPr>
+          <a:xfrm>
+            <a:off x="814274" y="1327350"/>
+            <a:ext cx="7643925" cy="3145500"/>
+          </a:xfrm>
+        </p:spPr>
+        <p:txBody>
+          <a:bodyPr/>
+          <a:lstStyle/>
+          <a:p>
+            <a:r>
+              <a:rPr lang="en-US" dirty="0"/>
+              <a:t>You work on your website and do some commits. Doing so moves the iss53 branch forward, because you have it checked out (that is, your HEAD is pointing to it):</a:t>
+            </a:r>
+          </a:p>
+          <a:p>
+            <a:r>
+              <a:rPr lang="en-US" dirty="0"/>
+              <a:t>$ vim index.html </a:t>
+            </a:r>
+            <a:endParaRPr lang="en-US" dirty="0" smtClean="0"/>
+          </a:p>
+          <a:p>
+            <a:r>
+              <a:rPr lang="en-US" dirty="0" smtClean="0"/>
+              <a:t>$ </a:t>
+            </a:r>
+            <a:r>
+              <a:rPr lang="en-US" dirty="0" err="1"/>
+              <a:t>git</a:t>
+            </a:r>
+            <a:r>
+              <a:rPr lang="en-US" dirty="0"/>
+              <a:t> commit -a -m 'added a new footer [issue 53]'</a:t>
+            </a:r>
+          </a:p>
+          <a:p>
+            <a:endParaRPr lang="en-US" dirty="0"/>
+          </a:p>
+        </p:txBody>
+      </p:sp>
+      <p:sp>
+        <p:nvSpPr>
+          <p:cNvPr id="4" name="Slide Number Placeholder 3"/>
+          <p:cNvSpPr>
+            <a:spLocks noGrp="1"/>
+          </p:cNvSpPr>
+          <p:nvPr>
+            <p:ph type="sldNum" idx="12"/>
+          </p:nvPr>
+        </p:nvSpPr>
+        <p:spPr/>
+        <p:txBody>
+          <a:bodyPr/>
+          <a:lstStyle/>
+          <a:p>
+            <a:pPr lvl="0">
+              <a:spcBef>
+                <a:spcPts val="0"/>
+              </a:spcBef>
+              <a:buNone/>
+            </a:pPr>
+            <a:fld id="{00000000-1234-1234-1234-123412341234}" type="slidenum">
+              <a:rPr lang="en" smtClean="0"/>
+              <a:t>82</a:t>
+            </a:fld>
+            <a:endParaRPr lang="en"/>
+          </a:p>
+        </p:txBody>
+      </p:sp>
+    </p:spTree>
+    <p:extLst>
+      <p:ext uri="{BB962C8B-B14F-4D97-AF65-F5344CB8AC3E}">
+        <p14:creationId xmlns:p14="http://schemas.microsoft.com/office/powerpoint/2010/main" val="2259062870"/>
+      </p:ext>
+    </p:extLst>
+  </p:cSld>
+  <p:clrMapOvr>
+    <a:masterClrMapping/>
+  </p:clrMapOvr>
+</p:sld>
+</file>
+
+<file path=ppt/slides/slide83.xml><?xml version="1.0" encoding="utf-8"?>
+<p:sld xmlns:a="http://schemas.openxmlformats.org/drawingml/2006/main" xmlns:r="http://schemas.openxmlformats.org/officeDocument/2006/relationships" xmlns:p="http://schemas.openxmlformats.org/presentationml/2006/main">
+  <p:cSld>
+    <p:spTree>
+      <p:nvGrpSpPr>
+        <p:cNvPr id="1" name=""/>
+        <p:cNvGrpSpPr/>
+        <p:nvPr/>
+      </p:nvGrpSpPr>
+      <p:grpSpPr>
+        <a:xfrm>
+          <a:off x="0" y="0"/>
+          <a:ext cx="0" cy="0"/>
+          <a:chOff x="0" y="0"/>
+          <a:chExt cx="0" cy="0"/>
+        </a:xfrm>
+      </p:grpSpPr>
+      <p:sp>
+        <p:nvSpPr>
+          <p:cNvPr id="2" name="Title 1"/>
+          <p:cNvSpPr>
+            <a:spLocks noGrp="1"/>
+          </p:cNvSpPr>
+          <p:nvPr>
+            <p:ph type="title"/>
+          </p:nvPr>
+        </p:nvSpPr>
+        <p:spPr/>
+        <p:txBody>
+          <a:bodyPr/>
+          <a:lstStyle/>
+          <a:p>
+            <a:r>
+              <a:rPr lang="en-US" dirty="0"/>
+              <a:t>BASIC BRANCHING</a:t>
+            </a:r>
+          </a:p>
+        </p:txBody>
+      </p:sp>
+      <p:sp>
+        <p:nvSpPr>
+          <p:cNvPr id="4" name="Slide Number Placeholder 3"/>
+          <p:cNvSpPr>
+            <a:spLocks noGrp="1"/>
+          </p:cNvSpPr>
+          <p:nvPr>
+            <p:ph type="sldNum" idx="12"/>
+          </p:nvPr>
+        </p:nvSpPr>
+        <p:spPr/>
+        <p:txBody>
+          <a:bodyPr/>
+          <a:lstStyle/>
+          <a:p>
+            <a:pPr lvl="0">
+              <a:spcBef>
+                <a:spcPts val="0"/>
+              </a:spcBef>
+              <a:buNone/>
+            </a:pPr>
+            <a:fld id="{00000000-1234-1234-1234-123412341234}" type="slidenum">
+              <a:rPr lang="en" smtClean="0"/>
+              <a:t>83</a:t>
+            </a:fld>
+            <a:endParaRPr lang="en"/>
+          </a:p>
+        </p:txBody>
+      </p:sp>
+      <p:pic>
+        <p:nvPicPr>
+          <p:cNvPr id="8194" name="Picture 2" descr="The `iss53` branch has moved forward with your work."/>
+          <p:cNvPicPr>
+            <a:picLocks noChangeAspect="1" noChangeArrowheads="1"/>
+          </p:cNvPicPr>
+          <p:nvPr/>
+        </p:nvPicPr>
+        <p:blipFill>
+          <a:blip r:embed="rId2">
+            <a:extLst>
+              <a:ext uri="{28A0092B-C50C-407E-A947-70E740481C1C}">
+                <a14:useLocalDpi xmlns:a14="http://schemas.microsoft.com/office/drawing/2010/main" val="0"/>
+              </a:ext>
+            </a:extLst>
+          </a:blip>
+          <a:srcRect/>
+          <a:stretch>
+            <a:fillRect/>
+          </a:stretch>
+        </p:blipFill>
+        <p:spPr bwMode="auto">
+          <a:xfrm>
+            <a:off x="609600" y="1885950"/>
+            <a:ext cx="7620000" cy="2743201"/>
+          </a:xfrm>
+          <a:prstGeom prst="rect">
+            <a:avLst/>
+          </a:prstGeom>
+          <a:noFill/>
+          <a:extLst>
+            <a:ext uri="{909E8E84-426E-40DD-AFC4-6F175D3DCCD1}">
+              <a14:hiddenFill xmlns:a14="http://schemas.microsoft.com/office/drawing/2010/main">
+                <a:solidFill>
+                  <a:srgbClr val="FFFFFF"/>
+                </a:solidFill>
+              </a14:hiddenFill>
+            </a:ext>
+          </a:extLst>
+        </p:spPr>
+      </p:pic>
+    </p:spTree>
+    <p:extLst>
+      <p:ext uri="{BB962C8B-B14F-4D97-AF65-F5344CB8AC3E}">
+        <p14:creationId xmlns:p14="http://schemas.microsoft.com/office/powerpoint/2010/main" val="111492076"/>
+      </p:ext>
+    </p:extLst>
+  </p:cSld>
+  <p:clrMapOvr>
+    <a:masterClrMapping/>
+  </p:clrMapOvr>
+</p:sld>
+</file>
+
+<file path=ppt/slides/slide84.xml><?xml version="1.0" encoding="utf-8"?>
+<p:sld xmlns:a="http://schemas.openxmlformats.org/drawingml/2006/main" xmlns:r="http://schemas.openxmlformats.org/officeDocument/2006/relationships" xmlns:p="http://schemas.openxmlformats.org/presentationml/2006/main">
+  <p:cSld>
+    <p:spTree>
+      <p:nvGrpSpPr>
+        <p:cNvPr id="1" name=""/>
+        <p:cNvGrpSpPr/>
+        <p:nvPr/>
+      </p:nvGrpSpPr>
+      <p:grpSpPr>
+        <a:xfrm>
+          <a:off x="0" y="0"/>
+          <a:ext cx="0" cy="0"/>
+          <a:chOff x="0" y="0"/>
+          <a:chExt cx="0" cy="0"/>
+        </a:xfrm>
+      </p:grpSpPr>
+      <p:sp>
+        <p:nvSpPr>
+          <p:cNvPr id="2" name="Title 1"/>
+          <p:cNvSpPr>
+            <a:spLocks noGrp="1"/>
+          </p:cNvSpPr>
+          <p:nvPr>
+            <p:ph type="title"/>
+          </p:nvPr>
+        </p:nvSpPr>
+        <p:spPr/>
+        <p:txBody>
+          <a:bodyPr/>
+          <a:lstStyle/>
+          <a:p>
+            <a:r>
+              <a:rPr lang="en-US" dirty="0"/>
+              <a:t>BASIC BRANCHING</a:t>
+            </a:r>
+          </a:p>
+        </p:txBody>
+      </p:sp>
+      <p:sp>
+        <p:nvSpPr>
+          <p:cNvPr id="3" name="Text Placeholder 2"/>
+          <p:cNvSpPr>
+            <a:spLocks noGrp="1"/>
+          </p:cNvSpPr>
+          <p:nvPr>
+            <p:ph type="body" idx="1"/>
+          </p:nvPr>
+        </p:nvSpPr>
+        <p:spPr>
+          <a:xfrm>
+            <a:off x="814274" y="1327350"/>
+            <a:ext cx="7491525" cy="3145500"/>
+          </a:xfrm>
+        </p:spPr>
+        <p:txBody>
+          <a:bodyPr/>
+          <a:lstStyle/>
+          <a:p>
+            <a:pPr>
+              <a:buNone/>
+            </a:pPr>
+            <a:r>
+              <a:rPr lang="en-US" i="1" dirty="0"/>
+              <a:t>Next, you have a hotfix to make. Let’s create a hotfix branch on which to work until it’s completed:</a:t>
+            </a:r>
+          </a:p>
+          <a:p>
+            <a:r>
+              <a:rPr lang="en-US" dirty="0"/>
+              <a:t>$ </a:t>
+            </a:r>
+            <a:r>
+              <a:rPr lang="en-US" dirty="0" err="1"/>
+              <a:t>git</a:t>
+            </a:r>
+            <a:r>
+              <a:rPr lang="en-US" dirty="0"/>
+              <a:t> checkout -b hotfix </a:t>
+            </a:r>
+            <a:endParaRPr lang="en-US" dirty="0" smtClean="0"/>
+          </a:p>
+          <a:p>
+            <a:pPr>
+              <a:buNone/>
+            </a:pPr>
+            <a:r>
+              <a:rPr lang="en-US" i="1" dirty="0" smtClean="0"/>
+              <a:t>Switched </a:t>
+            </a:r>
+            <a:r>
+              <a:rPr lang="en-US" i="1" dirty="0"/>
+              <a:t>to a new branch 'hotfix' </a:t>
+            </a:r>
+            <a:endParaRPr lang="en-US" i="1" dirty="0" smtClean="0"/>
+          </a:p>
+          <a:p>
+            <a:pPr marL="342900" indent="-342900"/>
+            <a:r>
+              <a:rPr lang="en-US" dirty="0" smtClean="0"/>
+              <a:t>$ </a:t>
+            </a:r>
+            <a:r>
+              <a:rPr lang="en-US" dirty="0"/>
+              <a:t>vim index.html </a:t>
+            </a:r>
+            <a:endParaRPr lang="en-US" dirty="0" smtClean="0"/>
+          </a:p>
+          <a:p>
+            <a:pPr marL="342900" indent="-342900"/>
+            <a:r>
+              <a:rPr lang="en-US" dirty="0" smtClean="0"/>
+              <a:t>$ </a:t>
+            </a:r>
+            <a:r>
+              <a:rPr lang="en-US" dirty="0" err="1"/>
+              <a:t>git</a:t>
+            </a:r>
+            <a:r>
+              <a:rPr lang="en-US" dirty="0"/>
+              <a:t> commit -a -m 'fixed the broken email address'</a:t>
+            </a:r>
+            <a:r>
+              <a:rPr lang="en-US" dirty="0"/>
+              <a:t/>
+            </a:r>
+            <a:br>
+              <a:rPr lang="en-US" dirty="0"/>
+            </a:br>
+            <a:endParaRPr lang="en-US" dirty="0"/>
+          </a:p>
+        </p:txBody>
+      </p:sp>
+      <p:sp>
+        <p:nvSpPr>
+          <p:cNvPr id="4" name="Slide Number Placeholder 3"/>
+          <p:cNvSpPr>
+            <a:spLocks noGrp="1"/>
+          </p:cNvSpPr>
+          <p:nvPr>
+            <p:ph type="sldNum" idx="12"/>
+          </p:nvPr>
+        </p:nvSpPr>
+        <p:spPr/>
+        <p:txBody>
+          <a:bodyPr/>
+          <a:lstStyle/>
+          <a:p>
+            <a:pPr lvl="0">
+              <a:spcBef>
+                <a:spcPts val="0"/>
+              </a:spcBef>
+              <a:buNone/>
+            </a:pPr>
+            <a:fld id="{00000000-1234-1234-1234-123412341234}" type="slidenum">
+              <a:rPr lang="en" smtClean="0"/>
+              <a:t>84</a:t>
+            </a:fld>
+            <a:endParaRPr lang="en"/>
+          </a:p>
+        </p:txBody>
+      </p:sp>
+    </p:spTree>
+    <p:extLst>
+      <p:ext uri="{BB962C8B-B14F-4D97-AF65-F5344CB8AC3E}">
+        <p14:creationId xmlns:p14="http://schemas.microsoft.com/office/powerpoint/2010/main" val="1153637586"/>
+      </p:ext>
+    </p:extLst>
+  </p:cSld>
+  <p:clrMapOvr>
+    <a:masterClrMapping/>
+  </p:clrMapOvr>
+</p:sld>
+</file>
+
+<file path=ppt/slides/slide85.xml><?xml version="1.0" encoding="utf-8"?>
+<p:sld xmlns:a="http://schemas.openxmlformats.org/drawingml/2006/main" xmlns:r="http://schemas.openxmlformats.org/officeDocument/2006/relationships" xmlns:p="http://schemas.openxmlformats.org/presentationml/2006/main">
+  <p:cSld>
+    <p:spTree>
+      <p:nvGrpSpPr>
+        <p:cNvPr id="1" name=""/>
+        <p:cNvGrpSpPr/>
+        <p:nvPr/>
+      </p:nvGrpSpPr>
+      <p:grpSpPr>
+        <a:xfrm>
+          <a:off x="0" y="0"/>
+          <a:ext cx="0" cy="0"/>
+          <a:chOff x="0" y="0"/>
+          <a:chExt cx="0" cy="0"/>
+        </a:xfrm>
+      </p:grpSpPr>
+      <p:sp>
+        <p:nvSpPr>
+          <p:cNvPr id="2" name="Title 1"/>
+          <p:cNvSpPr>
+            <a:spLocks noGrp="1"/>
+          </p:cNvSpPr>
+          <p:nvPr>
+            <p:ph type="title"/>
+          </p:nvPr>
+        </p:nvSpPr>
+        <p:spPr/>
+        <p:txBody>
+          <a:bodyPr/>
+          <a:lstStyle/>
+          <a:p>
+            <a:r>
+              <a:rPr lang="en-US" dirty="0"/>
+              <a:t>BASIC BRANCHING</a:t>
+            </a:r>
+          </a:p>
+        </p:txBody>
+      </p:sp>
+      <p:sp>
+        <p:nvSpPr>
+          <p:cNvPr id="4" name="Slide Number Placeholder 3"/>
+          <p:cNvSpPr>
+            <a:spLocks noGrp="1"/>
+          </p:cNvSpPr>
+          <p:nvPr>
+            <p:ph type="sldNum" idx="12"/>
+          </p:nvPr>
+        </p:nvSpPr>
+        <p:spPr/>
+        <p:txBody>
+          <a:bodyPr/>
+          <a:lstStyle/>
+          <a:p>
+            <a:pPr lvl="0">
+              <a:spcBef>
+                <a:spcPts val="0"/>
+              </a:spcBef>
+              <a:buNone/>
+            </a:pPr>
+            <a:fld id="{00000000-1234-1234-1234-123412341234}" type="slidenum">
+              <a:rPr lang="en" smtClean="0"/>
+              <a:t>85</a:t>
+            </a:fld>
+            <a:endParaRPr lang="en"/>
+          </a:p>
+        </p:txBody>
+      </p:sp>
+      <p:pic>
+        <p:nvPicPr>
+          <p:cNvPr id="10242" name="Picture 2" descr="Hotfix branch based on `master`."/>
+          <p:cNvPicPr>
+            <a:picLocks noChangeAspect="1" noChangeArrowheads="1"/>
+          </p:cNvPicPr>
+          <p:nvPr/>
+        </p:nvPicPr>
+        <p:blipFill>
+          <a:blip r:embed="rId2">
+            <a:extLst>
+              <a:ext uri="{28A0092B-C50C-407E-A947-70E740481C1C}">
+                <a14:useLocalDpi xmlns:a14="http://schemas.microsoft.com/office/drawing/2010/main" val="0"/>
+              </a:ext>
+            </a:extLst>
+          </a:blip>
+          <a:srcRect/>
+          <a:stretch>
+            <a:fillRect/>
+          </a:stretch>
+        </p:blipFill>
+        <p:spPr bwMode="auto">
+          <a:xfrm>
+            <a:off x="136284" y="1428750"/>
+            <a:ext cx="6797916" cy="3254503"/>
+          </a:xfrm>
+          <a:prstGeom prst="rect">
+            <a:avLst/>
+          </a:prstGeom>
+          <a:noFill/>
+          <a:extLst>
+            <a:ext uri="{909E8E84-426E-40DD-AFC4-6F175D3DCCD1}">
+              <a14:hiddenFill xmlns:a14="http://schemas.microsoft.com/office/drawing/2010/main">
+                <a:solidFill>
+                  <a:srgbClr val="FFFFFF"/>
+                </a:solidFill>
+              </a14:hiddenFill>
+            </a:ext>
+          </a:extLst>
+        </p:spPr>
+      </p:pic>
+    </p:spTree>
+    <p:extLst>
+      <p:ext uri="{BB962C8B-B14F-4D97-AF65-F5344CB8AC3E}">
+        <p14:creationId xmlns:p14="http://schemas.microsoft.com/office/powerpoint/2010/main" val="1941074781"/>
+      </p:ext>
+    </p:extLst>
+  </p:cSld>
+  <p:clrMapOvr>
+    <a:masterClrMapping/>
+  </p:clrMapOvr>
+</p:sld>
+</file>
+
+<file path=ppt/slides/slide86.xml><?xml version="1.0" encoding="utf-8"?>
+<p:sld xmlns:a="http://schemas.openxmlformats.org/drawingml/2006/main" xmlns:r="http://schemas.openxmlformats.org/officeDocument/2006/relationships" xmlns:p="http://schemas.openxmlformats.org/presentationml/2006/main">
+  <p:cSld>
+    <p:spTree>
+      <p:nvGrpSpPr>
+        <p:cNvPr id="1" name=""/>
+        <p:cNvGrpSpPr/>
+        <p:nvPr/>
+      </p:nvGrpSpPr>
+      <p:grpSpPr>
+        <a:xfrm>
+          <a:off x="0" y="0"/>
+          <a:ext cx="0" cy="0"/>
+          <a:chOff x="0" y="0"/>
+          <a:chExt cx="0" cy="0"/>
+        </a:xfrm>
+      </p:grpSpPr>
+      <p:sp>
+        <p:nvSpPr>
+          <p:cNvPr id="2" name="Title 1"/>
+          <p:cNvSpPr>
+            <a:spLocks noGrp="1"/>
+          </p:cNvSpPr>
+          <p:nvPr>
+            <p:ph type="title"/>
+          </p:nvPr>
+        </p:nvSpPr>
+        <p:spPr/>
+        <p:txBody>
+          <a:bodyPr/>
+          <a:lstStyle/>
+          <a:p>
+            <a:r>
+              <a:rPr lang="en-US" dirty="0"/>
+              <a:t>BASIC BRANCHING</a:t>
+            </a:r>
+          </a:p>
+        </p:txBody>
+      </p:sp>
+      <p:sp>
+        <p:nvSpPr>
+          <p:cNvPr id="3" name="Text Placeholder 2"/>
+          <p:cNvSpPr>
+            <a:spLocks noGrp="1"/>
+          </p:cNvSpPr>
+          <p:nvPr>
+            <p:ph type="body" idx="1"/>
+          </p:nvPr>
+        </p:nvSpPr>
+        <p:spPr/>
+        <p:txBody>
+          <a:bodyPr/>
+          <a:lstStyle/>
+          <a:p>
+            <a:r>
+              <a:rPr lang="sv-SE" dirty="0"/>
+              <a:t>$ git checkout master </a:t>
+            </a:r>
+            <a:endParaRPr lang="sv-SE" dirty="0" smtClean="0"/>
+          </a:p>
+          <a:p>
+            <a:r>
+              <a:rPr lang="sv-SE" dirty="0" smtClean="0"/>
+              <a:t>$ </a:t>
+            </a:r>
+            <a:r>
+              <a:rPr lang="sv-SE" dirty="0"/>
+              <a:t>git merge </a:t>
+            </a:r>
+            <a:r>
+              <a:rPr lang="sv-SE" dirty="0" smtClean="0"/>
+              <a:t>hotfix</a:t>
+            </a:r>
+          </a:p>
+          <a:p>
+            <a:endParaRPr lang="sv-SE" dirty="0"/>
+          </a:p>
+          <a:p>
+            <a:endParaRPr lang="sv-SE" dirty="0" smtClean="0"/>
+          </a:p>
+          <a:p>
+            <a:endParaRPr lang="sv-SE" dirty="0"/>
+          </a:p>
+          <a:p>
+            <a:pPr>
+              <a:buNone/>
+            </a:pPr>
+            <a:endParaRPr lang="en-US" dirty="0"/>
+          </a:p>
+        </p:txBody>
+      </p:sp>
+      <p:sp>
+        <p:nvSpPr>
+          <p:cNvPr id="4" name="Slide Number Placeholder 3"/>
+          <p:cNvSpPr>
+            <a:spLocks noGrp="1"/>
+          </p:cNvSpPr>
+          <p:nvPr>
+            <p:ph type="sldNum" idx="12"/>
+          </p:nvPr>
+        </p:nvSpPr>
+        <p:spPr/>
+        <p:txBody>
+          <a:bodyPr/>
+          <a:lstStyle/>
+          <a:p>
+            <a:pPr lvl="0">
+              <a:spcBef>
+                <a:spcPts val="0"/>
+              </a:spcBef>
+              <a:buNone/>
+            </a:pPr>
+            <a:fld id="{00000000-1234-1234-1234-123412341234}" type="slidenum">
+              <a:rPr lang="en" smtClean="0"/>
+              <a:t>86</a:t>
+            </a:fld>
+            <a:endParaRPr lang="en"/>
+          </a:p>
+        </p:txBody>
+      </p:sp>
+    </p:spTree>
+    <p:extLst>
+      <p:ext uri="{BB962C8B-B14F-4D97-AF65-F5344CB8AC3E}">
+        <p14:creationId xmlns:p14="http://schemas.microsoft.com/office/powerpoint/2010/main" val="1716143699"/>
+      </p:ext>
+    </p:extLst>
+  </p:cSld>
+  <p:clrMapOvr>
+    <a:masterClrMapping/>
+  </p:clrMapOvr>
+</p:sld>
+</file>
+
+<file path=ppt/slides/slide87.xml><?xml version="1.0" encoding="utf-8"?>
+<p:sld xmlns:a="http://schemas.openxmlformats.org/drawingml/2006/main" xmlns:r="http://schemas.openxmlformats.org/officeDocument/2006/relationships" xmlns:p="http://schemas.openxmlformats.org/presentationml/2006/main">
+  <p:cSld>
+    <p:spTree>
+      <p:nvGrpSpPr>
+        <p:cNvPr id="1" name=""/>
+        <p:cNvGrpSpPr/>
+        <p:nvPr/>
+      </p:nvGrpSpPr>
+      <p:grpSpPr>
+        <a:xfrm>
+          <a:off x="0" y="0"/>
+          <a:ext cx="0" cy="0"/>
+          <a:chOff x="0" y="0"/>
+          <a:chExt cx="0" cy="0"/>
+        </a:xfrm>
+      </p:grpSpPr>
+      <p:sp>
+        <p:nvSpPr>
+          <p:cNvPr id="2" name="Title 1"/>
+          <p:cNvSpPr>
+            <a:spLocks noGrp="1"/>
+          </p:cNvSpPr>
+          <p:nvPr>
+            <p:ph type="title"/>
+          </p:nvPr>
+        </p:nvSpPr>
+        <p:spPr/>
+        <p:txBody>
+          <a:bodyPr/>
+          <a:lstStyle/>
+          <a:p>
+            <a:r>
+              <a:rPr lang="en-US" dirty="0"/>
+              <a:t>BASIC BRANCHING</a:t>
+            </a:r>
+          </a:p>
+        </p:txBody>
+      </p:sp>
+      <p:sp>
+        <p:nvSpPr>
+          <p:cNvPr id="4" name="Slide Number Placeholder 3"/>
+          <p:cNvSpPr>
+            <a:spLocks noGrp="1"/>
+          </p:cNvSpPr>
+          <p:nvPr>
+            <p:ph type="sldNum" idx="12"/>
+          </p:nvPr>
+        </p:nvSpPr>
+        <p:spPr/>
+        <p:txBody>
+          <a:bodyPr/>
+          <a:lstStyle/>
+          <a:p>
+            <a:pPr lvl="0">
+              <a:spcBef>
+                <a:spcPts val="0"/>
+              </a:spcBef>
+              <a:buNone/>
+            </a:pPr>
+            <a:fld id="{00000000-1234-1234-1234-123412341234}" type="slidenum">
+              <a:rPr lang="en" smtClean="0"/>
+              <a:t>87</a:t>
+            </a:fld>
+            <a:endParaRPr lang="en"/>
+          </a:p>
+        </p:txBody>
+      </p:sp>
+      <p:pic>
+        <p:nvPicPr>
+          <p:cNvPr id="11266" name="Picture 2" descr="`master` is fast-forwarded to `hotfix`."/>
+          <p:cNvPicPr>
+            <a:picLocks noChangeAspect="1" noChangeArrowheads="1"/>
+          </p:cNvPicPr>
+          <p:nvPr/>
+        </p:nvPicPr>
+        <p:blipFill>
+          <a:blip r:embed="rId2">
+            <a:extLst>
+              <a:ext uri="{28A0092B-C50C-407E-A947-70E740481C1C}">
+                <a14:useLocalDpi xmlns:a14="http://schemas.microsoft.com/office/drawing/2010/main" val="0"/>
+              </a:ext>
+            </a:extLst>
+          </a:blip>
+          <a:srcRect/>
+          <a:stretch>
+            <a:fillRect/>
+          </a:stretch>
+        </p:blipFill>
+        <p:spPr bwMode="auto">
+          <a:xfrm>
+            <a:off x="326985" y="1311363"/>
+            <a:ext cx="6324600" cy="3794760"/>
+          </a:xfrm>
+          <a:prstGeom prst="rect">
+            <a:avLst/>
+          </a:prstGeom>
+          <a:noFill/>
+          <a:extLst>
+            <a:ext uri="{909E8E84-426E-40DD-AFC4-6F175D3DCCD1}">
+              <a14:hiddenFill xmlns:a14="http://schemas.microsoft.com/office/drawing/2010/main">
+                <a:solidFill>
+                  <a:srgbClr val="FFFFFF"/>
+                </a:solidFill>
+              </a14:hiddenFill>
+            </a:ext>
+          </a:extLst>
+        </p:spPr>
+      </p:pic>
+    </p:spTree>
+    <p:extLst>
+      <p:ext uri="{BB962C8B-B14F-4D97-AF65-F5344CB8AC3E}">
+        <p14:creationId xmlns:p14="http://schemas.microsoft.com/office/powerpoint/2010/main" val="3862194895"/>
+      </p:ext>
+    </p:extLst>
+  </p:cSld>
+  <p:clrMapOvr>
+    <a:masterClrMapping/>
+  </p:clrMapOvr>
+</p:sld>
+</file>
+
+<file path=ppt/slides/slide88.xml><?xml version="1.0" encoding="utf-8"?>
+<p:sld xmlns:a="http://schemas.openxmlformats.org/drawingml/2006/main" xmlns:r="http://schemas.openxmlformats.org/officeDocument/2006/relationships" xmlns:p="http://schemas.openxmlformats.org/presentationml/2006/main">
+  <p:cSld>
+    <p:spTree>
+      <p:nvGrpSpPr>
+        <p:cNvPr id="1" name=""/>
+        <p:cNvGrpSpPr/>
+        <p:nvPr/>
+      </p:nvGrpSpPr>
+      <p:grpSpPr>
+        <a:xfrm>
+          <a:off x="0" y="0"/>
+          <a:ext cx="0" cy="0"/>
+          <a:chOff x="0" y="0"/>
+          <a:chExt cx="0" cy="0"/>
+        </a:xfrm>
+      </p:grpSpPr>
+      <p:sp>
+        <p:nvSpPr>
+          <p:cNvPr id="2" name="Title 1"/>
+          <p:cNvSpPr>
+            <a:spLocks noGrp="1"/>
+          </p:cNvSpPr>
+          <p:nvPr>
+            <p:ph type="title"/>
+          </p:nvPr>
+        </p:nvSpPr>
+        <p:spPr/>
+        <p:txBody>
+          <a:bodyPr/>
+          <a:lstStyle/>
+          <a:p>
+            <a:r>
+              <a:rPr lang="en-US" dirty="0"/>
+              <a:t>BASIC BRANCHING</a:t>
+            </a:r>
+          </a:p>
+        </p:txBody>
+      </p:sp>
+      <p:sp>
+        <p:nvSpPr>
+          <p:cNvPr id="3" name="Text Placeholder 2"/>
+          <p:cNvSpPr>
+            <a:spLocks noGrp="1"/>
+          </p:cNvSpPr>
+          <p:nvPr>
+            <p:ph type="body" idx="1"/>
+          </p:nvPr>
+        </p:nvSpPr>
+        <p:spPr>
+          <a:xfrm>
+            <a:off x="381000" y="1657350"/>
+            <a:ext cx="7567725" cy="3145500"/>
+          </a:xfrm>
+        </p:spPr>
+        <p:txBody>
+          <a:bodyPr/>
+          <a:lstStyle/>
+          <a:p>
+            <a:r>
+              <a:rPr lang="en-US" dirty="0"/>
+              <a:t>$ </a:t>
+            </a:r>
+            <a:r>
+              <a:rPr lang="en-US" dirty="0" err="1"/>
+              <a:t>git</a:t>
+            </a:r>
+            <a:r>
+              <a:rPr lang="en-US" dirty="0"/>
+              <a:t> branch -d hotfix </a:t>
+            </a:r>
+            <a:br>
+              <a:rPr lang="en-US" dirty="0"/>
+            </a:br>
+            <a:r>
+              <a:rPr lang="en-US" dirty="0"/>
+              <a:t>Deleted branch hotfix (3a0874c).</a:t>
+            </a:r>
+          </a:p>
+          <a:p>
+            <a:pPr>
+              <a:buNone/>
+            </a:pPr>
+            <a:r>
+              <a:rPr lang="en-US" dirty="0"/>
+              <a:t>Now you can switch back to your work-in-progress branch on issue #53 and continue working on it.</a:t>
+            </a:r>
+          </a:p>
+          <a:p>
+            <a:r>
+              <a:rPr lang="en-US" dirty="0"/>
+              <a:t>$ </a:t>
+            </a:r>
+            <a:r>
+              <a:rPr lang="en-US" dirty="0" err="1"/>
+              <a:t>git</a:t>
+            </a:r>
+            <a:r>
+              <a:rPr lang="en-US" dirty="0"/>
+              <a:t> checkout iss53 </a:t>
+            </a:r>
+            <a:endParaRPr lang="en-US" dirty="0" smtClean="0"/>
+          </a:p>
+          <a:p>
+            <a:r>
+              <a:rPr lang="en-US" dirty="0" smtClean="0"/>
+              <a:t>Switched </a:t>
+            </a:r>
+            <a:r>
+              <a:rPr lang="en-US" dirty="0"/>
+              <a:t>to branch "iss53" </a:t>
+            </a:r>
+            <a:endParaRPr lang="en-US" dirty="0" smtClean="0"/>
+          </a:p>
+          <a:p>
+            <a:r>
+              <a:rPr lang="en-US" dirty="0" smtClean="0"/>
+              <a:t>$ </a:t>
+            </a:r>
+            <a:r>
+              <a:rPr lang="en-US" dirty="0"/>
+              <a:t>vim index.html </a:t>
+            </a:r>
+            <a:endParaRPr lang="en-US" dirty="0" smtClean="0"/>
+          </a:p>
+          <a:p>
+            <a:r>
+              <a:rPr lang="en-US" dirty="0" smtClean="0"/>
+              <a:t>$ </a:t>
+            </a:r>
+            <a:r>
+              <a:rPr lang="en-US" dirty="0" err="1"/>
+              <a:t>git</a:t>
+            </a:r>
+            <a:r>
+              <a:rPr lang="en-US" dirty="0"/>
+              <a:t> commit -a -m 'finished the new footer [issue 53]'</a:t>
+            </a:r>
+            <a:r>
+              <a:rPr lang="en-US" dirty="0"/>
+              <a:t/>
+            </a:r>
+            <a:br>
+              <a:rPr lang="en-US" dirty="0"/>
+            </a:br>
+            <a:endParaRPr lang="en-US" dirty="0"/>
+          </a:p>
+        </p:txBody>
+      </p:sp>
+      <p:sp>
+        <p:nvSpPr>
+          <p:cNvPr id="4" name="Slide Number Placeholder 3"/>
+          <p:cNvSpPr>
+            <a:spLocks noGrp="1"/>
+          </p:cNvSpPr>
+          <p:nvPr>
+            <p:ph type="sldNum" idx="12"/>
+          </p:nvPr>
+        </p:nvSpPr>
+        <p:spPr/>
+        <p:txBody>
+          <a:bodyPr/>
+          <a:lstStyle/>
+          <a:p>
+            <a:pPr lvl="0">
+              <a:spcBef>
+                <a:spcPts val="0"/>
+              </a:spcBef>
+              <a:buNone/>
+            </a:pPr>
+            <a:fld id="{00000000-1234-1234-1234-123412341234}" type="slidenum">
+              <a:rPr lang="en" smtClean="0"/>
+              <a:t>88</a:t>
+            </a:fld>
+            <a:endParaRPr lang="en"/>
+          </a:p>
+        </p:txBody>
+      </p:sp>
+    </p:spTree>
+    <p:extLst>
+      <p:ext uri="{BB962C8B-B14F-4D97-AF65-F5344CB8AC3E}">
+        <p14:creationId xmlns:p14="http://schemas.microsoft.com/office/powerpoint/2010/main" val="1023809622"/>
+      </p:ext>
+    </p:extLst>
+  </p:cSld>
+  <p:clrMapOvr>
+    <a:masterClrMapping/>
+  </p:clrMapOvr>
+</p:sld>
+</file>
+
+<file path=ppt/slides/slide89.xml><?xml version="1.0" encoding="utf-8"?>
+<p:sld xmlns:a="http://schemas.openxmlformats.org/drawingml/2006/main" xmlns:r="http://schemas.openxmlformats.org/officeDocument/2006/relationships" xmlns:p="http://schemas.openxmlformats.org/presentationml/2006/main">
+  <p:cSld>
+    <p:spTree>
+      <p:nvGrpSpPr>
+        <p:cNvPr id="1" name=""/>
+        <p:cNvGrpSpPr/>
+        <p:nvPr/>
+      </p:nvGrpSpPr>
+      <p:grpSpPr>
+        <a:xfrm>
+          <a:off x="0" y="0"/>
+          <a:ext cx="0" cy="0"/>
+          <a:chOff x="0" y="0"/>
+          <a:chExt cx="0" cy="0"/>
+        </a:xfrm>
+      </p:grpSpPr>
+      <p:sp>
+        <p:nvSpPr>
+          <p:cNvPr id="2" name="Title 1"/>
+          <p:cNvSpPr>
+            <a:spLocks noGrp="1"/>
+          </p:cNvSpPr>
+          <p:nvPr>
+            <p:ph type="title"/>
+          </p:nvPr>
+        </p:nvSpPr>
+        <p:spPr/>
+        <p:txBody>
+          <a:bodyPr/>
+          <a:lstStyle/>
+          <a:p>
+            <a:r>
+              <a:rPr lang="en-US" dirty="0"/>
+              <a:t>BASIC</a:t>
+            </a:r>
+          </a:p>
+        </p:txBody>
+      </p:sp>
+      <p:sp>
+        <p:nvSpPr>
+          <p:cNvPr id="4" name="Slide Number Placeholder 3"/>
+          <p:cNvSpPr>
+            <a:spLocks noGrp="1"/>
+          </p:cNvSpPr>
+          <p:nvPr>
+            <p:ph type="sldNum" idx="12"/>
+          </p:nvPr>
+        </p:nvSpPr>
+        <p:spPr/>
+        <p:txBody>
+          <a:bodyPr/>
+          <a:lstStyle/>
+          <a:p>
+            <a:pPr lvl="0">
+              <a:spcBef>
+                <a:spcPts val="0"/>
+              </a:spcBef>
+              <a:buNone/>
+            </a:pPr>
+            <a:fld id="{00000000-1234-1234-1234-123412341234}" type="slidenum">
+              <a:rPr lang="en" smtClean="0"/>
+              <a:t>89</a:t>
+            </a:fld>
+            <a:endParaRPr lang="en"/>
+          </a:p>
+        </p:txBody>
+      </p:sp>
+      <p:pic>
+        <p:nvPicPr>
+          <p:cNvPr id="12290" name="Picture 2" descr="Work continues on `iss53`."/>
+          <p:cNvPicPr>
+            <a:picLocks noChangeAspect="1" noChangeArrowheads="1"/>
+          </p:cNvPicPr>
+          <p:nvPr/>
+        </p:nvPicPr>
+        <p:blipFill>
+          <a:blip r:embed="rId2">
+            <a:extLst>
+              <a:ext uri="{28A0092B-C50C-407E-A947-70E740481C1C}">
+                <a14:useLocalDpi xmlns:a14="http://schemas.microsoft.com/office/drawing/2010/main" val="0"/>
+              </a:ext>
+            </a:extLst>
+          </a:blip>
+          <a:srcRect/>
+          <a:stretch>
+            <a:fillRect/>
+          </a:stretch>
+        </p:blipFill>
+        <p:spPr bwMode="auto">
+          <a:xfrm>
+            <a:off x="134073" y="1428750"/>
+            <a:ext cx="7028727" cy="3347431"/>
+          </a:xfrm>
+          <a:prstGeom prst="rect">
+            <a:avLst/>
+          </a:prstGeom>
+          <a:noFill/>
+          <a:extLst>
+            <a:ext uri="{909E8E84-426E-40DD-AFC4-6F175D3DCCD1}">
+              <a14:hiddenFill xmlns:a14="http://schemas.microsoft.com/office/drawing/2010/main">
+                <a:solidFill>
+                  <a:srgbClr val="FFFFFF"/>
+                </a:solidFill>
+              </a14:hiddenFill>
+            </a:ext>
+          </a:extLst>
+        </p:spPr>
+      </p:pic>
+    </p:spTree>
+    <p:extLst>
+      <p:ext uri="{BB962C8B-B14F-4D97-AF65-F5344CB8AC3E}">
+        <p14:creationId xmlns:p14="http://schemas.microsoft.com/office/powerpoint/2010/main" val="2287638071"/>
+      </p:ext>
+    </p:extLst>
+  </p:cSld>
+  <p:clrMapOvr>
+    <a:masterClrMapping/>
+  </p:clrMapOvr>
+</p:sld>
+</file>
+
+<file path=ppt/slides/slide9.xml><?xml version="1.0" encoding="utf-8"?>
+<p:sld xmlns:a="http://schemas.openxmlformats.org/drawingml/2006/main" xmlns:r="http://schemas.openxmlformats.org/officeDocument/2006/relationships" xmlns:p="http://schemas.openxmlformats.org/presentationml/2006/main">
+  <p:cSld>
+    <p:spTree>
+      <p:nvGrpSpPr>
+        <p:cNvPr id="1" name=""/>
+        <p:cNvGrpSpPr/>
+        <p:nvPr/>
+      </p:nvGrpSpPr>
+      <p:grpSpPr>
+        <a:xfrm>
+          <a:off x="0" y="0"/>
+          <a:ext cx="0" cy="0"/>
+          <a:chOff x="0" y="0"/>
+          <a:chExt cx="0" cy="0"/>
+        </a:xfrm>
+      </p:grpSpPr>
+      <p:sp>
+        <p:nvSpPr>
+          <p:cNvPr id="2" name="Title 1"/>
+          <p:cNvSpPr>
+            <a:spLocks noGrp="1"/>
+          </p:cNvSpPr>
+          <p:nvPr>
+            <p:ph type="title"/>
+          </p:nvPr>
+        </p:nvSpPr>
+        <p:spPr/>
+        <p:txBody>
+          <a:bodyPr/>
+          <a:lstStyle/>
+          <a:p>
+            <a:r>
+              <a:rPr lang="en-US" sz="2400" dirty="0"/>
+              <a:t>A Short History of </a:t>
+            </a:r>
+            <a:r>
+              <a:rPr lang="en-US" sz="2400" dirty="0" err="1" smtClean="0"/>
+              <a:t>Git</a:t>
+            </a:r>
+            <a:endParaRPr lang="en-US" sz="2400" dirty="0"/>
+          </a:p>
+        </p:txBody>
+      </p:sp>
+      <p:sp>
+        <p:nvSpPr>
+          <p:cNvPr id="5" name="Slide Number Placeholder 4"/>
+          <p:cNvSpPr>
+            <a:spLocks noGrp="1"/>
+          </p:cNvSpPr>
+          <p:nvPr>
+            <p:ph type="sldNum" idx="12"/>
+          </p:nvPr>
+        </p:nvSpPr>
+        <p:spPr/>
+        <p:txBody>
+          <a:bodyPr/>
+          <a:lstStyle/>
+          <a:p>
+            <a:pPr lvl="0">
+              <a:spcBef>
+                <a:spcPts val="0"/>
+              </a:spcBef>
+              <a:buNone/>
+            </a:pPr>
+            <a:fld id="{00000000-1234-1234-1234-123412341234}" type="slidenum">
+              <a:rPr lang="en" smtClean="0"/>
+              <a:t>9</a:t>
+            </a:fld>
+            <a:endParaRPr lang="en"/>
+          </a:p>
+        </p:txBody>
+      </p:sp>
+      <p:sp>
+        <p:nvSpPr>
+          <p:cNvPr id="6" name="Text Placeholder 2">
+            <a:extLst>
+              <a:ext uri="{FF2B5EF4-FFF2-40B4-BE49-F238E27FC236}">
+                <a16:creationId xmlns:a16="http://schemas.microsoft.com/office/drawing/2014/main" xmlns="" id="{BCC204B9-DFA1-4491-83BA-272E5E5E14B8}"/>
+              </a:ext>
+            </a:extLst>
+          </p:cNvPr>
+          <p:cNvSpPr txBox="1">
+            <a:spLocks/>
+          </p:cNvSpPr>
+          <p:nvPr/>
+        </p:nvSpPr>
+        <p:spPr>
+          <a:xfrm>
+            <a:off x="228600" y="1581150"/>
+            <a:ext cx="8839200" cy="2724300"/>
+          </a:xfrm>
+          <a:prstGeom prst="rect">
+            <a:avLst/>
+          </a:prstGeom>
+          <a:noFill/>
+          <a:ln>
+            <a:noFill/>
+          </a:ln>
+        </p:spPr>
+        <p:txBody>
+          <a:bodyPr wrap="square" lIns="91425" tIns="91425" rIns="91425" bIns="91425" anchor="t" anchorCtr="0"/>
+          <a:lstStyle>
+            <a:defPPr marR="0" lvl="0" algn="l" rtl="0">
+              <a:lnSpc>
+                <a:spcPct val="100000"/>
+              </a:lnSpc>
+              <a:spcBef>
+                <a:spcPts val="0"/>
+              </a:spcBef>
+              <a:spcAft>
+                <a:spcPts val="0"/>
+              </a:spcAft>
+            </a:defPPr>
+            <a:lvl1pPr marR="0" lvl="0" algn="l" rtl="0">
+              <a:lnSpc>
+                <a:spcPct val="100000"/>
+              </a:lnSpc>
+              <a:spcBef>
+                <a:spcPts val="0"/>
+              </a:spcBef>
+              <a:spcAft>
+                <a:spcPts val="1000"/>
+              </a:spcAft>
+              <a:buClr>
+                <a:srgbClr val="C7D3E6"/>
+              </a:buClr>
+              <a:buSzPct val="100000"/>
+              <a:buFont typeface="Roboto Condensed Light"/>
+              <a:buChar char="▰"/>
+              <a:defRPr sz="2000" b="0" i="0" u="none" strike="noStrike" cap="none">
+                <a:solidFill>
+                  <a:srgbClr val="263248"/>
+                </a:solidFill>
+                <a:latin typeface="Roboto Condensed Light"/>
+                <a:ea typeface="Roboto Condensed Light"/>
+                <a:cs typeface="Roboto Condensed Light"/>
+                <a:sym typeface="Roboto Condensed Light"/>
+              </a:defRPr>
+            </a:lvl1pPr>
+            <a:lvl2pPr marR="0" lvl="1" algn="l" rtl="0">
+              <a:lnSpc>
+                <a:spcPct val="100000"/>
+              </a:lnSpc>
+              <a:spcBef>
+                <a:spcPts val="0"/>
+              </a:spcBef>
+              <a:spcAft>
+                <a:spcPts val="1000"/>
+              </a:spcAft>
+              <a:buClr>
+                <a:srgbClr val="C7D3E6"/>
+              </a:buClr>
+              <a:buSzPct val="100000"/>
+              <a:buFont typeface="Roboto Condensed Light"/>
+              <a:buChar char="▻"/>
+              <a:defRPr sz="2000" b="0" i="0" u="none" strike="noStrike" cap="none">
+                <a:solidFill>
+                  <a:srgbClr val="263248"/>
+                </a:solidFill>
+                <a:latin typeface="Roboto Condensed Light"/>
+                <a:ea typeface="Roboto Condensed Light"/>
+                <a:cs typeface="Roboto Condensed Light"/>
+                <a:sym typeface="Roboto Condensed Light"/>
+              </a:defRPr>
+            </a:lvl2pPr>
+            <a:lvl3pPr marR="0" lvl="2" algn="l" rtl="0">
+              <a:lnSpc>
+                <a:spcPct val="100000"/>
+              </a:lnSpc>
+              <a:spcBef>
+                <a:spcPts val="0"/>
+              </a:spcBef>
+              <a:spcAft>
+                <a:spcPts val="1000"/>
+              </a:spcAft>
+              <a:buClr>
+                <a:srgbClr val="C7D3E6"/>
+              </a:buClr>
+              <a:buSzPct val="100000"/>
+              <a:buFont typeface="Roboto Condensed Light"/>
+              <a:buChar char="▻"/>
+              <a:defRPr sz="2000" b="0" i="0" u="none" strike="noStrike" cap="none">
+                <a:solidFill>
+                  <a:srgbClr val="263248"/>
+                </a:solidFill>
+                <a:latin typeface="Roboto Condensed Light"/>
+                <a:ea typeface="Roboto Condensed Light"/>
+                <a:cs typeface="Roboto Condensed Light"/>
+                <a:sym typeface="Roboto Condensed Light"/>
+              </a:defRPr>
+            </a:lvl3pPr>
+            <a:lvl4pPr marR="0" lvl="3" algn="l" rtl="0">
+              <a:lnSpc>
+                <a:spcPct val="100000"/>
+              </a:lnSpc>
+              <a:spcBef>
+                <a:spcPts val="0"/>
+              </a:spcBef>
+              <a:spcAft>
+                <a:spcPts val="1000"/>
+              </a:spcAft>
+              <a:buClr>
+                <a:srgbClr val="C7D3E6"/>
+              </a:buClr>
+              <a:buSzPct val="100000"/>
+              <a:buFont typeface="Roboto Condensed Light"/>
+              <a:buChar char="▻"/>
+              <a:defRPr sz="2000" b="0" i="0" u="none" strike="noStrike" cap="none">
+                <a:solidFill>
+                  <a:srgbClr val="263248"/>
+                </a:solidFill>
+                <a:latin typeface="Roboto Condensed Light"/>
+                <a:ea typeface="Roboto Condensed Light"/>
+                <a:cs typeface="Roboto Condensed Light"/>
+                <a:sym typeface="Roboto Condensed Light"/>
+              </a:defRPr>
+            </a:lvl4pPr>
+            <a:lvl5pPr marR="0" lvl="4" algn="l" rtl="0">
+              <a:lnSpc>
+                <a:spcPct val="100000"/>
+              </a:lnSpc>
+              <a:spcBef>
+                <a:spcPts val="0"/>
+              </a:spcBef>
+              <a:spcAft>
+                <a:spcPts val="1000"/>
+              </a:spcAft>
+              <a:buClr>
+                <a:srgbClr val="C7D3E6"/>
+              </a:buClr>
+              <a:buSzPct val="100000"/>
+              <a:buFont typeface="Roboto Condensed Light"/>
+              <a:buChar char="▻"/>
+              <a:defRPr sz="2000" b="0" i="0" u="none" strike="noStrike" cap="none">
+                <a:solidFill>
+                  <a:srgbClr val="263248"/>
+                </a:solidFill>
+                <a:latin typeface="Roboto Condensed Light"/>
+                <a:ea typeface="Roboto Condensed Light"/>
+                <a:cs typeface="Roboto Condensed Light"/>
+                <a:sym typeface="Roboto Condensed Light"/>
+              </a:defRPr>
+            </a:lvl5pPr>
+            <a:lvl6pPr marR="0" lvl="5" algn="l" rtl="0">
+              <a:lnSpc>
+                <a:spcPct val="100000"/>
+              </a:lnSpc>
+              <a:spcBef>
+                <a:spcPts val="0"/>
+              </a:spcBef>
+              <a:spcAft>
+                <a:spcPts val="1000"/>
+              </a:spcAft>
+              <a:buClr>
+                <a:srgbClr val="C7D3E6"/>
+              </a:buClr>
+              <a:buSzPct val="100000"/>
+              <a:buFont typeface="Roboto Condensed Light"/>
+              <a:buChar char="▻"/>
+              <a:defRPr sz="2000" b="0" i="0" u="none" strike="noStrike" cap="none">
+                <a:solidFill>
+                  <a:srgbClr val="263248"/>
+                </a:solidFill>
+                <a:latin typeface="Roboto Condensed Light"/>
+                <a:ea typeface="Roboto Condensed Light"/>
+                <a:cs typeface="Roboto Condensed Light"/>
+                <a:sym typeface="Roboto Condensed Light"/>
+              </a:defRPr>
+            </a:lvl6pPr>
+            <a:lvl7pPr marR="0" lvl="6" algn="l" rtl="0">
+              <a:lnSpc>
+                <a:spcPct val="100000"/>
+              </a:lnSpc>
+              <a:spcBef>
+                <a:spcPts val="0"/>
+              </a:spcBef>
+              <a:spcAft>
+                <a:spcPts val="1000"/>
+              </a:spcAft>
+              <a:buClr>
+                <a:srgbClr val="C7D3E6"/>
+              </a:buClr>
+              <a:buSzPct val="100000"/>
+              <a:buFont typeface="Roboto Condensed Light"/>
+              <a:buChar char="▻"/>
+              <a:defRPr sz="2000" b="0" i="0" u="none" strike="noStrike" cap="none">
+                <a:solidFill>
+                  <a:srgbClr val="263248"/>
+                </a:solidFill>
+                <a:latin typeface="Roboto Condensed Light"/>
+                <a:ea typeface="Roboto Condensed Light"/>
+                <a:cs typeface="Roboto Condensed Light"/>
+                <a:sym typeface="Roboto Condensed Light"/>
+              </a:defRPr>
+            </a:lvl7pPr>
+            <a:lvl8pPr marR="0" lvl="7" algn="l" rtl="0">
+              <a:lnSpc>
+                <a:spcPct val="100000"/>
+              </a:lnSpc>
+              <a:spcBef>
+                <a:spcPts val="0"/>
+              </a:spcBef>
+              <a:spcAft>
+                <a:spcPts val="1000"/>
+              </a:spcAft>
+              <a:buClr>
+                <a:srgbClr val="C7D3E6"/>
+              </a:buClr>
+              <a:buSzPct val="100000"/>
+              <a:buFont typeface="Roboto Condensed Light"/>
+              <a:buChar char="▻"/>
+              <a:defRPr sz="2000" b="0" i="0" u="none" strike="noStrike" cap="none">
+                <a:solidFill>
+                  <a:srgbClr val="263248"/>
+                </a:solidFill>
+                <a:latin typeface="Roboto Condensed Light"/>
+                <a:ea typeface="Roboto Condensed Light"/>
+                <a:cs typeface="Roboto Condensed Light"/>
+                <a:sym typeface="Roboto Condensed Light"/>
+              </a:defRPr>
+            </a:lvl8pPr>
+            <a:lvl9pPr marR="0" lvl="8" algn="l" rtl="0">
+              <a:lnSpc>
+                <a:spcPct val="100000"/>
+              </a:lnSpc>
+              <a:spcBef>
+                <a:spcPts val="0"/>
+              </a:spcBef>
+              <a:spcAft>
+                <a:spcPts val="1000"/>
+              </a:spcAft>
+              <a:buClr>
+                <a:srgbClr val="C7D3E6"/>
+              </a:buClr>
+              <a:buSzPct val="100000"/>
+              <a:buFont typeface="Roboto Condensed Light"/>
+              <a:buChar char="▻"/>
+              <a:defRPr sz="2000" b="0" i="0" u="none" strike="noStrike" cap="none">
+                <a:solidFill>
+                  <a:srgbClr val="263248"/>
+                </a:solidFill>
+                <a:latin typeface="Roboto Condensed Light"/>
+                <a:ea typeface="Roboto Condensed Light"/>
+                <a:cs typeface="Roboto Condensed Light"/>
+                <a:sym typeface="Roboto Condensed Light"/>
+              </a:defRPr>
+            </a:lvl9pPr>
+          </a:lstStyle>
+          <a:p>
+            <a:r>
+              <a:rPr lang="en-US" dirty="0" smtClean="0"/>
+              <a:t>Speed</a:t>
+            </a:r>
+          </a:p>
+          <a:p>
+            <a:r>
+              <a:rPr lang="en-US" dirty="0" smtClean="0"/>
+              <a:t>Simple design</a:t>
+            </a:r>
+          </a:p>
+          <a:p>
+            <a:r>
+              <a:rPr lang="en-US" dirty="0" smtClean="0"/>
+              <a:t>Strong support for non-linear development (thousands of parallel branches)</a:t>
+            </a:r>
+          </a:p>
+          <a:p>
+            <a:r>
+              <a:rPr lang="en-US" dirty="0" smtClean="0"/>
+              <a:t>Fully distributed</a:t>
+            </a:r>
+          </a:p>
+          <a:p>
+            <a:r>
+              <a:rPr lang="en-US" dirty="0" smtClean="0"/>
+              <a:t>Able to handle large projects like the Linux kernel efficiently (speed and data size)</a:t>
+            </a:r>
+            <a:endParaRPr lang="en-US" dirty="0"/>
+          </a:p>
+        </p:txBody>
+      </p:sp>
+    </p:spTree>
+    <p:extLst>
+      <p:ext uri="{BB962C8B-B14F-4D97-AF65-F5344CB8AC3E}">
+        <p14:creationId xmlns:p14="http://schemas.microsoft.com/office/powerpoint/2010/main" val="1917808831"/>
+      </p:ext>
+    </p:extLst>
+  </p:cSld>
+  <p:clrMapOvr>
+    <a:masterClrMapping/>
+  </p:clrMapOvr>
+  <p:timing>
+    <p:tnLst>
+      <p:par>
+        <p:cTn id="1" dur="indefinite" restart="never" nodeType="tmRoot"/>
+      </p:par>
+    </p:tnLst>
+  </p:timing>
+</p:sld>
+</file>
+
+<file path=ppt/slides/slide90.xml><?xml version="1.0" encoding="utf-8"?>
+<p:sld xmlns:a="http://schemas.openxmlformats.org/drawingml/2006/main" xmlns:r="http://schemas.openxmlformats.org/officeDocument/2006/relationships" xmlns:p="http://schemas.openxmlformats.org/presentationml/2006/main">
+  <p:cSld>
+    <p:spTree>
+      <p:nvGrpSpPr>
+        <p:cNvPr id="1" name=""/>
+        <p:cNvGrpSpPr/>
+        <p:nvPr/>
+      </p:nvGrpSpPr>
+      <p:grpSpPr>
+        <a:xfrm>
+          <a:off x="0" y="0"/>
+          <a:ext cx="0" cy="0"/>
+          <a:chOff x="0" y="0"/>
+          <a:chExt cx="0" cy="0"/>
+        </a:xfrm>
+      </p:grpSpPr>
+      <p:sp>
+        <p:nvSpPr>
+          <p:cNvPr id="2" name="Title 1"/>
+          <p:cNvSpPr>
+            <a:spLocks noGrp="1"/>
+          </p:cNvSpPr>
+          <p:nvPr>
+            <p:ph type="title"/>
+          </p:nvPr>
+        </p:nvSpPr>
+        <p:spPr/>
+        <p:txBody>
+          <a:bodyPr/>
+          <a:lstStyle/>
+          <a:p>
+            <a:r>
+              <a:rPr lang="en-US" dirty="0"/>
+              <a:t>Basic </a:t>
+            </a:r>
+            <a:r>
+              <a:rPr lang="en-US" dirty="0" smtClean="0"/>
+              <a:t>Merging</a:t>
+            </a:r>
+            <a:endParaRPr lang="en-US" dirty="0"/>
+          </a:p>
+        </p:txBody>
+      </p:sp>
+      <p:sp>
+        <p:nvSpPr>
+          <p:cNvPr id="3" name="Text Placeholder 2"/>
+          <p:cNvSpPr>
+            <a:spLocks noGrp="1"/>
+          </p:cNvSpPr>
+          <p:nvPr>
+            <p:ph type="body" idx="1"/>
+          </p:nvPr>
+        </p:nvSpPr>
+        <p:spPr>
+          <a:xfrm>
+            <a:off x="814274" y="1327350"/>
+            <a:ext cx="7948725" cy="3606600"/>
+          </a:xfrm>
+        </p:spPr>
+        <p:txBody>
+          <a:bodyPr/>
+          <a:lstStyle/>
+          <a:p>
+            <a:r>
+              <a:rPr lang="en-US" dirty="0"/>
+              <a:t>Suppose you’ve decided that your </a:t>
+            </a:r>
+            <a:r>
+              <a:rPr lang="en-US" b="1" dirty="0"/>
+              <a:t>issue</a:t>
+            </a:r>
+            <a:r>
+              <a:rPr lang="en-US" dirty="0"/>
+              <a:t> #53 work is complete and ready to be merged into your </a:t>
+            </a:r>
+            <a:r>
+              <a:rPr lang="en-US" dirty="0" smtClean="0"/>
+              <a:t>master branch</a:t>
+            </a:r>
+            <a:r>
+              <a:rPr lang="en-US" dirty="0"/>
+              <a:t>. </a:t>
+            </a:r>
+            <a:endParaRPr lang="en-US" dirty="0" smtClean="0"/>
+          </a:p>
+          <a:p>
+            <a:r>
+              <a:rPr lang="en-US" dirty="0" smtClean="0"/>
+              <a:t>In </a:t>
+            </a:r>
+            <a:r>
+              <a:rPr lang="en-US" dirty="0"/>
+              <a:t>order to do that, you’ll merge your </a:t>
+            </a:r>
+            <a:r>
+              <a:rPr lang="en-US" b="1" dirty="0"/>
+              <a:t>iss53</a:t>
+            </a:r>
+            <a:r>
+              <a:rPr lang="en-US" dirty="0"/>
+              <a:t> branch into </a:t>
+            </a:r>
+            <a:r>
+              <a:rPr lang="en-US" b="1" dirty="0"/>
+              <a:t>master</a:t>
+            </a:r>
+            <a:r>
+              <a:rPr lang="en-US" dirty="0"/>
+              <a:t>, much like you merged your hotfix branch earlier. </a:t>
+            </a:r>
+            <a:endParaRPr lang="en-US" dirty="0" smtClean="0"/>
+          </a:p>
+          <a:p>
+            <a:r>
+              <a:rPr lang="en-US" dirty="0" smtClean="0"/>
+              <a:t>All </a:t>
+            </a:r>
+            <a:r>
+              <a:rPr lang="en-US" dirty="0"/>
+              <a:t>you have to do is check out the branch you wish to merge into and then run the </a:t>
+            </a:r>
+            <a:r>
+              <a:rPr lang="en-US" dirty="0" err="1"/>
+              <a:t>git</a:t>
+            </a:r>
+            <a:r>
+              <a:rPr lang="en-US" dirty="0"/>
+              <a:t> </a:t>
+            </a:r>
+            <a:r>
+              <a:rPr lang="en-US" b="1" dirty="0"/>
+              <a:t>merge</a:t>
+            </a:r>
+            <a:r>
+              <a:rPr lang="en-US" dirty="0"/>
+              <a:t> command:</a:t>
+            </a:r>
+          </a:p>
+          <a:p>
+            <a:r>
+              <a:rPr lang="en-US" dirty="0"/>
+              <a:t/>
+            </a:r>
+            <a:br>
+              <a:rPr lang="en-US" dirty="0"/>
+            </a:br>
+            <a:endParaRPr lang="en-US" dirty="0"/>
+          </a:p>
+        </p:txBody>
+      </p:sp>
+      <p:sp>
+        <p:nvSpPr>
+          <p:cNvPr id="4" name="Slide Number Placeholder 3"/>
+          <p:cNvSpPr>
+            <a:spLocks noGrp="1"/>
+          </p:cNvSpPr>
+          <p:nvPr>
+            <p:ph type="sldNum" idx="12"/>
+          </p:nvPr>
+        </p:nvSpPr>
+        <p:spPr/>
+        <p:txBody>
+          <a:bodyPr/>
+          <a:lstStyle/>
+          <a:p>
+            <a:pPr lvl="0">
+              <a:spcBef>
+                <a:spcPts val="0"/>
+              </a:spcBef>
+              <a:buNone/>
+            </a:pPr>
+            <a:fld id="{00000000-1234-1234-1234-123412341234}" type="slidenum">
+              <a:rPr lang="en" smtClean="0"/>
+              <a:t>90</a:t>
+            </a:fld>
+            <a:endParaRPr lang="en"/>
+          </a:p>
+        </p:txBody>
+      </p:sp>
+    </p:spTree>
+    <p:extLst>
+      <p:ext uri="{BB962C8B-B14F-4D97-AF65-F5344CB8AC3E}">
+        <p14:creationId xmlns:p14="http://schemas.microsoft.com/office/powerpoint/2010/main" val="2276128170"/>
+      </p:ext>
+    </p:extLst>
+  </p:cSld>
+  <p:clrMapOvr>
+    <a:masterClrMapping/>
+  </p:clrMapOvr>
+</p:sld>
+</file>
+
+<file path=ppt/slides/slide91.xml><?xml version="1.0" encoding="utf-8"?>
+<p:sld xmlns:a="http://schemas.openxmlformats.org/drawingml/2006/main" xmlns:r="http://schemas.openxmlformats.org/officeDocument/2006/relationships" xmlns:p="http://schemas.openxmlformats.org/presentationml/2006/main">
+  <p:cSld>
+    <p:spTree>
+      <p:nvGrpSpPr>
+        <p:cNvPr id="1" name=""/>
+        <p:cNvGrpSpPr/>
+        <p:nvPr/>
+      </p:nvGrpSpPr>
+      <p:grpSpPr>
+        <a:xfrm>
+          <a:off x="0" y="0"/>
+          <a:ext cx="0" cy="0"/>
+          <a:chOff x="0" y="0"/>
+          <a:chExt cx="0" cy="0"/>
+        </a:xfrm>
+      </p:grpSpPr>
+      <p:sp>
+        <p:nvSpPr>
+          <p:cNvPr id="2" name="Title 1"/>
+          <p:cNvSpPr>
+            <a:spLocks noGrp="1"/>
+          </p:cNvSpPr>
+          <p:nvPr>
+            <p:ph type="title"/>
+          </p:nvPr>
+        </p:nvSpPr>
+        <p:spPr/>
+        <p:txBody>
+          <a:bodyPr/>
+          <a:lstStyle/>
+          <a:p>
+            <a:r>
+              <a:rPr lang="en-US" dirty="0"/>
+              <a:t>Basic </a:t>
+            </a:r>
+            <a:r>
+              <a:rPr lang="en-US" dirty="0" smtClean="0"/>
+              <a:t>Merging</a:t>
+            </a:r>
+            <a:endParaRPr lang="en-US" dirty="0"/>
+          </a:p>
+        </p:txBody>
+      </p:sp>
+      <p:sp>
+        <p:nvSpPr>
+          <p:cNvPr id="4" name="Slide Number Placeholder 3"/>
+          <p:cNvSpPr>
+            <a:spLocks noGrp="1"/>
+          </p:cNvSpPr>
+          <p:nvPr>
+            <p:ph type="sldNum" idx="12"/>
+          </p:nvPr>
+        </p:nvSpPr>
+        <p:spPr/>
+        <p:txBody>
+          <a:bodyPr/>
+          <a:lstStyle/>
+          <a:p>
+            <a:pPr lvl="0">
+              <a:spcBef>
+                <a:spcPts val="0"/>
+              </a:spcBef>
+              <a:buNone/>
+            </a:pPr>
+            <a:fld id="{00000000-1234-1234-1234-123412341234}" type="slidenum">
+              <a:rPr lang="en" smtClean="0"/>
+              <a:t>91</a:t>
+            </a:fld>
+            <a:endParaRPr lang="en"/>
+          </a:p>
+        </p:txBody>
+      </p:sp>
+      <p:pic>
+        <p:nvPicPr>
+          <p:cNvPr id="13314" name="Picture 2" descr="Three snapshots used in a typical merge."/>
+          <p:cNvPicPr>
+            <a:picLocks noChangeAspect="1" noChangeArrowheads="1"/>
+          </p:cNvPicPr>
+          <p:nvPr/>
+        </p:nvPicPr>
+        <p:blipFill>
+          <a:blip r:embed="rId2">
+            <a:extLst>
+              <a:ext uri="{28A0092B-C50C-407E-A947-70E740481C1C}">
+                <a14:useLocalDpi xmlns:a14="http://schemas.microsoft.com/office/drawing/2010/main" val="0"/>
+              </a:ext>
+            </a:extLst>
+          </a:blip>
+          <a:srcRect/>
+          <a:stretch>
+            <a:fillRect/>
+          </a:stretch>
+        </p:blipFill>
+        <p:spPr bwMode="auto">
+          <a:xfrm>
+            <a:off x="228600" y="971550"/>
+            <a:ext cx="7620000" cy="3629025"/>
+          </a:xfrm>
+          <a:prstGeom prst="rect">
+            <a:avLst/>
+          </a:prstGeom>
+          <a:noFill/>
+          <a:extLst>
+            <a:ext uri="{909E8E84-426E-40DD-AFC4-6F175D3DCCD1}">
+              <a14:hiddenFill xmlns:a14="http://schemas.microsoft.com/office/drawing/2010/main">
+                <a:solidFill>
+                  <a:srgbClr val="FFFFFF"/>
+                </a:solidFill>
+              </a14:hiddenFill>
+            </a:ext>
+          </a:extLst>
+        </p:spPr>
+      </p:pic>
+    </p:spTree>
+    <p:extLst>
+      <p:ext uri="{BB962C8B-B14F-4D97-AF65-F5344CB8AC3E}">
+        <p14:creationId xmlns:p14="http://schemas.microsoft.com/office/powerpoint/2010/main" val="448286871"/>
+      </p:ext>
+    </p:extLst>
+  </p:cSld>
+  <p:clrMapOvr>
+    <a:masterClrMapping/>
+  </p:clrMapOvr>
+</p:sld>
+</file>
+
+<file path=ppt/slides/slide92.xml><?xml version="1.0" encoding="utf-8"?>
+<p:sld xmlns:a="http://schemas.openxmlformats.org/drawingml/2006/main" xmlns:r="http://schemas.openxmlformats.org/officeDocument/2006/relationships" xmlns:p="http://schemas.openxmlformats.org/presentationml/2006/main">
+  <p:cSld>
+    <p:spTree>
+      <p:nvGrpSpPr>
+        <p:cNvPr id="1" name=""/>
+        <p:cNvGrpSpPr/>
+        <p:nvPr/>
+      </p:nvGrpSpPr>
+      <p:grpSpPr>
+        <a:xfrm>
+          <a:off x="0" y="0"/>
+          <a:ext cx="0" cy="0"/>
+          <a:chOff x="0" y="0"/>
+          <a:chExt cx="0" cy="0"/>
+        </a:xfrm>
+      </p:grpSpPr>
+      <p:sp>
+        <p:nvSpPr>
+          <p:cNvPr id="2" name="Title 1"/>
+          <p:cNvSpPr>
+            <a:spLocks noGrp="1"/>
+          </p:cNvSpPr>
+          <p:nvPr>
+            <p:ph type="title"/>
+          </p:nvPr>
+        </p:nvSpPr>
+        <p:spPr/>
+        <p:txBody>
+          <a:bodyPr/>
+          <a:lstStyle/>
+          <a:p>
+            <a:r>
+              <a:rPr lang="en-US" dirty="0"/>
+              <a:t>Basic </a:t>
+            </a:r>
+            <a:r>
+              <a:rPr lang="en-US" dirty="0" smtClean="0"/>
+              <a:t>Merging</a:t>
+            </a:r>
+            <a:endParaRPr lang="en-US" dirty="0"/>
+          </a:p>
+        </p:txBody>
+      </p:sp>
+      <p:sp>
+        <p:nvSpPr>
+          <p:cNvPr id="4" name="Slide Number Placeholder 3"/>
+          <p:cNvSpPr>
+            <a:spLocks noGrp="1"/>
+          </p:cNvSpPr>
+          <p:nvPr>
+            <p:ph type="sldNum" idx="12"/>
+          </p:nvPr>
+        </p:nvSpPr>
+        <p:spPr/>
+        <p:txBody>
+          <a:bodyPr/>
+          <a:lstStyle/>
+          <a:p>
+            <a:pPr lvl="0">
+              <a:spcBef>
+                <a:spcPts val="0"/>
+              </a:spcBef>
+              <a:buNone/>
+            </a:pPr>
+            <a:fld id="{00000000-1234-1234-1234-123412341234}" type="slidenum">
+              <a:rPr lang="en" smtClean="0"/>
+              <a:t>92</a:t>
+            </a:fld>
+            <a:endParaRPr lang="en"/>
+          </a:p>
+        </p:txBody>
+      </p:sp>
+      <p:pic>
+        <p:nvPicPr>
+          <p:cNvPr id="13314" name="Picture 2" descr="Three snapshots used in a typical merge."/>
+          <p:cNvPicPr>
+            <a:picLocks noChangeAspect="1" noChangeArrowheads="1"/>
+          </p:cNvPicPr>
+          <p:nvPr/>
+        </p:nvPicPr>
+        <p:blipFill>
+          <a:blip r:embed="rId2">
+            <a:extLst>
+              <a:ext uri="{28A0092B-C50C-407E-A947-70E740481C1C}">
+                <a14:useLocalDpi xmlns:a14="http://schemas.microsoft.com/office/drawing/2010/main" val="0"/>
+              </a:ext>
+            </a:extLst>
+          </a:blip>
+          <a:srcRect/>
+          <a:stretch>
+            <a:fillRect/>
+          </a:stretch>
+        </p:blipFill>
+        <p:spPr bwMode="auto">
+          <a:xfrm>
+            <a:off x="228600" y="971550"/>
+            <a:ext cx="7620000" cy="3629025"/>
+          </a:xfrm>
+          <a:prstGeom prst="rect">
+            <a:avLst/>
+          </a:prstGeom>
+          <a:noFill/>
+          <a:extLst>
+            <a:ext uri="{909E8E84-426E-40DD-AFC4-6F175D3DCCD1}">
+              <a14:hiddenFill xmlns:a14="http://schemas.microsoft.com/office/drawing/2010/main">
+                <a:solidFill>
+                  <a:srgbClr val="FFFFFF"/>
+                </a:solidFill>
+              </a14:hiddenFill>
+            </a:ext>
+          </a:extLst>
+        </p:spPr>
+      </p:pic>
+    </p:spTree>
+    <p:extLst>
+      <p:ext uri="{BB962C8B-B14F-4D97-AF65-F5344CB8AC3E}">
+        <p14:creationId xmlns:p14="http://schemas.microsoft.com/office/powerpoint/2010/main" val="2218987124"/>
+      </p:ext>
+    </p:extLst>
+  </p:cSld>
+  <p:clrMapOvr>
+    <a:masterClrMapping/>
+  </p:clrMapOvr>
+</p:sld>
+</file>
+
+<file path=ppt/slides/slide93.xml><?xml version="1.0" encoding="utf-8"?>
+<p:sld xmlns:a="http://schemas.openxmlformats.org/drawingml/2006/main" xmlns:r="http://schemas.openxmlformats.org/officeDocument/2006/relationships" xmlns:p="http://schemas.openxmlformats.org/presentationml/2006/main">
+  <p:cSld>
+    <p:spTree>
+      <p:nvGrpSpPr>
+        <p:cNvPr id="1" name=""/>
+        <p:cNvGrpSpPr/>
+        <p:nvPr/>
+      </p:nvGrpSpPr>
+      <p:grpSpPr>
+        <a:xfrm>
+          <a:off x="0" y="0"/>
+          <a:ext cx="0" cy="0"/>
+          <a:chOff x="0" y="0"/>
+          <a:chExt cx="0" cy="0"/>
+        </a:xfrm>
+      </p:grpSpPr>
+      <p:sp>
+        <p:nvSpPr>
+          <p:cNvPr id="2" name="Title 1"/>
+          <p:cNvSpPr>
+            <a:spLocks noGrp="1"/>
+          </p:cNvSpPr>
+          <p:nvPr>
+            <p:ph type="title"/>
+          </p:nvPr>
+        </p:nvSpPr>
+        <p:spPr/>
+        <p:txBody>
+          <a:bodyPr/>
+          <a:lstStyle/>
+          <a:p>
+            <a:r>
+              <a:rPr lang="en-US" dirty="0"/>
+              <a:t>Basic </a:t>
+            </a:r>
+            <a:r>
+              <a:rPr lang="en-US" dirty="0" smtClean="0"/>
+              <a:t>Merging</a:t>
+            </a:r>
+            <a:endParaRPr lang="en-US" dirty="0"/>
+          </a:p>
+        </p:txBody>
+      </p:sp>
+      <p:sp>
+        <p:nvSpPr>
+          <p:cNvPr id="4" name="Slide Number Placeholder 3"/>
+          <p:cNvSpPr>
+            <a:spLocks noGrp="1"/>
+          </p:cNvSpPr>
+          <p:nvPr>
+            <p:ph type="sldNum" idx="12"/>
+          </p:nvPr>
+        </p:nvSpPr>
+        <p:spPr/>
+        <p:txBody>
+          <a:bodyPr/>
+          <a:lstStyle/>
+          <a:p>
+            <a:pPr lvl="0">
+              <a:spcBef>
+                <a:spcPts val="0"/>
+              </a:spcBef>
+              <a:buNone/>
+            </a:pPr>
+            <a:fld id="{00000000-1234-1234-1234-123412341234}" type="slidenum">
+              <a:rPr lang="en" smtClean="0"/>
+              <a:t>93</a:t>
+            </a:fld>
+            <a:endParaRPr lang="en"/>
+          </a:p>
+        </p:txBody>
+      </p:sp>
+      <p:pic>
+        <p:nvPicPr>
+          <p:cNvPr id="14338" name="Picture 2" descr="A merge commit."/>
+          <p:cNvPicPr>
+            <a:picLocks noChangeAspect="1" noChangeArrowheads="1"/>
+          </p:cNvPicPr>
+          <p:nvPr/>
+        </p:nvPicPr>
+        <p:blipFill>
+          <a:blip r:embed="rId2">
+            <a:extLst>
+              <a:ext uri="{28A0092B-C50C-407E-A947-70E740481C1C}">
+                <a14:useLocalDpi xmlns:a14="http://schemas.microsoft.com/office/drawing/2010/main" val="0"/>
+              </a:ext>
+            </a:extLst>
+          </a:blip>
+          <a:srcRect/>
+          <a:stretch>
+            <a:fillRect/>
+          </a:stretch>
+        </p:blipFill>
+        <p:spPr bwMode="auto">
+          <a:xfrm>
+            <a:off x="304800" y="1516504"/>
+            <a:ext cx="7620000" cy="3009901"/>
+          </a:xfrm>
+          <a:prstGeom prst="rect">
+            <a:avLst/>
+          </a:prstGeom>
+          <a:noFill/>
+          <a:extLst>
+            <a:ext uri="{909E8E84-426E-40DD-AFC4-6F175D3DCCD1}">
+              <a14:hiddenFill xmlns:a14="http://schemas.microsoft.com/office/drawing/2010/main">
+                <a:solidFill>
+                  <a:srgbClr val="FFFFFF"/>
+                </a:solidFill>
+              </a14:hiddenFill>
+            </a:ext>
+          </a:extLst>
+        </p:spPr>
+      </p:pic>
+    </p:spTree>
+    <p:extLst>
+      <p:ext uri="{BB962C8B-B14F-4D97-AF65-F5344CB8AC3E}">
+        <p14:creationId xmlns:p14="http://schemas.microsoft.com/office/powerpoint/2010/main" val="2217617011"/>
+      </p:ext>
+    </p:extLst>
+  </p:cSld>
+  <p:clrMapOvr>
+    <a:masterClrMapping/>
+  </p:clrMapOvr>
+</p:sld>
+</file>
+
+<file path=ppt/slides/slide94.xml><?xml version="1.0" encoding="utf-8"?>
+<p:sld xmlns:a="http://schemas.openxmlformats.org/drawingml/2006/main" xmlns:r="http://schemas.openxmlformats.org/officeDocument/2006/relationships" xmlns:p="http://schemas.openxmlformats.org/presentationml/2006/main">
+  <p:cSld>
+    <p:spTree>
+      <p:nvGrpSpPr>
+        <p:cNvPr id="1" name=""/>
+        <p:cNvGrpSpPr/>
+        <p:nvPr/>
+      </p:nvGrpSpPr>
+      <p:grpSpPr>
+        <a:xfrm>
+          <a:off x="0" y="0"/>
+          <a:ext cx="0" cy="0"/>
+          <a:chOff x="0" y="0"/>
+          <a:chExt cx="0" cy="0"/>
+        </a:xfrm>
+      </p:grpSpPr>
+      <p:sp>
+        <p:nvSpPr>
+          <p:cNvPr id="2" name="Title 1"/>
+          <p:cNvSpPr>
+            <a:spLocks noGrp="1"/>
+          </p:cNvSpPr>
+          <p:nvPr>
+            <p:ph type="title"/>
+          </p:nvPr>
+        </p:nvSpPr>
+        <p:spPr/>
+        <p:txBody>
+          <a:bodyPr/>
+          <a:lstStyle/>
+          <a:p>
+            <a:r>
+              <a:rPr lang="en-US" dirty="0"/>
+              <a:t>Basic Merging</a:t>
+            </a:r>
+          </a:p>
+        </p:txBody>
+      </p:sp>
+      <p:sp>
+        <p:nvSpPr>
+          <p:cNvPr id="3" name="Text Placeholder 2"/>
+          <p:cNvSpPr>
+            <a:spLocks noGrp="1"/>
+          </p:cNvSpPr>
+          <p:nvPr>
+            <p:ph type="body" idx="1"/>
+          </p:nvPr>
+        </p:nvSpPr>
+        <p:spPr/>
+        <p:txBody>
+          <a:bodyPr/>
+          <a:lstStyle/>
+          <a:p>
+            <a:pPr>
+              <a:buNone/>
+            </a:pPr>
+            <a:r>
+              <a:rPr lang="en-US" dirty="0"/>
+              <a:t>Now that your work is merged in, you have no further need for the iss53 branch. You can close the ticket in your ticket-tracking system, and delete the branch:</a:t>
+            </a:r>
+          </a:p>
+          <a:p>
+            <a:pPr marL="342900" indent="-342900"/>
+            <a:r>
+              <a:rPr lang="en-US" dirty="0" smtClean="0"/>
+              <a:t>$ </a:t>
+            </a:r>
+            <a:r>
+              <a:rPr lang="en-US" dirty="0" err="1"/>
+              <a:t>git</a:t>
+            </a:r>
+            <a:r>
+              <a:rPr lang="en-US" dirty="0"/>
+              <a:t> branch -d </a:t>
+            </a:r>
+            <a:r>
+              <a:rPr lang="en-US" dirty="0" smtClean="0"/>
+              <a:t>iss53</a:t>
+            </a:r>
+            <a:r>
+              <a:rPr lang="en-US" dirty="0"/>
+              <a:t/>
+            </a:r>
+            <a:br>
+              <a:rPr lang="en-US" dirty="0"/>
+            </a:br>
+            <a:endParaRPr lang="en-US" dirty="0"/>
+          </a:p>
+        </p:txBody>
+      </p:sp>
+      <p:sp>
+        <p:nvSpPr>
+          <p:cNvPr id="4" name="Slide Number Placeholder 3"/>
+          <p:cNvSpPr>
+            <a:spLocks noGrp="1"/>
+          </p:cNvSpPr>
+          <p:nvPr>
+            <p:ph type="sldNum" idx="12"/>
+          </p:nvPr>
+        </p:nvSpPr>
+        <p:spPr/>
+        <p:txBody>
+          <a:bodyPr/>
+          <a:lstStyle/>
+          <a:p>
+            <a:pPr lvl="0">
+              <a:spcBef>
+                <a:spcPts val="0"/>
+              </a:spcBef>
+              <a:buNone/>
+            </a:pPr>
+            <a:fld id="{00000000-1234-1234-1234-123412341234}" type="slidenum">
+              <a:rPr lang="en" smtClean="0"/>
+              <a:t>94</a:t>
+            </a:fld>
+            <a:endParaRPr lang="en"/>
+          </a:p>
+        </p:txBody>
+      </p:sp>
+    </p:spTree>
+    <p:extLst>
+      <p:ext uri="{BB962C8B-B14F-4D97-AF65-F5344CB8AC3E}">
+        <p14:creationId xmlns:p14="http://schemas.microsoft.com/office/powerpoint/2010/main" val="431776041"/>
+      </p:ext>
+    </p:extLst>
+  </p:cSld>
+  <p:clrMapOvr>
+    <a:masterClrMapping/>
+  </p:clrMapOvr>
+</p:sld>
+</file>
+
+<file path=ppt/slides/slide95.xml><?xml version="1.0" encoding="utf-8"?>
+<p:sld xmlns:a="http://schemas.openxmlformats.org/drawingml/2006/main" xmlns:r="http://schemas.openxmlformats.org/officeDocument/2006/relationships" xmlns:p="http://schemas.openxmlformats.org/presentationml/2006/main">
+  <p:cSld>
+    <p:spTree>
+      <p:nvGrpSpPr>
+        <p:cNvPr id="1" name=""/>
+        <p:cNvGrpSpPr/>
+        <p:nvPr/>
+      </p:nvGrpSpPr>
+      <p:grpSpPr>
+        <a:xfrm>
+          <a:off x="0" y="0"/>
+          <a:ext cx="0" cy="0"/>
+          <a:chOff x="0" y="0"/>
+          <a:chExt cx="0" cy="0"/>
+        </a:xfrm>
+      </p:grpSpPr>
+      <p:sp>
+        <p:nvSpPr>
+          <p:cNvPr id="2" name="Title 1"/>
+          <p:cNvSpPr>
+            <a:spLocks noGrp="1"/>
+          </p:cNvSpPr>
+          <p:nvPr>
+            <p:ph type="title"/>
+          </p:nvPr>
+        </p:nvSpPr>
+        <p:spPr/>
+        <p:txBody>
+          <a:bodyPr/>
+          <a:lstStyle/>
+          <a:p>
+            <a:r>
+              <a:rPr lang="en-US"/>
+              <a:t>Basic </a:t>
+            </a:r>
+            <a:r>
+              <a:rPr lang="en-US"/>
+              <a:t>Merge </a:t>
+            </a:r>
+            <a:r>
+              <a:rPr lang="en-US" smtClean="0"/>
+              <a:t>Conflicts</a:t>
+            </a:r>
+            <a:endParaRPr lang="en-US" dirty="0"/>
+          </a:p>
+        </p:txBody>
+      </p:sp>
+      <p:sp>
+        <p:nvSpPr>
+          <p:cNvPr id="3" name="Text Placeholder 2"/>
+          <p:cNvSpPr>
+            <a:spLocks noGrp="1"/>
+          </p:cNvSpPr>
+          <p:nvPr>
+            <p:ph type="body" idx="1"/>
+          </p:nvPr>
+        </p:nvSpPr>
+        <p:spPr/>
+        <p:txBody>
+          <a:bodyPr/>
+          <a:lstStyle/>
+          <a:p>
+            <a:pPr>
+              <a:buNone/>
+            </a:pPr>
+            <a:r>
+              <a:rPr lang="en-US" dirty="0"/>
+              <a:t>Now that your work is merged in, you have no further need for the iss53 branch. You can close the ticket in your ticket-tracking system, and delete the branch:</a:t>
+            </a:r>
+          </a:p>
+          <a:p>
+            <a:pPr marL="342900" indent="-342900"/>
+            <a:r>
+              <a:rPr lang="en-US" dirty="0" smtClean="0"/>
+              <a:t>$ </a:t>
+            </a:r>
+            <a:r>
+              <a:rPr lang="en-US" dirty="0" err="1"/>
+              <a:t>git</a:t>
+            </a:r>
+            <a:r>
+              <a:rPr lang="en-US" dirty="0"/>
+              <a:t> branch -d </a:t>
+            </a:r>
+            <a:r>
+              <a:rPr lang="en-US" dirty="0" smtClean="0"/>
+              <a:t>iss53</a:t>
+            </a:r>
+            <a:r>
+              <a:rPr lang="en-US" dirty="0"/>
+              <a:t/>
+            </a:r>
+            <a:br>
+              <a:rPr lang="en-US" dirty="0"/>
+            </a:br>
+            <a:endParaRPr lang="en-US" dirty="0"/>
+          </a:p>
+        </p:txBody>
+      </p:sp>
+      <p:sp>
+        <p:nvSpPr>
+          <p:cNvPr id="4" name="Slide Number Placeholder 3"/>
+          <p:cNvSpPr>
+            <a:spLocks noGrp="1"/>
+          </p:cNvSpPr>
+          <p:nvPr>
+            <p:ph type="sldNum" idx="12"/>
+          </p:nvPr>
+        </p:nvSpPr>
+        <p:spPr/>
+        <p:txBody>
+          <a:bodyPr/>
+          <a:lstStyle/>
+          <a:p>
+            <a:pPr lvl="0">
+              <a:spcBef>
+                <a:spcPts val="0"/>
+              </a:spcBef>
+              <a:buNone/>
+            </a:pPr>
+            <a:fld id="{00000000-1234-1234-1234-123412341234}" type="slidenum">
+              <a:rPr lang="en" smtClean="0"/>
+              <a:t>95</a:t>
+            </a:fld>
+            <a:endParaRPr lang="en"/>
+          </a:p>
+        </p:txBody>
+      </p:sp>
+    </p:spTree>
+    <p:extLst>
+      <p:ext uri="{BB962C8B-B14F-4D97-AF65-F5344CB8AC3E}">
+        <p14:creationId xmlns:p14="http://schemas.microsoft.com/office/powerpoint/2010/main" val="759143191"/>
+      </p:ext>
+    </p:extLst>
+  </p:cSld>
+  <p:clrMapOvr>
+    <a:masterClrMapping/>
+  </p:clrMapOvr>
+</p:sld>
+</file>
+
+<file path=ppt/slides/slide96.xml><?xml version="1.0" encoding="utf-8"?>
+<p:sld xmlns:a="http://schemas.openxmlformats.org/drawingml/2006/main" xmlns:r="http://schemas.openxmlformats.org/officeDocument/2006/relationships" xmlns:p="http://schemas.openxmlformats.org/presentationml/2006/main">
+  <p:cSld>
+    <p:spTree>
+      <p:nvGrpSpPr>
+        <p:cNvPr id="1" name=""/>
+        <p:cNvGrpSpPr/>
+        <p:nvPr/>
+      </p:nvGrpSpPr>
+      <p:grpSpPr>
+        <a:xfrm>
+          <a:off x="0" y="0"/>
+          <a:ext cx="0" cy="0"/>
+          <a:chOff x="0" y="0"/>
+          <a:chExt cx="0" cy="0"/>
+        </a:xfrm>
+      </p:grpSpPr>
+      <p:sp>
+        <p:nvSpPr>
+          <p:cNvPr id="2" name="Title 1"/>
+          <p:cNvSpPr>
+            <a:spLocks noGrp="1"/>
+          </p:cNvSpPr>
+          <p:nvPr>
+            <p:ph type="title"/>
+          </p:nvPr>
+        </p:nvSpPr>
+        <p:spPr/>
+        <p:txBody>
+          <a:bodyPr/>
+          <a:lstStyle/>
+          <a:p>
+            <a:r>
+              <a:rPr lang="en-US" dirty="0"/>
+              <a:t>Basic Merging</a:t>
+            </a:r>
+          </a:p>
+        </p:txBody>
+      </p:sp>
+      <p:sp>
+        <p:nvSpPr>
+          <p:cNvPr id="3" name="Text Placeholder 2"/>
+          <p:cNvSpPr>
+            <a:spLocks noGrp="1"/>
+          </p:cNvSpPr>
+          <p:nvPr>
+            <p:ph type="body" idx="1"/>
+          </p:nvPr>
+        </p:nvSpPr>
+        <p:spPr/>
+        <p:txBody>
+          <a:bodyPr/>
+          <a:lstStyle/>
+          <a:p>
+            <a:r>
+              <a:rPr lang="en-US" dirty="0"/>
+              <a:t>$ </a:t>
+            </a:r>
+            <a:r>
+              <a:rPr lang="en-US" dirty="0" err="1"/>
+              <a:t>git</a:t>
+            </a:r>
+            <a:r>
+              <a:rPr lang="en-US" dirty="0"/>
+              <a:t> checkout master </a:t>
+            </a:r>
+          </a:p>
+          <a:p>
+            <a:pPr>
+              <a:buNone/>
+            </a:pPr>
+            <a:r>
+              <a:rPr lang="en-US" dirty="0"/>
+              <a:t>Switched to branch 'master' </a:t>
+            </a:r>
+          </a:p>
+          <a:p>
+            <a:r>
+              <a:rPr lang="en-US" dirty="0"/>
+              <a:t>$ </a:t>
+            </a:r>
+            <a:r>
+              <a:rPr lang="en-US" dirty="0" err="1"/>
+              <a:t>git</a:t>
+            </a:r>
+            <a:r>
+              <a:rPr lang="en-US" dirty="0"/>
+              <a:t> merge iss53 </a:t>
+            </a:r>
+          </a:p>
+          <a:p>
+            <a:pPr>
+              <a:buNone/>
+            </a:pPr>
+            <a:r>
+              <a:rPr lang="en-US" dirty="0"/>
+              <a:t>Merge made by the 'recursive' strategy.</a:t>
+            </a:r>
+          </a:p>
+        </p:txBody>
+      </p:sp>
+      <p:sp>
+        <p:nvSpPr>
+          <p:cNvPr id="4" name="Slide Number Placeholder 3"/>
+          <p:cNvSpPr>
+            <a:spLocks noGrp="1"/>
+          </p:cNvSpPr>
+          <p:nvPr>
+            <p:ph type="sldNum" idx="12"/>
+          </p:nvPr>
+        </p:nvSpPr>
+        <p:spPr/>
+        <p:txBody>
+          <a:bodyPr/>
+          <a:lstStyle/>
+          <a:p>
+            <a:pPr lvl="0">
+              <a:spcBef>
+                <a:spcPts val="0"/>
+              </a:spcBef>
+              <a:buNone/>
+            </a:pPr>
+            <a:fld id="{00000000-1234-1234-1234-123412341234}" type="slidenum">
+              <a:rPr lang="en" smtClean="0"/>
+              <a:t>96</a:t>
+            </a:fld>
+            <a:endParaRPr lang="en"/>
+          </a:p>
+        </p:txBody>
+      </p:sp>
+    </p:spTree>
+    <p:extLst>
+      <p:ext uri="{BB962C8B-B14F-4D97-AF65-F5344CB8AC3E}">
+        <p14:creationId xmlns:p14="http://schemas.microsoft.com/office/powerpoint/2010/main" val="3834861765"/>
+      </p:ext>
+    </p:extLst>
+  </p:cSld>
+  <p:clrMapOvr>
+    <a:masterClrMapping/>
+  </p:clrMapOvr>
+</p:sld>
+</file>
+
+<file path=ppt/slides/slide97.xml><?xml version="1.0" encoding="utf-8"?>
+<p:sld xmlns:a="http://schemas.openxmlformats.org/drawingml/2006/main" xmlns:r="http://schemas.openxmlformats.org/officeDocument/2006/relationships" xmlns:p="http://schemas.openxmlformats.org/presentationml/2006/main">
+  <p:cSld>
+    <p:spTree>
+      <p:nvGrpSpPr>
+        <p:cNvPr id="1" name=""/>
+        <p:cNvGrpSpPr/>
+        <p:nvPr/>
+      </p:nvGrpSpPr>
+      <p:grpSpPr>
+        <a:xfrm>
+          <a:off x="0" y="0"/>
+          <a:ext cx="0" cy="0"/>
+          <a:chOff x="0" y="0"/>
+          <a:chExt cx="0" cy="0"/>
+        </a:xfrm>
+      </p:grpSpPr>
+      <p:sp>
+        <p:nvSpPr>
+          <p:cNvPr id="2" name="Title 1"/>
+          <p:cNvSpPr>
+            <a:spLocks noGrp="1"/>
+          </p:cNvSpPr>
+          <p:nvPr>
+            <p:ph type="title"/>
+          </p:nvPr>
+        </p:nvSpPr>
+        <p:spPr/>
+        <p:txBody>
+          <a:bodyPr/>
+          <a:lstStyle/>
+          <a:p>
+            <a:r>
+              <a:rPr lang="en-US" dirty="0" smtClean="0"/>
+              <a:t>SOME COMMANDS</a:t>
+            </a:r>
+            <a:endParaRPr lang="en-US" dirty="0"/>
+          </a:p>
+        </p:txBody>
+      </p:sp>
+      <p:sp>
+        <p:nvSpPr>
+          <p:cNvPr id="4" name="Slide Number Placeholder 3"/>
+          <p:cNvSpPr>
+            <a:spLocks noGrp="1"/>
+          </p:cNvSpPr>
+          <p:nvPr>
+            <p:ph type="sldNum" idx="12"/>
+          </p:nvPr>
+        </p:nvSpPr>
+        <p:spPr/>
+        <p:txBody>
+          <a:bodyPr/>
+          <a:lstStyle/>
+          <a:p>
+            <a:pPr lvl="0">
+              <a:spcBef>
+                <a:spcPts val="0"/>
+              </a:spcBef>
+              <a:buNone/>
+            </a:pPr>
+            <a:fld id="{00000000-1234-1234-1234-123412341234}" type="slidenum">
+              <a:rPr lang="en" smtClean="0"/>
+              <a:t>97</a:t>
+            </a:fld>
+            <a:endParaRPr lang="en"/>
+          </a:p>
+        </p:txBody>
+      </p:sp>
+      <p:sp>
+        <p:nvSpPr>
+          <p:cNvPr id="5" name="Text Placeholder 2">
+            <a:extLst>
+              <a:ext uri="{FF2B5EF4-FFF2-40B4-BE49-F238E27FC236}">
+                <a16:creationId xmlns:a16="http://schemas.microsoft.com/office/drawing/2014/main" xmlns="" id="{BCC204B9-DFA1-4491-83BA-272E5E5E14B8}"/>
               </a:ext>
             </a:extLst>
           </p:cNvPr>
@@ -29318,7 +36154,7 @@
 </p:sld>
 </file>
 
-<file path=ppt/slides/slide73.xml><?xml version="1.0" encoding="utf-8"?>
+<file path=ppt/slides/slide98.xml><?xml version="1.0" encoding="utf-8"?>
 <p:sld xmlns:a="http://schemas.openxmlformats.org/drawingml/2006/main" xmlns:r="http://schemas.openxmlformats.org/officeDocument/2006/relationships" xmlns:p="http://schemas.openxmlformats.org/presentationml/2006/main">
   <p:cSld>
     <p:spTree>
@@ -29419,7 +36255,7 @@
             </a:pPr>
             <a:fld id="{00000000-1234-1234-1234-123412341234}" type="slidenum">
               <a:rPr lang="en" smtClean="0"/>
-              <a:t>73</a:t>
+              <a:t>98</a:t>
             </a:fld>
             <a:endParaRPr lang="en"/>
           </a:p>
@@ -29438,7 +36274,7 @@
 </p:sld>
 </file>
 
-<file path=ppt/slides/slide74.xml><?xml version="1.0" encoding="utf-8"?>
+<file path=ppt/slides/slide99.xml><?xml version="1.0" encoding="utf-8"?>
 <p:sld xmlns:a="http://schemas.openxmlformats.org/drawingml/2006/main" xmlns:r="http://schemas.openxmlformats.org/officeDocument/2006/relationships" xmlns:p="http://schemas.openxmlformats.org/presentationml/2006/main">
   <p:cSld>
     <p:spTree>
@@ -29545,7 +36381,7 @@
             </a:pPr>
             <a:fld id="{00000000-1234-1234-1234-123412341234}" type="slidenum">
               <a:rPr lang="en" smtClean="0"/>
-              <a:t>74</a:t>
+              <a:t>99</a:t>
             </a:fld>
             <a:endParaRPr lang="en"/>
           </a:p>
@@ -29561,1156 +36397,6 @@
   <p:clrMapOvr>
     <a:masterClrMapping/>
   </p:clrMapOvr>
-</p:sld>
-</file>
-
-<file path=ppt/slides/slide75.xml><?xml version="1.0" encoding="utf-8"?>
-<p:sld xmlns:a="http://schemas.openxmlformats.org/drawingml/2006/main" xmlns:r="http://schemas.openxmlformats.org/officeDocument/2006/relationships" xmlns:p="http://schemas.openxmlformats.org/presentationml/2006/main">
-  <p:cSld>
-    <p:spTree>
-      <p:nvGrpSpPr>
-        <p:cNvPr id="1" name=""/>
-        <p:cNvGrpSpPr/>
-        <p:nvPr/>
-      </p:nvGrpSpPr>
-      <p:grpSpPr>
-        <a:xfrm>
-          <a:off x="0" y="0"/>
-          <a:ext cx="0" cy="0"/>
-          <a:chOff x="0" y="0"/>
-          <a:chExt cx="0" cy="0"/>
-        </a:xfrm>
-      </p:grpSpPr>
-      <p:sp>
-        <p:nvSpPr>
-          <p:cNvPr id="2" name="Title 1"/>
-          <p:cNvSpPr>
-            <a:spLocks noGrp="1"/>
-          </p:cNvSpPr>
-          <p:nvPr>
-            <p:ph type="title"/>
-          </p:nvPr>
-        </p:nvSpPr>
-        <p:spPr/>
-        <p:txBody>
-          <a:bodyPr/>
-          <a:lstStyle/>
-          <a:p>
-            <a:r>
-              <a:rPr lang="vi-VN" dirty="0"/>
-              <a:t>3. Commit rồi, mà hên chưa push</a:t>
-            </a:r>
-            <a:br>
-              <a:rPr lang="vi-VN" dirty="0"/>
-            </a:br>
-            <a:endParaRPr lang="en-US" dirty="0"/>
-          </a:p>
-        </p:txBody>
-      </p:sp>
-      <p:sp>
-        <p:nvSpPr>
-          <p:cNvPr id="3" name="Text Placeholder 2"/>
-          <p:cNvSpPr>
-            <a:spLocks noGrp="1"/>
-          </p:cNvSpPr>
-          <p:nvPr>
-            <p:ph type="body" idx="1"/>
-          </p:nvPr>
-        </p:nvSpPr>
-        <p:spPr/>
-        <p:txBody>
-          <a:bodyPr/>
-          <a:lstStyle/>
-          <a:p>
-            <a:r>
-              <a:rPr lang="vi-VN" dirty="0" smtClean="0"/>
-              <a:t>$ </a:t>
-            </a:r>
-            <a:r>
-              <a:rPr lang="vi-VN" dirty="0"/>
-              <a:t>git reset HEAD~1 --hard</a:t>
-            </a:r>
-          </a:p>
-          <a:p>
-            <a:endParaRPr lang="en-US" dirty="0"/>
-          </a:p>
-        </p:txBody>
-      </p:sp>
-      <p:sp>
-        <p:nvSpPr>
-          <p:cNvPr id="4" name="Slide Number Placeholder 3"/>
-          <p:cNvSpPr>
-            <a:spLocks noGrp="1"/>
-          </p:cNvSpPr>
-          <p:nvPr>
-            <p:ph type="sldNum" idx="12"/>
-          </p:nvPr>
-        </p:nvSpPr>
-        <p:spPr/>
-        <p:txBody>
-          <a:bodyPr/>
-          <a:lstStyle/>
-          <a:p>
-            <a:pPr lvl="0">
-              <a:spcBef>
-                <a:spcPts val="0"/>
-              </a:spcBef>
-              <a:buNone/>
-            </a:pPr>
-            <a:fld id="{00000000-1234-1234-1234-123412341234}" type="slidenum">
-              <a:rPr lang="en" smtClean="0"/>
-              <a:t>75</a:t>
-            </a:fld>
-            <a:endParaRPr lang="en"/>
-          </a:p>
-        </p:txBody>
-      </p:sp>
-    </p:spTree>
-    <p:extLst>
-      <p:ext uri="{BB962C8B-B14F-4D97-AF65-F5344CB8AC3E}">
-        <p14:creationId xmlns:p14="http://schemas.microsoft.com/office/powerpoint/2010/main" val="3596945404"/>
-      </p:ext>
-    </p:extLst>
-  </p:cSld>
-  <p:clrMapOvr>
-    <a:masterClrMapping/>
-  </p:clrMapOvr>
-</p:sld>
-</file>
-
-<file path=ppt/slides/slide76.xml><?xml version="1.0" encoding="utf-8"?>
-<p:sld xmlns:a="http://schemas.openxmlformats.org/drawingml/2006/main" xmlns:r="http://schemas.openxmlformats.org/officeDocument/2006/relationships" xmlns:p="http://schemas.openxmlformats.org/presentationml/2006/main">
-  <p:cSld>
-    <p:spTree>
-      <p:nvGrpSpPr>
-        <p:cNvPr id="1" name=""/>
-        <p:cNvGrpSpPr/>
-        <p:nvPr/>
-      </p:nvGrpSpPr>
-      <p:grpSpPr>
-        <a:xfrm>
-          <a:off x="0" y="0"/>
-          <a:ext cx="0" cy="0"/>
-          <a:chOff x="0" y="0"/>
-          <a:chExt cx="0" cy="0"/>
-        </a:xfrm>
-      </p:grpSpPr>
-      <p:sp>
-        <p:nvSpPr>
-          <p:cNvPr id="2" name="Title 1"/>
-          <p:cNvSpPr>
-            <a:spLocks noGrp="1"/>
-          </p:cNvSpPr>
-          <p:nvPr>
-            <p:ph type="title"/>
-          </p:nvPr>
-        </p:nvSpPr>
-        <p:spPr/>
-        <p:txBody>
-          <a:bodyPr/>
-          <a:lstStyle/>
-          <a:p>
-            <a:r>
-              <a:rPr lang="vi-VN" dirty="0"/>
-              <a:t>4. Commit rồi, lỡ tay push luôn</a:t>
-            </a:r>
-            <a:br>
-              <a:rPr lang="vi-VN" dirty="0"/>
-            </a:br>
-            <a:endParaRPr lang="en-US" dirty="0"/>
-          </a:p>
-        </p:txBody>
-      </p:sp>
-      <p:sp>
-        <p:nvSpPr>
-          <p:cNvPr id="3" name="Text Placeholder 2"/>
-          <p:cNvSpPr>
-            <a:spLocks noGrp="1"/>
-          </p:cNvSpPr>
-          <p:nvPr>
-            <p:ph type="body" idx="1"/>
-          </p:nvPr>
-        </p:nvSpPr>
-        <p:spPr>
-          <a:xfrm>
-            <a:off x="762000" y="1581150"/>
-            <a:ext cx="6132600" cy="3145500"/>
-          </a:xfrm>
-        </p:spPr>
-        <p:txBody>
-          <a:bodyPr/>
-          <a:lstStyle/>
-          <a:p>
-            <a:r>
-              <a:rPr lang="vi-VN" dirty="0" smtClean="0"/>
-              <a:t>Push </a:t>
-            </a:r>
-            <a:r>
-              <a:rPr lang="vi-VN" dirty="0"/>
-              <a:t>lên rồi, có nghĩa là có thể đã có người fetch về sử dụng rồi, mà người ta đã lấy rồi thì không có chuyện giựt lại. Trong trường hợp này bạn cần đính chính lại: "À, nãy tao nhầm, lấy cái này nè</a:t>
-            </a:r>
-            <a:r>
-              <a:rPr lang="vi-VN" dirty="0" smtClean="0"/>
-              <a:t>".</a:t>
-            </a:r>
-            <a:endParaRPr lang="vi-VN" dirty="0"/>
-          </a:p>
-          <a:p>
-            <a:r>
-              <a:rPr lang="vi-VN" dirty="0"/>
-              <a:t>Vì thế, ta push 1 commit khác, nội dung là ngược lại cái vừa push để đính chính</a:t>
-            </a:r>
-            <a:r>
-              <a:rPr lang="vi-VN" dirty="0" smtClean="0"/>
-              <a:t>.</a:t>
-            </a:r>
-            <a:endParaRPr lang="en-US" dirty="0" smtClean="0"/>
-          </a:p>
-          <a:p>
-            <a:r>
-              <a:rPr lang="vi-VN" dirty="0"/>
-              <a:t>$ git revert HEAD~1..HEAD</a:t>
-            </a:r>
-          </a:p>
-          <a:p>
-            <a:endParaRPr lang="en-US" dirty="0"/>
-          </a:p>
-        </p:txBody>
-      </p:sp>
-      <p:sp>
-        <p:nvSpPr>
-          <p:cNvPr id="4" name="Slide Number Placeholder 3"/>
-          <p:cNvSpPr>
-            <a:spLocks noGrp="1"/>
-          </p:cNvSpPr>
-          <p:nvPr>
-            <p:ph type="sldNum" idx="12"/>
-          </p:nvPr>
-        </p:nvSpPr>
-        <p:spPr/>
-        <p:txBody>
-          <a:bodyPr/>
-          <a:lstStyle/>
-          <a:p>
-            <a:pPr lvl="0">
-              <a:spcBef>
-                <a:spcPts val="0"/>
-              </a:spcBef>
-              <a:buNone/>
-            </a:pPr>
-            <a:fld id="{00000000-1234-1234-1234-123412341234}" type="slidenum">
-              <a:rPr lang="en" smtClean="0"/>
-              <a:t>76</a:t>
-            </a:fld>
-            <a:endParaRPr lang="en"/>
-          </a:p>
-        </p:txBody>
-      </p:sp>
-    </p:spTree>
-    <p:extLst>
-      <p:ext uri="{BB962C8B-B14F-4D97-AF65-F5344CB8AC3E}">
-        <p14:creationId xmlns:p14="http://schemas.microsoft.com/office/powerpoint/2010/main" val="4194538802"/>
-      </p:ext>
-    </p:extLst>
-  </p:cSld>
-  <p:clrMapOvr>
-    <a:masterClrMapping/>
-  </p:clrMapOvr>
-</p:sld>
-</file>
-
-<file path=ppt/slides/slide77.xml><?xml version="1.0" encoding="utf-8"?>
-<p:sld xmlns:a="http://schemas.openxmlformats.org/drawingml/2006/main" xmlns:r="http://schemas.openxmlformats.org/officeDocument/2006/relationships" xmlns:p="http://schemas.openxmlformats.org/presentationml/2006/main">
-  <p:cSld>
-    <p:spTree>
-      <p:nvGrpSpPr>
-        <p:cNvPr id="1" name=""/>
-        <p:cNvGrpSpPr/>
-        <p:nvPr/>
-      </p:nvGrpSpPr>
-      <p:grpSpPr>
-        <a:xfrm>
-          <a:off x="0" y="0"/>
-          <a:ext cx="0" cy="0"/>
-          <a:chOff x="0" y="0"/>
-          <a:chExt cx="0" cy="0"/>
-        </a:xfrm>
-      </p:grpSpPr>
-      <p:sp>
-        <p:nvSpPr>
-          <p:cNvPr id="2" name="Title 1"/>
-          <p:cNvSpPr>
-            <a:spLocks noGrp="1"/>
-          </p:cNvSpPr>
-          <p:nvPr>
-            <p:ph type="title"/>
-          </p:nvPr>
-        </p:nvSpPr>
-        <p:spPr/>
-        <p:txBody>
-          <a:bodyPr/>
-          <a:lstStyle/>
-          <a:p>
-            <a:endParaRPr lang="en-US"/>
-          </a:p>
-        </p:txBody>
-      </p:sp>
-      <p:sp>
-        <p:nvSpPr>
-          <p:cNvPr id="3" name="Text Placeholder 2"/>
-          <p:cNvSpPr>
-            <a:spLocks noGrp="1"/>
-          </p:cNvSpPr>
-          <p:nvPr>
-            <p:ph type="body" idx="1"/>
-          </p:nvPr>
-        </p:nvSpPr>
-        <p:spPr>
-          <a:xfrm>
-            <a:off x="914400" y="1504950"/>
-            <a:ext cx="6132600" cy="3145500"/>
-          </a:xfrm>
-        </p:spPr>
-        <p:txBody>
-          <a:bodyPr/>
-          <a:lstStyle/>
-          <a:p>
-            <a:endParaRPr lang="en-US" dirty="0"/>
-          </a:p>
-        </p:txBody>
-      </p:sp>
-      <p:sp>
-        <p:nvSpPr>
-          <p:cNvPr id="4" name="Slide Number Placeholder 3"/>
-          <p:cNvSpPr>
-            <a:spLocks noGrp="1"/>
-          </p:cNvSpPr>
-          <p:nvPr>
-            <p:ph type="sldNum" idx="12"/>
-          </p:nvPr>
-        </p:nvSpPr>
-        <p:spPr/>
-        <p:txBody>
-          <a:bodyPr/>
-          <a:lstStyle/>
-          <a:p>
-            <a:pPr lvl="0">
-              <a:spcBef>
-                <a:spcPts val="0"/>
-              </a:spcBef>
-              <a:buNone/>
-            </a:pPr>
-            <a:fld id="{00000000-1234-1234-1234-123412341234}" type="slidenum">
-              <a:rPr lang="en" smtClean="0"/>
-              <a:t>77</a:t>
-            </a:fld>
-            <a:endParaRPr lang="en"/>
-          </a:p>
-        </p:txBody>
-      </p:sp>
-    </p:spTree>
-    <p:extLst>
-      <p:ext uri="{BB962C8B-B14F-4D97-AF65-F5344CB8AC3E}">
-        <p14:creationId xmlns:p14="http://schemas.microsoft.com/office/powerpoint/2010/main" val="1500676048"/>
-      </p:ext>
-    </p:extLst>
-  </p:cSld>
-  <p:clrMapOvr>
-    <a:masterClrMapping/>
-  </p:clrMapOvr>
-</p:sld>
-</file>
-
-<file path=ppt/slides/slide8.xml><?xml version="1.0" encoding="utf-8"?>
-<p:sld xmlns:a="http://schemas.openxmlformats.org/drawingml/2006/main" xmlns:r="http://schemas.openxmlformats.org/officeDocument/2006/relationships" xmlns:p="http://schemas.openxmlformats.org/presentationml/2006/main">
-  <p:cSld>
-    <p:spTree>
-      <p:nvGrpSpPr>
-        <p:cNvPr id="1" name=""/>
-        <p:cNvGrpSpPr/>
-        <p:nvPr/>
-      </p:nvGrpSpPr>
-      <p:grpSpPr>
-        <a:xfrm>
-          <a:off x="0" y="0"/>
-          <a:ext cx="0" cy="0"/>
-          <a:chOff x="0" y="0"/>
-          <a:chExt cx="0" cy="0"/>
-        </a:xfrm>
-      </p:grpSpPr>
-      <p:sp>
-        <p:nvSpPr>
-          <p:cNvPr id="2" name="Title 1"/>
-          <p:cNvSpPr>
-            <a:spLocks noGrp="1"/>
-          </p:cNvSpPr>
-          <p:nvPr>
-            <p:ph type="title"/>
-          </p:nvPr>
-        </p:nvSpPr>
-        <p:spPr/>
-        <p:txBody>
-          <a:bodyPr/>
-          <a:lstStyle/>
-          <a:p>
-            <a:r>
-              <a:rPr lang="en-US" sz="2400" dirty="0"/>
-              <a:t>A Short History of </a:t>
-            </a:r>
-            <a:r>
-              <a:rPr lang="en-US" sz="2400" dirty="0" err="1" smtClean="0"/>
-              <a:t>Git</a:t>
-            </a:r>
-            <a:endParaRPr lang="en-US" sz="2400" dirty="0"/>
-          </a:p>
-        </p:txBody>
-      </p:sp>
-      <p:sp>
-        <p:nvSpPr>
-          <p:cNvPr id="5" name="Slide Number Placeholder 4"/>
-          <p:cNvSpPr>
-            <a:spLocks noGrp="1"/>
-          </p:cNvSpPr>
-          <p:nvPr>
-            <p:ph type="sldNum" idx="12"/>
-          </p:nvPr>
-        </p:nvSpPr>
-        <p:spPr/>
-        <p:txBody>
-          <a:bodyPr/>
-          <a:lstStyle/>
-          <a:p>
-            <a:pPr lvl="0">
-              <a:spcBef>
-                <a:spcPts val="0"/>
-              </a:spcBef>
-              <a:buNone/>
-            </a:pPr>
-            <a:fld id="{00000000-1234-1234-1234-123412341234}" type="slidenum">
-              <a:rPr lang="en" smtClean="0"/>
-              <a:t>8</a:t>
-            </a:fld>
-            <a:endParaRPr lang="en"/>
-          </a:p>
-        </p:txBody>
-      </p:sp>
-      <p:sp>
-        <p:nvSpPr>
-          <p:cNvPr id="6" name="Text Placeholder 2">
-            <a:extLst>
-              <a:ext uri="{FF2B5EF4-FFF2-40B4-BE49-F238E27FC236}">
-                <a16:creationId xmlns="" xmlns:a16="http://schemas.microsoft.com/office/drawing/2014/main" id="{BCC204B9-DFA1-4491-83BA-272E5E5E14B8}"/>
-              </a:ext>
-            </a:extLst>
-          </p:cNvPr>
-          <p:cNvSpPr txBox="1">
-            <a:spLocks/>
-          </p:cNvSpPr>
-          <p:nvPr/>
-        </p:nvSpPr>
-        <p:spPr>
-          <a:xfrm>
-            <a:off x="228600" y="1581150"/>
-            <a:ext cx="8839200" cy="2724300"/>
-          </a:xfrm>
-          <a:prstGeom prst="rect">
-            <a:avLst/>
-          </a:prstGeom>
-          <a:noFill/>
-          <a:ln>
-            <a:noFill/>
-          </a:ln>
-        </p:spPr>
-        <p:txBody>
-          <a:bodyPr wrap="square" lIns="91425" tIns="91425" rIns="91425" bIns="91425" anchor="t" anchorCtr="0"/>
-          <a:lstStyle>
-            <a:defPPr marR="0" lvl="0" algn="l" rtl="0">
-              <a:lnSpc>
-                <a:spcPct val="100000"/>
-              </a:lnSpc>
-              <a:spcBef>
-                <a:spcPts val="0"/>
-              </a:spcBef>
-              <a:spcAft>
-                <a:spcPts val="0"/>
-              </a:spcAft>
-            </a:defPPr>
-            <a:lvl1pPr marR="0" lvl="0" algn="l" rtl="0">
-              <a:lnSpc>
-                <a:spcPct val="100000"/>
-              </a:lnSpc>
-              <a:spcBef>
-                <a:spcPts val="0"/>
-              </a:spcBef>
-              <a:spcAft>
-                <a:spcPts val="1000"/>
-              </a:spcAft>
-              <a:buClr>
-                <a:srgbClr val="C7D3E6"/>
-              </a:buClr>
-              <a:buSzPct val="100000"/>
-              <a:buFont typeface="Roboto Condensed Light"/>
-              <a:buChar char="▰"/>
-              <a:defRPr sz="2000" b="0" i="0" u="none" strike="noStrike" cap="none">
-                <a:solidFill>
-                  <a:srgbClr val="263248"/>
-                </a:solidFill>
-                <a:latin typeface="Roboto Condensed Light"/>
-                <a:ea typeface="Roboto Condensed Light"/>
-                <a:cs typeface="Roboto Condensed Light"/>
-                <a:sym typeface="Roboto Condensed Light"/>
-              </a:defRPr>
-            </a:lvl1pPr>
-            <a:lvl2pPr marR="0" lvl="1" algn="l" rtl="0">
-              <a:lnSpc>
-                <a:spcPct val="100000"/>
-              </a:lnSpc>
-              <a:spcBef>
-                <a:spcPts val="0"/>
-              </a:spcBef>
-              <a:spcAft>
-                <a:spcPts val="1000"/>
-              </a:spcAft>
-              <a:buClr>
-                <a:srgbClr val="C7D3E6"/>
-              </a:buClr>
-              <a:buSzPct val="100000"/>
-              <a:buFont typeface="Roboto Condensed Light"/>
-              <a:buChar char="▻"/>
-              <a:defRPr sz="2000" b="0" i="0" u="none" strike="noStrike" cap="none">
-                <a:solidFill>
-                  <a:srgbClr val="263248"/>
-                </a:solidFill>
-                <a:latin typeface="Roboto Condensed Light"/>
-                <a:ea typeface="Roboto Condensed Light"/>
-                <a:cs typeface="Roboto Condensed Light"/>
-                <a:sym typeface="Roboto Condensed Light"/>
-              </a:defRPr>
-            </a:lvl2pPr>
-            <a:lvl3pPr marR="0" lvl="2" algn="l" rtl="0">
-              <a:lnSpc>
-                <a:spcPct val="100000"/>
-              </a:lnSpc>
-              <a:spcBef>
-                <a:spcPts val="0"/>
-              </a:spcBef>
-              <a:spcAft>
-                <a:spcPts val="1000"/>
-              </a:spcAft>
-              <a:buClr>
-                <a:srgbClr val="C7D3E6"/>
-              </a:buClr>
-              <a:buSzPct val="100000"/>
-              <a:buFont typeface="Roboto Condensed Light"/>
-              <a:buChar char="▻"/>
-              <a:defRPr sz="2000" b="0" i="0" u="none" strike="noStrike" cap="none">
-                <a:solidFill>
-                  <a:srgbClr val="263248"/>
-                </a:solidFill>
-                <a:latin typeface="Roboto Condensed Light"/>
-                <a:ea typeface="Roboto Condensed Light"/>
-                <a:cs typeface="Roboto Condensed Light"/>
-                <a:sym typeface="Roboto Condensed Light"/>
-              </a:defRPr>
-            </a:lvl3pPr>
-            <a:lvl4pPr marR="0" lvl="3" algn="l" rtl="0">
-              <a:lnSpc>
-                <a:spcPct val="100000"/>
-              </a:lnSpc>
-              <a:spcBef>
-                <a:spcPts val="0"/>
-              </a:spcBef>
-              <a:spcAft>
-                <a:spcPts val="1000"/>
-              </a:spcAft>
-              <a:buClr>
-                <a:srgbClr val="C7D3E6"/>
-              </a:buClr>
-              <a:buSzPct val="100000"/>
-              <a:buFont typeface="Roboto Condensed Light"/>
-              <a:buChar char="▻"/>
-              <a:defRPr sz="2000" b="0" i="0" u="none" strike="noStrike" cap="none">
-                <a:solidFill>
-                  <a:srgbClr val="263248"/>
-                </a:solidFill>
-                <a:latin typeface="Roboto Condensed Light"/>
-                <a:ea typeface="Roboto Condensed Light"/>
-                <a:cs typeface="Roboto Condensed Light"/>
-                <a:sym typeface="Roboto Condensed Light"/>
-              </a:defRPr>
-            </a:lvl4pPr>
-            <a:lvl5pPr marR="0" lvl="4" algn="l" rtl="0">
-              <a:lnSpc>
-                <a:spcPct val="100000"/>
-              </a:lnSpc>
-              <a:spcBef>
-                <a:spcPts val="0"/>
-              </a:spcBef>
-              <a:spcAft>
-                <a:spcPts val="1000"/>
-              </a:spcAft>
-              <a:buClr>
-                <a:srgbClr val="C7D3E6"/>
-              </a:buClr>
-              <a:buSzPct val="100000"/>
-              <a:buFont typeface="Roboto Condensed Light"/>
-              <a:buChar char="▻"/>
-              <a:defRPr sz="2000" b="0" i="0" u="none" strike="noStrike" cap="none">
-                <a:solidFill>
-                  <a:srgbClr val="263248"/>
-                </a:solidFill>
-                <a:latin typeface="Roboto Condensed Light"/>
-                <a:ea typeface="Roboto Condensed Light"/>
-                <a:cs typeface="Roboto Condensed Light"/>
-                <a:sym typeface="Roboto Condensed Light"/>
-              </a:defRPr>
-            </a:lvl5pPr>
-            <a:lvl6pPr marR="0" lvl="5" algn="l" rtl="0">
-              <a:lnSpc>
-                <a:spcPct val="100000"/>
-              </a:lnSpc>
-              <a:spcBef>
-                <a:spcPts val="0"/>
-              </a:spcBef>
-              <a:spcAft>
-                <a:spcPts val="1000"/>
-              </a:spcAft>
-              <a:buClr>
-                <a:srgbClr val="C7D3E6"/>
-              </a:buClr>
-              <a:buSzPct val="100000"/>
-              <a:buFont typeface="Roboto Condensed Light"/>
-              <a:buChar char="▻"/>
-              <a:defRPr sz="2000" b="0" i="0" u="none" strike="noStrike" cap="none">
-                <a:solidFill>
-                  <a:srgbClr val="263248"/>
-                </a:solidFill>
-                <a:latin typeface="Roboto Condensed Light"/>
-                <a:ea typeface="Roboto Condensed Light"/>
-                <a:cs typeface="Roboto Condensed Light"/>
-                <a:sym typeface="Roboto Condensed Light"/>
-              </a:defRPr>
-            </a:lvl6pPr>
-            <a:lvl7pPr marR="0" lvl="6" algn="l" rtl="0">
-              <a:lnSpc>
-                <a:spcPct val="100000"/>
-              </a:lnSpc>
-              <a:spcBef>
-                <a:spcPts val="0"/>
-              </a:spcBef>
-              <a:spcAft>
-                <a:spcPts val="1000"/>
-              </a:spcAft>
-              <a:buClr>
-                <a:srgbClr val="C7D3E6"/>
-              </a:buClr>
-              <a:buSzPct val="100000"/>
-              <a:buFont typeface="Roboto Condensed Light"/>
-              <a:buChar char="▻"/>
-              <a:defRPr sz="2000" b="0" i="0" u="none" strike="noStrike" cap="none">
-                <a:solidFill>
-                  <a:srgbClr val="263248"/>
-                </a:solidFill>
-                <a:latin typeface="Roboto Condensed Light"/>
-                <a:ea typeface="Roboto Condensed Light"/>
-                <a:cs typeface="Roboto Condensed Light"/>
-                <a:sym typeface="Roboto Condensed Light"/>
-              </a:defRPr>
-            </a:lvl7pPr>
-            <a:lvl8pPr marR="0" lvl="7" algn="l" rtl="0">
-              <a:lnSpc>
-                <a:spcPct val="100000"/>
-              </a:lnSpc>
-              <a:spcBef>
-                <a:spcPts val="0"/>
-              </a:spcBef>
-              <a:spcAft>
-                <a:spcPts val="1000"/>
-              </a:spcAft>
-              <a:buClr>
-                <a:srgbClr val="C7D3E6"/>
-              </a:buClr>
-              <a:buSzPct val="100000"/>
-              <a:buFont typeface="Roboto Condensed Light"/>
-              <a:buChar char="▻"/>
-              <a:defRPr sz="2000" b="0" i="0" u="none" strike="noStrike" cap="none">
-                <a:solidFill>
-                  <a:srgbClr val="263248"/>
-                </a:solidFill>
-                <a:latin typeface="Roboto Condensed Light"/>
-                <a:ea typeface="Roboto Condensed Light"/>
-                <a:cs typeface="Roboto Condensed Light"/>
-                <a:sym typeface="Roboto Condensed Light"/>
-              </a:defRPr>
-            </a:lvl8pPr>
-            <a:lvl9pPr marR="0" lvl="8" algn="l" rtl="0">
-              <a:lnSpc>
-                <a:spcPct val="100000"/>
-              </a:lnSpc>
-              <a:spcBef>
-                <a:spcPts val="0"/>
-              </a:spcBef>
-              <a:spcAft>
-                <a:spcPts val="1000"/>
-              </a:spcAft>
-              <a:buClr>
-                <a:srgbClr val="C7D3E6"/>
-              </a:buClr>
-              <a:buSzPct val="100000"/>
-              <a:buFont typeface="Roboto Condensed Light"/>
-              <a:buChar char="▻"/>
-              <a:defRPr sz="2000" b="0" i="0" u="none" strike="noStrike" cap="none">
-                <a:solidFill>
-                  <a:srgbClr val="263248"/>
-                </a:solidFill>
-                <a:latin typeface="Roboto Condensed Light"/>
-                <a:ea typeface="Roboto Condensed Light"/>
-                <a:cs typeface="Roboto Condensed Light"/>
-                <a:sym typeface="Roboto Condensed Light"/>
-              </a:defRPr>
-            </a:lvl9pPr>
-          </a:lstStyle>
-          <a:p>
-            <a:pPr algn="just"/>
-            <a:r>
-              <a:rPr lang="en-US" dirty="0"/>
-              <a:t>Since its birth in 2005, </a:t>
-            </a:r>
-            <a:r>
-              <a:rPr lang="en-US" dirty="0" err="1"/>
-              <a:t>Git</a:t>
-            </a:r>
-            <a:r>
-              <a:rPr lang="en-US" dirty="0"/>
-              <a:t> has evolved and matured to be easy to use and yet retain these initial qualities. It’s amazingly fast, it’s very efficient with large projects, and it has an incredible branching system for non-linear </a:t>
-            </a:r>
-            <a:r>
-              <a:rPr lang="en-US" dirty="0" smtClean="0"/>
-              <a:t>development.</a:t>
-            </a:r>
-            <a:endParaRPr lang="en-US" dirty="0"/>
-          </a:p>
-        </p:txBody>
-      </p:sp>
-    </p:spTree>
-    <p:extLst>
-      <p:ext uri="{BB962C8B-B14F-4D97-AF65-F5344CB8AC3E}">
-        <p14:creationId xmlns:p14="http://schemas.microsoft.com/office/powerpoint/2010/main" val="3524790405"/>
-      </p:ext>
-    </p:extLst>
-  </p:cSld>
-  <p:clrMapOvr>
-    <a:masterClrMapping/>
-  </p:clrMapOvr>
-  <p:timing>
-    <p:tnLst>
-      <p:par>
-        <p:cTn id="1" dur="indefinite" restart="never" nodeType="tmRoot"/>
-      </p:par>
-    </p:tnLst>
-  </p:timing>
-</p:sld>
-</file>
-
-<file path=ppt/slides/slide9.xml><?xml version="1.0" encoding="utf-8"?>
-<p:sld xmlns:a="http://schemas.openxmlformats.org/drawingml/2006/main" xmlns:r="http://schemas.openxmlformats.org/officeDocument/2006/relationships" xmlns:p="http://schemas.openxmlformats.org/presentationml/2006/main">
-  <p:cSld>
-    <p:spTree>
-      <p:nvGrpSpPr>
-        <p:cNvPr id="1" name=""/>
-        <p:cNvGrpSpPr/>
-        <p:nvPr/>
-      </p:nvGrpSpPr>
-      <p:grpSpPr>
-        <a:xfrm>
-          <a:off x="0" y="0"/>
-          <a:ext cx="0" cy="0"/>
-          <a:chOff x="0" y="0"/>
-          <a:chExt cx="0" cy="0"/>
-        </a:xfrm>
-      </p:grpSpPr>
-      <p:sp>
-        <p:nvSpPr>
-          <p:cNvPr id="2" name="Title 1"/>
-          <p:cNvSpPr>
-            <a:spLocks noGrp="1"/>
-          </p:cNvSpPr>
-          <p:nvPr>
-            <p:ph type="title"/>
-          </p:nvPr>
-        </p:nvSpPr>
-        <p:spPr/>
-        <p:txBody>
-          <a:bodyPr/>
-          <a:lstStyle/>
-          <a:p>
-            <a:r>
-              <a:rPr lang="en-US" sz="2400" dirty="0"/>
-              <a:t>A Short History of </a:t>
-            </a:r>
-            <a:r>
-              <a:rPr lang="en-US" sz="2400" dirty="0" err="1" smtClean="0"/>
-              <a:t>Git</a:t>
-            </a:r>
-            <a:endParaRPr lang="en-US" sz="2400" dirty="0"/>
-          </a:p>
-        </p:txBody>
-      </p:sp>
-      <p:sp>
-        <p:nvSpPr>
-          <p:cNvPr id="5" name="Slide Number Placeholder 4"/>
-          <p:cNvSpPr>
-            <a:spLocks noGrp="1"/>
-          </p:cNvSpPr>
-          <p:nvPr>
-            <p:ph type="sldNum" idx="12"/>
-          </p:nvPr>
-        </p:nvSpPr>
-        <p:spPr/>
-        <p:txBody>
-          <a:bodyPr/>
-          <a:lstStyle/>
-          <a:p>
-            <a:pPr lvl="0">
-              <a:spcBef>
-                <a:spcPts val="0"/>
-              </a:spcBef>
-              <a:buNone/>
-            </a:pPr>
-            <a:fld id="{00000000-1234-1234-1234-123412341234}" type="slidenum">
-              <a:rPr lang="en" smtClean="0"/>
-              <a:t>9</a:t>
-            </a:fld>
-            <a:endParaRPr lang="en"/>
-          </a:p>
-        </p:txBody>
-      </p:sp>
-      <p:sp>
-        <p:nvSpPr>
-          <p:cNvPr id="6" name="Text Placeholder 2">
-            <a:extLst>
-              <a:ext uri="{FF2B5EF4-FFF2-40B4-BE49-F238E27FC236}">
-                <a16:creationId xmlns="" xmlns:a16="http://schemas.microsoft.com/office/drawing/2014/main" id="{BCC204B9-DFA1-4491-83BA-272E5E5E14B8}"/>
-              </a:ext>
-            </a:extLst>
-          </p:cNvPr>
-          <p:cNvSpPr txBox="1">
-            <a:spLocks/>
-          </p:cNvSpPr>
-          <p:nvPr/>
-        </p:nvSpPr>
-        <p:spPr>
-          <a:xfrm>
-            <a:off x="228600" y="1581150"/>
-            <a:ext cx="8839200" cy="2724300"/>
-          </a:xfrm>
-          <a:prstGeom prst="rect">
-            <a:avLst/>
-          </a:prstGeom>
-          <a:noFill/>
-          <a:ln>
-            <a:noFill/>
-          </a:ln>
-        </p:spPr>
-        <p:txBody>
-          <a:bodyPr wrap="square" lIns="91425" tIns="91425" rIns="91425" bIns="91425" anchor="t" anchorCtr="0"/>
-          <a:lstStyle>
-            <a:defPPr marR="0" lvl="0" algn="l" rtl="0">
-              <a:lnSpc>
-                <a:spcPct val="100000"/>
-              </a:lnSpc>
-              <a:spcBef>
-                <a:spcPts val="0"/>
-              </a:spcBef>
-              <a:spcAft>
-                <a:spcPts val="0"/>
-              </a:spcAft>
-            </a:defPPr>
-            <a:lvl1pPr marR="0" lvl="0" algn="l" rtl="0">
-              <a:lnSpc>
-                <a:spcPct val="100000"/>
-              </a:lnSpc>
-              <a:spcBef>
-                <a:spcPts val="0"/>
-              </a:spcBef>
-              <a:spcAft>
-                <a:spcPts val="1000"/>
-              </a:spcAft>
-              <a:buClr>
-                <a:srgbClr val="C7D3E6"/>
-              </a:buClr>
-              <a:buSzPct val="100000"/>
-              <a:buFont typeface="Roboto Condensed Light"/>
-              <a:buChar char="▰"/>
-              <a:defRPr sz="2000" b="0" i="0" u="none" strike="noStrike" cap="none">
-                <a:solidFill>
-                  <a:srgbClr val="263248"/>
-                </a:solidFill>
-                <a:latin typeface="Roboto Condensed Light"/>
-                <a:ea typeface="Roboto Condensed Light"/>
-                <a:cs typeface="Roboto Condensed Light"/>
-                <a:sym typeface="Roboto Condensed Light"/>
-              </a:defRPr>
-            </a:lvl1pPr>
-            <a:lvl2pPr marR="0" lvl="1" algn="l" rtl="0">
-              <a:lnSpc>
-                <a:spcPct val="100000"/>
-              </a:lnSpc>
-              <a:spcBef>
-                <a:spcPts val="0"/>
-              </a:spcBef>
-              <a:spcAft>
-                <a:spcPts val="1000"/>
-              </a:spcAft>
-              <a:buClr>
-                <a:srgbClr val="C7D3E6"/>
-              </a:buClr>
-              <a:buSzPct val="100000"/>
-              <a:buFont typeface="Roboto Condensed Light"/>
-              <a:buChar char="▻"/>
-              <a:defRPr sz="2000" b="0" i="0" u="none" strike="noStrike" cap="none">
-                <a:solidFill>
-                  <a:srgbClr val="263248"/>
-                </a:solidFill>
-                <a:latin typeface="Roboto Condensed Light"/>
-                <a:ea typeface="Roboto Condensed Light"/>
-                <a:cs typeface="Roboto Condensed Light"/>
-                <a:sym typeface="Roboto Condensed Light"/>
-              </a:defRPr>
-            </a:lvl2pPr>
-            <a:lvl3pPr marR="0" lvl="2" algn="l" rtl="0">
-              <a:lnSpc>
-                <a:spcPct val="100000"/>
-              </a:lnSpc>
-              <a:spcBef>
-                <a:spcPts val="0"/>
-              </a:spcBef>
-              <a:spcAft>
-                <a:spcPts val="1000"/>
-              </a:spcAft>
-              <a:buClr>
-                <a:srgbClr val="C7D3E6"/>
-              </a:buClr>
-              <a:buSzPct val="100000"/>
-              <a:buFont typeface="Roboto Condensed Light"/>
-              <a:buChar char="▻"/>
-              <a:defRPr sz="2000" b="0" i="0" u="none" strike="noStrike" cap="none">
-                <a:solidFill>
-                  <a:srgbClr val="263248"/>
-                </a:solidFill>
-                <a:latin typeface="Roboto Condensed Light"/>
-                <a:ea typeface="Roboto Condensed Light"/>
-                <a:cs typeface="Roboto Condensed Light"/>
-                <a:sym typeface="Roboto Condensed Light"/>
-              </a:defRPr>
-            </a:lvl3pPr>
-            <a:lvl4pPr marR="0" lvl="3" algn="l" rtl="0">
-              <a:lnSpc>
-                <a:spcPct val="100000"/>
-              </a:lnSpc>
-              <a:spcBef>
-                <a:spcPts val="0"/>
-              </a:spcBef>
-              <a:spcAft>
-                <a:spcPts val="1000"/>
-              </a:spcAft>
-              <a:buClr>
-                <a:srgbClr val="C7D3E6"/>
-              </a:buClr>
-              <a:buSzPct val="100000"/>
-              <a:buFont typeface="Roboto Condensed Light"/>
-              <a:buChar char="▻"/>
-              <a:defRPr sz="2000" b="0" i="0" u="none" strike="noStrike" cap="none">
-                <a:solidFill>
-                  <a:srgbClr val="263248"/>
-                </a:solidFill>
-                <a:latin typeface="Roboto Condensed Light"/>
-                <a:ea typeface="Roboto Condensed Light"/>
-                <a:cs typeface="Roboto Condensed Light"/>
-                <a:sym typeface="Roboto Condensed Light"/>
-              </a:defRPr>
-            </a:lvl4pPr>
-            <a:lvl5pPr marR="0" lvl="4" algn="l" rtl="0">
-              <a:lnSpc>
-                <a:spcPct val="100000"/>
-              </a:lnSpc>
-              <a:spcBef>
-                <a:spcPts val="0"/>
-              </a:spcBef>
-              <a:spcAft>
-                <a:spcPts val="1000"/>
-              </a:spcAft>
-              <a:buClr>
-                <a:srgbClr val="C7D3E6"/>
-              </a:buClr>
-              <a:buSzPct val="100000"/>
-              <a:buFont typeface="Roboto Condensed Light"/>
-              <a:buChar char="▻"/>
-              <a:defRPr sz="2000" b="0" i="0" u="none" strike="noStrike" cap="none">
-                <a:solidFill>
-                  <a:srgbClr val="263248"/>
-                </a:solidFill>
-                <a:latin typeface="Roboto Condensed Light"/>
-                <a:ea typeface="Roboto Condensed Light"/>
-                <a:cs typeface="Roboto Condensed Light"/>
-                <a:sym typeface="Roboto Condensed Light"/>
-              </a:defRPr>
-            </a:lvl5pPr>
-            <a:lvl6pPr marR="0" lvl="5" algn="l" rtl="0">
-              <a:lnSpc>
-                <a:spcPct val="100000"/>
-              </a:lnSpc>
-              <a:spcBef>
-                <a:spcPts val="0"/>
-              </a:spcBef>
-              <a:spcAft>
-                <a:spcPts val="1000"/>
-              </a:spcAft>
-              <a:buClr>
-                <a:srgbClr val="C7D3E6"/>
-              </a:buClr>
-              <a:buSzPct val="100000"/>
-              <a:buFont typeface="Roboto Condensed Light"/>
-              <a:buChar char="▻"/>
-              <a:defRPr sz="2000" b="0" i="0" u="none" strike="noStrike" cap="none">
-                <a:solidFill>
-                  <a:srgbClr val="263248"/>
-                </a:solidFill>
-                <a:latin typeface="Roboto Condensed Light"/>
-                <a:ea typeface="Roboto Condensed Light"/>
-                <a:cs typeface="Roboto Condensed Light"/>
-                <a:sym typeface="Roboto Condensed Light"/>
-              </a:defRPr>
-            </a:lvl6pPr>
-            <a:lvl7pPr marR="0" lvl="6" algn="l" rtl="0">
-              <a:lnSpc>
-                <a:spcPct val="100000"/>
-              </a:lnSpc>
-              <a:spcBef>
-                <a:spcPts val="0"/>
-              </a:spcBef>
-              <a:spcAft>
-                <a:spcPts val="1000"/>
-              </a:spcAft>
-              <a:buClr>
-                <a:srgbClr val="C7D3E6"/>
-              </a:buClr>
-              <a:buSzPct val="100000"/>
-              <a:buFont typeface="Roboto Condensed Light"/>
-              <a:buChar char="▻"/>
-              <a:defRPr sz="2000" b="0" i="0" u="none" strike="noStrike" cap="none">
-                <a:solidFill>
-                  <a:srgbClr val="263248"/>
-                </a:solidFill>
-                <a:latin typeface="Roboto Condensed Light"/>
-                <a:ea typeface="Roboto Condensed Light"/>
-                <a:cs typeface="Roboto Condensed Light"/>
-                <a:sym typeface="Roboto Condensed Light"/>
-              </a:defRPr>
-            </a:lvl7pPr>
-            <a:lvl8pPr marR="0" lvl="7" algn="l" rtl="0">
-              <a:lnSpc>
-                <a:spcPct val="100000"/>
-              </a:lnSpc>
-              <a:spcBef>
-                <a:spcPts val="0"/>
-              </a:spcBef>
-              <a:spcAft>
-                <a:spcPts val="1000"/>
-              </a:spcAft>
-              <a:buClr>
-                <a:srgbClr val="C7D3E6"/>
-              </a:buClr>
-              <a:buSzPct val="100000"/>
-              <a:buFont typeface="Roboto Condensed Light"/>
-              <a:buChar char="▻"/>
-              <a:defRPr sz="2000" b="0" i="0" u="none" strike="noStrike" cap="none">
-                <a:solidFill>
-                  <a:srgbClr val="263248"/>
-                </a:solidFill>
-                <a:latin typeface="Roboto Condensed Light"/>
-                <a:ea typeface="Roboto Condensed Light"/>
-                <a:cs typeface="Roboto Condensed Light"/>
-                <a:sym typeface="Roboto Condensed Light"/>
-              </a:defRPr>
-            </a:lvl8pPr>
-            <a:lvl9pPr marR="0" lvl="8" algn="l" rtl="0">
-              <a:lnSpc>
-                <a:spcPct val="100000"/>
-              </a:lnSpc>
-              <a:spcBef>
-                <a:spcPts val="0"/>
-              </a:spcBef>
-              <a:spcAft>
-                <a:spcPts val="1000"/>
-              </a:spcAft>
-              <a:buClr>
-                <a:srgbClr val="C7D3E6"/>
-              </a:buClr>
-              <a:buSzPct val="100000"/>
-              <a:buFont typeface="Roboto Condensed Light"/>
-              <a:buChar char="▻"/>
-              <a:defRPr sz="2000" b="0" i="0" u="none" strike="noStrike" cap="none">
-                <a:solidFill>
-                  <a:srgbClr val="263248"/>
-                </a:solidFill>
-                <a:latin typeface="Roboto Condensed Light"/>
-                <a:ea typeface="Roboto Condensed Light"/>
-                <a:cs typeface="Roboto Condensed Light"/>
-                <a:sym typeface="Roboto Condensed Light"/>
-              </a:defRPr>
-            </a:lvl9pPr>
-          </a:lstStyle>
-          <a:p>
-            <a:r>
-              <a:rPr lang="en-US" dirty="0" smtClean="0"/>
-              <a:t>Speed</a:t>
-            </a:r>
-          </a:p>
-          <a:p>
-            <a:r>
-              <a:rPr lang="en-US" dirty="0" smtClean="0"/>
-              <a:t>Simple design</a:t>
-            </a:r>
-          </a:p>
-          <a:p>
-            <a:r>
-              <a:rPr lang="en-US" dirty="0" smtClean="0"/>
-              <a:t>Strong support for non-linear development (thousands of parallel branches)</a:t>
-            </a:r>
-          </a:p>
-          <a:p>
-            <a:r>
-              <a:rPr lang="en-US" dirty="0" smtClean="0"/>
-              <a:t>Fully distributed</a:t>
-            </a:r>
-          </a:p>
-          <a:p>
-            <a:r>
-              <a:rPr lang="en-US" dirty="0" smtClean="0"/>
-              <a:t>Able to handle large projects like the Linux kernel efficiently (speed and data size)</a:t>
-            </a:r>
-            <a:endParaRPr lang="en-US" dirty="0"/>
-          </a:p>
-        </p:txBody>
-      </p:sp>
-    </p:spTree>
-    <p:extLst>
-      <p:ext uri="{BB962C8B-B14F-4D97-AF65-F5344CB8AC3E}">
-        <p14:creationId xmlns:p14="http://schemas.microsoft.com/office/powerpoint/2010/main" val="1917808831"/>
-      </p:ext>
-    </p:extLst>
-  </p:cSld>
-  <p:clrMapOvr>
-    <a:masterClrMapping/>
-  </p:clrMapOvr>
-  <p:timing>
-    <p:tnLst>
-      <p:par>
-        <p:cTn id="1" dur="indefinite" restart="never" nodeType="tmRoot"/>
-      </p:par>
-    </p:tnLst>
-  </p:timing>
 </p:sld>
 </file>
 

--- a/GIT.pptx
+++ b/GIT.pptx
@@ -5,7 +5,7 @@
     <p:sldMasterId id="2147483657" r:id="rId1"/>
   </p:sldMasterIdLst>
   <p:notesMasterIdLst>
-    <p:notesMasterId r:id="rId104"/>
+    <p:notesMasterId r:id="rId103"/>
   </p:notesMasterIdLst>
   <p:sldIdLst>
     <p:sldId id="358" r:id="rId2"/>
@@ -88,63 +88,62 @@
     <p:sldId id="416" r:id="rId79"/>
     <p:sldId id="417" r:id="rId80"/>
     <p:sldId id="418" r:id="rId81"/>
-    <p:sldId id="419" r:id="rId82"/>
-    <p:sldId id="420" r:id="rId83"/>
-    <p:sldId id="421" r:id="rId84"/>
-    <p:sldId id="422" r:id="rId85"/>
-    <p:sldId id="423" r:id="rId86"/>
-    <p:sldId id="424" r:id="rId87"/>
-    <p:sldId id="425" r:id="rId88"/>
-    <p:sldId id="426" r:id="rId89"/>
-    <p:sldId id="427" r:id="rId90"/>
-    <p:sldId id="428" r:id="rId91"/>
-    <p:sldId id="430" r:id="rId92"/>
-    <p:sldId id="431" r:id="rId93"/>
-    <p:sldId id="432" r:id="rId94"/>
-    <p:sldId id="433" r:id="rId95"/>
-    <p:sldId id="434" r:id="rId96"/>
-    <p:sldId id="429" r:id="rId97"/>
-    <p:sldId id="367" r:id="rId98"/>
-    <p:sldId id="406" r:id="rId99"/>
-    <p:sldId id="407" r:id="rId100"/>
-    <p:sldId id="408" r:id="rId101"/>
-    <p:sldId id="409" r:id="rId102"/>
-    <p:sldId id="405" r:id="rId103"/>
+    <p:sldId id="420" r:id="rId82"/>
+    <p:sldId id="421" r:id="rId83"/>
+    <p:sldId id="422" r:id="rId84"/>
+    <p:sldId id="423" r:id="rId85"/>
+    <p:sldId id="424" r:id="rId86"/>
+    <p:sldId id="425" r:id="rId87"/>
+    <p:sldId id="426" r:id="rId88"/>
+    <p:sldId id="427" r:id="rId89"/>
+    <p:sldId id="428" r:id="rId90"/>
+    <p:sldId id="430" r:id="rId91"/>
+    <p:sldId id="431" r:id="rId92"/>
+    <p:sldId id="432" r:id="rId93"/>
+    <p:sldId id="433" r:id="rId94"/>
+    <p:sldId id="434" r:id="rId95"/>
+    <p:sldId id="429" r:id="rId96"/>
+    <p:sldId id="367" r:id="rId97"/>
+    <p:sldId id="406" r:id="rId98"/>
+    <p:sldId id="407" r:id="rId99"/>
+    <p:sldId id="408" r:id="rId100"/>
+    <p:sldId id="409" r:id="rId101"/>
+    <p:sldId id="405" r:id="rId102"/>
   </p:sldIdLst>
   <p:sldSz cx="9144000" cy="5143500" type="screen16x9"/>
   <p:notesSz cx="6858000" cy="9144000"/>
   <p:embeddedFontLst>
     <p:embeddedFont>
-      <p:font typeface="Roboto Condensed Light" charset="0"/>
+      <p:font typeface="Lucida Console" pitchFamily="49" charset="0"/>
+      <p:regular r:id="rId104"/>
+    </p:embeddedFont>
+    <p:embeddedFont>
+      <p:font typeface="Roboto Condensed" charset="0"/>
       <p:regular r:id="rId105"/>
       <p:bold r:id="rId106"/>
       <p:italic r:id="rId107"/>
       <p:boldItalic r:id="rId108"/>
     </p:embeddedFont>
     <p:embeddedFont>
-      <p:font typeface="Lucida Console" pitchFamily="49" charset="0"/>
+      <p:font typeface="Roboto Condensed Light" charset="0"/>
       <p:regular r:id="rId109"/>
-    </p:embeddedFont>
-    <p:embeddedFont>
-      <p:font typeface="Roboto Condensed" charset="0"/>
-      <p:regular r:id="rId110"/>
-      <p:bold r:id="rId111"/>
-      <p:italic r:id="rId112"/>
-      <p:boldItalic r:id="rId113"/>
+      <p:bold r:id="rId110"/>
+      <p:italic r:id="rId111"/>
+      <p:boldItalic r:id="rId112"/>
     </p:embeddedFont>
     <p:embeddedFont>
       <p:font typeface="Georgia" pitchFamily="18" charset="0"/>
-      <p:regular r:id="rId114"/>
-      <p:bold r:id="rId115"/>
-      <p:italic r:id="rId116"/>
-      <p:boldItalic r:id="rId117"/>
+      <p:regular r:id="rId113"/>
+      <p:bold r:id="rId114"/>
+      <p:italic r:id="rId115"/>
+      <p:boldItalic r:id="rId116"/>
     </p:embeddedFont>
     <p:embeddedFont>
       <p:font typeface="Arvo" charset="0"/>
-      <p:regular r:id="rId118"/>
-      <p:bold r:id="rId119"/>
-      <p:italic r:id="rId120"/>
-      <p:boldItalic r:id="rId121"/>
+      <p:regular r:id="rId117"/>
+      <p:bold r:id="rId118"/>
+      <p:italic r:id="rId119"/>
+      <p:boldItalic r:id="rId120"/>
     </p:embeddedFont>
   </p:embeddedFontLst>
   <p:defaultTextStyle>
@@ -6009,7 +6008,7 @@
           <a:p>
             <a:r>
               <a:rPr lang="vi-VN" dirty="0"/>
-              <a:t>3. Commit rồi, mà hên chưa push</a:t>
+              <a:t>4. Commit rồi, lỡ tay push luôn</a:t>
             </a:r>
             <a:br>
               <a:rPr lang="vi-VN" dirty="0"/>
@@ -6028,18 +6027,45 @@
             <p:ph type="body" idx="1"/>
           </p:nvPr>
         </p:nvSpPr>
-        <p:spPr/>
+        <p:spPr>
+          <a:xfrm>
+            <a:off x="762000" y="1581150"/>
+            <a:ext cx="6132600" cy="3145500"/>
+          </a:xfrm>
+        </p:spPr>
         <p:txBody>
           <a:bodyPr/>
           <a:lstStyle/>
           <a:p>
             <a:r>
               <a:rPr lang="vi-VN" dirty="0" smtClean="0"/>
-              <a:t>$ </a:t>
+              <a:t>Push </a:t>
             </a:r>
             <a:r>
               <a:rPr lang="vi-VN" dirty="0"/>
-              <a:t>git reset HEAD~1 --hard</a:t>
+              <a:t>lên rồi, có nghĩa là có thể đã có người fetch về sử dụng rồi, mà người ta đã lấy rồi thì không có chuyện giựt lại. Trong trường hợp này bạn cần đính chính lại: "À, nãy tao nhầm, lấy cái này nè</a:t>
+            </a:r>
+            <a:r>
+              <a:rPr lang="vi-VN" dirty="0" smtClean="0"/>
+              <a:t>".</a:t>
+            </a:r>
+            <a:endParaRPr lang="vi-VN" dirty="0"/>
+          </a:p>
+          <a:p>
+            <a:r>
+              <a:rPr lang="vi-VN" dirty="0"/>
+              <a:t>Vì thế, ta push 1 commit khác, nội dung là ngược lại cái vừa push để đính chính</a:t>
+            </a:r>
+            <a:r>
+              <a:rPr lang="vi-VN" dirty="0" smtClean="0"/>
+              <a:t>.</a:t>
+            </a:r>
+            <a:endParaRPr lang="en-US" dirty="0" smtClean="0"/>
+          </a:p>
+          <a:p>
+            <a:r>
+              <a:rPr lang="vi-VN" dirty="0"/>
+              <a:t>$ git revert HEAD~1..HEAD</a:t>
             </a:r>
           </a:p>
           <a:p>
@@ -6079,7 +6105,7 @@
     </p:spTree>
     <p:extLst>
       <p:ext uri="{BB962C8B-B14F-4D97-AF65-F5344CB8AC3E}">
-        <p14:creationId xmlns:p14="http://schemas.microsoft.com/office/powerpoint/2010/main" val="3596945404"/>
+        <p14:creationId xmlns:p14="http://schemas.microsoft.com/office/powerpoint/2010/main" val="4194538802"/>
       </p:ext>
     </p:extLst>
   </p:cSld>
@@ -6121,147 +6147,6 @@
           <a:bodyPr/>
           <a:lstStyle/>
           <a:p>
-            <a:r>
-              <a:rPr lang="vi-VN" dirty="0"/>
-              <a:t>4. Commit rồi, lỡ tay push luôn</a:t>
-            </a:r>
-            <a:br>
-              <a:rPr lang="vi-VN" dirty="0"/>
-            </a:br>
-            <a:endParaRPr lang="en-US" dirty="0"/>
-          </a:p>
-        </p:txBody>
-      </p:sp>
-      <p:sp>
-        <p:nvSpPr>
-          <p:cNvPr id="3" name="Text Placeholder 2"/>
-          <p:cNvSpPr>
-            <a:spLocks noGrp="1"/>
-          </p:cNvSpPr>
-          <p:nvPr>
-            <p:ph type="body" idx="1"/>
-          </p:nvPr>
-        </p:nvSpPr>
-        <p:spPr>
-          <a:xfrm>
-            <a:off x="762000" y="1581150"/>
-            <a:ext cx="6132600" cy="3145500"/>
-          </a:xfrm>
-        </p:spPr>
-        <p:txBody>
-          <a:bodyPr/>
-          <a:lstStyle/>
-          <a:p>
-            <a:r>
-              <a:rPr lang="vi-VN" dirty="0" smtClean="0"/>
-              <a:t>Push </a:t>
-            </a:r>
-            <a:r>
-              <a:rPr lang="vi-VN" dirty="0"/>
-              <a:t>lên rồi, có nghĩa là có thể đã có người fetch về sử dụng rồi, mà người ta đã lấy rồi thì không có chuyện giựt lại. Trong trường hợp này bạn cần đính chính lại: "À, nãy tao nhầm, lấy cái này nè</a:t>
-            </a:r>
-            <a:r>
-              <a:rPr lang="vi-VN" dirty="0" smtClean="0"/>
-              <a:t>".</a:t>
-            </a:r>
-            <a:endParaRPr lang="vi-VN" dirty="0"/>
-          </a:p>
-          <a:p>
-            <a:r>
-              <a:rPr lang="vi-VN" dirty="0"/>
-              <a:t>Vì thế, ta push 1 commit khác, nội dung là ngược lại cái vừa push để đính chính</a:t>
-            </a:r>
-            <a:r>
-              <a:rPr lang="vi-VN" dirty="0" smtClean="0"/>
-              <a:t>.</a:t>
-            </a:r>
-            <a:endParaRPr lang="en-US" dirty="0" smtClean="0"/>
-          </a:p>
-          <a:p>
-            <a:r>
-              <a:rPr lang="vi-VN" dirty="0"/>
-              <a:t>$ git revert HEAD~1..HEAD</a:t>
-            </a:r>
-          </a:p>
-          <a:p>
-            <a:endParaRPr lang="en-US" dirty="0"/>
-          </a:p>
-        </p:txBody>
-      </p:sp>
-      <p:sp>
-        <p:nvSpPr>
-          <p:cNvPr id="4" name="Slide Number Placeholder 3"/>
-          <p:cNvSpPr>
-            <a:spLocks noGrp="1"/>
-          </p:cNvSpPr>
-          <p:nvPr>
-            <p:ph type="sldNum" idx="12"/>
-          </p:nvPr>
-        </p:nvSpPr>
-        <p:spPr/>
-        <p:txBody>
-          <a:bodyPr/>
-          <a:lstStyle/>
-          <a:p>
-            <a:pPr lvl="0">
-              <a:spcBef>
-                <a:spcPts val="0"/>
-              </a:spcBef>
-              <a:buNone/>
-            </a:pPr>
-            <a:fld id="{00000000-1234-1234-1234-123412341234}" type="slidenum">
-              <a:rPr lang="en" smtClean="0"/>
-              <a:t>101</a:t>
-            </a:fld>
-            <a:endParaRPr lang="en"/>
-          </a:p>
-        </p:txBody>
-      </p:sp>
-    </p:spTree>
-    <p:extLst>
-      <p:ext uri="{BB962C8B-B14F-4D97-AF65-F5344CB8AC3E}">
-        <p14:creationId xmlns:p14="http://schemas.microsoft.com/office/powerpoint/2010/main" val="4194538802"/>
-      </p:ext>
-    </p:extLst>
-  </p:cSld>
-  <p:clrMapOvr>
-    <a:masterClrMapping/>
-  </p:clrMapOvr>
-</p:sld>
-</file>
-
-<file path=ppt/slides/slide102.xml><?xml version="1.0" encoding="utf-8"?>
-<p:sld xmlns:a="http://schemas.openxmlformats.org/drawingml/2006/main" xmlns:r="http://schemas.openxmlformats.org/officeDocument/2006/relationships" xmlns:p="http://schemas.openxmlformats.org/presentationml/2006/main">
-  <p:cSld>
-    <p:spTree>
-      <p:nvGrpSpPr>
-        <p:cNvPr id="1" name=""/>
-        <p:cNvGrpSpPr/>
-        <p:nvPr/>
-      </p:nvGrpSpPr>
-      <p:grpSpPr>
-        <a:xfrm>
-          <a:off x="0" y="0"/>
-          <a:ext cx="0" cy="0"/>
-          <a:chOff x="0" y="0"/>
-          <a:chExt cx="0" cy="0"/>
-        </a:xfrm>
-      </p:grpSpPr>
-      <p:sp>
-        <p:nvSpPr>
-          <p:cNvPr id="2" name="Title 1"/>
-          <p:cNvSpPr>
-            <a:spLocks noGrp="1"/>
-          </p:cNvSpPr>
-          <p:nvPr>
-            <p:ph type="title"/>
-          </p:nvPr>
-        </p:nvSpPr>
-        <p:spPr/>
-        <p:txBody>
-          <a:bodyPr/>
-          <a:lstStyle/>
-          <a:p>
             <a:endParaRPr lang="en-US"/>
           </a:p>
         </p:txBody>
@@ -6313,7 +6198,7 @@
             </a:pPr>
             <a:fld id="{00000000-1234-1234-1234-123412341234}" type="slidenum">
               <a:rPr lang="en" smtClean="0"/>
-              <a:t>102</a:t>
+              <a:t>101</a:t>
             </a:fld>
             <a:endParaRPr lang="en"/>
           </a:p>
@@ -29635,6 +29520,13 @@
   <p:clrMapOvr>
     <a:masterClrMapping/>
   </p:clrMapOvr>
+  <p:timing>
+    <p:tnLst>
+      <p:par>
+        <p:cTn id="1" dur="indefinite" restart="never" nodeType="tmRoot"/>
+      </p:par>
+    </p:tnLst>
+  </p:timing>
 </p:sld>
 </file>
 
@@ -29968,6 +29860,13 @@
   <p:clrMapOvr>
     <a:masterClrMapping/>
   </p:clrMapOvr>
+  <p:timing>
+    <p:tnLst>
+      <p:par>
+        <p:cTn id="1" dur="indefinite" restart="never" nodeType="tmRoot"/>
+      </p:par>
+    </p:tnLst>
+  </p:timing>
 </p:sld>
 </file>
 
@@ -30091,7 +29990,7 @@
         </p:nvSpPr>
         <p:spPr bwMode="auto">
           <a:xfrm>
-            <a:off x="4823" y="4004217"/>
+            <a:off x="457200" y="3790950"/>
             <a:ext cx="5029200" cy="1120107"/>
           </a:xfrm>
           <a:prstGeom prst="rect">
@@ -30272,6 +30171,13 @@
   <p:clrMapOvr>
     <a:masterClrMapping/>
   </p:clrMapOvr>
+  <p:timing>
+    <p:tnLst>
+      <p:par>
+        <p:cTn id="1" dur="indefinite" restart="never" nodeType="tmRoot"/>
+      </p:par>
+    </p:tnLst>
+  </p:timing>
 </p:sld>
 </file>
 
@@ -31924,12 +31830,8 @@
               <a:t>First, let’s say you’re working on your project and have a couple of commits already on the </a:t>
             </a:r>
             <a:r>
-              <a:rPr lang="en-US" dirty="0" err="1"/>
-              <a:t>masterbranch</a:t>
-            </a:r>
-            <a:r>
               <a:rPr lang="en-US" dirty="0" smtClean="0"/>
-              <a:t>.</a:t>
+              <a:t>master branch.</a:t>
             </a:r>
             <a:endParaRPr lang="en-US" dirty="0"/>
           </a:p>
@@ -32207,10 +32109,6 @@
               <a:rPr lang="en-US" dirty="0"/>
               <a:t> checkout iss53</a:t>
             </a:r>
-            <a:r>
-              <a:rPr lang="en-US" dirty="0"/>
-              <a:t/>
-            </a:r>
             <a:br>
               <a:rPr lang="en-US" dirty="0"/>
             </a:br>
@@ -32814,6 +32712,57 @@
       </p:sp>
       <p:sp>
         <p:nvSpPr>
+          <p:cNvPr id="3" name="Text Placeholder 2"/>
+          <p:cNvSpPr>
+            <a:spLocks noGrp="1"/>
+          </p:cNvSpPr>
+          <p:nvPr>
+            <p:ph type="body" idx="1"/>
+          </p:nvPr>
+        </p:nvSpPr>
+        <p:spPr>
+          <a:xfrm>
+            <a:off x="814274" y="1327350"/>
+            <a:ext cx="7643925" cy="3145500"/>
+          </a:xfrm>
+        </p:spPr>
+        <p:txBody>
+          <a:bodyPr/>
+          <a:lstStyle/>
+          <a:p>
+            <a:r>
+              <a:rPr lang="en-US" dirty="0"/>
+              <a:t>You work on your website and do some commits. Doing so moves the iss53 branch forward, because you have it checked out (that is, your HEAD is pointing to it):</a:t>
+            </a:r>
+          </a:p>
+          <a:p>
+            <a:r>
+              <a:rPr lang="en-US" dirty="0"/>
+              <a:t>$ vim index.html </a:t>
+            </a:r>
+            <a:endParaRPr lang="en-US" dirty="0" smtClean="0"/>
+          </a:p>
+          <a:p>
+            <a:r>
+              <a:rPr lang="en-US" dirty="0" smtClean="0"/>
+              <a:t>$ </a:t>
+            </a:r>
+            <a:r>
+              <a:rPr lang="en-US" dirty="0" err="1"/>
+              <a:t>git</a:t>
+            </a:r>
+            <a:r>
+              <a:rPr lang="en-US" dirty="0"/>
+              <a:t> commit -a -m 'added a new footer [issue 53]'</a:t>
+            </a:r>
+          </a:p>
+          <a:p>
+            <a:endParaRPr lang="en-US" dirty="0"/>
+          </a:p>
+        </p:txBody>
+      </p:sp>
+      <p:sp>
+        <p:nvSpPr>
           <p:cNvPr id="4" name="Slide Number Placeholder 3"/>
           <p:cNvSpPr>
             <a:spLocks noGrp="1"/>
@@ -32841,51 +32790,10 @@
           </a:p>
         </p:txBody>
       </p:sp>
-      <p:pic>
-        <p:nvPicPr>
-          <p:cNvPr id="7170" name="Picture 2" descr="Creating a new branch pointer."/>
-          <p:cNvPicPr>
-            <a:picLocks noChangeAspect="1" noChangeArrowheads="1"/>
-          </p:cNvPicPr>
-          <p:nvPr/>
-        </p:nvPicPr>
-        <p:blipFill>
-          <a:blip r:embed="rId2">
-            <a:extLst>
-              <a:ext uri="{28A0092B-C50C-407E-A947-70E740481C1C}">
-                <a14:useLocalDpi xmlns:a14="http://schemas.microsoft.com/office/drawing/2010/main" val="0"/>
-              </a:ext>
-            </a:extLst>
-          </a:blip>
-          <a:srcRect/>
-          <a:stretch>
-            <a:fillRect/>
-          </a:stretch>
-        </p:blipFill>
-        <p:spPr bwMode="auto">
-          <a:xfrm>
-            <a:off x="152400" y="1504950"/>
-            <a:ext cx="6934200" cy="3380423"/>
-          </a:xfrm>
-          <a:prstGeom prst="rect">
-            <a:avLst/>
-          </a:prstGeom>
-          <a:noFill/>
-          <a:extLst>
-            <a:ext uri="{909E8E84-426E-40DD-AFC4-6F175D3DCCD1}">
-              <a14:hiddenFill xmlns:a14="http://schemas.microsoft.com/office/drawing/2010/main">
-                <a:solidFill>
-                  <a:srgbClr val="FFFFFF"/>
-                </a:solidFill>
-              </a14:hiddenFill>
-            </a:ext>
-          </a:extLst>
-        </p:spPr>
-      </p:pic>
     </p:spTree>
     <p:extLst>
       <p:ext uri="{BB962C8B-B14F-4D97-AF65-F5344CB8AC3E}">
-        <p14:creationId xmlns:p14="http://schemas.microsoft.com/office/powerpoint/2010/main" val="1760162588"/>
+        <p14:creationId xmlns:p14="http://schemas.microsoft.com/office/powerpoint/2010/main" val="2259062870"/>
       </p:ext>
     </p:extLst>
   </p:cSld>
@@ -32936,57 +32844,6 @@
       </p:sp>
       <p:sp>
         <p:nvSpPr>
-          <p:cNvPr id="3" name="Text Placeholder 2"/>
-          <p:cNvSpPr>
-            <a:spLocks noGrp="1"/>
-          </p:cNvSpPr>
-          <p:nvPr>
-            <p:ph type="body" idx="1"/>
-          </p:nvPr>
-        </p:nvSpPr>
-        <p:spPr>
-          <a:xfrm>
-            <a:off x="814274" y="1327350"/>
-            <a:ext cx="7643925" cy="3145500"/>
-          </a:xfrm>
-        </p:spPr>
-        <p:txBody>
-          <a:bodyPr/>
-          <a:lstStyle/>
-          <a:p>
-            <a:r>
-              <a:rPr lang="en-US" dirty="0"/>
-              <a:t>You work on your website and do some commits. Doing so moves the iss53 branch forward, because you have it checked out (that is, your HEAD is pointing to it):</a:t>
-            </a:r>
-          </a:p>
-          <a:p>
-            <a:r>
-              <a:rPr lang="en-US" dirty="0"/>
-              <a:t>$ vim index.html </a:t>
-            </a:r>
-            <a:endParaRPr lang="en-US" dirty="0" smtClean="0"/>
-          </a:p>
-          <a:p>
-            <a:r>
-              <a:rPr lang="en-US" dirty="0" smtClean="0"/>
-              <a:t>$ </a:t>
-            </a:r>
-            <a:r>
-              <a:rPr lang="en-US" dirty="0" err="1"/>
-              <a:t>git</a:t>
-            </a:r>
-            <a:r>
-              <a:rPr lang="en-US" dirty="0"/>
-              <a:t> commit -a -m 'added a new footer [issue 53]'</a:t>
-            </a:r>
-          </a:p>
-          <a:p>
-            <a:endParaRPr lang="en-US" dirty="0"/>
-          </a:p>
-        </p:txBody>
-      </p:sp>
-      <p:sp>
-        <p:nvSpPr>
           <p:cNvPr id="4" name="Slide Number Placeholder 3"/>
           <p:cNvSpPr>
             <a:spLocks noGrp="1"/>
@@ -33009,87 +32866,6 @@
             <a:fld id="{00000000-1234-1234-1234-123412341234}" type="slidenum">
               <a:rPr lang="en" smtClean="0"/>
               <a:t>82</a:t>
-            </a:fld>
-            <a:endParaRPr lang="en"/>
-          </a:p>
-        </p:txBody>
-      </p:sp>
-    </p:spTree>
-    <p:extLst>
-      <p:ext uri="{BB962C8B-B14F-4D97-AF65-F5344CB8AC3E}">
-        <p14:creationId xmlns:p14="http://schemas.microsoft.com/office/powerpoint/2010/main" val="2259062870"/>
-      </p:ext>
-    </p:extLst>
-  </p:cSld>
-  <p:clrMapOvr>
-    <a:masterClrMapping/>
-  </p:clrMapOvr>
-</p:sld>
-</file>
-
-<file path=ppt/slides/slide83.xml><?xml version="1.0" encoding="utf-8"?>
-<p:sld xmlns:a="http://schemas.openxmlformats.org/drawingml/2006/main" xmlns:r="http://schemas.openxmlformats.org/officeDocument/2006/relationships" xmlns:p="http://schemas.openxmlformats.org/presentationml/2006/main">
-  <p:cSld>
-    <p:spTree>
-      <p:nvGrpSpPr>
-        <p:cNvPr id="1" name=""/>
-        <p:cNvGrpSpPr/>
-        <p:nvPr/>
-      </p:nvGrpSpPr>
-      <p:grpSpPr>
-        <a:xfrm>
-          <a:off x="0" y="0"/>
-          <a:ext cx="0" cy="0"/>
-          <a:chOff x="0" y="0"/>
-          <a:chExt cx="0" cy="0"/>
-        </a:xfrm>
-      </p:grpSpPr>
-      <p:sp>
-        <p:nvSpPr>
-          <p:cNvPr id="2" name="Title 1"/>
-          <p:cNvSpPr>
-            <a:spLocks noGrp="1"/>
-          </p:cNvSpPr>
-          <p:nvPr>
-            <p:ph type="title"/>
-          </p:nvPr>
-        </p:nvSpPr>
-        <p:spPr/>
-        <p:txBody>
-          <a:bodyPr/>
-          <a:lstStyle/>
-          <a:p>
-            <a:r>
-              <a:rPr lang="en-US" dirty="0"/>
-              <a:t>BASIC BRANCHING</a:t>
-            </a:r>
-          </a:p>
-        </p:txBody>
-      </p:sp>
-      <p:sp>
-        <p:nvSpPr>
-          <p:cNvPr id="4" name="Slide Number Placeholder 3"/>
-          <p:cNvSpPr>
-            <a:spLocks noGrp="1"/>
-          </p:cNvSpPr>
-          <p:nvPr>
-            <p:ph type="sldNum" idx="12"/>
-          </p:nvPr>
-        </p:nvSpPr>
-        <p:spPr/>
-        <p:txBody>
-          <a:bodyPr/>
-          <a:lstStyle/>
-          <a:p>
-            <a:pPr lvl="0">
-              <a:spcBef>
-                <a:spcPts val="0"/>
-              </a:spcBef>
-              <a:buNone/>
-            </a:pPr>
-            <a:fld id="{00000000-1234-1234-1234-123412341234}" type="slidenum">
-              <a:rPr lang="en" smtClean="0"/>
-              <a:t>83</a:t>
             </a:fld>
             <a:endParaRPr lang="en"/>
           </a:p>
@@ -33149,6 +32925,177 @@
 </p:sld>
 </file>
 
+<file path=ppt/slides/slide83.xml><?xml version="1.0" encoding="utf-8"?>
+<p:sld xmlns:a="http://schemas.openxmlformats.org/drawingml/2006/main" xmlns:r="http://schemas.openxmlformats.org/officeDocument/2006/relationships" xmlns:p="http://schemas.openxmlformats.org/presentationml/2006/main">
+  <p:cSld>
+    <p:spTree>
+      <p:nvGrpSpPr>
+        <p:cNvPr id="1" name=""/>
+        <p:cNvGrpSpPr/>
+        <p:nvPr/>
+      </p:nvGrpSpPr>
+      <p:grpSpPr>
+        <a:xfrm>
+          <a:off x="0" y="0"/>
+          <a:ext cx="0" cy="0"/>
+          <a:chOff x="0" y="0"/>
+          <a:chExt cx="0" cy="0"/>
+        </a:xfrm>
+      </p:grpSpPr>
+      <p:sp>
+        <p:nvSpPr>
+          <p:cNvPr id="2" name="Title 1"/>
+          <p:cNvSpPr>
+            <a:spLocks noGrp="1"/>
+          </p:cNvSpPr>
+          <p:nvPr>
+            <p:ph type="title"/>
+          </p:nvPr>
+        </p:nvSpPr>
+        <p:spPr/>
+        <p:txBody>
+          <a:bodyPr/>
+          <a:lstStyle/>
+          <a:p>
+            <a:r>
+              <a:rPr lang="en-US" dirty="0"/>
+              <a:t>BASIC BRANCHING</a:t>
+            </a:r>
+          </a:p>
+        </p:txBody>
+      </p:sp>
+      <p:sp>
+        <p:nvSpPr>
+          <p:cNvPr id="3" name="Text Placeholder 2"/>
+          <p:cNvSpPr>
+            <a:spLocks noGrp="1"/>
+          </p:cNvSpPr>
+          <p:nvPr>
+            <p:ph type="body" idx="1"/>
+          </p:nvPr>
+        </p:nvSpPr>
+        <p:spPr>
+          <a:xfrm>
+            <a:off x="814274" y="1327350"/>
+            <a:ext cx="7491525" cy="3145500"/>
+          </a:xfrm>
+        </p:spPr>
+        <p:txBody>
+          <a:bodyPr/>
+          <a:lstStyle/>
+          <a:p>
+            <a:pPr>
+              <a:buNone/>
+            </a:pPr>
+            <a:r>
+              <a:rPr lang="en-US" i="1" dirty="0"/>
+              <a:t>Next, you have a hotfix to make. Let’s create a hotfix branch on which to work until it’s completed:</a:t>
+            </a:r>
+          </a:p>
+          <a:p>
+            <a:r>
+              <a:rPr lang="en-US" dirty="0"/>
+              <a:t>$ </a:t>
+            </a:r>
+            <a:r>
+              <a:rPr lang="en-US" dirty="0" err="1"/>
+              <a:t>git</a:t>
+            </a:r>
+            <a:r>
+              <a:rPr lang="en-US" dirty="0"/>
+              <a:t> checkout -b hotfix </a:t>
+            </a:r>
+            <a:endParaRPr lang="en-US" dirty="0" smtClean="0"/>
+          </a:p>
+          <a:p>
+            <a:pPr>
+              <a:buNone/>
+            </a:pPr>
+            <a:r>
+              <a:rPr lang="en-US" i="1" dirty="0" smtClean="0"/>
+              <a:t>Switched </a:t>
+            </a:r>
+            <a:r>
+              <a:rPr lang="en-US" i="1" dirty="0"/>
+              <a:t>to a new branch 'hotfix' </a:t>
+            </a:r>
+            <a:endParaRPr lang="en-US" i="1" dirty="0" smtClean="0"/>
+          </a:p>
+          <a:p>
+            <a:pPr marL="342900" indent="-342900"/>
+            <a:r>
+              <a:rPr lang="en-US" dirty="0" smtClean="0"/>
+              <a:t>$ </a:t>
+            </a:r>
+            <a:r>
+              <a:rPr lang="en-US" dirty="0"/>
+              <a:t>vim index.html </a:t>
+            </a:r>
+            <a:endParaRPr lang="en-US" dirty="0" smtClean="0"/>
+          </a:p>
+          <a:p>
+            <a:pPr marL="342900" indent="-342900"/>
+            <a:r>
+              <a:rPr lang="en-US" dirty="0" smtClean="0"/>
+              <a:t>$ </a:t>
+            </a:r>
+            <a:r>
+              <a:rPr lang="en-US" dirty="0" err="1"/>
+              <a:t>git</a:t>
+            </a:r>
+            <a:r>
+              <a:rPr lang="en-US" dirty="0"/>
+              <a:t> commit -a -m 'fixed the broken email address'</a:t>
+            </a:r>
+            <a:br>
+              <a:rPr lang="en-US" dirty="0"/>
+            </a:br>
+            <a:endParaRPr lang="en-US" dirty="0"/>
+          </a:p>
+        </p:txBody>
+      </p:sp>
+      <p:sp>
+        <p:nvSpPr>
+          <p:cNvPr id="4" name="Slide Number Placeholder 3"/>
+          <p:cNvSpPr>
+            <a:spLocks noGrp="1"/>
+          </p:cNvSpPr>
+          <p:nvPr>
+            <p:ph type="sldNum" idx="12"/>
+          </p:nvPr>
+        </p:nvSpPr>
+        <p:spPr/>
+        <p:txBody>
+          <a:bodyPr/>
+          <a:lstStyle/>
+          <a:p>
+            <a:pPr lvl="0">
+              <a:spcBef>
+                <a:spcPts val="0"/>
+              </a:spcBef>
+              <a:buNone/>
+            </a:pPr>
+            <a:fld id="{00000000-1234-1234-1234-123412341234}" type="slidenum">
+              <a:rPr lang="en" smtClean="0"/>
+              <a:t>83</a:t>
+            </a:fld>
+            <a:endParaRPr lang="en"/>
+          </a:p>
+        </p:txBody>
+      </p:sp>
+    </p:spTree>
+    <p:extLst>
+      <p:ext uri="{BB962C8B-B14F-4D97-AF65-F5344CB8AC3E}">
+        <p14:creationId xmlns:p14="http://schemas.microsoft.com/office/powerpoint/2010/main" val="1153637586"/>
+      </p:ext>
+    </p:extLst>
+  </p:cSld>
+  <p:clrMapOvr>
+    <a:masterClrMapping/>
+  </p:clrMapOvr>
+</p:sld>
+</file>
+
 <file path=ppt/slides/slide84.xml><?xml version="1.0" encoding="utf-8"?>
 <p:sld xmlns:a="http://schemas.openxmlformats.org/drawingml/2006/main" xmlns:r="http://schemas.openxmlformats.org/officeDocument/2006/relationships" xmlns:p="http://schemas.openxmlformats.org/presentationml/2006/main">
   <p:cSld>
@@ -33190,100 +33137,6 @@
       </p:sp>
       <p:sp>
         <p:nvSpPr>
-          <p:cNvPr id="3" name="Text Placeholder 2"/>
-          <p:cNvSpPr>
-            <a:spLocks noGrp="1"/>
-          </p:cNvSpPr>
-          <p:nvPr>
-            <p:ph type="body" idx="1"/>
-          </p:nvPr>
-        </p:nvSpPr>
-        <p:spPr>
-          <a:xfrm>
-            <a:off x="814274" y="1327350"/>
-            <a:ext cx="7491525" cy="3145500"/>
-          </a:xfrm>
-        </p:spPr>
-        <p:txBody>
-          <a:bodyPr/>
-          <a:lstStyle/>
-          <a:p>
-            <a:pPr>
-              <a:buNone/>
-            </a:pPr>
-            <a:r>
-              <a:rPr lang="en-US" i="1" dirty="0"/>
-              <a:t>Next, you have a hotfix to make. Let’s create a hotfix branch on which to work until it’s completed:</a:t>
-            </a:r>
-          </a:p>
-          <a:p>
-            <a:r>
-              <a:rPr lang="en-US" dirty="0"/>
-              <a:t>$ </a:t>
-            </a:r>
-            <a:r>
-              <a:rPr lang="en-US" dirty="0" err="1"/>
-              <a:t>git</a:t>
-            </a:r>
-            <a:r>
-              <a:rPr lang="en-US" dirty="0"/>
-              <a:t> checkout -b hotfix </a:t>
-            </a:r>
-            <a:endParaRPr lang="en-US" dirty="0" smtClean="0"/>
-          </a:p>
-          <a:p>
-            <a:pPr>
-              <a:buNone/>
-            </a:pPr>
-            <a:r>
-              <a:rPr lang="en-US" i="1" dirty="0" smtClean="0"/>
-              <a:t>Switched </a:t>
-            </a:r>
-            <a:r>
-              <a:rPr lang="en-US" i="1" dirty="0"/>
-              <a:t>to a new branch 'hotfix' </a:t>
-            </a:r>
-            <a:endParaRPr lang="en-US" i="1" dirty="0" smtClean="0"/>
-          </a:p>
-          <a:p>
-            <a:pPr marL="342900" indent="-342900"/>
-            <a:r>
-              <a:rPr lang="en-US" dirty="0" smtClean="0"/>
-              <a:t>$ </a:t>
-            </a:r>
-            <a:r>
-              <a:rPr lang="en-US" dirty="0"/>
-              <a:t>vim index.html </a:t>
-            </a:r>
-            <a:endParaRPr lang="en-US" dirty="0" smtClean="0"/>
-          </a:p>
-          <a:p>
-            <a:pPr marL="342900" indent="-342900"/>
-            <a:r>
-              <a:rPr lang="en-US" dirty="0" smtClean="0"/>
-              <a:t>$ </a:t>
-            </a:r>
-            <a:r>
-              <a:rPr lang="en-US" dirty="0" err="1"/>
-              <a:t>git</a:t>
-            </a:r>
-            <a:r>
-              <a:rPr lang="en-US" dirty="0"/>
-              <a:t> commit -a -m 'fixed the broken email address'</a:t>
-            </a:r>
-            <a:r>
-              <a:rPr lang="en-US" dirty="0"/>
-              <a:t/>
-            </a:r>
-            <a:br>
-              <a:rPr lang="en-US" dirty="0"/>
-            </a:br>
-            <a:endParaRPr lang="en-US" dirty="0"/>
-          </a:p>
-        </p:txBody>
-      </p:sp>
-      <p:sp>
-        <p:nvSpPr>
           <p:cNvPr id="4" name="Slide Number Placeholder 3"/>
           <p:cNvSpPr>
             <a:spLocks noGrp="1"/>
@@ -33306,87 +33159,6 @@
             <a:fld id="{00000000-1234-1234-1234-123412341234}" type="slidenum">
               <a:rPr lang="en" smtClean="0"/>
               <a:t>84</a:t>
-            </a:fld>
-            <a:endParaRPr lang="en"/>
-          </a:p>
-        </p:txBody>
-      </p:sp>
-    </p:spTree>
-    <p:extLst>
-      <p:ext uri="{BB962C8B-B14F-4D97-AF65-F5344CB8AC3E}">
-        <p14:creationId xmlns:p14="http://schemas.microsoft.com/office/powerpoint/2010/main" val="1153637586"/>
-      </p:ext>
-    </p:extLst>
-  </p:cSld>
-  <p:clrMapOvr>
-    <a:masterClrMapping/>
-  </p:clrMapOvr>
-</p:sld>
-</file>
-
-<file path=ppt/slides/slide85.xml><?xml version="1.0" encoding="utf-8"?>
-<p:sld xmlns:a="http://schemas.openxmlformats.org/drawingml/2006/main" xmlns:r="http://schemas.openxmlformats.org/officeDocument/2006/relationships" xmlns:p="http://schemas.openxmlformats.org/presentationml/2006/main">
-  <p:cSld>
-    <p:spTree>
-      <p:nvGrpSpPr>
-        <p:cNvPr id="1" name=""/>
-        <p:cNvGrpSpPr/>
-        <p:nvPr/>
-      </p:nvGrpSpPr>
-      <p:grpSpPr>
-        <a:xfrm>
-          <a:off x="0" y="0"/>
-          <a:ext cx="0" cy="0"/>
-          <a:chOff x="0" y="0"/>
-          <a:chExt cx="0" cy="0"/>
-        </a:xfrm>
-      </p:grpSpPr>
-      <p:sp>
-        <p:nvSpPr>
-          <p:cNvPr id="2" name="Title 1"/>
-          <p:cNvSpPr>
-            <a:spLocks noGrp="1"/>
-          </p:cNvSpPr>
-          <p:nvPr>
-            <p:ph type="title"/>
-          </p:nvPr>
-        </p:nvSpPr>
-        <p:spPr/>
-        <p:txBody>
-          <a:bodyPr/>
-          <a:lstStyle/>
-          <a:p>
-            <a:r>
-              <a:rPr lang="en-US" dirty="0"/>
-              <a:t>BASIC BRANCHING</a:t>
-            </a:r>
-          </a:p>
-        </p:txBody>
-      </p:sp>
-      <p:sp>
-        <p:nvSpPr>
-          <p:cNvPr id="4" name="Slide Number Placeholder 3"/>
-          <p:cNvSpPr>
-            <a:spLocks noGrp="1"/>
-          </p:cNvSpPr>
-          <p:nvPr>
-            <p:ph type="sldNum" idx="12"/>
-          </p:nvPr>
-        </p:nvSpPr>
-        <p:spPr/>
-        <p:txBody>
-          <a:bodyPr/>
-          <a:lstStyle/>
-          <a:p>
-            <a:pPr lvl="0">
-              <a:spcBef>
-                <a:spcPts val="0"/>
-              </a:spcBef>
-              <a:buNone/>
-            </a:pPr>
-            <a:fld id="{00000000-1234-1234-1234-123412341234}" type="slidenum">
-              <a:rPr lang="en" smtClean="0"/>
-              <a:t>85</a:t>
             </a:fld>
             <a:endParaRPr lang="en"/>
           </a:p>
@@ -33446,6 +33218,139 @@
 </p:sld>
 </file>
 
+<file path=ppt/slides/slide85.xml><?xml version="1.0" encoding="utf-8"?>
+<p:sld xmlns:a="http://schemas.openxmlformats.org/drawingml/2006/main" xmlns:r="http://schemas.openxmlformats.org/officeDocument/2006/relationships" xmlns:p="http://schemas.openxmlformats.org/presentationml/2006/main">
+  <p:cSld>
+    <p:spTree>
+      <p:nvGrpSpPr>
+        <p:cNvPr id="1" name=""/>
+        <p:cNvGrpSpPr/>
+        <p:nvPr/>
+      </p:nvGrpSpPr>
+      <p:grpSpPr>
+        <a:xfrm>
+          <a:off x="0" y="0"/>
+          <a:ext cx="0" cy="0"/>
+          <a:chOff x="0" y="0"/>
+          <a:chExt cx="0" cy="0"/>
+        </a:xfrm>
+      </p:grpSpPr>
+      <p:sp>
+        <p:nvSpPr>
+          <p:cNvPr id="2" name="Title 1"/>
+          <p:cNvSpPr>
+            <a:spLocks noGrp="1"/>
+          </p:cNvSpPr>
+          <p:nvPr>
+            <p:ph type="title"/>
+          </p:nvPr>
+        </p:nvSpPr>
+        <p:spPr/>
+        <p:txBody>
+          <a:bodyPr/>
+          <a:lstStyle/>
+          <a:p>
+            <a:r>
+              <a:rPr lang="en-US" dirty="0"/>
+              <a:t>BASIC BRANCHING</a:t>
+            </a:r>
+          </a:p>
+        </p:txBody>
+      </p:sp>
+      <p:sp>
+        <p:nvSpPr>
+          <p:cNvPr id="3" name="Text Placeholder 2"/>
+          <p:cNvSpPr>
+            <a:spLocks noGrp="1"/>
+          </p:cNvSpPr>
+          <p:nvPr>
+            <p:ph type="body" idx="1"/>
+          </p:nvPr>
+        </p:nvSpPr>
+        <p:spPr/>
+        <p:txBody>
+          <a:bodyPr/>
+          <a:lstStyle/>
+          <a:p>
+            <a:r>
+              <a:rPr lang="sv-SE" dirty="0"/>
+              <a:t>$ git checkout master </a:t>
+            </a:r>
+            <a:endParaRPr lang="sv-SE" dirty="0" smtClean="0"/>
+          </a:p>
+          <a:p>
+            <a:r>
+              <a:rPr lang="sv-SE" dirty="0" smtClean="0"/>
+              <a:t>$ </a:t>
+            </a:r>
+            <a:r>
+              <a:rPr lang="sv-SE" dirty="0"/>
+              <a:t>git merge </a:t>
+            </a:r>
+            <a:r>
+              <a:rPr lang="sv-SE" dirty="0" smtClean="0"/>
+              <a:t>hotfix</a:t>
+            </a:r>
+          </a:p>
+          <a:p>
+            <a:endParaRPr lang="sv-SE" dirty="0"/>
+          </a:p>
+          <a:p>
+            <a:endParaRPr lang="sv-SE" dirty="0" smtClean="0"/>
+          </a:p>
+          <a:p>
+            <a:endParaRPr lang="sv-SE" dirty="0"/>
+          </a:p>
+          <a:p>
+            <a:pPr>
+              <a:buNone/>
+            </a:pPr>
+            <a:endParaRPr lang="en-US" dirty="0"/>
+          </a:p>
+        </p:txBody>
+      </p:sp>
+      <p:sp>
+        <p:nvSpPr>
+          <p:cNvPr id="4" name="Slide Number Placeholder 3"/>
+          <p:cNvSpPr>
+            <a:spLocks noGrp="1"/>
+          </p:cNvSpPr>
+          <p:nvPr>
+            <p:ph type="sldNum" idx="12"/>
+          </p:nvPr>
+        </p:nvSpPr>
+        <p:spPr/>
+        <p:txBody>
+          <a:bodyPr/>
+          <a:lstStyle/>
+          <a:p>
+            <a:pPr lvl="0">
+              <a:spcBef>
+                <a:spcPts val="0"/>
+              </a:spcBef>
+              <a:buNone/>
+            </a:pPr>
+            <a:fld id="{00000000-1234-1234-1234-123412341234}" type="slidenum">
+              <a:rPr lang="en" smtClean="0"/>
+              <a:t>85</a:t>
+            </a:fld>
+            <a:endParaRPr lang="en"/>
+          </a:p>
+        </p:txBody>
+      </p:sp>
+    </p:spTree>
+    <p:extLst>
+      <p:ext uri="{BB962C8B-B14F-4D97-AF65-F5344CB8AC3E}">
+        <p14:creationId xmlns:p14="http://schemas.microsoft.com/office/powerpoint/2010/main" val="1716143699"/>
+      </p:ext>
+    </p:extLst>
+  </p:cSld>
+  <p:clrMapOvr>
+    <a:masterClrMapping/>
+  </p:clrMapOvr>
+</p:sld>
+</file>
+
 <file path=ppt/slides/slide86.xml><?xml version="1.0" encoding="utf-8"?>
 <p:sld xmlns:a="http://schemas.openxmlformats.org/drawingml/2006/main" xmlns:r="http://schemas.openxmlformats.org/officeDocument/2006/relationships" xmlns:p="http://schemas.openxmlformats.org/presentationml/2006/main">
   <p:cSld>
@@ -33487,58 +33392,6 @@
       </p:sp>
       <p:sp>
         <p:nvSpPr>
-          <p:cNvPr id="3" name="Text Placeholder 2"/>
-          <p:cNvSpPr>
-            <a:spLocks noGrp="1"/>
-          </p:cNvSpPr>
-          <p:nvPr>
-            <p:ph type="body" idx="1"/>
-          </p:nvPr>
-        </p:nvSpPr>
-        <p:spPr/>
-        <p:txBody>
-          <a:bodyPr/>
-          <a:lstStyle/>
-          <a:p>
-            <a:r>
-              <a:rPr lang="sv-SE" dirty="0"/>
-              <a:t>$ git checkout master </a:t>
-            </a:r>
-            <a:endParaRPr lang="sv-SE" dirty="0" smtClean="0"/>
-          </a:p>
-          <a:p>
-            <a:r>
-              <a:rPr lang="sv-SE" dirty="0" smtClean="0"/>
-              <a:t>$ </a:t>
-            </a:r>
-            <a:r>
-              <a:rPr lang="sv-SE" dirty="0"/>
-              <a:t>git merge </a:t>
-            </a:r>
-            <a:r>
-              <a:rPr lang="sv-SE" dirty="0" smtClean="0"/>
-              <a:t>hotfix</a:t>
-            </a:r>
-          </a:p>
-          <a:p>
-            <a:endParaRPr lang="sv-SE" dirty="0"/>
-          </a:p>
-          <a:p>
-            <a:endParaRPr lang="sv-SE" dirty="0" smtClean="0"/>
-          </a:p>
-          <a:p>
-            <a:endParaRPr lang="sv-SE" dirty="0"/>
-          </a:p>
-          <a:p>
-            <a:pPr>
-              <a:buNone/>
-            </a:pPr>
-            <a:endParaRPr lang="en-US" dirty="0"/>
-          </a:p>
-        </p:txBody>
-      </p:sp>
-      <p:sp>
-        <p:nvSpPr>
           <p:cNvPr id="4" name="Slide Number Placeholder 3"/>
           <p:cNvSpPr>
             <a:spLocks noGrp="1"/>
@@ -33561,87 +33414,6 @@
             <a:fld id="{00000000-1234-1234-1234-123412341234}" type="slidenum">
               <a:rPr lang="en" smtClean="0"/>
               <a:t>86</a:t>
-            </a:fld>
-            <a:endParaRPr lang="en"/>
-          </a:p>
-        </p:txBody>
-      </p:sp>
-    </p:spTree>
-    <p:extLst>
-      <p:ext uri="{BB962C8B-B14F-4D97-AF65-F5344CB8AC3E}">
-        <p14:creationId xmlns:p14="http://schemas.microsoft.com/office/powerpoint/2010/main" val="1716143699"/>
-      </p:ext>
-    </p:extLst>
-  </p:cSld>
-  <p:clrMapOvr>
-    <a:masterClrMapping/>
-  </p:clrMapOvr>
-</p:sld>
-</file>
-
-<file path=ppt/slides/slide87.xml><?xml version="1.0" encoding="utf-8"?>
-<p:sld xmlns:a="http://schemas.openxmlformats.org/drawingml/2006/main" xmlns:r="http://schemas.openxmlformats.org/officeDocument/2006/relationships" xmlns:p="http://schemas.openxmlformats.org/presentationml/2006/main">
-  <p:cSld>
-    <p:spTree>
-      <p:nvGrpSpPr>
-        <p:cNvPr id="1" name=""/>
-        <p:cNvGrpSpPr/>
-        <p:nvPr/>
-      </p:nvGrpSpPr>
-      <p:grpSpPr>
-        <a:xfrm>
-          <a:off x="0" y="0"/>
-          <a:ext cx="0" cy="0"/>
-          <a:chOff x="0" y="0"/>
-          <a:chExt cx="0" cy="0"/>
-        </a:xfrm>
-      </p:grpSpPr>
-      <p:sp>
-        <p:nvSpPr>
-          <p:cNvPr id="2" name="Title 1"/>
-          <p:cNvSpPr>
-            <a:spLocks noGrp="1"/>
-          </p:cNvSpPr>
-          <p:nvPr>
-            <p:ph type="title"/>
-          </p:nvPr>
-        </p:nvSpPr>
-        <p:spPr/>
-        <p:txBody>
-          <a:bodyPr/>
-          <a:lstStyle/>
-          <a:p>
-            <a:r>
-              <a:rPr lang="en-US" dirty="0"/>
-              <a:t>BASIC BRANCHING</a:t>
-            </a:r>
-          </a:p>
-        </p:txBody>
-      </p:sp>
-      <p:sp>
-        <p:nvSpPr>
-          <p:cNvPr id="4" name="Slide Number Placeholder 3"/>
-          <p:cNvSpPr>
-            <a:spLocks noGrp="1"/>
-          </p:cNvSpPr>
-          <p:nvPr>
-            <p:ph type="sldNum" idx="12"/>
-          </p:nvPr>
-        </p:nvSpPr>
-        <p:spPr/>
-        <p:txBody>
-          <a:bodyPr/>
-          <a:lstStyle/>
-          <a:p>
-            <a:pPr lvl="0">
-              <a:spcBef>
-                <a:spcPts val="0"/>
-              </a:spcBef>
-              <a:buNone/>
-            </a:pPr>
-            <a:fld id="{00000000-1234-1234-1234-123412341234}" type="slidenum">
-              <a:rPr lang="en" smtClean="0"/>
-              <a:t>87</a:t>
             </a:fld>
             <a:endParaRPr lang="en"/>
           </a:p>
@@ -33701,6 +33473,193 @@
 </p:sld>
 </file>
 
+<file path=ppt/slides/slide87.xml><?xml version="1.0" encoding="utf-8"?>
+<p:sld xmlns:a="http://schemas.openxmlformats.org/drawingml/2006/main" xmlns:r="http://schemas.openxmlformats.org/officeDocument/2006/relationships" xmlns:p="http://schemas.openxmlformats.org/presentationml/2006/main">
+  <p:cSld>
+    <p:spTree>
+      <p:nvGrpSpPr>
+        <p:cNvPr id="1" name=""/>
+        <p:cNvGrpSpPr/>
+        <p:nvPr/>
+      </p:nvGrpSpPr>
+      <p:grpSpPr>
+        <a:xfrm>
+          <a:off x="0" y="0"/>
+          <a:ext cx="0" cy="0"/>
+          <a:chOff x="0" y="0"/>
+          <a:chExt cx="0" cy="0"/>
+        </a:xfrm>
+      </p:grpSpPr>
+      <p:sp>
+        <p:nvSpPr>
+          <p:cNvPr id="2" name="Title 1"/>
+          <p:cNvSpPr>
+            <a:spLocks noGrp="1"/>
+          </p:cNvSpPr>
+          <p:nvPr>
+            <p:ph type="title"/>
+          </p:nvPr>
+        </p:nvSpPr>
+        <p:spPr/>
+        <p:txBody>
+          <a:bodyPr/>
+          <a:lstStyle/>
+          <a:p>
+            <a:r>
+              <a:rPr lang="en-US" dirty="0"/>
+              <a:t>BASIC BRANCHING</a:t>
+            </a:r>
+          </a:p>
+        </p:txBody>
+      </p:sp>
+      <p:sp>
+        <p:nvSpPr>
+          <p:cNvPr id="3" name="Text Placeholder 2"/>
+          <p:cNvSpPr>
+            <a:spLocks noGrp="1"/>
+          </p:cNvSpPr>
+          <p:nvPr>
+            <p:ph type="body" idx="1"/>
+          </p:nvPr>
+        </p:nvSpPr>
+        <p:spPr>
+          <a:xfrm>
+            <a:off x="381000" y="1657350"/>
+            <a:ext cx="7567725" cy="3145500"/>
+          </a:xfrm>
+        </p:spPr>
+        <p:txBody>
+          <a:bodyPr/>
+          <a:lstStyle/>
+          <a:p>
+            <a:r>
+              <a:rPr lang="en-US" dirty="0"/>
+              <a:t>$ </a:t>
+            </a:r>
+            <a:r>
+              <a:rPr lang="en-US" dirty="0" err="1"/>
+              <a:t>git</a:t>
+            </a:r>
+            <a:r>
+              <a:rPr lang="en-US" dirty="0"/>
+              <a:t> branch -d hotfix </a:t>
+            </a:r>
+            <a:br>
+              <a:rPr lang="en-US" dirty="0"/>
+            </a:br>
+            <a:r>
+              <a:rPr lang="en-US" dirty="0"/>
+              <a:t>Deleted branch hotfix (3a0874c).</a:t>
+            </a:r>
+          </a:p>
+          <a:p>
+            <a:pPr>
+              <a:buNone/>
+            </a:pPr>
+            <a:r>
+              <a:rPr lang="en-US" dirty="0"/>
+              <a:t>Now you can switch back to your work-in-progress branch on issue #53 and continue working on it.</a:t>
+            </a:r>
+          </a:p>
+          <a:p>
+            <a:r>
+              <a:rPr lang="en-US" dirty="0"/>
+              <a:t>$ </a:t>
+            </a:r>
+            <a:r>
+              <a:rPr lang="en-US" dirty="0" err="1"/>
+              <a:t>git</a:t>
+            </a:r>
+            <a:r>
+              <a:rPr lang="en-US" dirty="0"/>
+              <a:t> checkout iss53 </a:t>
+            </a:r>
+            <a:endParaRPr lang="en-US" dirty="0" smtClean="0"/>
+          </a:p>
+          <a:p>
+            <a:r>
+              <a:rPr lang="en-US" dirty="0" smtClean="0"/>
+              <a:t>Switched </a:t>
+            </a:r>
+            <a:r>
+              <a:rPr lang="en-US" dirty="0"/>
+              <a:t>to branch "iss53" </a:t>
+            </a:r>
+            <a:endParaRPr lang="en-US" dirty="0" smtClean="0"/>
+          </a:p>
+          <a:p>
+            <a:r>
+              <a:rPr lang="en-US" dirty="0" smtClean="0"/>
+              <a:t>$ </a:t>
+            </a:r>
+            <a:r>
+              <a:rPr lang="en-US" dirty="0"/>
+              <a:t>vim index.html </a:t>
+            </a:r>
+            <a:endParaRPr lang="en-US" dirty="0" smtClean="0"/>
+          </a:p>
+          <a:p>
+            <a:r>
+              <a:rPr lang="en-US" dirty="0" smtClean="0"/>
+              <a:t>$ </a:t>
+            </a:r>
+            <a:r>
+              <a:rPr lang="en-US" dirty="0" err="1"/>
+              <a:t>git</a:t>
+            </a:r>
+            <a:r>
+              <a:rPr lang="en-US" dirty="0"/>
+              <a:t> commit -a -m 'finished the new footer [issue 53]'</a:t>
+            </a:r>
+            <a:br>
+              <a:rPr lang="en-US" dirty="0"/>
+            </a:br>
+            <a:endParaRPr lang="en-US" dirty="0"/>
+          </a:p>
+        </p:txBody>
+      </p:sp>
+      <p:sp>
+        <p:nvSpPr>
+          <p:cNvPr id="4" name="Slide Number Placeholder 3"/>
+          <p:cNvSpPr>
+            <a:spLocks noGrp="1"/>
+          </p:cNvSpPr>
+          <p:nvPr>
+            <p:ph type="sldNum" idx="12"/>
+          </p:nvPr>
+        </p:nvSpPr>
+        <p:spPr/>
+        <p:txBody>
+          <a:bodyPr/>
+          <a:lstStyle/>
+          <a:p>
+            <a:pPr lvl="0">
+              <a:spcBef>
+                <a:spcPts val="0"/>
+              </a:spcBef>
+              <a:buNone/>
+            </a:pPr>
+            <a:fld id="{00000000-1234-1234-1234-123412341234}" type="slidenum">
+              <a:rPr lang="en" smtClean="0"/>
+              <a:t>87</a:t>
+            </a:fld>
+            <a:endParaRPr lang="en"/>
+          </a:p>
+        </p:txBody>
+      </p:sp>
+    </p:spTree>
+    <p:extLst>
+      <p:ext uri="{BB962C8B-B14F-4D97-AF65-F5344CB8AC3E}">
+        <p14:creationId xmlns:p14="http://schemas.microsoft.com/office/powerpoint/2010/main" val="1023809622"/>
+      </p:ext>
+    </p:extLst>
+  </p:cSld>
+  <p:clrMapOvr>
+    <a:masterClrMapping/>
+  </p:clrMapOvr>
+</p:sld>
+</file>
+
 <file path=ppt/slides/slide88.xml><?xml version="1.0" encoding="utf-8"?>
 <p:sld xmlns:a="http://schemas.openxmlformats.org/drawingml/2006/main" xmlns:r="http://schemas.openxmlformats.org/officeDocument/2006/relationships" xmlns:p="http://schemas.openxmlformats.org/presentationml/2006/main">
   <p:cSld>
@@ -33735,118 +33694,8 @@
           <a:p>
             <a:r>
               <a:rPr lang="en-US" dirty="0"/>
-              <a:t>BASIC BRANCHING</a:t>
-            </a:r>
-          </a:p>
-        </p:txBody>
-      </p:sp>
-      <p:sp>
-        <p:nvSpPr>
-          <p:cNvPr id="3" name="Text Placeholder 2"/>
-          <p:cNvSpPr>
-            <a:spLocks noGrp="1"/>
-          </p:cNvSpPr>
-          <p:nvPr>
-            <p:ph type="body" idx="1"/>
-          </p:nvPr>
-        </p:nvSpPr>
-        <p:spPr>
-          <a:xfrm>
-            <a:off x="381000" y="1657350"/>
-            <a:ext cx="7567725" cy="3145500"/>
-          </a:xfrm>
-        </p:spPr>
-        <p:txBody>
-          <a:bodyPr/>
-          <a:lstStyle/>
-          <a:p>
-            <a:r>
-              <a:rPr lang="en-US" dirty="0"/>
-              <a:t>$ </a:t>
-            </a:r>
-            <a:r>
-              <a:rPr lang="en-US" dirty="0" err="1"/>
-              <a:t>git</a:t>
-            </a:r>
-            <a:r>
-              <a:rPr lang="en-US" dirty="0"/>
-              <a:t> branch -d hotfix </a:t>
-            </a:r>
-            <a:br>
-              <a:rPr lang="en-US" dirty="0"/>
-            </a:br>
-            <a:r>
-              <a:rPr lang="en-US" dirty="0"/>
-              <a:t>Deleted branch hotfix (3a0874c).</a:t>
-            </a:r>
-          </a:p>
-          <a:p>
-            <a:pPr>
-              <a:buNone/>
-            </a:pPr>
-            <a:r>
-              <a:rPr lang="en-US" dirty="0"/>
-              <a:t>Now you can switch back to your work-in-progress branch on issue #53 and continue working on it.</a:t>
-            </a:r>
-          </a:p>
-          <a:p>
-            <a:r>
-              <a:rPr lang="en-US" dirty="0"/>
-              <a:t>$ </a:t>
-            </a:r>
-            <a:r>
-              <a:rPr lang="en-US" dirty="0" err="1"/>
-              <a:t>git</a:t>
-            </a:r>
-            <a:r>
-              <a:rPr lang="en-US" dirty="0"/>
-              <a:t> checkout iss53 </a:t>
-            </a:r>
-            <a:endParaRPr lang="en-US" dirty="0" smtClean="0"/>
-          </a:p>
-          <a:p>
-            <a:r>
-              <a:rPr lang="en-US" dirty="0" smtClean="0"/>
-              <a:t>Switched </a:t>
-            </a:r>
-            <a:r>
-              <a:rPr lang="en-US" dirty="0"/>
-              <a:t>to branch "iss53" </a:t>
-            </a:r>
-            <a:endParaRPr lang="en-US" dirty="0" smtClean="0"/>
-          </a:p>
-          <a:p>
-            <a:r>
-              <a:rPr lang="en-US" dirty="0" smtClean="0"/>
-              <a:t>$ </a:t>
-            </a:r>
-            <a:r>
-              <a:rPr lang="en-US" dirty="0"/>
-              <a:t>vim index.html </a:t>
-            </a:r>
-            <a:endParaRPr lang="en-US" dirty="0" smtClean="0"/>
-          </a:p>
-          <a:p>
-            <a:r>
-              <a:rPr lang="en-US" dirty="0" smtClean="0"/>
-              <a:t>$ </a:t>
-            </a:r>
-            <a:r>
-              <a:rPr lang="en-US" dirty="0" err="1"/>
-              <a:t>git</a:t>
-            </a:r>
-            <a:r>
-              <a:rPr lang="en-US" dirty="0"/>
-              <a:t> commit -a -m 'finished the new footer [issue 53]'</a:t>
-            </a:r>
-            <a:r>
-              <a:rPr lang="en-US" dirty="0"/>
-              <a:t/>
-            </a:r>
-            <a:br>
-              <a:rPr lang="en-US" dirty="0"/>
-            </a:br>
-            <a:endParaRPr lang="en-US" dirty="0"/>
+              <a:t>BASIC</a:t>
+            </a:r>
           </a:p>
         </p:txBody>
       </p:sp>
@@ -33874,87 +33723,6 @@
             <a:fld id="{00000000-1234-1234-1234-123412341234}" type="slidenum">
               <a:rPr lang="en" smtClean="0"/>
               <a:t>88</a:t>
-            </a:fld>
-            <a:endParaRPr lang="en"/>
-          </a:p>
-        </p:txBody>
-      </p:sp>
-    </p:spTree>
-    <p:extLst>
-      <p:ext uri="{BB962C8B-B14F-4D97-AF65-F5344CB8AC3E}">
-        <p14:creationId xmlns:p14="http://schemas.microsoft.com/office/powerpoint/2010/main" val="1023809622"/>
-      </p:ext>
-    </p:extLst>
-  </p:cSld>
-  <p:clrMapOvr>
-    <a:masterClrMapping/>
-  </p:clrMapOvr>
-</p:sld>
-</file>
-
-<file path=ppt/slides/slide89.xml><?xml version="1.0" encoding="utf-8"?>
-<p:sld xmlns:a="http://schemas.openxmlformats.org/drawingml/2006/main" xmlns:r="http://schemas.openxmlformats.org/officeDocument/2006/relationships" xmlns:p="http://schemas.openxmlformats.org/presentationml/2006/main">
-  <p:cSld>
-    <p:spTree>
-      <p:nvGrpSpPr>
-        <p:cNvPr id="1" name=""/>
-        <p:cNvGrpSpPr/>
-        <p:nvPr/>
-      </p:nvGrpSpPr>
-      <p:grpSpPr>
-        <a:xfrm>
-          <a:off x="0" y="0"/>
-          <a:ext cx="0" cy="0"/>
-          <a:chOff x="0" y="0"/>
-          <a:chExt cx="0" cy="0"/>
-        </a:xfrm>
-      </p:grpSpPr>
-      <p:sp>
-        <p:nvSpPr>
-          <p:cNvPr id="2" name="Title 1"/>
-          <p:cNvSpPr>
-            <a:spLocks noGrp="1"/>
-          </p:cNvSpPr>
-          <p:nvPr>
-            <p:ph type="title"/>
-          </p:nvPr>
-        </p:nvSpPr>
-        <p:spPr/>
-        <p:txBody>
-          <a:bodyPr/>
-          <a:lstStyle/>
-          <a:p>
-            <a:r>
-              <a:rPr lang="en-US" dirty="0"/>
-              <a:t>BASIC</a:t>
-            </a:r>
-          </a:p>
-        </p:txBody>
-      </p:sp>
-      <p:sp>
-        <p:nvSpPr>
-          <p:cNvPr id="4" name="Slide Number Placeholder 3"/>
-          <p:cNvSpPr>
-            <a:spLocks noGrp="1"/>
-          </p:cNvSpPr>
-          <p:nvPr>
-            <p:ph type="sldNum" idx="12"/>
-          </p:nvPr>
-        </p:nvSpPr>
-        <p:spPr/>
-        <p:txBody>
-          <a:bodyPr/>
-          <a:lstStyle/>
-          <a:p>
-            <a:pPr lvl="0">
-              <a:spcBef>
-                <a:spcPts val="0"/>
-              </a:spcBef>
-              <a:buNone/>
-            </a:pPr>
-            <a:fld id="{00000000-1234-1234-1234-123412341234}" type="slidenum">
-              <a:rPr lang="en" smtClean="0"/>
-              <a:t>89</a:t>
             </a:fld>
             <a:endParaRPr lang="en"/>
           </a:p>
@@ -34014,6 +33782,199 @@
 </p:sld>
 </file>
 
+<file path=ppt/slides/slide89.xml><?xml version="1.0" encoding="utf-8"?>
+<p:sld xmlns:a="http://schemas.openxmlformats.org/drawingml/2006/main" xmlns:r="http://schemas.openxmlformats.org/officeDocument/2006/relationships" xmlns:p="http://schemas.openxmlformats.org/presentationml/2006/main">
+  <p:cSld>
+    <p:spTree>
+      <p:nvGrpSpPr>
+        <p:cNvPr id="1" name=""/>
+        <p:cNvGrpSpPr/>
+        <p:nvPr/>
+      </p:nvGrpSpPr>
+      <p:grpSpPr>
+        <a:xfrm>
+          <a:off x="0" y="0"/>
+          <a:ext cx="0" cy="0"/>
+          <a:chOff x="0" y="0"/>
+          <a:chExt cx="0" cy="0"/>
+        </a:xfrm>
+      </p:grpSpPr>
+      <p:sp>
+        <p:nvSpPr>
+          <p:cNvPr id="2" name="Title 1"/>
+          <p:cNvSpPr>
+            <a:spLocks noGrp="1"/>
+          </p:cNvSpPr>
+          <p:nvPr>
+            <p:ph type="title"/>
+          </p:nvPr>
+        </p:nvSpPr>
+        <p:spPr/>
+        <p:txBody>
+          <a:bodyPr/>
+          <a:lstStyle/>
+          <a:p>
+            <a:r>
+              <a:rPr lang="en-US" dirty="0"/>
+              <a:t>Basic </a:t>
+            </a:r>
+            <a:r>
+              <a:rPr lang="en-US" dirty="0" smtClean="0"/>
+              <a:t>Merging</a:t>
+            </a:r>
+            <a:endParaRPr lang="en-US" dirty="0"/>
+          </a:p>
+        </p:txBody>
+      </p:sp>
+      <p:sp>
+        <p:nvSpPr>
+          <p:cNvPr id="3" name="Text Placeholder 2"/>
+          <p:cNvSpPr>
+            <a:spLocks noGrp="1"/>
+          </p:cNvSpPr>
+          <p:nvPr>
+            <p:ph type="body" idx="1"/>
+          </p:nvPr>
+        </p:nvSpPr>
+        <p:spPr>
+          <a:xfrm>
+            <a:off x="814274" y="1327350"/>
+            <a:ext cx="7948725" cy="3606600"/>
+          </a:xfrm>
+        </p:spPr>
+        <p:txBody>
+          <a:bodyPr/>
+          <a:lstStyle/>
+          <a:p>
+            <a:r>
+              <a:rPr lang="en-US" dirty="0"/>
+              <a:t>Suppose you’ve decided that your </a:t>
+            </a:r>
+            <a:r>
+              <a:rPr lang="en-US" b="1" dirty="0"/>
+              <a:t>issue</a:t>
+            </a:r>
+            <a:r>
+              <a:rPr lang="en-US" dirty="0"/>
+              <a:t> #53 work is complete and ready to be merged into your </a:t>
+            </a:r>
+            <a:r>
+              <a:rPr lang="en-US" dirty="0" smtClean="0"/>
+              <a:t>master branch</a:t>
+            </a:r>
+            <a:r>
+              <a:rPr lang="en-US" dirty="0"/>
+              <a:t>. </a:t>
+            </a:r>
+            <a:endParaRPr lang="en-US" dirty="0" smtClean="0"/>
+          </a:p>
+          <a:p>
+            <a:r>
+              <a:rPr lang="en-US" dirty="0" smtClean="0"/>
+              <a:t>In </a:t>
+            </a:r>
+            <a:r>
+              <a:rPr lang="en-US" dirty="0"/>
+              <a:t>order to do that, you’ll merge your </a:t>
+            </a:r>
+            <a:r>
+              <a:rPr lang="en-US" b="1" dirty="0"/>
+              <a:t>iss53</a:t>
+            </a:r>
+            <a:r>
+              <a:rPr lang="en-US" dirty="0"/>
+              <a:t> branch into </a:t>
+            </a:r>
+            <a:r>
+              <a:rPr lang="en-US" b="1" dirty="0"/>
+              <a:t>master</a:t>
+            </a:r>
+            <a:r>
+              <a:rPr lang="en-US" dirty="0"/>
+              <a:t>, much like you merged your hotfix branch earlier. </a:t>
+            </a:r>
+            <a:endParaRPr lang="en-US" dirty="0" smtClean="0"/>
+          </a:p>
+          <a:p>
+            <a:r>
+              <a:rPr lang="en-US" dirty="0" smtClean="0"/>
+              <a:t>All </a:t>
+            </a:r>
+            <a:r>
+              <a:rPr lang="en-US" dirty="0"/>
+              <a:t>you have to do is check out the branch you wish to merge into and then run the </a:t>
+            </a:r>
+            <a:r>
+              <a:rPr lang="en-US" dirty="0" err="1"/>
+              <a:t>git</a:t>
+            </a:r>
+            <a:r>
+              <a:rPr lang="en-US" dirty="0"/>
+              <a:t> </a:t>
+            </a:r>
+            <a:r>
+              <a:rPr lang="en-US" b="1" dirty="0"/>
+              <a:t>merge</a:t>
+            </a:r>
+            <a:r>
+              <a:rPr lang="en-US" dirty="0"/>
+              <a:t> command:</a:t>
+            </a:r>
+          </a:p>
+          <a:p>
+            <a:r>
+              <a:rPr lang="en-US" dirty="0"/>
+              <a:t/>
+            </a:r>
+            <a:br>
+              <a:rPr lang="en-US" dirty="0"/>
+            </a:br>
+            <a:endParaRPr lang="en-US" dirty="0"/>
+          </a:p>
+        </p:txBody>
+      </p:sp>
+      <p:sp>
+        <p:nvSpPr>
+          <p:cNvPr id="4" name="Slide Number Placeholder 3"/>
+          <p:cNvSpPr>
+            <a:spLocks noGrp="1"/>
+          </p:cNvSpPr>
+          <p:nvPr>
+            <p:ph type="sldNum" idx="12"/>
+          </p:nvPr>
+        </p:nvSpPr>
+        <p:spPr/>
+        <p:txBody>
+          <a:bodyPr/>
+          <a:lstStyle/>
+          <a:p>
+            <a:pPr lvl="0">
+              <a:spcBef>
+                <a:spcPts val="0"/>
+              </a:spcBef>
+              <a:buNone/>
+            </a:pPr>
+            <a:fld id="{00000000-1234-1234-1234-123412341234}" type="slidenum">
+              <a:rPr lang="en" smtClean="0"/>
+              <a:t>89</a:t>
+            </a:fld>
+            <a:endParaRPr lang="en"/>
+          </a:p>
+        </p:txBody>
+      </p:sp>
+    </p:spTree>
+    <p:extLst>
+      <p:ext uri="{BB962C8B-B14F-4D97-AF65-F5344CB8AC3E}">
+        <p14:creationId xmlns:p14="http://schemas.microsoft.com/office/powerpoint/2010/main" val="2276128170"/>
+      </p:ext>
+    </p:extLst>
+  </p:cSld>
+  <p:clrMapOvr>
+    <a:masterClrMapping/>
+  </p:clrMapOvr>
+</p:sld>
+</file>
+
 <file path=ppt/slides/slide9.xml><?xml version="1.0" encoding="utf-8"?>
 <p:sld xmlns:a="http://schemas.openxmlformats.org/drawingml/2006/main" xmlns:r="http://schemas.openxmlformats.org/officeDocument/2006/relationships" xmlns:p="http://schemas.openxmlformats.org/presentationml/2006/main">
   <p:cSld>
@@ -34462,113 +34423,6 @@
       </p:sp>
       <p:sp>
         <p:nvSpPr>
-          <p:cNvPr id="3" name="Text Placeholder 2"/>
-          <p:cNvSpPr>
-            <a:spLocks noGrp="1"/>
-          </p:cNvSpPr>
-          <p:nvPr>
-            <p:ph type="body" idx="1"/>
-          </p:nvPr>
-        </p:nvSpPr>
-        <p:spPr>
-          <a:xfrm>
-            <a:off x="814274" y="1327350"/>
-            <a:ext cx="7948725" cy="3606600"/>
-          </a:xfrm>
-        </p:spPr>
-        <p:txBody>
-          <a:bodyPr/>
-          <a:lstStyle/>
-          <a:p>
-            <a:r>
-              <a:rPr lang="en-US" dirty="0"/>
-              <a:t>Suppose you’ve decided that your </a:t>
-            </a:r>
-            <a:r>
-              <a:rPr lang="en-US" b="1" dirty="0"/>
-              <a:t>issue</a:t>
-            </a:r>
-            <a:r>
-              <a:rPr lang="en-US" dirty="0"/>
-              <a:t> #53 work is complete and ready to be merged into your </a:t>
-            </a:r>
-            <a:r>
-              <a:rPr lang="en-US" dirty="0" smtClean="0"/>
-              <a:t>master branch</a:t>
-            </a:r>
-            <a:r>
-              <a:rPr lang="en-US" dirty="0"/>
-              <a:t>. </a:t>
-            </a:r>
-            <a:endParaRPr lang="en-US" dirty="0" smtClean="0"/>
-          </a:p>
-          <a:p>
-            <a:r>
-              <a:rPr lang="en-US" dirty="0" smtClean="0"/>
-              <a:t>In </a:t>
-            </a:r>
-            <a:r>
-              <a:rPr lang="en-US" dirty="0"/>
-              <a:t>order to do that, you’ll merge your </a:t>
-            </a:r>
-            <a:r>
-              <a:rPr lang="en-US" b="1" dirty="0"/>
-              <a:t>iss53</a:t>
-            </a:r>
-            <a:r>
-              <a:rPr lang="en-US" dirty="0"/>
-              <a:t> branch into </a:t>
-            </a:r>
-            <a:r>
-              <a:rPr lang="en-US" b="1" dirty="0"/>
-              <a:t>master</a:t>
-            </a:r>
-            <a:r>
-              <a:rPr lang="en-US" dirty="0"/>
-              <a:t>, much like you merged your hotfix branch earlier. </a:t>
-            </a:r>
-            <a:endParaRPr lang="en-US" dirty="0" smtClean="0"/>
-          </a:p>
-          <a:p>
-            <a:r>
-              <a:rPr lang="en-US" dirty="0" smtClean="0"/>
-              <a:t>All </a:t>
-            </a:r>
-            <a:r>
-              <a:rPr lang="en-US" dirty="0"/>
-              <a:t>you have to do is check out the branch you wish to merge into and then run the </a:t>
-            </a:r>
-            <a:r>
-              <a:rPr lang="en-US" dirty="0" err="1"/>
-              <a:t>git</a:t>
-            </a:r>
-            <a:r>
-              <a:rPr lang="en-US" dirty="0"/>
-              <a:t> </a:t>
-            </a:r>
-            <a:r>
-              <a:rPr lang="en-US" b="1" dirty="0"/>
-              <a:t>merge</a:t>
-            </a:r>
-            <a:r>
-              <a:rPr lang="en-US" dirty="0"/>
-              <a:t> command:</a:t>
-            </a:r>
-          </a:p>
-          <a:p>
-            <a:r>
-              <a:rPr lang="en-US" dirty="0"/>
-              <a:t/>
-            </a:r>
-            <a:br>
-              <a:rPr lang="en-US" dirty="0"/>
-            </a:br>
-            <a:endParaRPr lang="en-US" dirty="0"/>
-          </a:p>
-        </p:txBody>
-      </p:sp>
-      <p:sp>
-        <p:nvSpPr>
           <p:cNvPr id="4" name="Slide Number Placeholder 3"/>
           <p:cNvSpPr>
             <a:spLocks noGrp="1"/>
@@ -34591,92 +34445,6 @@
             <a:fld id="{00000000-1234-1234-1234-123412341234}" type="slidenum">
               <a:rPr lang="en" smtClean="0"/>
               <a:t>90</a:t>
-            </a:fld>
-            <a:endParaRPr lang="en"/>
-          </a:p>
-        </p:txBody>
-      </p:sp>
-    </p:spTree>
-    <p:extLst>
-      <p:ext uri="{BB962C8B-B14F-4D97-AF65-F5344CB8AC3E}">
-        <p14:creationId xmlns:p14="http://schemas.microsoft.com/office/powerpoint/2010/main" val="2276128170"/>
-      </p:ext>
-    </p:extLst>
-  </p:cSld>
-  <p:clrMapOvr>
-    <a:masterClrMapping/>
-  </p:clrMapOvr>
-</p:sld>
-</file>
-
-<file path=ppt/slides/slide91.xml><?xml version="1.0" encoding="utf-8"?>
-<p:sld xmlns:a="http://schemas.openxmlformats.org/drawingml/2006/main" xmlns:r="http://schemas.openxmlformats.org/officeDocument/2006/relationships" xmlns:p="http://schemas.openxmlformats.org/presentationml/2006/main">
-  <p:cSld>
-    <p:spTree>
-      <p:nvGrpSpPr>
-        <p:cNvPr id="1" name=""/>
-        <p:cNvGrpSpPr/>
-        <p:nvPr/>
-      </p:nvGrpSpPr>
-      <p:grpSpPr>
-        <a:xfrm>
-          <a:off x="0" y="0"/>
-          <a:ext cx="0" cy="0"/>
-          <a:chOff x="0" y="0"/>
-          <a:chExt cx="0" cy="0"/>
-        </a:xfrm>
-      </p:grpSpPr>
-      <p:sp>
-        <p:nvSpPr>
-          <p:cNvPr id="2" name="Title 1"/>
-          <p:cNvSpPr>
-            <a:spLocks noGrp="1"/>
-          </p:cNvSpPr>
-          <p:nvPr>
-            <p:ph type="title"/>
-          </p:nvPr>
-        </p:nvSpPr>
-        <p:spPr/>
-        <p:txBody>
-          <a:bodyPr/>
-          <a:lstStyle/>
-          <a:p>
-            <a:r>
-              <a:rPr lang="en-US" dirty="0"/>
-              <a:t>Basic </a:t>
-            </a:r>
-            <a:r>
-              <a:rPr lang="en-US" dirty="0" smtClean="0"/>
-              <a:t>Merging</a:t>
-            </a:r>
-            <a:endParaRPr lang="en-US" dirty="0"/>
-          </a:p>
-        </p:txBody>
-      </p:sp>
-      <p:sp>
-        <p:nvSpPr>
-          <p:cNvPr id="4" name="Slide Number Placeholder 3"/>
-          <p:cNvSpPr>
-            <a:spLocks noGrp="1"/>
-          </p:cNvSpPr>
-          <p:nvPr>
-            <p:ph type="sldNum" idx="12"/>
-          </p:nvPr>
-        </p:nvSpPr>
-        <p:spPr/>
-        <p:txBody>
-          <a:bodyPr/>
-          <a:lstStyle/>
-          <a:p>
-            <a:pPr lvl="0">
-              <a:spcBef>
-                <a:spcPts val="0"/>
-              </a:spcBef>
-              <a:buNone/>
-            </a:pPr>
-            <a:fld id="{00000000-1234-1234-1234-123412341234}" type="slidenum">
-              <a:rPr lang="en" smtClean="0"/>
-              <a:t>91</a:t>
             </a:fld>
             <a:endParaRPr lang="en"/>
           </a:p>
@@ -34736,7 +34504,7 @@
 </p:sld>
 </file>
 
-<file path=ppt/slides/slide92.xml><?xml version="1.0" encoding="utf-8"?>
+<file path=ppt/slides/slide91.xml><?xml version="1.0" encoding="utf-8"?>
 <p:sld xmlns:a="http://schemas.openxmlformats.org/drawingml/2006/main" xmlns:r="http://schemas.openxmlformats.org/officeDocument/2006/relationships" xmlns:p="http://schemas.openxmlformats.org/presentationml/2006/main">
   <p:cSld>
     <p:spTree>
@@ -34803,7 +34571,7 @@
             </a:pPr>
             <a:fld id="{00000000-1234-1234-1234-123412341234}" type="slidenum">
               <a:rPr lang="en" smtClean="0"/>
-              <a:t>92</a:t>
+              <a:t>91</a:t>
             </a:fld>
             <a:endParaRPr lang="en"/>
           </a:p>
@@ -34863,7 +34631,7 @@
 </p:sld>
 </file>
 
-<file path=ppt/slides/slide93.xml><?xml version="1.0" encoding="utf-8"?>
+<file path=ppt/slides/slide92.xml><?xml version="1.0" encoding="utf-8"?>
 <p:sld xmlns:a="http://schemas.openxmlformats.org/drawingml/2006/main" xmlns:r="http://schemas.openxmlformats.org/officeDocument/2006/relationships" xmlns:p="http://schemas.openxmlformats.org/presentationml/2006/main">
   <p:cSld>
     <p:spTree>
@@ -34930,7 +34698,7 @@
             </a:pPr>
             <a:fld id="{00000000-1234-1234-1234-123412341234}" type="slidenum">
               <a:rPr lang="en" smtClean="0"/>
-              <a:t>93</a:t>
+              <a:t>92</a:t>
             </a:fld>
             <a:endParaRPr lang="en"/>
           </a:p>
@@ -34990,6 +34758,139 @@
 </p:sld>
 </file>
 
+<file path=ppt/slides/slide93.xml><?xml version="1.0" encoding="utf-8"?>
+<p:sld xmlns:a="http://schemas.openxmlformats.org/drawingml/2006/main" xmlns:r="http://schemas.openxmlformats.org/officeDocument/2006/relationships" xmlns:p="http://schemas.openxmlformats.org/presentationml/2006/main">
+  <p:cSld>
+    <p:spTree>
+      <p:nvGrpSpPr>
+        <p:cNvPr id="1" name=""/>
+        <p:cNvGrpSpPr/>
+        <p:nvPr/>
+      </p:nvGrpSpPr>
+      <p:grpSpPr>
+        <a:xfrm>
+          <a:off x="0" y="0"/>
+          <a:ext cx="0" cy="0"/>
+          <a:chOff x="0" y="0"/>
+          <a:chExt cx="0" cy="0"/>
+        </a:xfrm>
+      </p:grpSpPr>
+      <p:sp>
+        <p:nvSpPr>
+          <p:cNvPr id="2" name="Title 1"/>
+          <p:cNvSpPr>
+            <a:spLocks noGrp="1"/>
+          </p:cNvSpPr>
+          <p:nvPr>
+            <p:ph type="title"/>
+          </p:nvPr>
+        </p:nvSpPr>
+        <p:spPr/>
+        <p:txBody>
+          <a:bodyPr/>
+          <a:lstStyle/>
+          <a:p>
+            <a:r>
+              <a:rPr lang="en-US" dirty="0"/>
+              <a:t>Basic Merging</a:t>
+            </a:r>
+          </a:p>
+        </p:txBody>
+      </p:sp>
+      <p:sp>
+        <p:nvSpPr>
+          <p:cNvPr id="3" name="Text Placeholder 2"/>
+          <p:cNvSpPr>
+            <a:spLocks noGrp="1"/>
+          </p:cNvSpPr>
+          <p:nvPr>
+            <p:ph type="body" idx="1"/>
+          </p:nvPr>
+        </p:nvSpPr>
+        <p:spPr/>
+        <p:txBody>
+          <a:bodyPr/>
+          <a:lstStyle/>
+          <a:p>
+            <a:pPr>
+              <a:buNone/>
+            </a:pPr>
+            <a:r>
+              <a:rPr lang="en-US" dirty="0"/>
+              <a:t>Now that your work is merged in, you have no further need for the iss53 branch. You can close the ticket in your ticket-tracking system, and delete the branch:</a:t>
+            </a:r>
+          </a:p>
+          <a:p>
+            <a:pPr marL="342900" indent="-342900"/>
+            <a:r>
+              <a:rPr lang="en-US" dirty="0" smtClean="0"/>
+              <a:t>$ </a:t>
+            </a:r>
+            <a:r>
+              <a:rPr lang="en-US" dirty="0" err="1"/>
+              <a:t>git</a:t>
+            </a:r>
+            <a:r>
+              <a:rPr lang="en-US" dirty="0"/>
+              <a:t> branch -d </a:t>
+            </a:r>
+            <a:r>
+              <a:rPr lang="en-US" dirty="0" smtClean="0"/>
+              <a:t>iss53</a:t>
+            </a:r>
+            <a:r>
+              <a:rPr lang="en-US" dirty="0"/>
+              <a:t/>
+            </a:r>
+            <a:br>
+              <a:rPr lang="en-US" dirty="0"/>
+            </a:br>
+            <a:endParaRPr lang="en-US" dirty="0"/>
+          </a:p>
+        </p:txBody>
+      </p:sp>
+      <p:sp>
+        <p:nvSpPr>
+          <p:cNvPr id="4" name="Slide Number Placeholder 3"/>
+          <p:cNvSpPr>
+            <a:spLocks noGrp="1"/>
+          </p:cNvSpPr>
+          <p:nvPr>
+            <p:ph type="sldNum" idx="12"/>
+          </p:nvPr>
+        </p:nvSpPr>
+        <p:spPr/>
+        <p:txBody>
+          <a:bodyPr/>
+          <a:lstStyle/>
+          <a:p>
+            <a:pPr lvl="0">
+              <a:spcBef>
+                <a:spcPts val="0"/>
+              </a:spcBef>
+              <a:buNone/>
+            </a:pPr>
+            <a:fld id="{00000000-1234-1234-1234-123412341234}" type="slidenum">
+              <a:rPr lang="en" smtClean="0"/>
+              <a:t>93</a:t>
+            </a:fld>
+            <a:endParaRPr lang="en"/>
+          </a:p>
+        </p:txBody>
+      </p:sp>
+    </p:spTree>
+    <p:extLst>
+      <p:ext uri="{BB962C8B-B14F-4D97-AF65-F5344CB8AC3E}">
+        <p14:creationId xmlns:p14="http://schemas.microsoft.com/office/powerpoint/2010/main" val="431776041"/>
+      </p:ext>
+    </p:extLst>
+  </p:cSld>
+  <p:clrMapOvr>
+    <a:masterClrMapping/>
+  </p:clrMapOvr>
+</p:sld>
+</file>
+
 <file path=ppt/slides/slide94.xml><?xml version="1.0" encoding="utf-8"?>
 <p:sld xmlns:a="http://schemas.openxmlformats.org/drawingml/2006/main" xmlns:r="http://schemas.openxmlformats.org/officeDocument/2006/relationships" xmlns:p="http://schemas.openxmlformats.org/presentationml/2006/main">
   <p:cSld>
@@ -35024,8 +34925,13 @@
           <a:p>
             <a:r>
               <a:rPr lang="en-US" dirty="0"/>
-              <a:t>Basic Merging</a:t>
-            </a:r>
+              <a:t>Basic Merge </a:t>
+            </a:r>
+            <a:r>
+              <a:rPr lang="en-US" dirty="0" smtClean="0"/>
+              <a:t>Conflicts</a:t>
+            </a:r>
+            <a:endParaRPr lang="en-US" dirty="0"/>
           </a:p>
         </p:txBody>
       </p:sp>
@@ -35049,29 +34955,6 @@
             </a:pPr>
             <a:r>
               <a:rPr lang="en-US" dirty="0"/>
-              <a:t>Now that your work is merged in, you have no further need for the iss53 branch. You can close the ticket in your ticket-tracking system, and delete the branch:</a:t>
-            </a:r>
-          </a:p>
-          <a:p>
-            <a:pPr marL="342900" indent="-342900"/>
-            <a:r>
-              <a:rPr lang="en-US" dirty="0" smtClean="0"/>
-              <a:t>$ </a:t>
-            </a:r>
-            <a:r>
-              <a:rPr lang="en-US" dirty="0" err="1"/>
-              <a:t>git</a:t>
-            </a:r>
-            <a:r>
-              <a:rPr lang="en-US" dirty="0"/>
-              <a:t> branch -d </a:t>
-            </a:r>
-            <a:r>
-              <a:rPr lang="en-US" dirty="0" smtClean="0"/>
-              <a:t>iss53</a:t>
-            </a:r>
-            <a:r>
-              <a:rPr lang="en-US" dirty="0"/>
               <a:t/>
             </a:r>
             <a:br>
@@ -35113,7 +34996,7 @@
     </p:spTree>
     <p:extLst>
       <p:ext uri="{BB962C8B-B14F-4D97-AF65-F5344CB8AC3E}">
-        <p14:creationId xmlns:p14="http://schemas.microsoft.com/office/powerpoint/2010/main" val="431776041"/>
+        <p14:creationId xmlns:p14="http://schemas.microsoft.com/office/powerpoint/2010/main" val="759143191"/>
       </p:ext>
     </p:extLst>
   </p:cSld>
@@ -35156,16 +35039,8 @@
           <a:lstStyle/>
           <a:p>
             <a:r>
-              <a:rPr lang="en-US"/>
-              <a:t>Basic </a:t>
-            </a:r>
-            <a:r>
-              <a:rPr lang="en-US"/>
-              <a:t>Merge </a:t>
-            </a:r>
-            <a:r>
-              <a:rPr lang="en-US" smtClean="0"/>
-              <a:t>Conflicts</a:t>
+              <a:rPr lang="en-US" dirty="0" smtClean="0"/>
+              <a:t>Basic conflict merge</a:t>
             </a:r>
             <a:endParaRPr lang="en-US" dirty="0"/>
           </a:p>
@@ -35186,39 +35061,6 @@
           <a:bodyPr/>
           <a:lstStyle/>
           <a:p>
-            <a:pPr>
-              <a:buNone/>
-            </a:pPr>
-            <a:r>
-              <a:rPr lang="en-US" dirty="0"/>
-              <a:t>Now that your work is merged in, you have no further need for the iss53 branch. You can close the ticket in your ticket-tracking system, and delete the branch:</a:t>
-            </a:r>
-          </a:p>
-          <a:p>
-            <a:pPr marL="342900" indent="-342900"/>
-            <a:r>
-              <a:rPr lang="en-US" dirty="0" smtClean="0"/>
-              <a:t>$ </a:t>
-            </a:r>
-            <a:r>
-              <a:rPr lang="en-US" dirty="0" err="1"/>
-              <a:t>git</a:t>
-            </a:r>
-            <a:r>
-              <a:rPr lang="en-US" dirty="0"/>
-              <a:t> branch -d </a:t>
-            </a:r>
-            <a:r>
-              <a:rPr lang="en-US" dirty="0" smtClean="0"/>
-              <a:t>iss53</a:t>
-            </a:r>
-            <a:r>
-              <a:rPr lang="en-US" dirty="0"/>
-              <a:t/>
-            </a:r>
-            <a:br>
-              <a:rPr lang="en-US" dirty="0"/>
-            </a:br>
             <a:endParaRPr lang="en-US" dirty="0"/>
           </a:p>
         </p:txBody>
@@ -35255,7 +35097,7 @@
     </p:spTree>
     <p:extLst>
       <p:ext uri="{BB962C8B-B14F-4D97-AF65-F5344CB8AC3E}">
-        <p14:creationId xmlns:p14="http://schemas.microsoft.com/office/powerpoint/2010/main" val="759143191"/>
+        <p14:creationId xmlns:p14="http://schemas.microsoft.com/office/powerpoint/2010/main" val="3834861765"/>
       </p:ext>
     </p:extLst>
   </p:cSld>
@@ -35298,71 +35140,10 @@
           <a:lstStyle/>
           <a:p>
             <a:r>
-              <a:rPr lang="en-US" dirty="0"/>
-              <a:t>Basic Merging</a:t>
-            </a:r>
-          </a:p>
-        </p:txBody>
-      </p:sp>
-      <p:sp>
-        <p:nvSpPr>
-          <p:cNvPr id="3" name="Text Placeholder 2"/>
-          <p:cNvSpPr>
-            <a:spLocks noGrp="1"/>
-          </p:cNvSpPr>
-          <p:nvPr>
-            <p:ph type="body" idx="1"/>
-          </p:nvPr>
-        </p:nvSpPr>
-        <p:spPr/>
-        <p:txBody>
-          <a:bodyPr/>
-          <a:lstStyle/>
-          <a:p>
-            <a:r>
-              <a:rPr lang="en-US" dirty="0"/>
-              <a:t>$ </a:t>
-            </a:r>
-            <a:r>
-              <a:rPr lang="en-US" dirty="0" err="1"/>
-              <a:t>git</a:t>
-            </a:r>
-            <a:r>
-              <a:rPr lang="en-US" dirty="0"/>
-              <a:t> checkout master </a:t>
-            </a:r>
-          </a:p>
-          <a:p>
-            <a:pPr>
-              <a:buNone/>
-            </a:pPr>
-            <a:r>
-              <a:rPr lang="en-US" dirty="0"/>
-              <a:t>Switched to branch 'master' </a:t>
-            </a:r>
-          </a:p>
-          <a:p>
-            <a:r>
-              <a:rPr lang="en-US" dirty="0"/>
-              <a:t>$ </a:t>
-            </a:r>
-            <a:r>
-              <a:rPr lang="en-US" dirty="0" err="1"/>
-              <a:t>git</a:t>
-            </a:r>
-            <a:r>
-              <a:rPr lang="en-US" dirty="0"/>
-              <a:t> merge iss53 </a:t>
-            </a:r>
-          </a:p>
-          <a:p>
-            <a:pPr>
-              <a:buNone/>
-            </a:pPr>
-            <a:r>
-              <a:rPr lang="en-US" dirty="0"/>
-              <a:t>Merge made by the 'recursive' strategy.</a:t>
-            </a:r>
+              <a:rPr lang="en-US" dirty="0" smtClean="0"/>
+              <a:t>SOME COMMANDS</a:t>
+            </a:r>
+            <a:endParaRPr lang="en-US" dirty="0"/>
           </a:p>
         </p:txBody>
       </p:sp>
@@ -35390,88 +35171,6 @@
             <a:fld id="{00000000-1234-1234-1234-123412341234}" type="slidenum">
               <a:rPr lang="en" smtClean="0"/>
               <a:t>96</a:t>
-            </a:fld>
-            <a:endParaRPr lang="en"/>
-          </a:p>
-        </p:txBody>
-      </p:sp>
-    </p:spTree>
-    <p:extLst>
-      <p:ext uri="{BB962C8B-B14F-4D97-AF65-F5344CB8AC3E}">
-        <p14:creationId xmlns:p14="http://schemas.microsoft.com/office/powerpoint/2010/main" val="3834861765"/>
-      </p:ext>
-    </p:extLst>
-  </p:cSld>
-  <p:clrMapOvr>
-    <a:masterClrMapping/>
-  </p:clrMapOvr>
-</p:sld>
-</file>
-
-<file path=ppt/slides/slide97.xml><?xml version="1.0" encoding="utf-8"?>
-<p:sld xmlns:a="http://schemas.openxmlformats.org/drawingml/2006/main" xmlns:r="http://schemas.openxmlformats.org/officeDocument/2006/relationships" xmlns:p="http://schemas.openxmlformats.org/presentationml/2006/main">
-  <p:cSld>
-    <p:spTree>
-      <p:nvGrpSpPr>
-        <p:cNvPr id="1" name=""/>
-        <p:cNvGrpSpPr/>
-        <p:nvPr/>
-      </p:nvGrpSpPr>
-      <p:grpSpPr>
-        <a:xfrm>
-          <a:off x="0" y="0"/>
-          <a:ext cx="0" cy="0"/>
-          <a:chOff x="0" y="0"/>
-          <a:chExt cx="0" cy="0"/>
-        </a:xfrm>
-      </p:grpSpPr>
-      <p:sp>
-        <p:nvSpPr>
-          <p:cNvPr id="2" name="Title 1"/>
-          <p:cNvSpPr>
-            <a:spLocks noGrp="1"/>
-          </p:cNvSpPr>
-          <p:nvPr>
-            <p:ph type="title"/>
-          </p:nvPr>
-        </p:nvSpPr>
-        <p:spPr/>
-        <p:txBody>
-          <a:bodyPr/>
-          <a:lstStyle/>
-          <a:p>
-            <a:r>
-              <a:rPr lang="en-US" dirty="0" smtClean="0"/>
-              <a:t>SOME COMMANDS</a:t>
-            </a:r>
-            <a:endParaRPr lang="en-US" dirty="0"/>
-          </a:p>
-        </p:txBody>
-      </p:sp>
-      <p:sp>
-        <p:nvSpPr>
-          <p:cNvPr id="4" name="Slide Number Placeholder 3"/>
-          <p:cNvSpPr>
-            <a:spLocks noGrp="1"/>
-          </p:cNvSpPr>
-          <p:nvPr>
-            <p:ph type="sldNum" idx="12"/>
-          </p:nvPr>
-        </p:nvSpPr>
-        <p:spPr/>
-        <p:txBody>
-          <a:bodyPr/>
-          <a:lstStyle/>
-          <a:p>
-            <a:pPr lvl="0">
-              <a:spcBef>
-                <a:spcPts val="0"/>
-              </a:spcBef>
-              <a:buNone/>
-            </a:pPr>
-            <a:fld id="{00000000-1234-1234-1234-123412341234}" type="slidenum">
-              <a:rPr lang="en" smtClean="0"/>
-              <a:t>97</a:t>
             </a:fld>
             <a:endParaRPr lang="en"/>
           </a:p>
@@ -36154,6 +35853,126 @@
 </p:sld>
 </file>
 
+<file path=ppt/slides/slide97.xml><?xml version="1.0" encoding="utf-8"?>
+<p:sld xmlns:a="http://schemas.openxmlformats.org/drawingml/2006/main" xmlns:r="http://schemas.openxmlformats.org/officeDocument/2006/relationships" xmlns:p="http://schemas.openxmlformats.org/presentationml/2006/main">
+  <p:cSld>
+    <p:spTree>
+      <p:nvGrpSpPr>
+        <p:cNvPr id="1" name=""/>
+        <p:cNvGrpSpPr/>
+        <p:nvPr/>
+      </p:nvGrpSpPr>
+      <p:grpSpPr>
+        <a:xfrm>
+          <a:off x="0" y="0"/>
+          <a:ext cx="0" cy="0"/>
+          <a:chOff x="0" y="0"/>
+          <a:chExt cx="0" cy="0"/>
+        </a:xfrm>
+      </p:grpSpPr>
+      <p:sp>
+        <p:nvSpPr>
+          <p:cNvPr id="2" name="Title 1"/>
+          <p:cNvSpPr>
+            <a:spLocks noGrp="1"/>
+          </p:cNvSpPr>
+          <p:nvPr>
+            <p:ph type="title"/>
+          </p:nvPr>
+        </p:nvSpPr>
+        <p:spPr/>
+        <p:txBody>
+          <a:bodyPr/>
+          <a:lstStyle/>
+          <a:p>
+            <a:r>
+              <a:rPr lang="vi-VN" dirty="0"/>
+              <a:t>1. Vừa chỉnh code xong, chưa add</a:t>
+            </a:r>
+            <a:br>
+              <a:rPr lang="vi-VN" dirty="0"/>
+            </a:br>
+            <a:endParaRPr lang="en-US" dirty="0"/>
+          </a:p>
+        </p:txBody>
+      </p:sp>
+      <p:sp>
+        <p:nvSpPr>
+          <p:cNvPr id="3" name="Text Placeholder 2"/>
+          <p:cNvSpPr>
+            <a:spLocks noGrp="1"/>
+          </p:cNvSpPr>
+          <p:nvPr>
+            <p:ph type="body" idx="1"/>
+          </p:nvPr>
+        </p:nvSpPr>
+        <p:spPr/>
+        <p:txBody>
+          <a:bodyPr/>
+          <a:lstStyle/>
+          <a:p>
+            <a:r>
+              <a:rPr lang="vi-VN" dirty="0" smtClean="0"/>
+              <a:t>$ </a:t>
+            </a:r>
+            <a:r>
+              <a:rPr lang="vi-VN" dirty="0"/>
+              <a:t>git clean -df</a:t>
+            </a:r>
+          </a:p>
+          <a:p>
+            <a:r>
+              <a:rPr lang="vi-VN" dirty="0"/>
+              <a:t>$ git checkout --  .</a:t>
+            </a:r>
+          </a:p>
+          <a:p>
+            <a:endParaRPr lang="en-US" dirty="0"/>
+          </a:p>
+        </p:txBody>
+      </p:sp>
+      <p:sp>
+        <p:nvSpPr>
+          <p:cNvPr id="4" name="Slide Number Placeholder 3"/>
+          <p:cNvSpPr>
+            <a:spLocks noGrp="1"/>
+          </p:cNvSpPr>
+          <p:nvPr>
+            <p:ph type="sldNum" idx="12"/>
+          </p:nvPr>
+        </p:nvSpPr>
+        <p:spPr/>
+        <p:txBody>
+          <a:bodyPr/>
+          <a:lstStyle/>
+          <a:p>
+            <a:pPr lvl="0">
+              <a:spcBef>
+                <a:spcPts val="0"/>
+              </a:spcBef>
+              <a:buNone/>
+            </a:pPr>
+            <a:fld id="{00000000-1234-1234-1234-123412341234}" type="slidenum">
+              <a:rPr lang="en" smtClean="0"/>
+              <a:t>97</a:t>
+            </a:fld>
+            <a:endParaRPr lang="en"/>
+          </a:p>
+        </p:txBody>
+      </p:sp>
+    </p:spTree>
+    <p:extLst>
+      <p:ext uri="{BB962C8B-B14F-4D97-AF65-F5344CB8AC3E}">
+        <p14:creationId xmlns:p14="http://schemas.microsoft.com/office/powerpoint/2010/main" val="3607592912"/>
+      </p:ext>
+    </p:extLst>
+  </p:cSld>
+  <p:clrMapOvr>
+    <a:masterClrMapping/>
+  </p:clrMapOvr>
+</p:sld>
+</file>
+
 <file path=ppt/slides/slide98.xml><?xml version="1.0" encoding="utf-8"?>
 <p:sld xmlns:a="http://schemas.openxmlformats.org/drawingml/2006/main" xmlns:r="http://schemas.openxmlformats.org/officeDocument/2006/relationships" xmlns:p="http://schemas.openxmlformats.org/presentationml/2006/main">
   <p:cSld>
@@ -36188,7 +36007,7 @@
           <a:p>
             <a:r>
               <a:rPr lang="vi-VN" dirty="0"/>
-              <a:t>1. Vừa chỉnh code xong, chưa add</a:t>
+              <a:t>2. Lỡ tay add nhưng chưa commit</a:t>
             </a:r>
             <a:br>
               <a:rPr lang="vi-VN" dirty="0"/>
@@ -36218,7 +36037,13 @@
             </a:r>
             <a:r>
               <a:rPr lang="vi-VN" dirty="0"/>
-              <a:t>git clean -df</a:t>
+              <a:t>git reset HEAD </a:t>
+            </a:r>
+          </a:p>
+          <a:p>
+            <a:r>
+              <a:rPr lang="vi-VN" dirty="0"/>
+              <a:t>$ git clean -df </a:t>
             </a:r>
           </a:p>
           <a:p>
@@ -36264,7 +36089,7 @@
     </p:spTree>
     <p:extLst>
       <p:ext uri="{BB962C8B-B14F-4D97-AF65-F5344CB8AC3E}">
-        <p14:creationId xmlns:p14="http://schemas.microsoft.com/office/powerpoint/2010/main" val="3607592912"/>
+        <p14:creationId xmlns:p14="http://schemas.microsoft.com/office/powerpoint/2010/main" val="2809899944"/>
       </p:ext>
     </p:extLst>
   </p:cSld>
@@ -36308,7 +36133,7 @@
           <a:p>
             <a:r>
               <a:rPr lang="vi-VN" dirty="0"/>
-              <a:t>2. Lỡ tay add nhưng chưa commit</a:t>
+              <a:t>3. Commit rồi, mà hên chưa push</a:t>
             </a:r>
             <a:br>
               <a:rPr lang="vi-VN" dirty="0"/>
@@ -36338,19 +36163,7 @@
             </a:r>
             <a:r>
               <a:rPr lang="vi-VN" dirty="0"/>
-              <a:t>git reset HEAD </a:t>
-            </a:r>
-          </a:p>
-          <a:p>
-            <a:r>
-              <a:rPr lang="vi-VN" dirty="0"/>
-              <a:t>$ git clean -df </a:t>
-            </a:r>
-          </a:p>
-          <a:p>
-            <a:r>
-              <a:rPr lang="vi-VN" dirty="0"/>
-              <a:t>$ git checkout --  .</a:t>
+              <a:t>git reset HEAD~1 --hard</a:t>
             </a:r>
           </a:p>
           <a:p>
@@ -36390,7 +36203,7 @@
     </p:spTree>
     <p:extLst>
       <p:ext uri="{BB962C8B-B14F-4D97-AF65-F5344CB8AC3E}">
-        <p14:creationId xmlns:p14="http://schemas.microsoft.com/office/powerpoint/2010/main" val="2809899944"/>
+        <p14:creationId xmlns:p14="http://schemas.microsoft.com/office/powerpoint/2010/main" val="3596945404"/>
       </p:ext>
     </p:extLst>
   </p:cSld>
